--- a/slides/On-Campus/09_03_MoreClasses.pptx
+++ b/slides/On-Campus/09_03_MoreClasses.pptx
@@ -5,16 +5,22 @@
     <p:sldMasterId id="2147483648" r:id="rId1"/>
   </p:sldMasterIdLst>
   <p:notesMasterIdLst>
-    <p:notesMasterId r:id="rId6"/>
+    <p:notesMasterId r:id="rId12"/>
   </p:notesMasterIdLst>
   <p:handoutMasterIdLst>
-    <p:handoutMasterId r:id="rId7"/>
+    <p:handoutMasterId r:id="rId13"/>
   </p:handoutMasterIdLst>
   <p:sldIdLst>
     <p:sldId id="256" r:id="rId2"/>
-    <p:sldId id="257" r:id="rId3"/>
-    <p:sldId id="258" r:id="rId4"/>
-    <p:sldId id="259" r:id="rId5"/>
+    <p:sldId id="260" r:id="rId3"/>
+    <p:sldId id="257" r:id="rId4"/>
+    <p:sldId id="261" r:id="rId5"/>
+    <p:sldId id="262" r:id="rId6"/>
+    <p:sldId id="258" r:id="rId7"/>
+    <p:sldId id="263" r:id="rId8"/>
+    <p:sldId id="259" r:id="rId9"/>
+    <p:sldId id="264" r:id="rId10"/>
+    <p:sldId id="265" r:id="rId11"/>
   </p:sldIdLst>
   <p:sldSz cx="13817600" cy="7772400"/>
   <p:notesSz cx="6858000" cy="9144000"/>
@@ -135,6 +141,307 @@
 </p:presentation>
 </file>
 
+<file path=ppt/changesInfos/changesInfo1.xml><?xml version="1.0" encoding="utf-8"?>
+<pc:chgInfo xmlns:a="http://schemas.openxmlformats.org/drawingml/2006/main" xmlns:r="http://schemas.openxmlformats.org/officeDocument/2006/relationships" xmlns:ac="http://schemas.microsoft.com/office/drawing/2013/main/command" xmlns:pc="http://schemas.microsoft.com/office/powerpoint/2013/main/command">
+  <pc:docChgLst>
+    <pc:chgData name="Marcia Moraes" userId="c9c67e8a-58e2-4733-9a1c-5d44fec4775b" providerId="ADAL" clId="{3AC8F18F-807D-497C-BC7A-B6033770EA53}"/>
+    <pc:docChg chg="undo custSel addSld delSld modSld sldOrd">
+      <pc:chgData name="Marcia Moraes" userId="c9c67e8a-58e2-4733-9a1c-5d44fec4775b" providerId="ADAL" clId="{3AC8F18F-807D-497C-BC7A-B6033770EA53}" dt="2021-10-21T17:46:07.993" v="1633" actId="6549"/>
+      <pc:docMkLst>
+        <pc:docMk/>
+      </pc:docMkLst>
+      <pc:sldChg chg="modSp">
+        <pc:chgData name="Marcia Moraes" userId="c9c67e8a-58e2-4733-9a1c-5d44fec4775b" providerId="ADAL" clId="{3AC8F18F-807D-497C-BC7A-B6033770EA53}" dt="2021-10-21T15:58:33.949" v="250" actId="20577"/>
+        <pc:sldMkLst>
+          <pc:docMk/>
+          <pc:sldMk cId="2012767177" sldId="257"/>
+        </pc:sldMkLst>
+        <pc:spChg chg="mod">
+          <ac:chgData name="Marcia Moraes" userId="c9c67e8a-58e2-4733-9a1c-5d44fec4775b" providerId="ADAL" clId="{3AC8F18F-807D-497C-BC7A-B6033770EA53}" dt="2021-10-21T15:58:33.949" v="250" actId="20577"/>
+          <ac:spMkLst>
+            <pc:docMk/>
+            <pc:sldMk cId="2012767177" sldId="257"/>
+            <ac:spMk id="6" creationId="{070BA3BB-E4AC-1442-9C1B-434DA00352F6}"/>
+          </ac:spMkLst>
+        </pc:spChg>
+      </pc:sldChg>
+      <pc:sldChg chg="modSp">
+        <pc:chgData name="Marcia Moraes" userId="c9c67e8a-58e2-4733-9a1c-5d44fec4775b" providerId="ADAL" clId="{3AC8F18F-807D-497C-BC7A-B6033770EA53}" dt="2021-10-21T16:34:32.297" v="1587" actId="20577"/>
+        <pc:sldMkLst>
+          <pc:docMk/>
+          <pc:sldMk cId="1014466982" sldId="259"/>
+        </pc:sldMkLst>
+        <pc:spChg chg="mod">
+          <ac:chgData name="Marcia Moraes" userId="c9c67e8a-58e2-4733-9a1c-5d44fec4775b" providerId="ADAL" clId="{3AC8F18F-807D-497C-BC7A-B6033770EA53}" dt="2021-10-21T16:34:32.297" v="1587" actId="20577"/>
+          <ac:spMkLst>
+            <pc:docMk/>
+            <pc:sldMk cId="1014466982" sldId="259"/>
+            <ac:spMk id="3" creationId="{507F2138-38CE-FB4F-963C-1AF7D9CA4471}"/>
+          </ac:spMkLst>
+        </pc:spChg>
+      </pc:sldChg>
+      <pc:sldChg chg="modSp add">
+        <pc:chgData name="Marcia Moraes" userId="c9c67e8a-58e2-4733-9a1c-5d44fec4775b" providerId="ADAL" clId="{3AC8F18F-807D-497C-BC7A-B6033770EA53}" dt="2021-10-21T15:56:52.459" v="232" actId="5793"/>
+        <pc:sldMkLst>
+          <pc:docMk/>
+          <pc:sldMk cId="2451232438" sldId="260"/>
+        </pc:sldMkLst>
+        <pc:spChg chg="mod">
+          <ac:chgData name="Marcia Moraes" userId="c9c67e8a-58e2-4733-9a1c-5d44fec4775b" providerId="ADAL" clId="{3AC8F18F-807D-497C-BC7A-B6033770EA53}" dt="2021-10-21T15:53:56.408" v="17" actId="20577"/>
+          <ac:spMkLst>
+            <pc:docMk/>
+            <pc:sldMk cId="2451232438" sldId="260"/>
+            <ac:spMk id="4" creationId="{F6F7E663-32CE-E448-95F9-79C015848441}"/>
+          </ac:spMkLst>
+        </pc:spChg>
+        <pc:spChg chg="mod">
+          <ac:chgData name="Marcia Moraes" userId="c9c67e8a-58e2-4733-9a1c-5d44fec4775b" providerId="ADAL" clId="{3AC8F18F-807D-497C-BC7A-B6033770EA53}" dt="2021-10-21T15:56:52.459" v="232" actId="5793"/>
+          <ac:spMkLst>
+            <pc:docMk/>
+            <pc:sldMk cId="2451232438" sldId="260"/>
+            <ac:spMk id="6" creationId="{070BA3BB-E4AC-1442-9C1B-434DA00352F6}"/>
+          </ac:spMkLst>
+        </pc:spChg>
+      </pc:sldChg>
+      <pc:sldChg chg="add del">
+        <pc:chgData name="Marcia Moraes" userId="c9c67e8a-58e2-4733-9a1c-5d44fec4775b" providerId="ADAL" clId="{3AC8F18F-807D-497C-BC7A-B6033770EA53}" dt="2021-10-21T15:53:45.897" v="1" actId="2696"/>
+        <pc:sldMkLst>
+          <pc:docMk/>
+          <pc:sldMk cId="3540625572" sldId="260"/>
+        </pc:sldMkLst>
+      </pc:sldChg>
+      <pc:sldChg chg="modSp add">
+        <pc:chgData name="Marcia Moraes" userId="c9c67e8a-58e2-4733-9a1c-5d44fec4775b" providerId="ADAL" clId="{3AC8F18F-807D-497C-BC7A-B6033770EA53}" dt="2021-10-21T16:26:01.739" v="1430" actId="6549"/>
+        <pc:sldMkLst>
+          <pc:docMk/>
+          <pc:sldMk cId="1227827217" sldId="261"/>
+        </pc:sldMkLst>
+        <pc:spChg chg="mod">
+          <ac:chgData name="Marcia Moraes" userId="c9c67e8a-58e2-4733-9a1c-5d44fec4775b" providerId="ADAL" clId="{3AC8F18F-807D-497C-BC7A-B6033770EA53}" dt="2021-10-21T16:06:19.021" v="749" actId="1076"/>
+          <ac:spMkLst>
+            <pc:docMk/>
+            <pc:sldMk cId="1227827217" sldId="261"/>
+            <ac:spMk id="4" creationId="{F6F7E663-32CE-E448-95F9-79C015848441}"/>
+          </ac:spMkLst>
+        </pc:spChg>
+        <pc:spChg chg="mod">
+          <ac:chgData name="Marcia Moraes" userId="c9c67e8a-58e2-4733-9a1c-5d44fec4775b" providerId="ADAL" clId="{3AC8F18F-807D-497C-BC7A-B6033770EA53}" dt="2021-10-21T16:26:01.739" v="1430" actId="6549"/>
+          <ac:spMkLst>
+            <pc:docMk/>
+            <pc:sldMk cId="1227827217" sldId="261"/>
+            <ac:spMk id="6" creationId="{070BA3BB-E4AC-1442-9C1B-434DA00352F6}"/>
+          </ac:spMkLst>
+        </pc:spChg>
+      </pc:sldChg>
+      <pc:sldChg chg="addSp delSp modSp add ord">
+        <pc:chgData name="Marcia Moraes" userId="c9c67e8a-58e2-4733-9a1c-5d44fec4775b" providerId="ADAL" clId="{3AC8F18F-807D-497C-BC7A-B6033770EA53}" dt="2021-10-21T16:22:53.519" v="1293" actId="20577"/>
+        <pc:sldMkLst>
+          <pc:docMk/>
+          <pc:sldMk cId="2110323143" sldId="262"/>
+        </pc:sldMkLst>
+        <pc:spChg chg="mod">
+          <ac:chgData name="Marcia Moraes" userId="c9c67e8a-58e2-4733-9a1c-5d44fec4775b" providerId="ADAL" clId="{3AC8F18F-807D-497C-BC7A-B6033770EA53}" dt="2021-10-21T16:22:53.519" v="1293" actId="20577"/>
+          <ac:spMkLst>
+            <pc:docMk/>
+            <pc:sldMk cId="2110323143" sldId="262"/>
+            <ac:spMk id="2" creationId="{2DBAED83-8A0A-0548-BA23-13CB5D45BC8F}"/>
+          </ac:spMkLst>
+        </pc:spChg>
+        <pc:spChg chg="mod">
+          <ac:chgData name="Marcia Moraes" userId="c9c67e8a-58e2-4733-9a1c-5d44fec4775b" providerId="ADAL" clId="{3AC8F18F-807D-497C-BC7A-B6033770EA53}" dt="2021-10-21T16:21:06.852" v="1282" actId="20577"/>
+          <ac:spMkLst>
+            <pc:docMk/>
+            <pc:sldMk cId="2110323143" sldId="262"/>
+            <ac:spMk id="3" creationId="{507F2138-38CE-FB4F-963C-1AF7D9CA4471}"/>
+          </ac:spMkLst>
+        </pc:spChg>
+        <pc:spChg chg="mod">
+          <ac:chgData name="Marcia Moraes" userId="c9c67e8a-58e2-4733-9a1c-5d44fec4775b" providerId="ADAL" clId="{3AC8F18F-807D-497C-BC7A-B6033770EA53}" dt="2021-10-21T16:15:25.818" v="927"/>
+          <ac:spMkLst>
+            <pc:docMk/>
+            <pc:sldMk cId="2110323143" sldId="262"/>
+            <ac:spMk id="4" creationId="{BE278577-C507-B448-9A94-C13AB472D32E}"/>
+          </ac:spMkLst>
+        </pc:spChg>
+        <pc:spChg chg="add del">
+          <ac:chgData name="Marcia Moraes" userId="c9c67e8a-58e2-4733-9a1c-5d44fec4775b" providerId="ADAL" clId="{3AC8F18F-807D-497C-BC7A-B6033770EA53}" dt="2021-10-21T16:15:07.221" v="926"/>
+          <ac:spMkLst>
+            <pc:docMk/>
+            <pc:sldMk cId="2110323143" sldId="262"/>
+            <ac:spMk id="5" creationId="{05661B2F-FE0A-4F67-A638-039E8C5C6759}"/>
+          </ac:spMkLst>
+        </pc:spChg>
+      </pc:sldChg>
+      <pc:sldChg chg="addSp delSp modSp add delAnim">
+        <pc:chgData name="Marcia Moraes" userId="c9c67e8a-58e2-4733-9a1c-5d44fec4775b" providerId="ADAL" clId="{3AC8F18F-807D-497C-BC7A-B6033770EA53}" dt="2021-10-21T16:27:02.365" v="1450" actId="20577"/>
+        <pc:sldMkLst>
+          <pc:docMk/>
+          <pc:sldMk cId="1730857530" sldId="263"/>
+        </pc:sldMkLst>
+        <pc:spChg chg="mod">
+          <ac:chgData name="Marcia Moraes" userId="c9c67e8a-58e2-4733-9a1c-5d44fec4775b" providerId="ADAL" clId="{3AC8F18F-807D-497C-BC7A-B6033770EA53}" dt="2021-10-21T16:23:01.573" v="1302" actId="20577"/>
+          <ac:spMkLst>
+            <pc:docMk/>
+            <pc:sldMk cId="1730857530" sldId="263"/>
+            <ac:spMk id="2" creationId="{7F5F8C1B-DC3E-E841-B6A5-63177E30B362}"/>
+          </ac:spMkLst>
+        </pc:spChg>
+        <pc:spChg chg="mod">
+          <ac:chgData name="Marcia Moraes" userId="c9c67e8a-58e2-4733-9a1c-5d44fec4775b" providerId="ADAL" clId="{3AC8F18F-807D-497C-BC7A-B6033770EA53}" dt="2021-10-21T16:27:02.365" v="1450" actId="20577"/>
+          <ac:spMkLst>
+            <pc:docMk/>
+            <pc:sldMk cId="1730857530" sldId="263"/>
+            <ac:spMk id="3" creationId="{4EEDFB7D-D77B-AE41-A1C6-ED4C90C27C9E}"/>
+          </ac:spMkLst>
+        </pc:spChg>
+        <pc:spChg chg="del">
+          <ac:chgData name="Marcia Moraes" userId="c9c67e8a-58e2-4733-9a1c-5d44fec4775b" providerId="ADAL" clId="{3AC8F18F-807D-497C-BC7A-B6033770EA53}" dt="2021-10-21T16:23:05.054" v="1303" actId="478"/>
+          <ac:spMkLst>
+            <pc:docMk/>
+            <pc:sldMk cId="1730857530" sldId="263"/>
+            <ac:spMk id="4" creationId="{776DC2C5-FABF-AF4B-A76F-146A1F441CF0}"/>
+          </ac:spMkLst>
+        </pc:spChg>
+        <pc:spChg chg="del">
+          <ac:chgData name="Marcia Moraes" userId="c9c67e8a-58e2-4733-9a1c-5d44fec4775b" providerId="ADAL" clId="{3AC8F18F-807D-497C-BC7A-B6033770EA53}" dt="2021-10-21T16:23:09.787" v="1305" actId="478"/>
+          <ac:spMkLst>
+            <pc:docMk/>
+            <pc:sldMk cId="1730857530" sldId="263"/>
+            <ac:spMk id="5" creationId="{C3D6DE1E-C72D-FC4D-AD95-9E372E55E0AA}"/>
+          </ac:spMkLst>
+        </pc:spChg>
+        <pc:spChg chg="del">
+          <ac:chgData name="Marcia Moraes" userId="c9c67e8a-58e2-4733-9a1c-5d44fec4775b" providerId="ADAL" clId="{3AC8F18F-807D-497C-BC7A-B6033770EA53}" dt="2021-10-21T16:23:37.454" v="1316" actId="478"/>
+          <ac:spMkLst>
+            <pc:docMk/>
+            <pc:sldMk cId="1730857530" sldId="263"/>
+            <ac:spMk id="7" creationId="{1D54C574-F1C4-224F-8D72-1D0CE315659A}"/>
+          </ac:spMkLst>
+        </pc:spChg>
+        <pc:spChg chg="del">
+          <ac:chgData name="Marcia Moraes" userId="c9c67e8a-58e2-4733-9a1c-5d44fec4775b" providerId="ADAL" clId="{3AC8F18F-807D-497C-BC7A-B6033770EA53}" dt="2021-10-21T16:23:11.864" v="1306" actId="478"/>
+          <ac:spMkLst>
+            <pc:docMk/>
+            <pc:sldMk cId="1730857530" sldId="263"/>
+            <ac:spMk id="8" creationId="{EDB37B83-B729-414D-BB64-25ADD03C6C95}"/>
+          </ac:spMkLst>
+        </pc:spChg>
+        <pc:spChg chg="del">
+          <ac:chgData name="Marcia Moraes" userId="c9c67e8a-58e2-4733-9a1c-5d44fec4775b" providerId="ADAL" clId="{3AC8F18F-807D-497C-BC7A-B6033770EA53}" dt="2021-10-21T16:23:08.916" v="1304" actId="478"/>
+          <ac:spMkLst>
+            <pc:docMk/>
+            <pc:sldMk cId="1730857530" sldId="263"/>
+            <ac:spMk id="9" creationId="{5A212008-80E3-5449-84B5-3C7398A29D87}"/>
+          </ac:spMkLst>
+        </pc:spChg>
+        <pc:spChg chg="add mod">
+          <ac:chgData name="Marcia Moraes" userId="c9c67e8a-58e2-4733-9a1c-5d44fec4775b" providerId="ADAL" clId="{3AC8F18F-807D-497C-BC7A-B6033770EA53}" dt="2021-10-21T16:23:32.487" v="1315" actId="113"/>
+          <ac:spMkLst>
+            <pc:docMk/>
+            <pc:sldMk cId="1730857530" sldId="263"/>
+            <ac:spMk id="10" creationId="{C5D9AE18-5928-4761-8323-32C43525F859}"/>
+          </ac:spMkLst>
+        </pc:spChg>
+      </pc:sldChg>
+      <pc:sldChg chg="modSp add">
+        <pc:chgData name="Marcia Moraes" userId="c9c67e8a-58e2-4733-9a1c-5d44fec4775b" providerId="ADAL" clId="{3AC8F18F-807D-497C-BC7A-B6033770EA53}" dt="2021-10-21T16:34:49.293" v="1588" actId="20577"/>
+        <pc:sldMkLst>
+          <pc:docMk/>
+          <pc:sldMk cId="1439199420" sldId="264"/>
+        </pc:sldMkLst>
+        <pc:spChg chg="mod">
+          <ac:chgData name="Marcia Moraes" userId="c9c67e8a-58e2-4733-9a1c-5d44fec4775b" providerId="ADAL" clId="{3AC8F18F-807D-497C-BC7A-B6033770EA53}" dt="2021-10-21T16:30:53.596" v="1454" actId="20577"/>
+          <ac:spMkLst>
+            <pc:docMk/>
+            <pc:sldMk cId="1439199420" sldId="264"/>
+            <ac:spMk id="2" creationId="{2DBAED83-8A0A-0548-BA23-13CB5D45BC8F}"/>
+          </ac:spMkLst>
+        </pc:spChg>
+        <pc:spChg chg="mod">
+          <ac:chgData name="Marcia Moraes" userId="c9c67e8a-58e2-4733-9a1c-5d44fec4775b" providerId="ADAL" clId="{3AC8F18F-807D-497C-BC7A-B6033770EA53}" dt="2021-10-21T16:34:49.293" v="1588" actId="20577"/>
+          <ac:spMkLst>
+            <pc:docMk/>
+            <pc:sldMk cId="1439199420" sldId="264"/>
+            <ac:spMk id="3" creationId="{507F2138-38CE-FB4F-963C-1AF7D9CA4471}"/>
+          </ac:spMkLst>
+        </pc:spChg>
+        <pc:spChg chg="mod">
+          <ac:chgData name="Marcia Moraes" userId="c9c67e8a-58e2-4733-9a1c-5d44fec4775b" providerId="ADAL" clId="{3AC8F18F-807D-497C-BC7A-B6033770EA53}" dt="2021-10-21T16:31:02.097" v="1455"/>
+          <ac:spMkLst>
+            <pc:docMk/>
+            <pc:sldMk cId="1439199420" sldId="264"/>
+            <ac:spMk id="4" creationId="{BE278577-C507-B448-9A94-C13AB472D32E}"/>
+          </ac:spMkLst>
+        </pc:spChg>
+      </pc:sldChg>
+      <pc:sldChg chg="addSp delSp modSp add">
+        <pc:chgData name="Marcia Moraes" userId="c9c67e8a-58e2-4733-9a1c-5d44fec4775b" providerId="ADAL" clId="{3AC8F18F-807D-497C-BC7A-B6033770EA53}" dt="2021-10-21T17:46:07.993" v="1633" actId="6549"/>
+        <pc:sldMkLst>
+          <pc:docMk/>
+          <pc:sldMk cId="2955887086" sldId="265"/>
+        </pc:sldMkLst>
+        <pc:spChg chg="mod">
+          <ac:chgData name="Marcia Moraes" userId="c9c67e8a-58e2-4733-9a1c-5d44fec4775b" providerId="ADAL" clId="{3AC8F18F-807D-497C-BC7A-B6033770EA53}" dt="2021-10-21T17:45:27.200" v="1630" actId="14100"/>
+          <ac:spMkLst>
+            <pc:docMk/>
+            <pc:sldMk cId="2955887086" sldId="265"/>
+            <ac:spMk id="2" creationId="{2DBAED83-8A0A-0548-BA23-13CB5D45BC8F}"/>
+          </ac:spMkLst>
+        </pc:spChg>
+        <pc:spChg chg="del">
+          <ac:chgData name="Marcia Moraes" userId="c9c67e8a-58e2-4733-9a1c-5d44fec4775b" providerId="ADAL" clId="{3AC8F18F-807D-497C-BC7A-B6033770EA53}" dt="2021-10-21T17:43:28.526" v="1615" actId="478"/>
+          <ac:spMkLst>
+            <pc:docMk/>
+            <pc:sldMk cId="2955887086" sldId="265"/>
+            <ac:spMk id="3" creationId="{507F2138-38CE-FB4F-963C-1AF7D9CA4471}"/>
+          </ac:spMkLst>
+        </pc:spChg>
+        <pc:spChg chg="del">
+          <ac:chgData name="Marcia Moraes" userId="c9c67e8a-58e2-4733-9a1c-5d44fec4775b" providerId="ADAL" clId="{3AC8F18F-807D-497C-BC7A-B6033770EA53}" dt="2021-10-21T17:43:25.577" v="1614" actId="478"/>
+          <ac:spMkLst>
+            <pc:docMk/>
+            <pc:sldMk cId="2955887086" sldId="265"/>
+            <ac:spMk id="4" creationId="{BE278577-C507-B448-9A94-C13AB472D32E}"/>
+          </ac:spMkLst>
+        </pc:spChg>
+        <pc:spChg chg="add del mod">
+          <ac:chgData name="Marcia Moraes" userId="c9c67e8a-58e2-4733-9a1c-5d44fec4775b" providerId="ADAL" clId="{3AC8F18F-807D-497C-BC7A-B6033770EA53}" dt="2021-10-21T17:44:14.271" v="1618" actId="478"/>
+          <ac:spMkLst>
+            <pc:docMk/>
+            <pc:sldMk cId="2955887086" sldId="265"/>
+            <ac:spMk id="6" creationId="{BA9F3ACA-0675-4F19-AB0C-6E164F8493D4}"/>
+          </ac:spMkLst>
+        </pc:spChg>
+        <pc:spChg chg="add del">
+          <ac:chgData name="Marcia Moraes" userId="c9c67e8a-58e2-4733-9a1c-5d44fec4775b" providerId="ADAL" clId="{3AC8F18F-807D-497C-BC7A-B6033770EA53}" dt="2021-10-21T17:43:59.182" v="1617"/>
+          <ac:spMkLst>
+            <pc:docMk/>
+            <pc:sldMk cId="2955887086" sldId="265"/>
+            <ac:spMk id="7" creationId="{BB075B69-DF7D-421D-8AB8-4E198F6BE1BC}"/>
+          </ac:spMkLst>
+        </pc:spChg>
+        <pc:spChg chg="add mod">
+          <ac:chgData name="Marcia Moraes" userId="c9c67e8a-58e2-4733-9a1c-5d44fec4775b" providerId="ADAL" clId="{3AC8F18F-807D-497C-BC7A-B6033770EA53}" dt="2021-10-21T17:45:37.396" v="1632" actId="1076"/>
+          <ac:spMkLst>
+            <pc:docMk/>
+            <pc:sldMk cId="2955887086" sldId="265"/>
+            <ac:spMk id="8" creationId="{AA09EB28-0D1F-461A-983C-5F7C6A7366CF}"/>
+          </ac:spMkLst>
+        </pc:spChg>
+        <pc:spChg chg="add mod">
+          <ac:chgData name="Marcia Moraes" userId="c9c67e8a-58e2-4733-9a1c-5d44fec4775b" providerId="ADAL" clId="{3AC8F18F-807D-497C-BC7A-B6033770EA53}" dt="2021-10-21T17:46:07.993" v="1633" actId="6549"/>
+          <ac:spMkLst>
+            <pc:docMk/>
+            <pc:sldMk cId="2955887086" sldId="265"/>
+            <ac:spMk id="9" creationId="{A073C1CC-1065-443F-980B-520E86B850C8}"/>
+          </ac:spMkLst>
+        </pc:spChg>
+      </pc:sldChg>
+    </pc:docChg>
+  </pc:docChgLst>
+</pc:chgInfo>
+</file>
+
 <file path=ppt/handoutMasters/handoutMaster1.xml><?xml version="1.0" encoding="utf-8"?>
 <p:handoutMaster xmlns:a="http://schemas.openxmlformats.org/drawingml/2006/main" xmlns:r="http://schemas.openxmlformats.org/officeDocument/2006/relationships" xmlns:p="http://schemas.openxmlformats.org/presentationml/2006/main">
   <p:cSld>
@@ -217,7 +524,7 @@
           <a:p>
             <a:fld id="{4D7E51A5-B478-1E40-8CBB-0DAA8831E99D}" type="datetimeFigureOut">
               <a:rPr lang="en-US" smtClean="0"/>
-              <a:t>4/14/20</a:t>
+              <a:t>10/21/2021</a:t>
             </a:fld>
             <a:endParaRPr lang="en-US"/>
           </a:p>
@@ -382,7 +689,7 @@
           <a:p>
             <a:fld id="{D0ED587F-861E-6740-9643-E3DDAE89B8D6}" type="datetimeFigureOut">
               <a:rPr lang="en-US" smtClean="0"/>
-              <a:t>4/14/20</a:t>
+              <a:t>10/21/2021</a:t>
             </a:fld>
             <a:endParaRPr lang="en-US"/>
           </a:p>
@@ -6706,6 +7013,2934 @@
 </p:sld>
 </file>
 
+<file path=ppt/slides/slide10.xml><?xml version="1.0" encoding="utf-8"?>
+<p:sld xmlns:a="http://schemas.openxmlformats.org/drawingml/2006/main" xmlns:r="http://schemas.openxmlformats.org/officeDocument/2006/relationships" xmlns:p="http://schemas.openxmlformats.org/presentationml/2006/main">
+  <p:cSld>
+    <p:spTree>
+      <p:nvGrpSpPr>
+        <p:cNvPr id="1" name=""/>
+        <p:cNvGrpSpPr/>
+        <p:nvPr/>
+      </p:nvGrpSpPr>
+      <p:grpSpPr>
+        <a:xfrm>
+          <a:off x="0" y="0"/>
+          <a:ext cx="0" cy="0"/>
+          <a:chOff x="0" y="0"/>
+          <a:chExt cx="0" cy="0"/>
+        </a:xfrm>
+      </p:grpSpPr>
+      <p:sp>
+        <p:nvSpPr>
+          <p:cNvPr id="2" name="Title 1">
+            <a:extLst>
+              <a:ext uri="{FF2B5EF4-FFF2-40B4-BE49-F238E27FC236}">
+                <a16:creationId xmlns:a16="http://schemas.microsoft.com/office/drawing/2014/main" id="{2DBAED83-8A0A-0548-BA23-13CB5D45BC8F}"/>
+              </a:ext>
+            </a:extLst>
+          </p:cNvPr>
+          <p:cNvSpPr>
+            <a:spLocks noGrp="1"/>
+          </p:cNvSpPr>
+          <p:nvPr>
+            <p:ph type="title"/>
+          </p:nvPr>
+        </p:nvSpPr>
+        <p:spPr>
+          <a:xfrm>
+            <a:off x="434325" y="425138"/>
+            <a:ext cx="5020177" cy="1846659"/>
+          </a:xfrm>
+        </p:spPr>
+        <p:txBody>
+          <a:bodyPr/>
+          <a:lstStyle/>
+          <a:p>
+            <a:r>
+              <a:rPr lang="en-US" dirty="0"/>
+              <a:t>Practical 4 – </a:t>
+            </a:r>
+            <a:br>
+              <a:rPr lang="en-US" dirty="0"/>
+            </a:br>
+            <a:r>
+              <a:rPr lang="en-US" dirty="0"/>
+              <a:t>Some Tips</a:t>
+            </a:r>
+          </a:p>
+        </p:txBody>
+      </p:sp>
+      <p:sp>
+        <p:nvSpPr>
+          <p:cNvPr id="8" name="Rectangle 2">
+            <a:extLst>
+              <a:ext uri="{FF2B5EF4-FFF2-40B4-BE49-F238E27FC236}">
+                <a16:creationId xmlns:a16="http://schemas.microsoft.com/office/drawing/2014/main" id="{AA09EB28-0D1F-461A-983C-5F7C6A7366CF}"/>
+              </a:ext>
+            </a:extLst>
+          </p:cNvPr>
+          <p:cNvSpPr>
+            <a:spLocks noChangeArrowheads="1"/>
+          </p:cNvSpPr>
+          <p:nvPr/>
+        </p:nvSpPr>
+        <p:spPr bwMode="auto">
+          <a:xfrm>
+            <a:off x="0" y="2781397"/>
+            <a:ext cx="6666614" cy="3416320"/>
+          </a:xfrm>
+          <a:prstGeom prst="rect">
+            <a:avLst/>
+          </a:prstGeom>
+          <a:solidFill>
+            <a:srgbClr val="2B2B2B"/>
+          </a:solidFill>
+          <a:ln>
+            <a:noFill/>
+          </a:ln>
+          <a:effectLst/>
+          <a:extLst>
+            <a:ext uri="{91240B29-F687-4F45-9708-019B960494DF}">
+              <a14:hiddenLine xmlns:a14="http://schemas.microsoft.com/office/drawing/2010/main" w="9525">
+                <a:solidFill>
+                  <a:schemeClr val="tx1"/>
+                </a:solidFill>
+                <a:miter lim="800000"/>
+                <a:headEnd/>
+                <a:tailEnd/>
+              </a14:hiddenLine>
+            </a:ext>
+            <a:ext uri="{AF507438-7753-43E0-B8FC-AC1667EBCBE1}">
+              <a14:hiddenEffects xmlns:a14="http://schemas.microsoft.com/office/drawing/2010/main">
+                <a:effectLst>
+                  <a:outerShdw dist="35921" dir="2700000" algn="ctr" rotWithShape="0">
+                    <a:schemeClr val="bg2"/>
+                  </a:outerShdw>
+                </a:effectLst>
+              </a14:hiddenEffects>
+            </a:ext>
+          </a:extLst>
+        </p:spPr>
+        <p:txBody>
+          <a:bodyPr vert="horz" wrap="square" lIns="91440" tIns="45720" rIns="91440" bIns="45720" numCol="1" anchor="ctr" anchorCtr="0" compatLnSpc="1">
+            <a:prstTxWarp prst="textNoShape">
+              <a:avLst/>
+            </a:prstTxWarp>
+            <a:spAutoFit/>
+          </a:bodyPr>
+          <a:lstStyle/>
+          <a:p>
+            <a:pPr marL="0" marR="0" lvl="0" indent="0" algn="l" defTabSz="914400" rtl="0" eaLnBrk="0" fontAlgn="base" latinLnBrk="0" hangingPunct="0">
+              <a:lnSpc>
+                <a:spcPct val="100000"/>
+              </a:lnSpc>
+              <a:spcBef>
+                <a:spcPct val="0"/>
+              </a:spcBef>
+              <a:spcAft>
+                <a:spcPct val="0"/>
+              </a:spcAft>
+              <a:buClrTx/>
+              <a:buSzTx/>
+              <a:buFontTx/>
+              <a:buNone/>
+              <a:tabLst/>
+            </a:pPr>
+            <a:r>
+              <a:rPr kumimoji="0" lang="en-US" altLang="en-US" sz="1800" b="0" i="0" u="none" strike="noStrike" cap="none" normalizeH="0" baseline="0" dirty="0">
+                <a:ln>
+                  <a:noFill/>
+                </a:ln>
+                <a:solidFill>
+                  <a:srgbClr val="CC7832"/>
+                </a:solidFill>
+                <a:effectLst/>
+                <a:latin typeface="JetBrains Mono"/>
+              </a:rPr>
+              <a:t>import </a:t>
+            </a:r>
+            <a:r>
+              <a:rPr kumimoji="0" lang="en-US" altLang="en-US" sz="1800" b="0" i="0" u="none" strike="noStrike" cap="none" normalizeH="0" baseline="0" dirty="0">
+                <a:ln>
+                  <a:noFill/>
+                </a:ln>
+                <a:solidFill>
+                  <a:srgbClr val="A9B7C6"/>
+                </a:solidFill>
+                <a:effectLst/>
+                <a:latin typeface="JetBrains Mono"/>
+              </a:rPr>
+              <a:t>java.io.*</a:t>
+            </a:r>
+            <a:r>
+              <a:rPr kumimoji="0" lang="en-US" altLang="en-US" sz="1800" b="0" i="0" u="none" strike="noStrike" cap="none" normalizeH="0" baseline="0" dirty="0">
+                <a:ln>
+                  <a:noFill/>
+                </a:ln>
+                <a:solidFill>
+                  <a:srgbClr val="CC7832"/>
+                </a:solidFill>
+                <a:effectLst/>
+                <a:latin typeface="JetBrains Mono"/>
+              </a:rPr>
+              <a:t>;</a:t>
+            </a:r>
+            <a:br>
+              <a:rPr kumimoji="0" lang="en-US" altLang="en-US" sz="1800" b="0" i="0" u="none" strike="noStrike" cap="none" normalizeH="0" baseline="0" dirty="0">
+                <a:ln>
+                  <a:noFill/>
+                </a:ln>
+                <a:solidFill>
+                  <a:srgbClr val="CC7832"/>
+                </a:solidFill>
+                <a:effectLst/>
+                <a:latin typeface="JetBrains Mono"/>
+              </a:rPr>
+            </a:br>
+            <a:br>
+              <a:rPr kumimoji="0" lang="en-US" altLang="en-US" sz="1800" b="0" i="0" u="none" strike="noStrike" cap="none" normalizeH="0" baseline="0" dirty="0">
+                <a:ln>
+                  <a:noFill/>
+                </a:ln>
+                <a:solidFill>
+                  <a:srgbClr val="CC7832"/>
+                </a:solidFill>
+                <a:effectLst/>
+                <a:latin typeface="JetBrains Mono"/>
+              </a:rPr>
+            </a:br>
+            <a:r>
+              <a:rPr kumimoji="0" lang="en-US" altLang="en-US" sz="1800" b="0" i="0" u="none" strike="noStrike" cap="none" normalizeH="0" baseline="0" dirty="0">
+                <a:ln>
+                  <a:noFill/>
+                </a:ln>
+                <a:solidFill>
+                  <a:srgbClr val="CC7832"/>
+                </a:solidFill>
+                <a:effectLst/>
+                <a:latin typeface="JetBrains Mono"/>
+              </a:rPr>
+              <a:t>public class </a:t>
+            </a:r>
+            <a:r>
+              <a:rPr kumimoji="0" lang="en-US" altLang="en-US" sz="1800" b="0" i="0" u="none" strike="noStrike" cap="none" normalizeH="0" baseline="0" dirty="0" err="1">
+                <a:ln>
+                  <a:noFill/>
+                </a:ln>
+                <a:solidFill>
+                  <a:srgbClr val="A9B7C6"/>
+                </a:solidFill>
+                <a:effectLst/>
+                <a:latin typeface="JetBrains Mono"/>
+              </a:rPr>
+              <a:t>HTMLFileWriteSample</a:t>
+            </a:r>
+            <a:r>
+              <a:rPr kumimoji="0" lang="en-US" altLang="en-US" sz="1800" b="0" i="0" u="none" strike="noStrike" cap="none" normalizeH="0" baseline="0" dirty="0">
+                <a:ln>
+                  <a:noFill/>
+                </a:ln>
+                <a:solidFill>
+                  <a:srgbClr val="A9B7C6"/>
+                </a:solidFill>
+                <a:effectLst/>
+                <a:latin typeface="JetBrains Mono"/>
+              </a:rPr>
+              <a:t> {</a:t>
+            </a:r>
+            <a:br>
+              <a:rPr kumimoji="0" lang="en-US" altLang="en-US" sz="1800" b="0" i="0" u="none" strike="noStrike" cap="none" normalizeH="0" baseline="0" dirty="0">
+                <a:ln>
+                  <a:noFill/>
+                </a:ln>
+                <a:solidFill>
+                  <a:srgbClr val="A9B7C6"/>
+                </a:solidFill>
+                <a:effectLst/>
+                <a:latin typeface="JetBrains Mono"/>
+              </a:rPr>
+            </a:br>
+            <a:r>
+              <a:rPr kumimoji="0" lang="en-US" altLang="en-US" sz="1800" b="0" i="0" u="none" strike="noStrike" cap="none" normalizeH="0" baseline="0" dirty="0">
+                <a:ln>
+                  <a:noFill/>
+                </a:ln>
+                <a:solidFill>
+                  <a:srgbClr val="A9B7C6"/>
+                </a:solidFill>
+                <a:effectLst/>
+                <a:latin typeface="JetBrains Mono"/>
+              </a:rPr>
+              <a:t>    </a:t>
+            </a:r>
+            <a:r>
+              <a:rPr kumimoji="0" lang="en-US" altLang="en-US" sz="1800" b="0" i="0" u="none" strike="noStrike" cap="none" normalizeH="0" baseline="0" dirty="0">
+                <a:ln>
+                  <a:noFill/>
+                </a:ln>
+                <a:solidFill>
+                  <a:srgbClr val="CC7832"/>
+                </a:solidFill>
+                <a:effectLst/>
+                <a:latin typeface="JetBrains Mono"/>
+              </a:rPr>
+              <a:t>public static void </a:t>
+            </a:r>
+            <a:r>
+              <a:rPr kumimoji="0" lang="en-US" altLang="en-US" sz="1800" b="0" i="0" u="none" strike="noStrike" cap="none" normalizeH="0" baseline="0" dirty="0" err="1">
+                <a:ln>
+                  <a:noFill/>
+                </a:ln>
+                <a:solidFill>
+                  <a:srgbClr val="FFC66D"/>
+                </a:solidFill>
+                <a:effectLst/>
+                <a:latin typeface="JetBrains Mono"/>
+              </a:rPr>
+              <a:t>writeHTMLFile</a:t>
+            </a:r>
+            <a:r>
+              <a:rPr kumimoji="0" lang="en-US" altLang="en-US" sz="1800" b="0" i="0" u="none" strike="noStrike" cap="none" normalizeH="0" baseline="0" dirty="0">
+                <a:ln>
+                  <a:noFill/>
+                </a:ln>
+                <a:solidFill>
+                  <a:srgbClr val="A9B7C6"/>
+                </a:solidFill>
+                <a:effectLst/>
+                <a:latin typeface="JetBrains Mono"/>
+              </a:rPr>
+              <a:t>(</a:t>
+            </a:r>
+            <a:r>
+              <a:rPr kumimoji="0" lang="en-US" altLang="en-US" sz="1800" b="0" i="0" u="none" strike="noStrike" cap="none" normalizeH="0" baseline="0" dirty="0" err="1">
+                <a:ln>
+                  <a:noFill/>
+                </a:ln>
+                <a:solidFill>
+                  <a:srgbClr val="A9B7C6"/>
+                </a:solidFill>
+                <a:effectLst/>
+                <a:latin typeface="JetBrains Mono"/>
+              </a:rPr>
+              <a:t>PrintWriter</a:t>
+            </a:r>
+            <a:r>
+              <a:rPr kumimoji="0" lang="en-US" altLang="en-US" sz="1800" b="0" i="0" u="none" strike="noStrike" cap="none" normalizeH="0" baseline="0" dirty="0">
+                <a:ln>
+                  <a:noFill/>
+                </a:ln>
+                <a:solidFill>
+                  <a:srgbClr val="A9B7C6"/>
+                </a:solidFill>
+                <a:effectLst/>
+                <a:latin typeface="JetBrains Mono"/>
+              </a:rPr>
+              <a:t> printer</a:t>
+            </a:r>
+            <a:r>
+              <a:rPr kumimoji="0" lang="en-US" altLang="en-US" sz="1800" b="0" i="0" u="none" strike="noStrike" cap="none" normalizeH="0" baseline="0" dirty="0">
+                <a:ln>
+                  <a:noFill/>
+                </a:ln>
+                <a:solidFill>
+                  <a:srgbClr val="CC7832"/>
+                </a:solidFill>
+                <a:effectLst/>
+                <a:latin typeface="JetBrains Mono"/>
+              </a:rPr>
+              <a:t>, </a:t>
+            </a:r>
+            <a:r>
+              <a:rPr kumimoji="0" lang="en-US" altLang="en-US" sz="1800" b="0" i="0" u="none" strike="noStrike" cap="none" normalizeH="0" baseline="0" dirty="0">
+                <a:ln>
+                  <a:noFill/>
+                </a:ln>
+                <a:solidFill>
+                  <a:srgbClr val="A9B7C6"/>
+                </a:solidFill>
+                <a:effectLst/>
+                <a:latin typeface="JetBrains Mono"/>
+              </a:rPr>
+              <a:t>String </a:t>
+            </a:r>
+            <a:r>
+              <a:rPr kumimoji="0" lang="en-US" altLang="en-US" sz="1800" b="0" i="0" u="none" strike="noStrike" cap="none" normalizeH="0" baseline="0" dirty="0" err="1">
+                <a:ln>
+                  <a:noFill/>
+                </a:ln>
+                <a:solidFill>
+                  <a:srgbClr val="A9B7C6"/>
+                </a:solidFill>
+                <a:effectLst/>
+                <a:latin typeface="JetBrains Mono"/>
+              </a:rPr>
+              <a:t>innerHTML</a:t>
+            </a:r>
+            <a:r>
+              <a:rPr kumimoji="0" lang="en-US" altLang="en-US" sz="1800" b="0" i="0" u="none" strike="noStrike" cap="none" normalizeH="0" baseline="0" dirty="0">
+                <a:ln>
+                  <a:noFill/>
+                </a:ln>
+                <a:solidFill>
+                  <a:srgbClr val="A9B7C6"/>
+                </a:solidFill>
+                <a:effectLst/>
+                <a:latin typeface="JetBrains Mono"/>
+              </a:rPr>
+              <a:t>) {</a:t>
+            </a:r>
+            <a:br>
+              <a:rPr kumimoji="0" lang="en-US" altLang="en-US" sz="1800" b="0" i="0" u="none" strike="noStrike" cap="none" normalizeH="0" baseline="0" dirty="0">
+                <a:ln>
+                  <a:noFill/>
+                </a:ln>
+                <a:solidFill>
+                  <a:srgbClr val="A9B7C6"/>
+                </a:solidFill>
+                <a:effectLst/>
+                <a:latin typeface="JetBrains Mono"/>
+              </a:rPr>
+            </a:br>
+            <a:r>
+              <a:rPr kumimoji="0" lang="en-US" altLang="en-US" sz="1800" b="0" i="0" u="none" strike="noStrike" cap="none" normalizeH="0" baseline="0" dirty="0">
+                <a:ln>
+                  <a:noFill/>
+                </a:ln>
+                <a:solidFill>
+                  <a:srgbClr val="A9B7C6"/>
+                </a:solidFill>
+                <a:effectLst/>
+                <a:latin typeface="JetBrains Mono"/>
+              </a:rPr>
+              <a:t>        </a:t>
+            </a:r>
+            <a:r>
+              <a:rPr kumimoji="0" lang="en-US" altLang="en-US" sz="1800" b="0" i="0" u="none" strike="noStrike" cap="none" normalizeH="0" baseline="0" dirty="0" err="1">
+                <a:ln>
+                  <a:noFill/>
+                </a:ln>
+                <a:solidFill>
+                  <a:srgbClr val="A9B7C6"/>
+                </a:solidFill>
+                <a:effectLst/>
+                <a:latin typeface="JetBrains Mono"/>
+              </a:rPr>
+              <a:t>printer.println</a:t>
+            </a:r>
+            <a:r>
+              <a:rPr kumimoji="0" lang="en-US" altLang="en-US" sz="1800" b="0" i="0" u="none" strike="noStrike" cap="none" normalizeH="0" baseline="0" dirty="0">
+                <a:ln>
+                  <a:noFill/>
+                </a:ln>
+                <a:solidFill>
+                  <a:srgbClr val="A9B7C6"/>
+                </a:solidFill>
+                <a:effectLst/>
+                <a:latin typeface="JetBrains Mono"/>
+              </a:rPr>
+              <a:t>(</a:t>
+            </a:r>
+            <a:r>
+              <a:rPr kumimoji="0" lang="en-US" altLang="en-US" sz="1800" b="0" i="0" u="none" strike="noStrike" cap="none" normalizeH="0" baseline="0" dirty="0">
+                <a:ln>
+                  <a:noFill/>
+                </a:ln>
+                <a:solidFill>
+                  <a:srgbClr val="6A8759"/>
+                </a:solidFill>
+                <a:effectLst/>
+                <a:latin typeface="JetBrains Mono"/>
+              </a:rPr>
+              <a:t>"&lt;!DOCTYPE html&gt;"</a:t>
+            </a:r>
+            <a:r>
+              <a:rPr kumimoji="0" lang="en-US" altLang="en-US" sz="1800" b="0" i="0" u="none" strike="noStrike" cap="none" normalizeH="0" baseline="0" dirty="0">
+                <a:ln>
+                  <a:noFill/>
+                </a:ln>
+                <a:solidFill>
+                  <a:srgbClr val="A9B7C6"/>
+                </a:solidFill>
+                <a:effectLst/>
+                <a:latin typeface="JetBrains Mono"/>
+              </a:rPr>
+              <a:t>)</a:t>
+            </a:r>
+            <a:r>
+              <a:rPr kumimoji="0" lang="en-US" altLang="en-US" sz="1800" b="0" i="0" u="none" strike="noStrike" cap="none" normalizeH="0" baseline="0" dirty="0">
+                <a:ln>
+                  <a:noFill/>
+                </a:ln>
+                <a:solidFill>
+                  <a:srgbClr val="CC7832"/>
+                </a:solidFill>
+                <a:effectLst/>
+                <a:latin typeface="JetBrains Mono"/>
+              </a:rPr>
+              <a:t>;</a:t>
+            </a:r>
+            <a:br>
+              <a:rPr kumimoji="0" lang="en-US" altLang="en-US" sz="1800" b="0" i="0" u="none" strike="noStrike" cap="none" normalizeH="0" baseline="0" dirty="0">
+                <a:ln>
+                  <a:noFill/>
+                </a:ln>
+                <a:solidFill>
+                  <a:srgbClr val="CC7832"/>
+                </a:solidFill>
+                <a:effectLst/>
+                <a:latin typeface="JetBrains Mono"/>
+              </a:rPr>
+            </a:br>
+            <a:r>
+              <a:rPr kumimoji="0" lang="en-US" altLang="en-US" sz="1800" b="0" i="0" u="none" strike="noStrike" cap="none" normalizeH="0" baseline="0" dirty="0">
+                <a:ln>
+                  <a:noFill/>
+                </a:ln>
+                <a:solidFill>
+                  <a:srgbClr val="CC7832"/>
+                </a:solidFill>
+                <a:effectLst/>
+                <a:latin typeface="JetBrains Mono"/>
+              </a:rPr>
+              <a:t>        </a:t>
+            </a:r>
+            <a:r>
+              <a:rPr kumimoji="0" lang="en-US" altLang="en-US" sz="1800" b="0" i="0" u="none" strike="noStrike" cap="none" normalizeH="0" baseline="0" dirty="0" err="1">
+                <a:ln>
+                  <a:noFill/>
+                </a:ln>
+                <a:solidFill>
+                  <a:srgbClr val="A9B7C6"/>
+                </a:solidFill>
+                <a:effectLst/>
+                <a:latin typeface="JetBrains Mono"/>
+              </a:rPr>
+              <a:t>printer.println</a:t>
+            </a:r>
+            <a:r>
+              <a:rPr kumimoji="0" lang="en-US" altLang="en-US" sz="1800" b="0" i="0" u="none" strike="noStrike" cap="none" normalizeH="0" baseline="0" dirty="0">
+                <a:ln>
+                  <a:noFill/>
+                </a:ln>
+                <a:solidFill>
+                  <a:srgbClr val="A9B7C6"/>
+                </a:solidFill>
+                <a:effectLst/>
+                <a:latin typeface="JetBrains Mono"/>
+              </a:rPr>
+              <a:t>(</a:t>
+            </a:r>
+            <a:r>
+              <a:rPr kumimoji="0" lang="en-US" altLang="en-US" sz="1800" b="0" i="0" u="none" strike="noStrike" cap="none" normalizeH="0" baseline="0" dirty="0">
+                <a:ln>
+                  <a:noFill/>
+                </a:ln>
+                <a:solidFill>
+                  <a:srgbClr val="6A8759"/>
+                </a:solidFill>
+                <a:effectLst/>
+                <a:latin typeface="JetBrains Mono"/>
+              </a:rPr>
+              <a:t>"&lt;html&gt;"</a:t>
+            </a:r>
+            <a:r>
+              <a:rPr kumimoji="0" lang="en-US" altLang="en-US" sz="1800" b="0" i="0" u="none" strike="noStrike" cap="none" normalizeH="0" baseline="0" dirty="0">
+                <a:ln>
+                  <a:noFill/>
+                </a:ln>
+                <a:solidFill>
+                  <a:srgbClr val="A9B7C6"/>
+                </a:solidFill>
+                <a:effectLst/>
+                <a:latin typeface="JetBrains Mono"/>
+              </a:rPr>
+              <a:t>)</a:t>
+            </a:r>
+            <a:r>
+              <a:rPr kumimoji="0" lang="en-US" altLang="en-US" sz="1800" b="0" i="0" u="none" strike="noStrike" cap="none" normalizeH="0" baseline="0" dirty="0">
+                <a:ln>
+                  <a:noFill/>
+                </a:ln>
+                <a:solidFill>
+                  <a:srgbClr val="CC7832"/>
+                </a:solidFill>
+                <a:effectLst/>
+                <a:latin typeface="JetBrains Mono"/>
+              </a:rPr>
+              <a:t>;</a:t>
+            </a:r>
+            <a:br>
+              <a:rPr kumimoji="0" lang="en-US" altLang="en-US" sz="1800" b="0" i="0" u="none" strike="noStrike" cap="none" normalizeH="0" baseline="0" dirty="0">
+                <a:ln>
+                  <a:noFill/>
+                </a:ln>
+                <a:solidFill>
+                  <a:srgbClr val="CC7832"/>
+                </a:solidFill>
+                <a:effectLst/>
+                <a:latin typeface="JetBrains Mono"/>
+              </a:rPr>
+            </a:br>
+            <a:r>
+              <a:rPr kumimoji="0" lang="en-US" altLang="en-US" sz="1800" b="0" i="0" u="none" strike="noStrike" cap="none" normalizeH="0" baseline="0" dirty="0">
+                <a:ln>
+                  <a:noFill/>
+                </a:ln>
+                <a:solidFill>
+                  <a:srgbClr val="CC7832"/>
+                </a:solidFill>
+                <a:effectLst/>
+                <a:latin typeface="JetBrains Mono"/>
+              </a:rPr>
+              <a:t>        </a:t>
+            </a:r>
+            <a:r>
+              <a:rPr kumimoji="0" lang="en-US" altLang="en-US" sz="1800" b="0" i="0" u="none" strike="noStrike" cap="none" normalizeH="0" baseline="0" dirty="0" err="1">
+                <a:ln>
+                  <a:noFill/>
+                </a:ln>
+                <a:solidFill>
+                  <a:srgbClr val="A9B7C6"/>
+                </a:solidFill>
+                <a:effectLst/>
+                <a:latin typeface="JetBrains Mono"/>
+              </a:rPr>
+              <a:t>printer.println</a:t>
+            </a:r>
+            <a:r>
+              <a:rPr kumimoji="0" lang="en-US" altLang="en-US" sz="1800" b="0" i="0" u="none" strike="noStrike" cap="none" normalizeH="0" baseline="0" dirty="0">
+                <a:ln>
+                  <a:noFill/>
+                </a:ln>
+                <a:solidFill>
+                  <a:srgbClr val="A9B7C6"/>
+                </a:solidFill>
+                <a:effectLst/>
+                <a:latin typeface="JetBrains Mono"/>
+              </a:rPr>
+              <a:t>(</a:t>
+            </a:r>
+            <a:r>
+              <a:rPr kumimoji="0" lang="en-US" altLang="en-US" sz="1800" b="0" i="0" u="none" strike="noStrike" cap="none" normalizeH="0" baseline="0" dirty="0">
+                <a:ln>
+                  <a:noFill/>
+                </a:ln>
+                <a:solidFill>
+                  <a:srgbClr val="6A8759"/>
+                </a:solidFill>
+                <a:effectLst/>
+                <a:latin typeface="JetBrains Mono"/>
+              </a:rPr>
+              <a:t>"  &lt;body&gt;"</a:t>
+            </a:r>
+            <a:r>
+              <a:rPr kumimoji="0" lang="en-US" altLang="en-US" sz="1800" b="0" i="0" u="none" strike="noStrike" cap="none" normalizeH="0" baseline="0" dirty="0">
+                <a:ln>
+                  <a:noFill/>
+                </a:ln>
+                <a:solidFill>
+                  <a:srgbClr val="A9B7C6"/>
+                </a:solidFill>
+                <a:effectLst/>
+                <a:latin typeface="JetBrains Mono"/>
+              </a:rPr>
+              <a:t>)</a:t>
+            </a:r>
+            <a:r>
+              <a:rPr kumimoji="0" lang="en-US" altLang="en-US" sz="1800" b="0" i="0" u="none" strike="noStrike" cap="none" normalizeH="0" baseline="0" dirty="0">
+                <a:ln>
+                  <a:noFill/>
+                </a:ln>
+                <a:solidFill>
+                  <a:srgbClr val="CC7832"/>
+                </a:solidFill>
+                <a:effectLst/>
+                <a:latin typeface="JetBrains Mono"/>
+              </a:rPr>
+              <a:t>;</a:t>
+            </a:r>
+            <a:br>
+              <a:rPr kumimoji="0" lang="en-US" altLang="en-US" sz="1800" b="0" i="0" u="none" strike="noStrike" cap="none" normalizeH="0" baseline="0" dirty="0">
+                <a:ln>
+                  <a:noFill/>
+                </a:ln>
+                <a:solidFill>
+                  <a:srgbClr val="CC7832"/>
+                </a:solidFill>
+                <a:effectLst/>
+                <a:latin typeface="JetBrains Mono"/>
+              </a:rPr>
+            </a:br>
+            <a:r>
+              <a:rPr kumimoji="0" lang="en-US" altLang="en-US" sz="1800" b="0" i="0" u="none" strike="noStrike" cap="none" normalizeH="0" baseline="0" dirty="0">
+                <a:ln>
+                  <a:noFill/>
+                </a:ln>
+                <a:solidFill>
+                  <a:srgbClr val="CC7832"/>
+                </a:solidFill>
+                <a:effectLst/>
+                <a:latin typeface="JetBrains Mono"/>
+              </a:rPr>
+              <a:t>        </a:t>
+            </a:r>
+            <a:r>
+              <a:rPr kumimoji="0" lang="en-US" altLang="en-US" sz="1800" b="0" i="0" u="none" strike="noStrike" cap="none" normalizeH="0" baseline="0" dirty="0" err="1">
+                <a:ln>
+                  <a:noFill/>
+                </a:ln>
+                <a:solidFill>
+                  <a:srgbClr val="A9B7C6"/>
+                </a:solidFill>
+                <a:effectLst/>
+                <a:latin typeface="JetBrains Mono"/>
+              </a:rPr>
+              <a:t>printer.println</a:t>
+            </a:r>
+            <a:r>
+              <a:rPr kumimoji="0" lang="en-US" altLang="en-US" sz="1800" b="0" i="0" u="none" strike="noStrike" cap="none" normalizeH="0" baseline="0" dirty="0">
+                <a:ln>
+                  <a:noFill/>
+                </a:ln>
+                <a:solidFill>
+                  <a:srgbClr val="A9B7C6"/>
+                </a:solidFill>
+                <a:effectLst/>
+                <a:latin typeface="JetBrains Mono"/>
+              </a:rPr>
+              <a:t>(</a:t>
+            </a:r>
+            <a:r>
+              <a:rPr kumimoji="0" lang="en-US" altLang="en-US" sz="1800" b="0" i="0" u="none" strike="noStrike" cap="none" normalizeH="0" baseline="0" dirty="0">
+                <a:ln>
+                  <a:noFill/>
+                </a:ln>
+                <a:solidFill>
+                  <a:srgbClr val="6A8759"/>
+                </a:solidFill>
+                <a:effectLst/>
+                <a:latin typeface="JetBrains Mono"/>
+              </a:rPr>
+              <a:t>"    &lt;p&gt;" </a:t>
+            </a:r>
+            <a:r>
+              <a:rPr kumimoji="0" lang="en-US" altLang="en-US" sz="1800" b="0" i="0" u="none" strike="noStrike" cap="none" normalizeH="0" baseline="0" dirty="0">
+                <a:ln>
+                  <a:noFill/>
+                </a:ln>
+                <a:solidFill>
+                  <a:srgbClr val="A9B7C6"/>
+                </a:solidFill>
+                <a:effectLst/>
+                <a:latin typeface="JetBrains Mono"/>
+              </a:rPr>
+              <a:t>+ </a:t>
+            </a:r>
+            <a:r>
+              <a:rPr kumimoji="0" lang="en-US" altLang="en-US" sz="1800" b="0" i="0" u="none" strike="noStrike" cap="none" normalizeH="0" baseline="0" dirty="0" err="1">
+                <a:ln>
+                  <a:noFill/>
+                </a:ln>
+                <a:solidFill>
+                  <a:srgbClr val="A9B7C6"/>
+                </a:solidFill>
+                <a:effectLst/>
+                <a:latin typeface="JetBrains Mono"/>
+              </a:rPr>
+              <a:t>innerHTML</a:t>
+            </a:r>
+            <a:r>
+              <a:rPr kumimoji="0" lang="en-US" altLang="en-US" sz="1800" b="0" i="0" u="none" strike="noStrike" cap="none" normalizeH="0" baseline="0" dirty="0">
+                <a:ln>
+                  <a:noFill/>
+                </a:ln>
+                <a:solidFill>
+                  <a:srgbClr val="A9B7C6"/>
+                </a:solidFill>
+                <a:effectLst/>
+                <a:latin typeface="JetBrains Mono"/>
+              </a:rPr>
+              <a:t> + </a:t>
+            </a:r>
+            <a:r>
+              <a:rPr kumimoji="0" lang="en-US" altLang="en-US" sz="1800" b="0" i="0" u="none" strike="noStrike" cap="none" normalizeH="0" baseline="0" dirty="0">
+                <a:ln>
+                  <a:noFill/>
+                </a:ln>
+                <a:solidFill>
+                  <a:srgbClr val="6A8759"/>
+                </a:solidFill>
+                <a:effectLst/>
+                <a:latin typeface="JetBrains Mono"/>
+              </a:rPr>
+              <a:t>"&lt;/p&gt;"</a:t>
+            </a:r>
+            <a:r>
+              <a:rPr kumimoji="0" lang="en-US" altLang="en-US" sz="1800" b="0" i="0" u="none" strike="noStrike" cap="none" normalizeH="0" baseline="0" dirty="0">
+                <a:ln>
+                  <a:noFill/>
+                </a:ln>
+                <a:solidFill>
+                  <a:srgbClr val="A9B7C6"/>
+                </a:solidFill>
+                <a:effectLst/>
+                <a:latin typeface="JetBrains Mono"/>
+              </a:rPr>
+              <a:t>)</a:t>
+            </a:r>
+            <a:r>
+              <a:rPr kumimoji="0" lang="en-US" altLang="en-US" sz="1800" b="0" i="0" u="none" strike="noStrike" cap="none" normalizeH="0" baseline="0" dirty="0">
+                <a:ln>
+                  <a:noFill/>
+                </a:ln>
+                <a:solidFill>
+                  <a:srgbClr val="CC7832"/>
+                </a:solidFill>
+                <a:effectLst/>
+                <a:latin typeface="JetBrains Mono"/>
+              </a:rPr>
+              <a:t>;</a:t>
+            </a:r>
+            <a:br>
+              <a:rPr kumimoji="0" lang="en-US" altLang="en-US" sz="1800" b="0" i="0" u="none" strike="noStrike" cap="none" normalizeH="0" baseline="0" dirty="0">
+                <a:ln>
+                  <a:noFill/>
+                </a:ln>
+                <a:solidFill>
+                  <a:srgbClr val="CC7832"/>
+                </a:solidFill>
+                <a:effectLst/>
+                <a:latin typeface="JetBrains Mono"/>
+              </a:rPr>
+            </a:br>
+            <a:r>
+              <a:rPr kumimoji="0" lang="en-US" altLang="en-US" sz="1800" b="0" i="0" u="none" strike="noStrike" cap="none" normalizeH="0" baseline="0" dirty="0">
+                <a:ln>
+                  <a:noFill/>
+                </a:ln>
+                <a:solidFill>
+                  <a:srgbClr val="CC7832"/>
+                </a:solidFill>
+                <a:effectLst/>
+                <a:latin typeface="JetBrains Mono"/>
+              </a:rPr>
+              <a:t>        </a:t>
+            </a:r>
+            <a:r>
+              <a:rPr kumimoji="0" lang="en-US" altLang="en-US" sz="1800" b="0" i="0" u="none" strike="noStrike" cap="none" normalizeH="0" baseline="0" dirty="0" err="1">
+                <a:ln>
+                  <a:noFill/>
+                </a:ln>
+                <a:solidFill>
+                  <a:srgbClr val="A9B7C6"/>
+                </a:solidFill>
+                <a:effectLst/>
+                <a:latin typeface="JetBrains Mono"/>
+              </a:rPr>
+              <a:t>printer.println</a:t>
+            </a:r>
+            <a:r>
+              <a:rPr kumimoji="0" lang="en-US" altLang="en-US" sz="1800" b="0" i="0" u="none" strike="noStrike" cap="none" normalizeH="0" baseline="0" dirty="0">
+                <a:ln>
+                  <a:noFill/>
+                </a:ln>
+                <a:solidFill>
+                  <a:srgbClr val="A9B7C6"/>
+                </a:solidFill>
+                <a:effectLst/>
+                <a:latin typeface="JetBrains Mono"/>
+              </a:rPr>
+              <a:t>(</a:t>
+            </a:r>
+            <a:r>
+              <a:rPr kumimoji="0" lang="en-US" altLang="en-US" sz="1800" b="0" i="0" u="none" strike="noStrike" cap="none" normalizeH="0" baseline="0" dirty="0">
+                <a:ln>
+                  <a:noFill/>
+                </a:ln>
+                <a:solidFill>
+                  <a:srgbClr val="6A8759"/>
+                </a:solidFill>
+                <a:effectLst/>
+                <a:latin typeface="JetBrains Mono"/>
+              </a:rPr>
+              <a:t>"  &lt;/body&gt;"</a:t>
+            </a:r>
+            <a:r>
+              <a:rPr kumimoji="0" lang="en-US" altLang="en-US" sz="1800" b="0" i="0" u="none" strike="noStrike" cap="none" normalizeH="0" baseline="0" dirty="0">
+                <a:ln>
+                  <a:noFill/>
+                </a:ln>
+                <a:solidFill>
+                  <a:srgbClr val="A9B7C6"/>
+                </a:solidFill>
+                <a:effectLst/>
+                <a:latin typeface="JetBrains Mono"/>
+              </a:rPr>
+              <a:t>)</a:t>
+            </a:r>
+            <a:r>
+              <a:rPr kumimoji="0" lang="en-US" altLang="en-US" sz="1800" b="0" i="0" u="none" strike="noStrike" cap="none" normalizeH="0" baseline="0" dirty="0">
+                <a:ln>
+                  <a:noFill/>
+                </a:ln>
+                <a:solidFill>
+                  <a:srgbClr val="CC7832"/>
+                </a:solidFill>
+                <a:effectLst/>
+                <a:latin typeface="JetBrains Mono"/>
+              </a:rPr>
+              <a:t>;</a:t>
+            </a:r>
+            <a:br>
+              <a:rPr kumimoji="0" lang="en-US" altLang="en-US" sz="1800" b="0" i="0" u="none" strike="noStrike" cap="none" normalizeH="0" baseline="0" dirty="0">
+                <a:ln>
+                  <a:noFill/>
+                </a:ln>
+                <a:solidFill>
+                  <a:srgbClr val="CC7832"/>
+                </a:solidFill>
+                <a:effectLst/>
+                <a:latin typeface="JetBrains Mono"/>
+              </a:rPr>
+            </a:br>
+            <a:r>
+              <a:rPr kumimoji="0" lang="en-US" altLang="en-US" sz="1800" b="0" i="0" u="none" strike="noStrike" cap="none" normalizeH="0" baseline="0" dirty="0">
+                <a:ln>
+                  <a:noFill/>
+                </a:ln>
+                <a:solidFill>
+                  <a:srgbClr val="CC7832"/>
+                </a:solidFill>
+                <a:effectLst/>
+                <a:latin typeface="JetBrains Mono"/>
+              </a:rPr>
+              <a:t>        </a:t>
+            </a:r>
+            <a:r>
+              <a:rPr kumimoji="0" lang="en-US" altLang="en-US" sz="1800" b="0" i="0" u="none" strike="noStrike" cap="none" normalizeH="0" baseline="0" dirty="0" err="1">
+                <a:ln>
+                  <a:noFill/>
+                </a:ln>
+                <a:solidFill>
+                  <a:srgbClr val="A9B7C6"/>
+                </a:solidFill>
+                <a:effectLst/>
+                <a:latin typeface="JetBrains Mono"/>
+              </a:rPr>
+              <a:t>printer.println</a:t>
+            </a:r>
+            <a:r>
+              <a:rPr kumimoji="0" lang="en-US" altLang="en-US" sz="1800" b="0" i="0" u="none" strike="noStrike" cap="none" normalizeH="0" baseline="0" dirty="0">
+                <a:ln>
+                  <a:noFill/>
+                </a:ln>
+                <a:solidFill>
+                  <a:srgbClr val="A9B7C6"/>
+                </a:solidFill>
+                <a:effectLst/>
+                <a:latin typeface="JetBrains Mono"/>
+              </a:rPr>
+              <a:t>(</a:t>
+            </a:r>
+            <a:r>
+              <a:rPr kumimoji="0" lang="en-US" altLang="en-US" sz="1800" b="0" i="0" u="none" strike="noStrike" cap="none" normalizeH="0" baseline="0" dirty="0">
+                <a:ln>
+                  <a:noFill/>
+                </a:ln>
+                <a:solidFill>
+                  <a:srgbClr val="6A8759"/>
+                </a:solidFill>
+                <a:effectLst/>
+                <a:latin typeface="JetBrains Mono"/>
+              </a:rPr>
+              <a:t>"&lt;/html&gt;"</a:t>
+            </a:r>
+            <a:r>
+              <a:rPr kumimoji="0" lang="en-US" altLang="en-US" sz="1800" b="0" i="0" u="none" strike="noStrike" cap="none" normalizeH="0" baseline="0" dirty="0">
+                <a:ln>
+                  <a:noFill/>
+                </a:ln>
+                <a:solidFill>
+                  <a:srgbClr val="A9B7C6"/>
+                </a:solidFill>
+                <a:effectLst/>
+                <a:latin typeface="JetBrains Mono"/>
+              </a:rPr>
+              <a:t>)</a:t>
+            </a:r>
+            <a:r>
+              <a:rPr kumimoji="0" lang="en-US" altLang="en-US" sz="1800" b="0" i="0" u="none" strike="noStrike" cap="none" normalizeH="0" baseline="0" dirty="0">
+                <a:ln>
+                  <a:noFill/>
+                </a:ln>
+                <a:solidFill>
+                  <a:srgbClr val="CC7832"/>
+                </a:solidFill>
+                <a:effectLst/>
+                <a:latin typeface="JetBrains Mono"/>
+              </a:rPr>
+              <a:t>;</a:t>
+            </a:r>
+            <a:br>
+              <a:rPr kumimoji="0" lang="en-US" altLang="en-US" sz="1800" b="0" i="0" u="none" strike="noStrike" cap="none" normalizeH="0" baseline="0" dirty="0">
+                <a:ln>
+                  <a:noFill/>
+                </a:ln>
+                <a:solidFill>
+                  <a:srgbClr val="CC7832"/>
+                </a:solidFill>
+                <a:effectLst/>
+                <a:latin typeface="JetBrains Mono"/>
+              </a:rPr>
+            </a:br>
+            <a:r>
+              <a:rPr kumimoji="0" lang="en-US" altLang="en-US" sz="1800" b="0" i="0" u="none" strike="noStrike" cap="none" normalizeH="0" baseline="0" dirty="0">
+                <a:ln>
+                  <a:noFill/>
+                </a:ln>
+                <a:solidFill>
+                  <a:srgbClr val="CC7832"/>
+                </a:solidFill>
+                <a:effectLst/>
+                <a:latin typeface="JetBrains Mono"/>
+              </a:rPr>
+              <a:t>    </a:t>
+            </a:r>
+            <a:r>
+              <a:rPr kumimoji="0" lang="en-US" altLang="en-US" sz="1800" b="0" i="0" u="none" strike="noStrike" cap="none" normalizeH="0" baseline="0" dirty="0">
+                <a:ln>
+                  <a:noFill/>
+                </a:ln>
+                <a:solidFill>
+                  <a:srgbClr val="A9B7C6"/>
+                </a:solidFill>
+                <a:effectLst/>
+                <a:latin typeface="JetBrains Mono"/>
+              </a:rPr>
+              <a:t>}</a:t>
+            </a:r>
+            <a:endParaRPr kumimoji="0" lang="en-US" altLang="en-US" sz="1800" b="0" i="0" u="none" strike="noStrike" cap="none" normalizeH="0" baseline="0" dirty="0">
+              <a:ln>
+                <a:noFill/>
+              </a:ln>
+              <a:solidFill>
+                <a:schemeClr val="tx1"/>
+              </a:solidFill>
+              <a:effectLst/>
+              <a:latin typeface="Arial" panose="020B0604020202020204" pitchFamily="34" charset="0"/>
+            </a:endParaRPr>
+          </a:p>
+        </p:txBody>
+      </p:sp>
+      <p:sp>
+        <p:nvSpPr>
+          <p:cNvPr id="9" name="Rectangle 3">
+            <a:extLst>
+              <a:ext uri="{FF2B5EF4-FFF2-40B4-BE49-F238E27FC236}">
+                <a16:creationId xmlns:a16="http://schemas.microsoft.com/office/drawing/2014/main" id="{A073C1CC-1065-443F-980B-520E86B850C8}"/>
+              </a:ext>
+            </a:extLst>
+          </p:cNvPr>
+          <p:cNvSpPr>
+            <a:spLocks noChangeArrowheads="1"/>
+          </p:cNvSpPr>
+          <p:nvPr/>
+        </p:nvSpPr>
+        <p:spPr bwMode="auto">
+          <a:xfrm>
+            <a:off x="6879264" y="0"/>
+            <a:ext cx="6889898" cy="7571303"/>
+          </a:xfrm>
+          <a:prstGeom prst="rect">
+            <a:avLst/>
+          </a:prstGeom>
+          <a:solidFill>
+            <a:srgbClr val="2B2B2B"/>
+          </a:solidFill>
+          <a:ln>
+            <a:noFill/>
+          </a:ln>
+          <a:effectLst/>
+          <a:extLst>
+            <a:ext uri="{91240B29-F687-4F45-9708-019B960494DF}">
+              <a14:hiddenLine xmlns:a14="http://schemas.microsoft.com/office/drawing/2010/main" w="9525">
+                <a:solidFill>
+                  <a:schemeClr val="tx1"/>
+                </a:solidFill>
+                <a:miter lim="800000"/>
+                <a:headEnd/>
+                <a:tailEnd/>
+              </a14:hiddenLine>
+            </a:ext>
+            <a:ext uri="{AF507438-7753-43E0-B8FC-AC1667EBCBE1}">
+              <a14:hiddenEffects xmlns:a14="http://schemas.microsoft.com/office/drawing/2010/main">
+                <a:effectLst>
+                  <a:outerShdw dist="35921" dir="2700000" algn="ctr" rotWithShape="0">
+                    <a:schemeClr val="bg2"/>
+                  </a:outerShdw>
+                </a:effectLst>
+              </a14:hiddenEffects>
+            </a:ext>
+          </a:extLst>
+        </p:spPr>
+        <p:txBody>
+          <a:bodyPr vert="horz" wrap="square" lIns="91440" tIns="45720" rIns="91440" bIns="45720" numCol="1" anchor="ctr" anchorCtr="0" compatLnSpc="1">
+            <a:prstTxWarp prst="textNoShape">
+              <a:avLst/>
+            </a:prstTxWarp>
+            <a:spAutoFit/>
+          </a:bodyPr>
+          <a:lstStyle/>
+          <a:p>
+            <a:pPr marL="0" marR="0" lvl="0" indent="0" algn="l" defTabSz="914400" rtl="0" eaLnBrk="0" fontAlgn="base" latinLnBrk="0" hangingPunct="0">
+              <a:lnSpc>
+                <a:spcPct val="100000"/>
+              </a:lnSpc>
+              <a:spcBef>
+                <a:spcPct val="0"/>
+              </a:spcBef>
+              <a:spcAft>
+                <a:spcPct val="0"/>
+              </a:spcAft>
+              <a:buClrTx/>
+              <a:buSzTx/>
+              <a:buFontTx/>
+              <a:buNone/>
+              <a:tabLst/>
+            </a:pPr>
+            <a:r>
+              <a:rPr kumimoji="0" lang="en-US" altLang="en-US" sz="1800" b="0" i="0" u="none" strike="noStrike" cap="none" normalizeH="0" baseline="0" dirty="0">
+                <a:ln>
+                  <a:noFill/>
+                </a:ln>
+                <a:solidFill>
+                  <a:srgbClr val="CC7832"/>
+                </a:solidFill>
+                <a:effectLst/>
+                <a:latin typeface="JetBrains Mono"/>
+              </a:rPr>
+              <a:t>public static void </a:t>
+            </a:r>
+            <a:r>
+              <a:rPr kumimoji="0" lang="en-US" altLang="en-US" sz="1800" b="0" i="0" u="none" strike="noStrike" cap="none" normalizeH="0" baseline="0" dirty="0">
+                <a:ln>
+                  <a:noFill/>
+                </a:ln>
+                <a:solidFill>
+                  <a:srgbClr val="FFC66D"/>
+                </a:solidFill>
+                <a:effectLst/>
+                <a:latin typeface="JetBrains Mono"/>
+              </a:rPr>
+              <a:t>main</a:t>
+            </a:r>
+            <a:r>
+              <a:rPr kumimoji="0" lang="en-US" altLang="en-US" sz="1800" b="0" i="0" u="none" strike="noStrike" cap="none" normalizeH="0" baseline="0" dirty="0">
+                <a:ln>
+                  <a:noFill/>
+                </a:ln>
+                <a:solidFill>
+                  <a:srgbClr val="A9B7C6"/>
+                </a:solidFill>
+                <a:effectLst/>
+                <a:latin typeface="JetBrains Mono"/>
+              </a:rPr>
+              <a:t>(String[] </a:t>
+            </a:r>
+            <a:r>
+              <a:rPr kumimoji="0" lang="en-US" altLang="en-US" sz="1800" b="0" i="0" u="none" strike="noStrike" cap="none" normalizeH="0" baseline="0" dirty="0" err="1">
+                <a:ln>
+                  <a:noFill/>
+                </a:ln>
+                <a:solidFill>
+                  <a:srgbClr val="A9B7C6"/>
+                </a:solidFill>
+                <a:effectLst/>
+                <a:latin typeface="JetBrains Mono"/>
+              </a:rPr>
+              <a:t>args</a:t>
+            </a:r>
+            <a:r>
+              <a:rPr kumimoji="0" lang="en-US" altLang="en-US" sz="1800" b="0" i="0" u="none" strike="noStrike" cap="none" normalizeH="0" baseline="0" dirty="0">
+                <a:ln>
+                  <a:noFill/>
+                </a:ln>
+                <a:solidFill>
+                  <a:srgbClr val="A9B7C6"/>
+                </a:solidFill>
+                <a:effectLst/>
+                <a:latin typeface="JetBrains Mono"/>
+              </a:rPr>
+              <a:t>){</a:t>
+            </a:r>
+            <a:br>
+              <a:rPr kumimoji="0" lang="en-US" altLang="en-US" sz="1800" b="0" i="0" u="none" strike="noStrike" cap="none" normalizeH="0" baseline="0" dirty="0">
+                <a:ln>
+                  <a:noFill/>
+                </a:ln>
+                <a:solidFill>
+                  <a:srgbClr val="A9B7C6"/>
+                </a:solidFill>
+                <a:effectLst/>
+                <a:latin typeface="JetBrains Mono"/>
+              </a:rPr>
+            </a:br>
+            <a:br>
+              <a:rPr kumimoji="0" lang="en-US" altLang="en-US" sz="1800" b="0" i="0" u="none" strike="noStrike" cap="none" normalizeH="0" baseline="0" dirty="0">
+                <a:ln>
+                  <a:noFill/>
+                </a:ln>
+                <a:solidFill>
+                  <a:srgbClr val="A9B7C6"/>
+                </a:solidFill>
+                <a:effectLst/>
+                <a:latin typeface="JetBrains Mono"/>
+              </a:rPr>
+            </a:br>
+            <a:r>
+              <a:rPr kumimoji="0" lang="en-US" altLang="en-US" sz="1800" b="0" i="0" u="none" strike="noStrike" cap="none" normalizeH="0" baseline="0" dirty="0">
+                <a:ln>
+                  <a:noFill/>
+                </a:ln>
+                <a:solidFill>
+                  <a:srgbClr val="A9B7C6"/>
+                </a:solidFill>
+                <a:effectLst/>
+                <a:latin typeface="JetBrains Mono"/>
+              </a:rPr>
+              <a:t>        </a:t>
+            </a:r>
+            <a:r>
+              <a:rPr kumimoji="0" lang="en-US" altLang="en-US" sz="1800" b="0" i="0" u="none" strike="noStrike" cap="none" normalizeH="0" baseline="0" dirty="0">
+                <a:ln>
+                  <a:noFill/>
+                </a:ln>
+                <a:solidFill>
+                  <a:srgbClr val="CC7832"/>
+                </a:solidFill>
+                <a:effectLst/>
+                <a:latin typeface="JetBrains Mono"/>
+              </a:rPr>
+              <a:t>try</a:t>
+            </a:r>
+            <a:r>
+              <a:rPr kumimoji="0" lang="en-US" altLang="en-US" sz="1800" b="0" i="0" u="none" strike="noStrike" cap="none" normalizeH="0" baseline="0" dirty="0">
+                <a:ln>
+                  <a:noFill/>
+                </a:ln>
+                <a:solidFill>
+                  <a:srgbClr val="A9B7C6"/>
+                </a:solidFill>
+                <a:effectLst/>
+                <a:latin typeface="JetBrains Mono"/>
+              </a:rPr>
+              <a:t>{</a:t>
+            </a:r>
+            <a:br>
+              <a:rPr kumimoji="0" lang="en-US" altLang="en-US" sz="1800" b="0" i="0" u="none" strike="noStrike" cap="none" normalizeH="0" baseline="0" dirty="0">
+                <a:ln>
+                  <a:noFill/>
+                </a:ln>
+                <a:solidFill>
+                  <a:srgbClr val="A9B7C6"/>
+                </a:solidFill>
+                <a:effectLst/>
+                <a:latin typeface="JetBrains Mono"/>
+              </a:rPr>
+            </a:br>
+            <a:r>
+              <a:rPr kumimoji="0" lang="en-US" altLang="en-US" sz="1800" b="0" i="0" u="none" strike="noStrike" cap="none" normalizeH="0" baseline="0" dirty="0">
+                <a:ln>
+                  <a:noFill/>
+                </a:ln>
+                <a:solidFill>
+                  <a:srgbClr val="A9B7C6"/>
+                </a:solidFill>
+                <a:effectLst/>
+                <a:latin typeface="JetBrains Mono"/>
+              </a:rPr>
+              <a:t>            String </a:t>
+            </a:r>
+            <a:r>
+              <a:rPr kumimoji="0" lang="en-US" altLang="en-US" sz="1800" b="0" i="0" u="none" strike="noStrike" cap="none" normalizeH="0" baseline="0" dirty="0" err="1">
+                <a:ln>
+                  <a:noFill/>
+                </a:ln>
+                <a:solidFill>
+                  <a:srgbClr val="A9B7C6"/>
+                </a:solidFill>
+                <a:effectLst/>
+                <a:latin typeface="JetBrains Mono"/>
+              </a:rPr>
+              <a:t>fileName</a:t>
+            </a:r>
+            <a:r>
+              <a:rPr kumimoji="0" lang="en-US" altLang="en-US" sz="1800" b="0" i="0" u="none" strike="noStrike" cap="none" normalizeH="0" baseline="0" dirty="0">
+                <a:ln>
+                  <a:noFill/>
+                </a:ln>
+                <a:solidFill>
+                  <a:srgbClr val="A9B7C6"/>
+                </a:solidFill>
+                <a:effectLst/>
+                <a:latin typeface="JetBrains Mono"/>
+              </a:rPr>
+              <a:t> = </a:t>
+            </a:r>
+            <a:r>
+              <a:rPr kumimoji="0" lang="en-US" altLang="en-US" sz="1800" b="0" i="0" u="none" strike="noStrike" cap="none" normalizeH="0" baseline="0" dirty="0">
+                <a:ln>
+                  <a:noFill/>
+                </a:ln>
+                <a:solidFill>
+                  <a:srgbClr val="6A8759"/>
+                </a:solidFill>
+                <a:effectLst/>
+                <a:latin typeface="JetBrains Mono"/>
+              </a:rPr>
+              <a:t>""</a:t>
+            </a:r>
+            <a:r>
+              <a:rPr kumimoji="0" lang="en-US" altLang="en-US" sz="1800" b="0" i="0" u="none" strike="noStrike" cap="none" normalizeH="0" baseline="0" dirty="0">
+                <a:ln>
+                  <a:noFill/>
+                </a:ln>
+                <a:solidFill>
+                  <a:srgbClr val="CC7832"/>
+                </a:solidFill>
+                <a:effectLst/>
+                <a:latin typeface="JetBrains Mono"/>
+              </a:rPr>
+              <a:t>;</a:t>
+            </a:r>
+            <a:br>
+              <a:rPr kumimoji="0" lang="en-US" altLang="en-US" sz="1800" b="0" i="0" u="none" strike="noStrike" cap="none" normalizeH="0" baseline="0" dirty="0">
+                <a:ln>
+                  <a:noFill/>
+                </a:ln>
+                <a:solidFill>
+                  <a:srgbClr val="CC7832"/>
+                </a:solidFill>
+                <a:effectLst/>
+                <a:latin typeface="JetBrains Mono"/>
+              </a:rPr>
+            </a:br>
+            <a:r>
+              <a:rPr kumimoji="0" lang="en-US" altLang="en-US" sz="1800" b="0" i="0" u="none" strike="noStrike" cap="none" normalizeH="0" baseline="0" dirty="0">
+                <a:ln>
+                  <a:noFill/>
+                </a:ln>
+                <a:solidFill>
+                  <a:srgbClr val="CC7832"/>
+                </a:solidFill>
+                <a:effectLst/>
+                <a:latin typeface="JetBrains Mono"/>
+              </a:rPr>
+              <a:t>            int </a:t>
+            </a:r>
+            <a:r>
+              <a:rPr kumimoji="0" lang="en-US" altLang="en-US" sz="1800" b="0" i="0" u="none" strike="noStrike" cap="none" normalizeH="0" baseline="0" dirty="0" err="1">
+                <a:ln>
+                  <a:noFill/>
+                </a:ln>
+                <a:solidFill>
+                  <a:srgbClr val="A9B7C6"/>
+                </a:solidFill>
+                <a:effectLst/>
+                <a:latin typeface="JetBrains Mono"/>
+              </a:rPr>
+              <a:t>len</a:t>
+            </a:r>
+            <a:r>
+              <a:rPr kumimoji="0" lang="en-US" altLang="en-US" sz="1800" b="0" i="0" u="none" strike="noStrike" cap="none" normalizeH="0" baseline="0" dirty="0">
+                <a:ln>
+                  <a:noFill/>
+                </a:ln>
+                <a:solidFill>
+                  <a:srgbClr val="A9B7C6"/>
+                </a:solidFill>
+                <a:effectLst/>
+                <a:latin typeface="JetBrains Mono"/>
+              </a:rPr>
+              <a:t> = </a:t>
+            </a:r>
+            <a:r>
+              <a:rPr kumimoji="0" lang="en-US" altLang="en-US" sz="1800" b="0" i="0" u="none" strike="noStrike" cap="none" normalizeH="0" baseline="0" dirty="0" err="1">
+                <a:ln>
+                  <a:noFill/>
+                </a:ln>
+                <a:solidFill>
+                  <a:srgbClr val="A9B7C6"/>
+                </a:solidFill>
+                <a:effectLst/>
+                <a:latin typeface="JetBrains Mono"/>
+              </a:rPr>
+              <a:t>args.</a:t>
+            </a:r>
+            <a:r>
+              <a:rPr kumimoji="0" lang="en-US" altLang="en-US" sz="1800" b="0" i="0" u="none" strike="noStrike" cap="none" normalizeH="0" baseline="0" dirty="0" err="1">
+                <a:ln>
+                  <a:noFill/>
+                </a:ln>
+                <a:solidFill>
+                  <a:srgbClr val="9876AA"/>
+                </a:solidFill>
+                <a:effectLst/>
+                <a:latin typeface="JetBrains Mono"/>
+              </a:rPr>
+              <a:t>length</a:t>
+            </a:r>
+            <a:r>
+              <a:rPr kumimoji="0" lang="en-US" altLang="en-US" sz="1800" b="0" i="0" u="none" strike="noStrike" cap="none" normalizeH="0" baseline="0" dirty="0">
+                <a:ln>
+                  <a:noFill/>
+                </a:ln>
+                <a:solidFill>
+                  <a:srgbClr val="CC7832"/>
+                </a:solidFill>
+                <a:effectLst/>
+                <a:latin typeface="JetBrains Mono"/>
+              </a:rPr>
+              <a:t>;</a:t>
+            </a:r>
+            <a:br>
+              <a:rPr kumimoji="0" lang="en-US" altLang="en-US" sz="1800" b="0" i="0" u="none" strike="noStrike" cap="none" normalizeH="0" baseline="0">
+                <a:ln>
+                  <a:noFill/>
+                </a:ln>
+                <a:solidFill>
+                  <a:srgbClr val="CC7832"/>
+                </a:solidFill>
+                <a:effectLst/>
+                <a:latin typeface="JetBrains Mono"/>
+              </a:rPr>
+            </a:br>
+            <a:br>
+              <a:rPr kumimoji="0" lang="en-US" altLang="en-US" sz="1800" b="0" i="0" u="none" strike="noStrike" cap="none" normalizeH="0" baseline="0" dirty="0">
+                <a:ln>
+                  <a:noFill/>
+                </a:ln>
+                <a:solidFill>
+                  <a:srgbClr val="CC7832"/>
+                </a:solidFill>
+                <a:effectLst/>
+                <a:latin typeface="JetBrains Mono"/>
+              </a:rPr>
+            </a:br>
+            <a:r>
+              <a:rPr kumimoji="0" lang="en-US" altLang="en-US" sz="1800" b="0" i="0" u="none" strike="noStrike" cap="none" normalizeH="0" baseline="0" dirty="0">
+                <a:ln>
+                  <a:noFill/>
+                </a:ln>
+                <a:solidFill>
+                  <a:srgbClr val="CC7832"/>
+                </a:solidFill>
+                <a:effectLst/>
+                <a:latin typeface="JetBrains Mono"/>
+              </a:rPr>
+              <a:t>            if</a:t>
+            </a:r>
+            <a:r>
+              <a:rPr kumimoji="0" lang="en-US" altLang="en-US" sz="1800" b="0" i="0" u="none" strike="noStrike" cap="none" normalizeH="0" baseline="0" dirty="0">
+                <a:ln>
+                  <a:noFill/>
+                </a:ln>
+                <a:solidFill>
+                  <a:srgbClr val="A9B7C6"/>
+                </a:solidFill>
+                <a:effectLst/>
+                <a:latin typeface="JetBrains Mono"/>
+              </a:rPr>
+              <a:t>(</a:t>
+            </a:r>
+            <a:r>
+              <a:rPr kumimoji="0" lang="en-US" altLang="en-US" sz="1800" b="0" i="0" u="none" strike="noStrike" cap="none" normalizeH="0" baseline="0" dirty="0" err="1">
+                <a:ln>
+                  <a:noFill/>
+                </a:ln>
+                <a:solidFill>
+                  <a:srgbClr val="A9B7C6"/>
+                </a:solidFill>
+                <a:effectLst/>
+                <a:latin typeface="JetBrains Mono"/>
+              </a:rPr>
+              <a:t>len</a:t>
+            </a:r>
+            <a:r>
+              <a:rPr kumimoji="0" lang="en-US" altLang="en-US" sz="1800" b="0" i="0" u="none" strike="noStrike" cap="none" normalizeH="0" baseline="0" dirty="0">
+                <a:ln>
+                  <a:noFill/>
+                </a:ln>
+                <a:solidFill>
+                  <a:srgbClr val="A9B7C6"/>
+                </a:solidFill>
+                <a:effectLst/>
+                <a:latin typeface="JetBrains Mono"/>
+              </a:rPr>
+              <a:t> &gt; </a:t>
+            </a:r>
+            <a:r>
+              <a:rPr kumimoji="0" lang="en-US" altLang="en-US" sz="1800" b="0" i="0" u="none" strike="noStrike" cap="none" normalizeH="0" baseline="0" dirty="0">
+                <a:ln>
+                  <a:noFill/>
+                </a:ln>
+                <a:solidFill>
+                  <a:srgbClr val="6897BB"/>
+                </a:solidFill>
+                <a:effectLst/>
+                <a:latin typeface="JetBrains Mono"/>
+              </a:rPr>
+              <a:t>0</a:t>
+            </a:r>
+            <a:r>
+              <a:rPr kumimoji="0" lang="en-US" altLang="en-US" sz="1800" b="0" i="0" u="none" strike="noStrike" cap="none" normalizeH="0" baseline="0" dirty="0">
+                <a:ln>
+                  <a:noFill/>
+                </a:ln>
+                <a:solidFill>
+                  <a:srgbClr val="A9B7C6"/>
+                </a:solidFill>
+                <a:effectLst/>
+                <a:latin typeface="JetBrains Mono"/>
+              </a:rPr>
+              <a:t>){</a:t>
+            </a:r>
+            <a:br>
+              <a:rPr kumimoji="0" lang="en-US" altLang="en-US" sz="1800" b="0" i="0" u="none" strike="noStrike" cap="none" normalizeH="0" baseline="0" dirty="0">
+                <a:ln>
+                  <a:noFill/>
+                </a:ln>
+                <a:solidFill>
+                  <a:srgbClr val="A9B7C6"/>
+                </a:solidFill>
+                <a:effectLst/>
+                <a:latin typeface="JetBrains Mono"/>
+              </a:rPr>
+            </a:br>
+            <a:r>
+              <a:rPr kumimoji="0" lang="en-US" altLang="en-US" sz="1800" b="0" i="0" u="none" strike="noStrike" cap="none" normalizeH="0" baseline="0" dirty="0">
+                <a:ln>
+                  <a:noFill/>
+                </a:ln>
+                <a:solidFill>
+                  <a:srgbClr val="A9B7C6"/>
+                </a:solidFill>
+                <a:effectLst/>
+                <a:latin typeface="JetBrains Mono"/>
+              </a:rPr>
+              <a:t>                </a:t>
+            </a:r>
+            <a:r>
+              <a:rPr kumimoji="0" lang="en-US" altLang="en-US" sz="1800" b="0" i="0" u="none" strike="noStrike" cap="none" normalizeH="0" baseline="0" dirty="0" err="1">
+                <a:ln>
+                  <a:noFill/>
+                </a:ln>
+                <a:solidFill>
+                  <a:srgbClr val="A9B7C6"/>
+                </a:solidFill>
+                <a:effectLst/>
+                <a:latin typeface="JetBrains Mono"/>
+              </a:rPr>
+              <a:t>fileName</a:t>
+            </a:r>
+            <a:r>
+              <a:rPr kumimoji="0" lang="en-US" altLang="en-US" sz="1800" b="0" i="0" u="none" strike="noStrike" cap="none" normalizeH="0" baseline="0" dirty="0">
+                <a:ln>
+                  <a:noFill/>
+                </a:ln>
+                <a:solidFill>
+                  <a:srgbClr val="A9B7C6"/>
+                </a:solidFill>
+                <a:effectLst/>
+                <a:latin typeface="JetBrains Mono"/>
+              </a:rPr>
+              <a:t> = </a:t>
+            </a:r>
+            <a:r>
+              <a:rPr kumimoji="0" lang="en-US" altLang="en-US" sz="1800" b="0" i="0" u="none" strike="noStrike" cap="none" normalizeH="0" baseline="0" dirty="0" err="1">
+                <a:ln>
+                  <a:noFill/>
+                </a:ln>
+                <a:solidFill>
+                  <a:srgbClr val="A9B7C6"/>
+                </a:solidFill>
+                <a:effectLst/>
+                <a:latin typeface="JetBrains Mono"/>
+              </a:rPr>
+              <a:t>args</a:t>
+            </a:r>
+            <a:r>
+              <a:rPr kumimoji="0" lang="en-US" altLang="en-US" sz="1800" b="0" i="0" u="none" strike="noStrike" cap="none" normalizeH="0" baseline="0" dirty="0">
+                <a:ln>
+                  <a:noFill/>
+                </a:ln>
+                <a:solidFill>
+                  <a:srgbClr val="A9B7C6"/>
+                </a:solidFill>
+                <a:effectLst/>
+                <a:latin typeface="JetBrains Mono"/>
+              </a:rPr>
+              <a:t>[</a:t>
+            </a:r>
+            <a:r>
+              <a:rPr kumimoji="0" lang="en-US" altLang="en-US" sz="1800" b="0" i="0" u="none" strike="noStrike" cap="none" normalizeH="0" baseline="0" dirty="0">
+                <a:ln>
+                  <a:noFill/>
+                </a:ln>
+                <a:solidFill>
+                  <a:srgbClr val="6897BB"/>
+                </a:solidFill>
+                <a:effectLst/>
+                <a:latin typeface="JetBrains Mono"/>
+              </a:rPr>
+              <a:t>0</a:t>
+            </a:r>
+            <a:r>
+              <a:rPr kumimoji="0" lang="en-US" altLang="en-US" sz="1800" b="0" i="0" u="none" strike="noStrike" cap="none" normalizeH="0" baseline="0" dirty="0">
+                <a:ln>
+                  <a:noFill/>
+                </a:ln>
+                <a:solidFill>
+                  <a:srgbClr val="A9B7C6"/>
+                </a:solidFill>
+                <a:effectLst/>
+                <a:latin typeface="JetBrains Mono"/>
+              </a:rPr>
+              <a:t>]</a:t>
+            </a:r>
+            <a:r>
+              <a:rPr kumimoji="0" lang="en-US" altLang="en-US" sz="1800" b="0" i="0" u="none" strike="noStrike" cap="none" normalizeH="0" baseline="0" dirty="0">
+                <a:ln>
+                  <a:noFill/>
+                </a:ln>
+                <a:solidFill>
+                  <a:srgbClr val="CC7832"/>
+                </a:solidFill>
+                <a:effectLst/>
+                <a:latin typeface="JetBrains Mono"/>
+              </a:rPr>
+              <a:t>;</a:t>
+            </a:r>
+            <a:br>
+              <a:rPr kumimoji="0" lang="en-US" altLang="en-US" sz="1800" b="0" i="0" u="none" strike="noStrike" cap="none" normalizeH="0" baseline="0" dirty="0">
+                <a:ln>
+                  <a:noFill/>
+                </a:ln>
+                <a:solidFill>
+                  <a:srgbClr val="CC7832"/>
+                </a:solidFill>
+                <a:effectLst/>
+                <a:latin typeface="JetBrains Mono"/>
+              </a:rPr>
+            </a:br>
+            <a:r>
+              <a:rPr kumimoji="0" lang="en-US" altLang="en-US" sz="1800" b="0" i="0" u="none" strike="noStrike" cap="none" normalizeH="0" baseline="0" dirty="0">
+                <a:ln>
+                  <a:noFill/>
+                </a:ln>
+                <a:solidFill>
+                  <a:srgbClr val="CC7832"/>
+                </a:solidFill>
+                <a:effectLst/>
+                <a:latin typeface="JetBrains Mono"/>
+              </a:rPr>
+              <a:t>            </a:t>
+            </a:r>
+            <a:r>
+              <a:rPr kumimoji="0" lang="en-US" altLang="en-US" sz="1800" b="0" i="0" u="none" strike="noStrike" cap="none" normalizeH="0" baseline="0" dirty="0">
+                <a:ln>
+                  <a:noFill/>
+                </a:ln>
+                <a:solidFill>
+                  <a:srgbClr val="A9B7C6"/>
+                </a:solidFill>
+                <a:effectLst/>
+                <a:latin typeface="JetBrains Mono"/>
+              </a:rPr>
+              <a:t>}</a:t>
+            </a:r>
+            <a:br>
+              <a:rPr kumimoji="0" lang="en-US" altLang="en-US" sz="1800" b="0" i="0" u="none" strike="noStrike" cap="none" normalizeH="0" baseline="0" dirty="0">
+                <a:ln>
+                  <a:noFill/>
+                </a:ln>
+                <a:solidFill>
+                  <a:srgbClr val="A9B7C6"/>
+                </a:solidFill>
+                <a:effectLst/>
+                <a:latin typeface="JetBrains Mono"/>
+              </a:rPr>
+            </a:br>
+            <a:r>
+              <a:rPr kumimoji="0" lang="en-US" altLang="en-US" sz="1800" b="0" i="0" u="none" strike="noStrike" cap="none" normalizeH="0" baseline="0" dirty="0">
+                <a:ln>
+                  <a:noFill/>
+                </a:ln>
+                <a:solidFill>
+                  <a:srgbClr val="A9B7C6"/>
+                </a:solidFill>
+                <a:effectLst/>
+                <a:latin typeface="JetBrains Mono"/>
+              </a:rPr>
+              <a:t>            </a:t>
+            </a:r>
+            <a:r>
+              <a:rPr kumimoji="0" lang="en-US" altLang="en-US" sz="1800" b="0" i="0" u="none" strike="noStrike" cap="none" normalizeH="0" baseline="0" dirty="0">
+                <a:ln>
+                  <a:noFill/>
+                </a:ln>
+                <a:solidFill>
+                  <a:srgbClr val="CC7832"/>
+                </a:solidFill>
+                <a:effectLst/>
+                <a:latin typeface="JetBrains Mono"/>
+              </a:rPr>
+              <a:t>else </a:t>
+            </a:r>
+            <a:r>
+              <a:rPr kumimoji="0" lang="en-US" altLang="en-US" sz="1800" b="0" i="0" u="none" strike="noStrike" cap="none" normalizeH="0" baseline="0" dirty="0" err="1">
+                <a:ln>
+                  <a:noFill/>
+                </a:ln>
+                <a:solidFill>
+                  <a:srgbClr val="A9B7C6"/>
+                </a:solidFill>
+                <a:effectLst/>
+                <a:latin typeface="JetBrains Mono"/>
+              </a:rPr>
+              <a:t>fileName</a:t>
+            </a:r>
+            <a:r>
+              <a:rPr kumimoji="0" lang="en-US" altLang="en-US" sz="1800" b="0" i="0" u="none" strike="noStrike" cap="none" normalizeH="0" baseline="0" dirty="0">
+                <a:ln>
+                  <a:noFill/>
+                </a:ln>
+                <a:solidFill>
+                  <a:srgbClr val="A9B7C6"/>
+                </a:solidFill>
+                <a:effectLst/>
+                <a:latin typeface="JetBrains Mono"/>
+              </a:rPr>
+              <a:t> = </a:t>
+            </a:r>
+            <a:r>
+              <a:rPr kumimoji="0" lang="en-US" altLang="en-US" sz="1800" b="0" i="0" u="none" strike="noStrike" cap="none" normalizeH="0" baseline="0" dirty="0">
+                <a:ln>
+                  <a:noFill/>
+                </a:ln>
+                <a:solidFill>
+                  <a:srgbClr val="6A8759"/>
+                </a:solidFill>
+                <a:effectLst/>
+                <a:latin typeface="JetBrains Mono"/>
+              </a:rPr>
+              <a:t>"simple.html"</a:t>
+            </a:r>
+            <a:r>
+              <a:rPr kumimoji="0" lang="en-US" altLang="en-US" sz="1800" b="0" i="0" u="none" strike="noStrike" cap="none" normalizeH="0" baseline="0" dirty="0">
+                <a:ln>
+                  <a:noFill/>
+                </a:ln>
+                <a:solidFill>
+                  <a:srgbClr val="CC7832"/>
+                </a:solidFill>
+                <a:effectLst/>
+                <a:latin typeface="JetBrains Mono"/>
+              </a:rPr>
+              <a:t>;</a:t>
+            </a:r>
+            <a:br>
+              <a:rPr kumimoji="0" lang="en-US" altLang="en-US" sz="1800" b="0" i="0" u="none" strike="noStrike" cap="none" normalizeH="0" baseline="0" dirty="0">
+                <a:ln>
+                  <a:noFill/>
+                </a:ln>
+                <a:solidFill>
+                  <a:srgbClr val="CC7832"/>
+                </a:solidFill>
+                <a:effectLst/>
+                <a:latin typeface="JetBrains Mono"/>
+              </a:rPr>
+            </a:br>
+            <a:r>
+              <a:rPr kumimoji="0" lang="en-US" altLang="en-US" sz="1800" b="0" i="0" u="none" strike="noStrike" cap="none" normalizeH="0" baseline="0" dirty="0">
+                <a:ln>
+                  <a:noFill/>
+                </a:ln>
+                <a:solidFill>
+                  <a:srgbClr val="CC7832"/>
+                </a:solidFill>
+                <a:effectLst/>
+                <a:latin typeface="JetBrains Mono"/>
+              </a:rPr>
+              <a:t>            </a:t>
+            </a:r>
+            <a:r>
+              <a:rPr kumimoji="0" lang="en-US" altLang="en-US" sz="1800" b="0" i="0" u="none" strike="noStrike" cap="none" normalizeH="0" baseline="0" dirty="0">
+                <a:ln>
+                  <a:noFill/>
+                </a:ln>
+                <a:solidFill>
+                  <a:srgbClr val="808080"/>
+                </a:solidFill>
+                <a:effectLst/>
+                <a:latin typeface="JetBrains Mono"/>
+              </a:rPr>
+              <a:t>// Open an output file stream and create a </a:t>
+            </a:r>
+            <a:r>
+              <a:rPr kumimoji="0" lang="en-US" altLang="en-US" sz="1800" b="0" i="0" u="none" strike="noStrike" cap="none" normalizeH="0" baseline="0" dirty="0" err="1">
+                <a:ln>
+                  <a:noFill/>
+                </a:ln>
+                <a:solidFill>
+                  <a:srgbClr val="808080"/>
+                </a:solidFill>
+                <a:effectLst/>
+                <a:latin typeface="JetBrains Mono"/>
+              </a:rPr>
+              <a:t>PrintWriter</a:t>
+            </a:r>
+            <a:br>
+              <a:rPr kumimoji="0" lang="en-US" altLang="en-US" sz="1800" b="0" i="0" u="none" strike="noStrike" cap="none" normalizeH="0" baseline="0" dirty="0">
+                <a:ln>
+                  <a:noFill/>
+                </a:ln>
+                <a:solidFill>
+                  <a:srgbClr val="808080"/>
+                </a:solidFill>
+                <a:effectLst/>
+                <a:latin typeface="JetBrains Mono"/>
+              </a:rPr>
+            </a:br>
+            <a:r>
+              <a:rPr kumimoji="0" lang="en-US" altLang="en-US" sz="1800" b="0" i="0" u="none" strike="noStrike" cap="none" normalizeH="0" baseline="0" dirty="0">
+                <a:ln>
+                  <a:noFill/>
+                </a:ln>
+                <a:solidFill>
+                  <a:srgbClr val="808080"/>
+                </a:solidFill>
+                <a:effectLst/>
+                <a:latin typeface="JetBrains Mono"/>
+              </a:rPr>
+              <a:t>            </a:t>
+            </a:r>
+            <a:r>
+              <a:rPr kumimoji="0" lang="en-US" altLang="en-US" sz="1800" b="0" i="0" u="none" strike="noStrike" cap="none" normalizeH="0" baseline="0" dirty="0" err="1">
+                <a:ln>
+                  <a:noFill/>
+                </a:ln>
+                <a:solidFill>
+                  <a:srgbClr val="A9B7C6"/>
+                </a:solidFill>
+                <a:effectLst/>
+                <a:latin typeface="JetBrains Mono"/>
+              </a:rPr>
+              <a:t>PrintWriter</a:t>
+            </a:r>
+            <a:r>
+              <a:rPr kumimoji="0" lang="en-US" altLang="en-US" sz="1800" b="0" i="0" u="none" strike="noStrike" cap="none" normalizeH="0" baseline="0" dirty="0">
+                <a:ln>
+                  <a:noFill/>
+                </a:ln>
+                <a:solidFill>
+                  <a:srgbClr val="A9B7C6"/>
+                </a:solidFill>
+                <a:effectLst/>
+                <a:latin typeface="JetBrains Mono"/>
+              </a:rPr>
+              <a:t> </a:t>
+            </a:r>
+            <a:r>
+              <a:rPr kumimoji="0" lang="en-US" altLang="en-US" sz="1800" b="0" i="0" u="none" strike="noStrike" cap="none" normalizeH="0" baseline="0" dirty="0" err="1">
+                <a:ln>
+                  <a:noFill/>
+                </a:ln>
+                <a:solidFill>
+                  <a:srgbClr val="A9B7C6"/>
+                </a:solidFill>
+                <a:effectLst/>
+                <a:latin typeface="JetBrains Mono"/>
+              </a:rPr>
+              <a:t>filePrinter</a:t>
+            </a:r>
+            <a:r>
+              <a:rPr kumimoji="0" lang="en-US" altLang="en-US" sz="1800" b="0" i="0" u="none" strike="noStrike" cap="none" normalizeH="0" baseline="0" dirty="0">
+                <a:ln>
+                  <a:noFill/>
+                </a:ln>
+                <a:solidFill>
+                  <a:srgbClr val="A9B7C6"/>
+                </a:solidFill>
+                <a:effectLst/>
+                <a:latin typeface="JetBrains Mono"/>
+              </a:rPr>
+              <a:t> = </a:t>
+            </a:r>
+            <a:r>
+              <a:rPr kumimoji="0" lang="en-US" altLang="en-US" sz="1800" b="0" i="0" u="none" strike="noStrike" cap="none" normalizeH="0" baseline="0" dirty="0">
+                <a:ln>
+                  <a:noFill/>
+                </a:ln>
+                <a:solidFill>
+                  <a:srgbClr val="CC7832"/>
+                </a:solidFill>
+                <a:effectLst/>
+                <a:latin typeface="JetBrains Mono"/>
+              </a:rPr>
+              <a:t>new </a:t>
+            </a:r>
+            <a:r>
+              <a:rPr kumimoji="0" lang="en-US" altLang="en-US" sz="1800" b="0" i="0" u="none" strike="noStrike" cap="none" normalizeH="0" baseline="0" dirty="0" err="1">
+                <a:ln>
+                  <a:noFill/>
+                </a:ln>
+                <a:solidFill>
+                  <a:srgbClr val="A9B7C6"/>
+                </a:solidFill>
+                <a:effectLst/>
+                <a:latin typeface="JetBrains Mono"/>
+              </a:rPr>
+              <a:t>PrintWriter</a:t>
+            </a:r>
+            <a:r>
+              <a:rPr kumimoji="0" lang="en-US" altLang="en-US" sz="1800" b="0" i="0" u="none" strike="noStrike" cap="none" normalizeH="0" baseline="0" dirty="0">
+                <a:ln>
+                  <a:noFill/>
+                </a:ln>
+                <a:solidFill>
+                  <a:srgbClr val="A9B7C6"/>
+                </a:solidFill>
+                <a:effectLst/>
+                <a:latin typeface="JetBrains Mono"/>
+              </a:rPr>
+              <a:t>(</a:t>
+            </a:r>
+            <a:r>
+              <a:rPr kumimoji="0" lang="en-US" altLang="en-US" sz="1800" b="0" i="0" u="none" strike="noStrike" cap="none" normalizeH="0" baseline="0" dirty="0">
+                <a:ln>
+                  <a:noFill/>
+                </a:ln>
+                <a:solidFill>
+                  <a:srgbClr val="CC7832"/>
+                </a:solidFill>
+                <a:effectLst/>
+                <a:latin typeface="JetBrains Mono"/>
+              </a:rPr>
+              <a:t>new </a:t>
+            </a:r>
+            <a:r>
+              <a:rPr kumimoji="0" lang="en-US" altLang="en-US" sz="1800" b="0" i="0" u="none" strike="noStrike" cap="none" normalizeH="0" baseline="0" dirty="0">
+                <a:ln>
+                  <a:noFill/>
+                </a:ln>
+                <a:solidFill>
+                  <a:srgbClr val="A9B7C6"/>
+                </a:solidFill>
+                <a:effectLst/>
+                <a:latin typeface="JetBrains Mono"/>
+              </a:rPr>
+              <a:t>File(</a:t>
+            </a:r>
+            <a:r>
+              <a:rPr kumimoji="0" lang="en-US" altLang="en-US" sz="1800" b="0" i="0" u="none" strike="noStrike" cap="none" normalizeH="0" baseline="0" dirty="0" err="1">
+                <a:ln>
+                  <a:noFill/>
+                </a:ln>
+                <a:solidFill>
+                  <a:srgbClr val="A9B7C6"/>
+                </a:solidFill>
+                <a:effectLst/>
+                <a:latin typeface="JetBrains Mono"/>
+              </a:rPr>
+              <a:t>fileName</a:t>
+            </a:r>
+            <a:r>
+              <a:rPr kumimoji="0" lang="en-US" altLang="en-US" sz="1800" b="0" i="0" u="none" strike="noStrike" cap="none" normalizeH="0" baseline="0" dirty="0">
+                <a:ln>
+                  <a:noFill/>
+                </a:ln>
+                <a:solidFill>
+                  <a:srgbClr val="A9B7C6"/>
+                </a:solidFill>
+                <a:effectLst/>
+                <a:latin typeface="JetBrains Mono"/>
+              </a:rPr>
+              <a:t>))</a:t>
+            </a:r>
+            <a:r>
+              <a:rPr kumimoji="0" lang="en-US" altLang="en-US" sz="1800" b="0" i="0" u="none" strike="noStrike" cap="none" normalizeH="0" baseline="0" dirty="0">
+                <a:ln>
+                  <a:noFill/>
+                </a:ln>
+                <a:solidFill>
+                  <a:srgbClr val="CC7832"/>
+                </a:solidFill>
+                <a:effectLst/>
+                <a:latin typeface="JetBrains Mono"/>
+              </a:rPr>
+              <a:t>;</a:t>
+            </a:r>
+            <a:br>
+              <a:rPr kumimoji="0" lang="en-US" altLang="en-US" sz="1800" b="0" i="0" u="none" strike="noStrike" cap="none" normalizeH="0" baseline="0" dirty="0">
+                <a:ln>
+                  <a:noFill/>
+                </a:ln>
+                <a:solidFill>
+                  <a:srgbClr val="CC7832"/>
+                </a:solidFill>
+                <a:effectLst/>
+                <a:latin typeface="JetBrains Mono"/>
+              </a:rPr>
+            </a:br>
+            <a:br>
+              <a:rPr kumimoji="0" lang="en-US" altLang="en-US" sz="1800" b="0" i="0" u="none" strike="noStrike" cap="none" normalizeH="0" baseline="0" dirty="0">
+                <a:ln>
+                  <a:noFill/>
+                </a:ln>
+                <a:solidFill>
+                  <a:srgbClr val="CC7832"/>
+                </a:solidFill>
+                <a:effectLst/>
+                <a:latin typeface="JetBrains Mono"/>
+              </a:rPr>
+            </a:br>
+            <a:r>
+              <a:rPr kumimoji="0" lang="en-US" altLang="en-US" sz="1800" b="0" i="0" u="none" strike="noStrike" cap="none" normalizeH="0" baseline="0" dirty="0">
+                <a:ln>
+                  <a:noFill/>
+                </a:ln>
+                <a:solidFill>
+                  <a:srgbClr val="CC7832"/>
+                </a:solidFill>
+                <a:effectLst/>
+                <a:latin typeface="JetBrains Mono"/>
+              </a:rPr>
+              <a:t>            </a:t>
+            </a:r>
+            <a:r>
+              <a:rPr kumimoji="0" lang="en-US" altLang="en-US" sz="1800" b="0" i="0" u="none" strike="noStrike" cap="none" normalizeH="0" baseline="0" dirty="0">
+                <a:ln>
+                  <a:noFill/>
+                </a:ln>
+                <a:solidFill>
+                  <a:srgbClr val="808080"/>
+                </a:solidFill>
+                <a:effectLst/>
+                <a:latin typeface="JetBrains Mono"/>
+              </a:rPr>
+              <a:t>// Write the HTML file, then close </a:t>
+            </a:r>
+            <a:r>
+              <a:rPr kumimoji="0" lang="en-US" altLang="en-US" sz="1800" b="0" i="0" u="none" strike="noStrike" cap="none" normalizeH="0" baseline="0" dirty="0" err="1">
+                <a:ln>
+                  <a:noFill/>
+                </a:ln>
+                <a:solidFill>
+                  <a:srgbClr val="808080"/>
+                </a:solidFill>
+                <a:effectLst/>
+                <a:latin typeface="JetBrains Mono"/>
+              </a:rPr>
+              <a:t>filePrinter</a:t>
+            </a:r>
+            <a:br>
+              <a:rPr kumimoji="0" lang="en-US" altLang="en-US" sz="1800" b="0" i="0" u="none" strike="noStrike" cap="none" normalizeH="0" baseline="0" dirty="0">
+                <a:ln>
+                  <a:noFill/>
+                </a:ln>
+                <a:solidFill>
+                  <a:srgbClr val="808080"/>
+                </a:solidFill>
+                <a:effectLst/>
+                <a:latin typeface="JetBrains Mono"/>
+              </a:rPr>
+            </a:br>
+            <a:r>
+              <a:rPr kumimoji="0" lang="en-US" altLang="en-US" sz="1800" b="0" i="0" u="none" strike="noStrike" cap="none" normalizeH="0" baseline="0" dirty="0">
+                <a:ln>
+                  <a:noFill/>
+                </a:ln>
+                <a:solidFill>
+                  <a:srgbClr val="808080"/>
+                </a:solidFill>
+                <a:effectLst/>
+                <a:latin typeface="JetBrains Mono"/>
+              </a:rPr>
+              <a:t>            </a:t>
+            </a:r>
+            <a:r>
+              <a:rPr kumimoji="0" lang="en-US" altLang="en-US" sz="1800" b="0" i="1" u="none" strike="noStrike" cap="none" normalizeH="0" baseline="0" dirty="0" err="1">
+                <a:ln>
+                  <a:noFill/>
+                </a:ln>
+                <a:solidFill>
+                  <a:srgbClr val="A9B7C6"/>
+                </a:solidFill>
+                <a:effectLst/>
+                <a:latin typeface="JetBrains Mono"/>
+              </a:rPr>
+              <a:t>writeHTMLFile</a:t>
+            </a:r>
+            <a:r>
+              <a:rPr kumimoji="0" lang="en-US" altLang="en-US" sz="1800" b="0" i="0" u="none" strike="noStrike" cap="none" normalizeH="0" baseline="0" dirty="0">
+                <a:ln>
+                  <a:noFill/>
+                </a:ln>
+                <a:solidFill>
+                  <a:srgbClr val="A9B7C6"/>
+                </a:solidFill>
+                <a:effectLst/>
+                <a:latin typeface="JetBrains Mono"/>
+              </a:rPr>
+              <a:t>(</a:t>
+            </a:r>
+            <a:r>
+              <a:rPr kumimoji="0" lang="en-US" altLang="en-US" sz="1800" b="0" i="0" u="none" strike="noStrike" cap="none" normalizeH="0" baseline="0" dirty="0" err="1">
+                <a:ln>
+                  <a:noFill/>
+                </a:ln>
+                <a:solidFill>
+                  <a:srgbClr val="A9B7C6"/>
+                </a:solidFill>
+                <a:effectLst/>
+                <a:latin typeface="JetBrains Mono"/>
+              </a:rPr>
+              <a:t>filePrinter</a:t>
+            </a:r>
+            <a:r>
+              <a:rPr kumimoji="0" lang="en-US" altLang="en-US" sz="1800" b="0" i="0" u="none" strike="noStrike" cap="none" normalizeH="0" baseline="0" dirty="0">
+                <a:ln>
+                  <a:noFill/>
+                </a:ln>
+                <a:solidFill>
+                  <a:srgbClr val="CC7832"/>
+                </a:solidFill>
+                <a:effectLst/>
+                <a:latin typeface="JetBrains Mono"/>
+              </a:rPr>
+              <a:t>, </a:t>
+            </a:r>
+            <a:r>
+              <a:rPr kumimoji="0" lang="en-US" altLang="en-US" sz="1800" b="0" i="0" u="none" strike="noStrike" cap="none" normalizeH="0" baseline="0" dirty="0">
+                <a:ln>
+                  <a:noFill/>
+                </a:ln>
+                <a:solidFill>
+                  <a:srgbClr val="6A8759"/>
+                </a:solidFill>
+                <a:effectLst/>
+                <a:latin typeface="JetBrains Mono"/>
+              </a:rPr>
+              <a:t>"Hello &lt;b&gt;HTML&lt;/b&gt; world!"</a:t>
+            </a:r>
+            <a:r>
+              <a:rPr kumimoji="0" lang="en-US" altLang="en-US" sz="1800" b="0" i="0" u="none" strike="noStrike" cap="none" normalizeH="0" baseline="0" dirty="0">
+                <a:ln>
+                  <a:noFill/>
+                </a:ln>
+                <a:solidFill>
+                  <a:srgbClr val="A9B7C6"/>
+                </a:solidFill>
+                <a:effectLst/>
+                <a:latin typeface="JetBrains Mono"/>
+              </a:rPr>
+              <a:t>)</a:t>
+            </a:r>
+            <a:r>
+              <a:rPr kumimoji="0" lang="en-US" altLang="en-US" sz="1800" b="0" i="0" u="none" strike="noStrike" cap="none" normalizeH="0" baseline="0" dirty="0">
+                <a:ln>
+                  <a:noFill/>
+                </a:ln>
+                <a:solidFill>
+                  <a:srgbClr val="CC7832"/>
+                </a:solidFill>
+                <a:effectLst/>
+                <a:latin typeface="JetBrains Mono"/>
+              </a:rPr>
+              <a:t>;</a:t>
+            </a:r>
+            <a:br>
+              <a:rPr kumimoji="0" lang="en-US" altLang="en-US" sz="1800" b="0" i="0" u="none" strike="noStrike" cap="none" normalizeH="0" baseline="0" dirty="0">
+                <a:ln>
+                  <a:noFill/>
+                </a:ln>
+                <a:solidFill>
+                  <a:srgbClr val="CC7832"/>
+                </a:solidFill>
+                <a:effectLst/>
+                <a:latin typeface="JetBrains Mono"/>
+              </a:rPr>
+            </a:br>
+            <a:r>
+              <a:rPr kumimoji="0" lang="en-US" altLang="en-US" sz="1800" b="0" i="0" u="none" strike="noStrike" cap="none" normalizeH="0" baseline="0" dirty="0">
+                <a:ln>
+                  <a:noFill/>
+                </a:ln>
+                <a:solidFill>
+                  <a:srgbClr val="CC7832"/>
+                </a:solidFill>
+                <a:effectLst/>
+                <a:latin typeface="JetBrains Mono"/>
+              </a:rPr>
+              <a:t>            </a:t>
+            </a:r>
+            <a:r>
+              <a:rPr kumimoji="0" lang="en-US" altLang="en-US" sz="1800" b="0" i="0" u="none" strike="noStrike" cap="none" normalizeH="0" baseline="0" dirty="0" err="1">
+                <a:ln>
+                  <a:noFill/>
+                </a:ln>
+                <a:solidFill>
+                  <a:srgbClr val="A9B7C6"/>
+                </a:solidFill>
+                <a:effectLst/>
+                <a:latin typeface="JetBrains Mono"/>
+              </a:rPr>
+              <a:t>filePrinter.close</a:t>
+            </a:r>
+            <a:r>
+              <a:rPr kumimoji="0" lang="en-US" altLang="en-US" sz="1800" b="0" i="0" u="none" strike="noStrike" cap="none" normalizeH="0" baseline="0" dirty="0">
+                <a:ln>
+                  <a:noFill/>
+                </a:ln>
+                <a:solidFill>
+                  <a:srgbClr val="A9B7C6"/>
+                </a:solidFill>
+                <a:effectLst/>
+                <a:latin typeface="JetBrains Mono"/>
+              </a:rPr>
+              <a:t>()</a:t>
+            </a:r>
+            <a:r>
+              <a:rPr kumimoji="0" lang="en-US" altLang="en-US" sz="1800" b="0" i="0" u="none" strike="noStrike" cap="none" normalizeH="0" baseline="0" dirty="0">
+                <a:ln>
+                  <a:noFill/>
+                </a:ln>
+                <a:solidFill>
+                  <a:srgbClr val="CC7832"/>
+                </a:solidFill>
+                <a:effectLst/>
+                <a:latin typeface="JetBrains Mono"/>
+              </a:rPr>
+              <a:t>;</a:t>
+            </a:r>
+            <a:br>
+              <a:rPr kumimoji="0" lang="en-US" altLang="en-US" sz="1800" b="0" i="0" u="none" strike="noStrike" cap="none" normalizeH="0" baseline="0" dirty="0">
+                <a:ln>
+                  <a:noFill/>
+                </a:ln>
+                <a:solidFill>
+                  <a:srgbClr val="CC7832"/>
+                </a:solidFill>
+                <a:effectLst/>
+                <a:latin typeface="JetBrains Mono"/>
+              </a:rPr>
+            </a:br>
+            <a:br>
+              <a:rPr kumimoji="0" lang="en-US" altLang="en-US" sz="1800" b="0" i="0" u="none" strike="noStrike" cap="none" normalizeH="0" baseline="0" dirty="0">
+                <a:ln>
+                  <a:noFill/>
+                </a:ln>
+                <a:solidFill>
+                  <a:srgbClr val="CC7832"/>
+                </a:solidFill>
+                <a:effectLst/>
+                <a:latin typeface="JetBrains Mono"/>
+              </a:rPr>
+            </a:br>
+            <a:r>
+              <a:rPr kumimoji="0" lang="en-US" altLang="en-US" sz="1800" b="0" i="0" u="none" strike="noStrike" cap="none" normalizeH="0" baseline="0" dirty="0">
+                <a:ln>
+                  <a:noFill/>
+                </a:ln>
+                <a:solidFill>
+                  <a:srgbClr val="CC7832"/>
+                </a:solidFill>
+                <a:effectLst/>
+                <a:latin typeface="JetBrains Mono"/>
+              </a:rPr>
+              <a:t>            </a:t>
+            </a:r>
+            <a:r>
+              <a:rPr kumimoji="0" lang="en-US" altLang="en-US" sz="1800" b="0" i="0" u="none" strike="noStrike" cap="none" normalizeH="0" baseline="0" dirty="0">
+                <a:ln>
+                  <a:noFill/>
+                </a:ln>
+                <a:solidFill>
+                  <a:srgbClr val="808080"/>
+                </a:solidFill>
+                <a:effectLst/>
+                <a:latin typeface="JetBrains Mono"/>
+              </a:rPr>
+              <a:t>// Use the same function, </a:t>
+            </a:r>
+            <a:r>
+              <a:rPr kumimoji="0" lang="en-US" altLang="en-US" sz="1800" b="0" i="0" u="none" strike="noStrike" cap="none" normalizeH="0" baseline="0" dirty="0" err="1">
+                <a:ln>
+                  <a:noFill/>
+                </a:ln>
+                <a:solidFill>
+                  <a:srgbClr val="808080"/>
+                </a:solidFill>
+                <a:effectLst/>
+                <a:latin typeface="JetBrains Mono"/>
+              </a:rPr>
+              <a:t>writeHTMLFile</a:t>
+            </a:r>
+            <a:r>
+              <a:rPr kumimoji="0" lang="en-US" altLang="en-US" sz="1800" b="0" i="0" u="none" strike="noStrike" cap="none" normalizeH="0" baseline="0" dirty="0">
+                <a:ln>
+                  <a:noFill/>
+                </a:ln>
+                <a:solidFill>
+                  <a:srgbClr val="808080"/>
+                </a:solidFill>
+                <a:effectLst/>
+                <a:latin typeface="JetBrains Mono"/>
+              </a:rPr>
+              <a:t>, to write to the console</a:t>
+            </a:r>
+            <a:br>
+              <a:rPr kumimoji="0" lang="en-US" altLang="en-US" sz="1800" b="0" i="0" u="none" strike="noStrike" cap="none" normalizeH="0" baseline="0" dirty="0">
+                <a:ln>
+                  <a:noFill/>
+                </a:ln>
+                <a:solidFill>
+                  <a:srgbClr val="808080"/>
+                </a:solidFill>
+                <a:effectLst/>
+                <a:latin typeface="JetBrains Mono"/>
+              </a:rPr>
+            </a:br>
+            <a:r>
+              <a:rPr kumimoji="0" lang="en-US" altLang="en-US" sz="1800" b="0" i="0" u="none" strike="noStrike" cap="none" normalizeH="0" baseline="0" dirty="0">
+                <a:ln>
+                  <a:noFill/>
+                </a:ln>
+                <a:solidFill>
+                  <a:srgbClr val="808080"/>
+                </a:solidFill>
+                <a:effectLst/>
+                <a:latin typeface="JetBrains Mono"/>
+              </a:rPr>
+              <a:t>            </a:t>
+            </a:r>
+            <a:r>
+              <a:rPr kumimoji="0" lang="en-US" altLang="en-US" sz="1800" b="0" i="0" u="none" strike="noStrike" cap="none" normalizeH="0" baseline="0" dirty="0" err="1">
+                <a:ln>
+                  <a:noFill/>
+                </a:ln>
+                <a:solidFill>
+                  <a:srgbClr val="A9B7C6"/>
+                </a:solidFill>
+                <a:effectLst/>
+                <a:latin typeface="JetBrains Mono"/>
+              </a:rPr>
+              <a:t>PrintWriter</a:t>
+            </a:r>
+            <a:r>
+              <a:rPr kumimoji="0" lang="en-US" altLang="en-US" sz="1800" b="0" i="0" u="none" strike="noStrike" cap="none" normalizeH="0" baseline="0" dirty="0">
+                <a:ln>
+                  <a:noFill/>
+                </a:ln>
+                <a:solidFill>
+                  <a:srgbClr val="A9B7C6"/>
+                </a:solidFill>
+                <a:effectLst/>
+                <a:latin typeface="JetBrains Mono"/>
+              </a:rPr>
+              <a:t> </a:t>
+            </a:r>
+            <a:r>
+              <a:rPr kumimoji="0" lang="en-US" altLang="en-US" sz="1800" b="0" i="0" u="none" strike="noStrike" cap="none" normalizeH="0" baseline="0" dirty="0" err="1">
+                <a:ln>
+                  <a:noFill/>
+                </a:ln>
+                <a:solidFill>
+                  <a:srgbClr val="A9B7C6"/>
+                </a:solidFill>
+                <a:effectLst/>
+                <a:latin typeface="JetBrains Mono"/>
+              </a:rPr>
+              <a:t>systemOutPrinter</a:t>
+            </a:r>
+            <a:r>
+              <a:rPr kumimoji="0" lang="en-US" altLang="en-US" sz="1800" b="0" i="0" u="none" strike="noStrike" cap="none" normalizeH="0" baseline="0" dirty="0">
+                <a:ln>
+                  <a:noFill/>
+                </a:ln>
+                <a:solidFill>
+                  <a:srgbClr val="A9B7C6"/>
+                </a:solidFill>
+                <a:effectLst/>
+                <a:latin typeface="JetBrains Mono"/>
+              </a:rPr>
+              <a:t> = </a:t>
+            </a:r>
+            <a:r>
+              <a:rPr kumimoji="0" lang="en-US" altLang="en-US" sz="1800" b="0" i="0" u="none" strike="noStrike" cap="none" normalizeH="0" baseline="0" dirty="0">
+                <a:ln>
+                  <a:noFill/>
+                </a:ln>
+                <a:solidFill>
+                  <a:srgbClr val="CC7832"/>
+                </a:solidFill>
+                <a:effectLst/>
+                <a:latin typeface="JetBrains Mono"/>
+              </a:rPr>
+              <a:t>new </a:t>
+            </a:r>
+            <a:r>
+              <a:rPr kumimoji="0" lang="en-US" altLang="en-US" sz="1800" b="0" i="0" u="none" strike="noStrike" cap="none" normalizeH="0" baseline="0" dirty="0" err="1">
+                <a:ln>
+                  <a:noFill/>
+                </a:ln>
+                <a:solidFill>
+                  <a:srgbClr val="A9B7C6"/>
+                </a:solidFill>
+                <a:effectLst/>
+                <a:latin typeface="JetBrains Mono"/>
+              </a:rPr>
+              <a:t>PrintWriter</a:t>
+            </a:r>
+            <a:r>
+              <a:rPr kumimoji="0" lang="en-US" altLang="en-US" sz="1800" b="0" i="0" u="none" strike="noStrike" cap="none" normalizeH="0" baseline="0" dirty="0">
+                <a:ln>
+                  <a:noFill/>
+                </a:ln>
+                <a:solidFill>
+                  <a:srgbClr val="A9B7C6"/>
+                </a:solidFill>
+                <a:effectLst/>
+                <a:latin typeface="JetBrains Mono"/>
+              </a:rPr>
+              <a:t>(</a:t>
+            </a:r>
+            <a:r>
+              <a:rPr kumimoji="0" lang="en-US" altLang="en-US" sz="1800" b="0" i="0" u="none" strike="noStrike" cap="none" normalizeH="0" baseline="0" dirty="0" err="1">
+                <a:ln>
+                  <a:noFill/>
+                </a:ln>
+                <a:solidFill>
+                  <a:srgbClr val="A9B7C6"/>
+                </a:solidFill>
+                <a:effectLst/>
+                <a:latin typeface="JetBrains Mono"/>
+              </a:rPr>
+              <a:t>System.</a:t>
+            </a:r>
+            <a:r>
+              <a:rPr kumimoji="0" lang="en-US" altLang="en-US" sz="1800" b="0" i="1" u="none" strike="noStrike" cap="none" normalizeH="0" baseline="0" dirty="0" err="1">
+                <a:ln>
+                  <a:noFill/>
+                </a:ln>
+                <a:solidFill>
+                  <a:srgbClr val="9876AA"/>
+                </a:solidFill>
+                <a:effectLst/>
+                <a:latin typeface="JetBrains Mono"/>
+              </a:rPr>
+              <a:t>out</a:t>
+            </a:r>
+            <a:r>
+              <a:rPr kumimoji="0" lang="en-US" altLang="en-US" sz="1800" b="0" i="0" u="none" strike="noStrike" cap="none" normalizeH="0" baseline="0" dirty="0">
+                <a:ln>
+                  <a:noFill/>
+                </a:ln>
+                <a:solidFill>
+                  <a:srgbClr val="A9B7C6"/>
+                </a:solidFill>
+                <a:effectLst/>
+                <a:latin typeface="JetBrains Mono"/>
+              </a:rPr>
+              <a:t>)</a:t>
+            </a:r>
+            <a:r>
+              <a:rPr kumimoji="0" lang="en-US" altLang="en-US" sz="1800" b="0" i="0" u="none" strike="noStrike" cap="none" normalizeH="0" baseline="0" dirty="0">
+                <a:ln>
+                  <a:noFill/>
+                </a:ln>
+                <a:solidFill>
+                  <a:srgbClr val="CC7832"/>
+                </a:solidFill>
+                <a:effectLst/>
+                <a:latin typeface="JetBrains Mono"/>
+              </a:rPr>
+              <a:t>;</a:t>
+            </a:r>
+            <a:br>
+              <a:rPr kumimoji="0" lang="en-US" altLang="en-US" sz="1800" b="0" i="0" u="none" strike="noStrike" cap="none" normalizeH="0" baseline="0" dirty="0">
+                <a:ln>
+                  <a:noFill/>
+                </a:ln>
+                <a:solidFill>
+                  <a:srgbClr val="CC7832"/>
+                </a:solidFill>
+                <a:effectLst/>
+                <a:latin typeface="JetBrains Mono"/>
+              </a:rPr>
+            </a:br>
+            <a:r>
+              <a:rPr kumimoji="0" lang="en-US" altLang="en-US" sz="1800" b="0" i="0" u="none" strike="noStrike" cap="none" normalizeH="0" baseline="0" dirty="0">
+                <a:ln>
+                  <a:noFill/>
+                </a:ln>
+                <a:solidFill>
+                  <a:srgbClr val="CC7832"/>
+                </a:solidFill>
+                <a:effectLst/>
+                <a:latin typeface="JetBrains Mono"/>
+              </a:rPr>
+              <a:t>            </a:t>
+            </a:r>
+            <a:r>
+              <a:rPr kumimoji="0" lang="en-US" altLang="en-US" sz="1800" b="0" i="1" u="none" strike="noStrike" cap="none" normalizeH="0" baseline="0" dirty="0" err="1">
+                <a:ln>
+                  <a:noFill/>
+                </a:ln>
+                <a:solidFill>
+                  <a:srgbClr val="A9B7C6"/>
+                </a:solidFill>
+                <a:effectLst/>
+                <a:latin typeface="JetBrains Mono"/>
+              </a:rPr>
+              <a:t>writeHTMLFile</a:t>
+            </a:r>
+            <a:r>
+              <a:rPr kumimoji="0" lang="en-US" altLang="en-US" sz="1800" b="0" i="0" u="none" strike="noStrike" cap="none" normalizeH="0" baseline="0" dirty="0">
+                <a:ln>
+                  <a:noFill/>
+                </a:ln>
+                <a:solidFill>
+                  <a:srgbClr val="A9B7C6"/>
+                </a:solidFill>
+                <a:effectLst/>
+                <a:latin typeface="JetBrains Mono"/>
+              </a:rPr>
+              <a:t>(</a:t>
+            </a:r>
+            <a:r>
+              <a:rPr kumimoji="0" lang="en-US" altLang="en-US" sz="1800" b="0" i="0" u="none" strike="noStrike" cap="none" normalizeH="0" baseline="0" dirty="0" err="1">
+                <a:ln>
+                  <a:noFill/>
+                </a:ln>
+                <a:solidFill>
+                  <a:srgbClr val="A9B7C6"/>
+                </a:solidFill>
+                <a:effectLst/>
+                <a:latin typeface="JetBrains Mono"/>
+              </a:rPr>
+              <a:t>systemOutPrinter</a:t>
+            </a:r>
+            <a:r>
+              <a:rPr kumimoji="0" lang="en-US" altLang="en-US" sz="1800" b="0" i="0" u="none" strike="noStrike" cap="none" normalizeH="0" baseline="0" dirty="0">
+                <a:ln>
+                  <a:noFill/>
+                </a:ln>
+                <a:solidFill>
+                  <a:srgbClr val="CC7832"/>
+                </a:solidFill>
+                <a:effectLst/>
+                <a:latin typeface="JetBrains Mono"/>
+              </a:rPr>
+              <a:t>, </a:t>
+            </a:r>
+            <a:r>
+              <a:rPr kumimoji="0" lang="en-US" altLang="en-US" sz="1800" b="0" i="0" u="none" strike="noStrike" cap="none" normalizeH="0" baseline="0" dirty="0">
+                <a:ln>
+                  <a:noFill/>
+                </a:ln>
+                <a:solidFill>
+                  <a:srgbClr val="6A8759"/>
+                </a:solidFill>
+                <a:effectLst/>
+                <a:latin typeface="JetBrains Mono"/>
+              </a:rPr>
+              <a:t>"Hello &lt;b&gt;HTML&lt;/b&gt; world!"</a:t>
+            </a:r>
+            <a:r>
+              <a:rPr kumimoji="0" lang="en-US" altLang="en-US" sz="1800" b="0" i="0" u="none" strike="noStrike" cap="none" normalizeH="0" baseline="0" dirty="0">
+                <a:ln>
+                  <a:noFill/>
+                </a:ln>
+                <a:solidFill>
+                  <a:srgbClr val="A9B7C6"/>
+                </a:solidFill>
+                <a:effectLst/>
+                <a:latin typeface="JetBrains Mono"/>
+              </a:rPr>
+              <a:t>)</a:t>
+            </a:r>
+            <a:r>
+              <a:rPr kumimoji="0" lang="en-US" altLang="en-US" sz="1800" b="0" i="0" u="none" strike="noStrike" cap="none" normalizeH="0" baseline="0" dirty="0">
+                <a:ln>
+                  <a:noFill/>
+                </a:ln>
+                <a:solidFill>
+                  <a:srgbClr val="CC7832"/>
+                </a:solidFill>
+                <a:effectLst/>
+                <a:latin typeface="JetBrains Mono"/>
+              </a:rPr>
+              <a:t>;</a:t>
+            </a:r>
+            <a:br>
+              <a:rPr kumimoji="0" lang="en-US" altLang="en-US" sz="1800" b="0" i="0" u="none" strike="noStrike" cap="none" normalizeH="0" baseline="0" dirty="0">
+                <a:ln>
+                  <a:noFill/>
+                </a:ln>
+                <a:solidFill>
+                  <a:srgbClr val="CC7832"/>
+                </a:solidFill>
+                <a:effectLst/>
+                <a:latin typeface="JetBrains Mono"/>
+              </a:rPr>
+            </a:br>
+            <a:r>
+              <a:rPr kumimoji="0" lang="en-US" altLang="en-US" sz="1800" b="0" i="0" u="none" strike="noStrike" cap="none" normalizeH="0" baseline="0" dirty="0">
+                <a:ln>
+                  <a:noFill/>
+                </a:ln>
+                <a:solidFill>
+                  <a:srgbClr val="CC7832"/>
+                </a:solidFill>
+                <a:effectLst/>
+                <a:latin typeface="JetBrains Mono"/>
+              </a:rPr>
+              <a:t>            </a:t>
+            </a:r>
+            <a:r>
+              <a:rPr kumimoji="0" lang="en-US" altLang="en-US" sz="1800" b="0" i="0" u="none" strike="noStrike" cap="none" normalizeH="0" baseline="0" dirty="0" err="1">
+                <a:ln>
+                  <a:noFill/>
+                </a:ln>
+                <a:solidFill>
+                  <a:srgbClr val="A9B7C6"/>
+                </a:solidFill>
+                <a:effectLst/>
+                <a:latin typeface="JetBrains Mono"/>
+              </a:rPr>
+              <a:t>systemOutPrinter.close</a:t>
+            </a:r>
+            <a:r>
+              <a:rPr kumimoji="0" lang="en-US" altLang="en-US" sz="1800" b="0" i="0" u="none" strike="noStrike" cap="none" normalizeH="0" baseline="0" dirty="0">
+                <a:ln>
+                  <a:noFill/>
+                </a:ln>
+                <a:solidFill>
+                  <a:srgbClr val="A9B7C6"/>
+                </a:solidFill>
+                <a:effectLst/>
+                <a:latin typeface="JetBrains Mono"/>
+              </a:rPr>
+              <a:t>()</a:t>
+            </a:r>
+            <a:r>
+              <a:rPr kumimoji="0" lang="en-US" altLang="en-US" sz="1800" b="0" i="0" u="none" strike="noStrike" cap="none" normalizeH="0" baseline="0" dirty="0">
+                <a:ln>
+                  <a:noFill/>
+                </a:ln>
+                <a:solidFill>
+                  <a:srgbClr val="CC7832"/>
+                </a:solidFill>
+                <a:effectLst/>
+                <a:latin typeface="JetBrains Mono"/>
+              </a:rPr>
+              <a:t>;</a:t>
+            </a:r>
+            <a:br>
+              <a:rPr kumimoji="0" lang="en-US" altLang="en-US" sz="1800" b="0" i="0" u="none" strike="noStrike" cap="none" normalizeH="0" baseline="0" dirty="0">
+                <a:ln>
+                  <a:noFill/>
+                </a:ln>
+                <a:solidFill>
+                  <a:srgbClr val="CC7832"/>
+                </a:solidFill>
+                <a:effectLst/>
+                <a:latin typeface="JetBrains Mono"/>
+              </a:rPr>
+            </a:br>
+            <a:r>
+              <a:rPr kumimoji="0" lang="en-US" altLang="en-US" sz="1800" b="0" i="0" u="none" strike="noStrike" cap="none" normalizeH="0" baseline="0" dirty="0">
+                <a:ln>
+                  <a:noFill/>
+                </a:ln>
+                <a:solidFill>
+                  <a:srgbClr val="CC7832"/>
+                </a:solidFill>
+                <a:effectLst/>
+                <a:latin typeface="JetBrains Mono"/>
+              </a:rPr>
+              <a:t>        </a:t>
+            </a:r>
+            <a:r>
+              <a:rPr kumimoji="0" lang="en-US" altLang="en-US" sz="1800" b="0" i="0" u="none" strike="noStrike" cap="none" normalizeH="0" baseline="0" dirty="0">
+                <a:ln>
+                  <a:noFill/>
+                </a:ln>
+                <a:solidFill>
+                  <a:srgbClr val="A9B7C6"/>
+                </a:solidFill>
+                <a:effectLst/>
+                <a:latin typeface="JetBrains Mono"/>
+              </a:rPr>
+              <a:t>}</a:t>
+            </a:r>
+            <a:r>
+              <a:rPr kumimoji="0" lang="en-US" altLang="en-US" sz="1800" b="0" i="0" u="none" strike="noStrike" cap="none" normalizeH="0" baseline="0" dirty="0">
+                <a:ln>
+                  <a:noFill/>
+                </a:ln>
+                <a:solidFill>
+                  <a:srgbClr val="CC7832"/>
+                </a:solidFill>
+                <a:effectLst/>
+                <a:latin typeface="JetBrains Mono"/>
+              </a:rPr>
+              <a:t>catch</a:t>
+            </a:r>
+            <a:r>
+              <a:rPr kumimoji="0" lang="en-US" altLang="en-US" sz="1800" b="0" i="0" u="none" strike="noStrike" cap="none" normalizeH="0" baseline="0" dirty="0">
+                <a:ln>
+                  <a:noFill/>
+                </a:ln>
+                <a:solidFill>
+                  <a:srgbClr val="A9B7C6"/>
+                </a:solidFill>
+                <a:effectLst/>
+                <a:latin typeface="JetBrains Mono"/>
+              </a:rPr>
+              <a:t>(</a:t>
+            </a:r>
+            <a:r>
+              <a:rPr kumimoji="0" lang="en-US" altLang="en-US" sz="1800" b="0" i="0" u="none" strike="noStrike" cap="none" normalizeH="0" baseline="0" dirty="0" err="1">
+                <a:ln>
+                  <a:noFill/>
+                </a:ln>
+                <a:solidFill>
+                  <a:srgbClr val="A9B7C6"/>
+                </a:solidFill>
+                <a:effectLst/>
+                <a:latin typeface="JetBrains Mono"/>
+              </a:rPr>
+              <a:t>IOException</a:t>
+            </a:r>
+            <a:r>
+              <a:rPr kumimoji="0" lang="en-US" altLang="en-US" sz="1800" b="0" i="0" u="none" strike="noStrike" cap="none" normalizeH="0" baseline="0" dirty="0">
+                <a:ln>
+                  <a:noFill/>
+                </a:ln>
+                <a:solidFill>
+                  <a:srgbClr val="A9B7C6"/>
+                </a:solidFill>
+                <a:effectLst/>
+                <a:latin typeface="JetBrains Mono"/>
+              </a:rPr>
+              <a:t> exp){</a:t>
+            </a:r>
+            <a:br>
+              <a:rPr kumimoji="0" lang="en-US" altLang="en-US" sz="1800" b="0" i="0" u="none" strike="noStrike" cap="none" normalizeH="0" baseline="0" dirty="0">
+                <a:ln>
+                  <a:noFill/>
+                </a:ln>
+                <a:solidFill>
+                  <a:srgbClr val="A9B7C6"/>
+                </a:solidFill>
+                <a:effectLst/>
+                <a:latin typeface="JetBrains Mono"/>
+              </a:rPr>
+            </a:br>
+            <a:r>
+              <a:rPr kumimoji="0" lang="en-US" altLang="en-US" sz="1800" b="0" i="0" u="none" strike="noStrike" cap="none" normalizeH="0" baseline="0" dirty="0">
+                <a:ln>
+                  <a:noFill/>
+                </a:ln>
+                <a:solidFill>
+                  <a:srgbClr val="A9B7C6"/>
+                </a:solidFill>
+                <a:effectLst/>
+                <a:latin typeface="JetBrains Mono"/>
+              </a:rPr>
+              <a:t>            </a:t>
+            </a:r>
+            <a:r>
+              <a:rPr kumimoji="0" lang="en-US" altLang="en-US" sz="1800" b="0" i="0" u="none" strike="noStrike" cap="none" normalizeH="0" baseline="0" dirty="0" err="1">
+                <a:ln>
+                  <a:noFill/>
+                </a:ln>
+                <a:solidFill>
+                  <a:srgbClr val="A9B7C6"/>
+                </a:solidFill>
+                <a:effectLst/>
+                <a:latin typeface="JetBrains Mono"/>
+              </a:rPr>
+              <a:t>exp.printStackTrace</a:t>
+            </a:r>
+            <a:r>
+              <a:rPr kumimoji="0" lang="en-US" altLang="en-US" sz="1800" b="0" i="0" u="none" strike="noStrike" cap="none" normalizeH="0" baseline="0" dirty="0">
+                <a:ln>
+                  <a:noFill/>
+                </a:ln>
+                <a:solidFill>
+                  <a:srgbClr val="A9B7C6"/>
+                </a:solidFill>
+                <a:effectLst/>
+                <a:latin typeface="JetBrains Mono"/>
+              </a:rPr>
+              <a:t>()</a:t>
+            </a:r>
+            <a:r>
+              <a:rPr kumimoji="0" lang="en-US" altLang="en-US" sz="1800" b="0" i="0" u="none" strike="noStrike" cap="none" normalizeH="0" baseline="0" dirty="0">
+                <a:ln>
+                  <a:noFill/>
+                </a:ln>
+                <a:solidFill>
+                  <a:srgbClr val="CC7832"/>
+                </a:solidFill>
+                <a:effectLst/>
+                <a:latin typeface="JetBrains Mono"/>
+              </a:rPr>
+              <a:t>;</a:t>
+            </a:r>
+            <a:br>
+              <a:rPr kumimoji="0" lang="en-US" altLang="en-US" sz="1800" b="0" i="0" u="none" strike="noStrike" cap="none" normalizeH="0" baseline="0" dirty="0">
+                <a:ln>
+                  <a:noFill/>
+                </a:ln>
+                <a:solidFill>
+                  <a:srgbClr val="CC7832"/>
+                </a:solidFill>
+                <a:effectLst/>
+                <a:latin typeface="JetBrains Mono"/>
+              </a:rPr>
+            </a:br>
+            <a:r>
+              <a:rPr kumimoji="0" lang="en-US" altLang="en-US" sz="1800" b="0" i="0" u="none" strike="noStrike" cap="none" normalizeH="0" baseline="0" dirty="0">
+                <a:ln>
+                  <a:noFill/>
+                </a:ln>
+                <a:solidFill>
+                  <a:srgbClr val="CC7832"/>
+                </a:solidFill>
+                <a:effectLst/>
+                <a:latin typeface="JetBrains Mono"/>
+              </a:rPr>
+              <a:t>        </a:t>
+            </a:r>
+            <a:r>
+              <a:rPr kumimoji="0" lang="en-US" altLang="en-US" sz="1800" b="0" i="0" u="none" strike="noStrike" cap="none" normalizeH="0" baseline="0" dirty="0">
+                <a:ln>
+                  <a:noFill/>
+                </a:ln>
+                <a:solidFill>
+                  <a:srgbClr val="A9B7C6"/>
+                </a:solidFill>
+                <a:effectLst/>
+                <a:latin typeface="JetBrains Mono"/>
+              </a:rPr>
+              <a:t>}</a:t>
+            </a:r>
+            <a:br>
+              <a:rPr kumimoji="0" lang="en-US" altLang="en-US" sz="1800" b="0" i="0" u="none" strike="noStrike" cap="none" normalizeH="0" baseline="0" dirty="0">
+                <a:ln>
+                  <a:noFill/>
+                </a:ln>
+                <a:solidFill>
+                  <a:srgbClr val="A9B7C6"/>
+                </a:solidFill>
+                <a:effectLst/>
+                <a:latin typeface="JetBrains Mono"/>
+              </a:rPr>
+            </a:br>
+            <a:br>
+              <a:rPr kumimoji="0" lang="en-US" altLang="en-US" sz="1800" b="0" i="0" u="none" strike="noStrike" cap="none" normalizeH="0" baseline="0" dirty="0">
+                <a:ln>
+                  <a:noFill/>
+                </a:ln>
+                <a:solidFill>
+                  <a:srgbClr val="A9B7C6"/>
+                </a:solidFill>
+                <a:effectLst/>
+                <a:latin typeface="JetBrains Mono"/>
+              </a:rPr>
+            </a:br>
+            <a:r>
+              <a:rPr kumimoji="0" lang="en-US" altLang="en-US" sz="1800" b="0" i="0" u="none" strike="noStrike" cap="none" normalizeH="0" baseline="0" dirty="0">
+                <a:ln>
+                  <a:noFill/>
+                </a:ln>
+                <a:solidFill>
+                  <a:srgbClr val="A9B7C6"/>
+                </a:solidFill>
+                <a:effectLst/>
+                <a:latin typeface="JetBrains Mono"/>
+              </a:rPr>
+              <a:t>    }</a:t>
+            </a:r>
+            <a:br>
+              <a:rPr kumimoji="0" lang="en-US" altLang="en-US" sz="1800" b="0" i="0" u="none" strike="noStrike" cap="none" normalizeH="0" baseline="0" dirty="0">
+                <a:ln>
+                  <a:noFill/>
+                </a:ln>
+                <a:solidFill>
+                  <a:srgbClr val="A9B7C6"/>
+                </a:solidFill>
+                <a:effectLst/>
+                <a:latin typeface="JetBrains Mono"/>
+              </a:rPr>
+            </a:br>
+            <a:r>
+              <a:rPr kumimoji="0" lang="en-US" altLang="en-US" sz="1800" b="0" i="0" u="none" strike="noStrike" cap="none" normalizeH="0" baseline="0" dirty="0">
+                <a:ln>
+                  <a:noFill/>
+                </a:ln>
+                <a:solidFill>
+                  <a:srgbClr val="A9B7C6"/>
+                </a:solidFill>
+                <a:effectLst/>
+                <a:latin typeface="JetBrains Mono"/>
+              </a:rPr>
+              <a:t>}</a:t>
+            </a:r>
+            <a:endParaRPr kumimoji="0" lang="en-US" altLang="en-US" sz="1800" b="0" i="0" u="none" strike="noStrike" cap="none" normalizeH="0" baseline="0" dirty="0">
+              <a:ln>
+                <a:noFill/>
+              </a:ln>
+              <a:solidFill>
+                <a:schemeClr val="tx1"/>
+              </a:solidFill>
+              <a:effectLst/>
+              <a:latin typeface="Arial" panose="020B0604020202020204" pitchFamily="34" charset="0"/>
+            </a:endParaRPr>
+          </a:p>
+        </p:txBody>
+      </p:sp>
+    </p:spTree>
+    <p:extLst>
+      <p:ext uri="{BB962C8B-B14F-4D97-AF65-F5344CB8AC3E}">
+        <p14:creationId xmlns:p14="http://schemas.microsoft.com/office/powerpoint/2010/main" val="2955887086"/>
+      </p:ext>
+    </p:extLst>
+  </p:cSld>
+  <p:clrMapOvr>
+    <a:masterClrMapping/>
+  </p:clrMapOvr>
+  <mc:AlternateContent xmlns:mc="http://schemas.openxmlformats.org/markup-compatibility/2006" xmlns:p14="http://schemas.microsoft.com/office/powerpoint/2010/main">
+    <mc:Choice Requires="p14">
+      <p:transition p14:dur="300">
+        <p:fade/>
+      </p:transition>
+    </mc:Choice>
+    <mc:Fallback xmlns="">
+      <p:transition>
+        <p:fade/>
+      </p:transition>
+    </mc:Fallback>
+  </mc:AlternateContent>
+</p:sld>
+</file>
+
 <file path=ppt/slides/slide2.xml><?xml version="1.0" encoding="utf-8"?>
 <p:sld xmlns:a="http://schemas.openxmlformats.org/drawingml/2006/main" xmlns:r="http://schemas.openxmlformats.org/officeDocument/2006/relationships" xmlns:p="http://schemas.openxmlformats.org/presentationml/2006/main">
   <p:cSld>
@@ -6746,7 +9981,7 @@
           <a:p>
             <a:r>
               <a:rPr lang="en-US" dirty="0"/>
-              <a:t>Review</a:t>
+              <a:t>Recall Activity</a:t>
             </a:r>
           </a:p>
         </p:txBody>
@@ -6770,7 +10005,7 @@
         <p:spPr>
           <a:xfrm>
             <a:off x="628076" y="1776682"/>
-            <a:ext cx="7910444" cy="5554406"/>
+            <a:ext cx="7910444" cy="1522533"/>
           </a:xfrm>
         </p:spPr>
         <p:txBody>
@@ -6779,97 +10014,14 @@
           <a:p>
             <a:r>
               <a:rPr lang="en-US" dirty="0"/>
-              <a:t>Classes are:</a:t>
-            </a:r>
-          </a:p>
-          <a:p>
-            <a:pPr lvl="1"/>
-            <a:r>
-              <a:rPr lang="en-US" dirty="0"/>
-              <a:t>Recipes</a:t>
-            </a:r>
-          </a:p>
-          <a:p>
-            <a:pPr lvl="1"/>
-            <a:r>
-              <a:rPr lang="en-US" dirty="0"/>
-              <a:t>Types (ways to create them)</a:t>
-            </a:r>
-          </a:p>
-          <a:p>
-            <a:pPr lvl="1"/>
-            <a:r>
-              <a:rPr lang="en-US" dirty="0"/>
-              <a:t>Objects</a:t>
-            </a:r>
-          </a:p>
-          <a:p>
-            <a:pPr lvl="1"/>
-            <a:r>
-              <a:rPr lang="en-US" dirty="0"/>
-              <a:t>Foundation of Object Oriented Programming</a:t>
-            </a:r>
-          </a:p>
-          <a:p>
-            <a:r>
-              <a:rPr lang="en-US" dirty="0"/>
-              <a:t>Classes have:</a:t>
-            </a:r>
-          </a:p>
-          <a:p>
-            <a:pPr lvl="1"/>
-            <a:r>
-              <a:rPr lang="en-US" dirty="0"/>
-              <a:t>variables </a:t>
-            </a:r>
-          </a:p>
-          <a:p>
-            <a:pPr lvl="1"/>
-            <a:r>
-              <a:rPr lang="en-US" dirty="0"/>
-              <a:t>methods</a:t>
-            </a:r>
-          </a:p>
-          <a:p>
-            <a:pPr lvl="1"/>
-            <a:r>
-              <a:rPr lang="en-US" dirty="0"/>
-              <a:t>constructors</a:t>
-            </a:r>
-          </a:p>
-          <a:p>
-            <a:r>
-              <a:rPr lang="en-US" dirty="0"/>
-              <a:t>Variables and Methods have:</a:t>
-            </a:r>
-          </a:p>
-          <a:p>
-            <a:pPr lvl="1"/>
-            <a:r>
-              <a:rPr lang="en-US" dirty="0"/>
-              <a:t>scope </a:t>
-            </a:r>
-          </a:p>
-          <a:p>
-            <a:pPr lvl="2"/>
-            <a:r>
-              <a:rPr lang="en-US" dirty="0"/>
-              <a:t>Who can accesses them</a:t>
-            </a:r>
-          </a:p>
-          <a:p>
-            <a:pPr lvl="1"/>
-            <a:r>
-              <a:rPr lang="en-US" dirty="0"/>
-              <a:t>Memory Type</a:t>
-            </a:r>
-          </a:p>
-          <a:p>
-            <a:pPr lvl="2"/>
-            <a:r>
-              <a:rPr lang="en-US" dirty="0"/>
-              <a:t>static or instance </a:t>
-            </a:r>
+              <a:t>Analyze the class Cake presented and write all concepts and ideas you can remember regarding what is a class and how we can define and use it.</a:t>
+            </a:r>
+          </a:p>
+          <a:p>
+            <a:pPr marL="699614" lvl="1" indent="0">
+              <a:buNone/>
+            </a:pPr>
+            <a:endParaRPr lang="en-US" dirty="0"/>
           </a:p>
         </p:txBody>
       </p:sp>
@@ -7256,6 +10408,578 @@
     </p:spTree>
     <p:extLst>
       <p:ext uri="{BB962C8B-B14F-4D97-AF65-F5344CB8AC3E}">
+        <p14:creationId xmlns:p14="http://schemas.microsoft.com/office/powerpoint/2010/main" val="2451232438"/>
+      </p:ext>
+    </p:extLst>
+  </p:cSld>
+  <p:clrMapOvr>
+    <a:masterClrMapping/>
+  </p:clrMapOvr>
+  <mc:AlternateContent xmlns:mc="http://schemas.openxmlformats.org/markup-compatibility/2006" xmlns:p14="http://schemas.microsoft.com/office/powerpoint/2010/main">
+    <mc:Choice Requires="p14">
+      <p:transition p14:dur="300">
+        <p:fade/>
+      </p:transition>
+    </mc:Choice>
+    <mc:Fallback xmlns="">
+      <p:transition>
+        <p:fade/>
+      </p:transition>
+    </mc:Fallback>
+  </mc:AlternateContent>
+</p:sld>
+</file>
+
+<file path=ppt/slides/slide3.xml><?xml version="1.0" encoding="utf-8"?>
+<p:sld xmlns:a="http://schemas.openxmlformats.org/drawingml/2006/main" xmlns:r="http://schemas.openxmlformats.org/officeDocument/2006/relationships" xmlns:p="http://schemas.openxmlformats.org/presentationml/2006/main">
+  <p:cSld>
+    <p:spTree>
+      <p:nvGrpSpPr>
+        <p:cNvPr id="1" name=""/>
+        <p:cNvGrpSpPr/>
+        <p:nvPr/>
+      </p:nvGrpSpPr>
+      <p:grpSpPr>
+        <a:xfrm>
+          <a:off x="0" y="0"/>
+          <a:ext cx="0" cy="0"/>
+          <a:chOff x="0" y="0"/>
+          <a:chExt cx="0" cy="0"/>
+        </a:xfrm>
+      </p:grpSpPr>
+      <p:sp>
+        <p:nvSpPr>
+          <p:cNvPr id="4" name="Title 3">
+            <a:extLst>
+              <a:ext uri="{FF2B5EF4-FFF2-40B4-BE49-F238E27FC236}">
+                <a16:creationId xmlns:a16="http://schemas.microsoft.com/office/drawing/2014/main" id="{F6F7E663-32CE-E448-95F9-79C015848441}"/>
+              </a:ext>
+            </a:extLst>
+          </p:cNvPr>
+          <p:cNvSpPr>
+            <a:spLocks noGrp="1"/>
+          </p:cNvSpPr>
+          <p:nvPr>
+            <p:ph type="title"/>
+          </p:nvPr>
+        </p:nvSpPr>
+        <p:spPr/>
+        <p:txBody>
+          <a:bodyPr/>
+          <a:lstStyle/>
+          <a:p>
+            <a:r>
+              <a:rPr lang="en-US" dirty="0"/>
+              <a:t>Review</a:t>
+            </a:r>
+          </a:p>
+        </p:txBody>
+      </p:sp>
+      <p:sp>
+        <p:nvSpPr>
+          <p:cNvPr id="6" name="Text Placeholder 5">
+            <a:extLst>
+              <a:ext uri="{FF2B5EF4-FFF2-40B4-BE49-F238E27FC236}">
+                <a16:creationId xmlns:a16="http://schemas.microsoft.com/office/drawing/2014/main" id="{070BA3BB-E4AC-1442-9C1B-434DA00352F6}"/>
+              </a:ext>
+            </a:extLst>
+          </p:cNvPr>
+          <p:cNvSpPr>
+            <a:spLocks noGrp="1"/>
+          </p:cNvSpPr>
+          <p:nvPr>
+            <p:ph type="body" sz="quarter" idx="10"/>
+          </p:nvPr>
+        </p:nvSpPr>
+        <p:spPr>
+          <a:xfrm>
+            <a:off x="628076" y="1776682"/>
+            <a:ext cx="7910444" cy="5554406"/>
+          </a:xfrm>
+        </p:spPr>
+        <p:txBody>
+          <a:bodyPr/>
+          <a:lstStyle/>
+          <a:p>
+            <a:r>
+              <a:rPr lang="en-US" dirty="0"/>
+              <a:t>Classes are:</a:t>
+            </a:r>
+          </a:p>
+          <a:p>
+            <a:pPr lvl="1"/>
+            <a:r>
+              <a:rPr lang="en-US" dirty="0"/>
+              <a:t>Recipes</a:t>
+            </a:r>
+          </a:p>
+          <a:p>
+            <a:pPr lvl="1"/>
+            <a:r>
+              <a:rPr lang="en-US" dirty="0"/>
+              <a:t>Types (ways to create them)</a:t>
+            </a:r>
+          </a:p>
+          <a:p>
+            <a:pPr lvl="1"/>
+            <a:r>
+              <a:rPr lang="en-US" dirty="0"/>
+              <a:t>Objects</a:t>
+            </a:r>
+          </a:p>
+          <a:p>
+            <a:pPr lvl="1"/>
+            <a:r>
+              <a:rPr lang="en-US" dirty="0"/>
+              <a:t>Foundation of Object Oriented Programming</a:t>
+            </a:r>
+          </a:p>
+          <a:p>
+            <a:r>
+              <a:rPr lang="en-US" dirty="0"/>
+              <a:t>Classes have:</a:t>
+            </a:r>
+          </a:p>
+          <a:p>
+            <a:pPr lvl="1"/>
+            <a:r>
+              <a:rPr lang="en-US" dirty="0"/>
+              <a:t>variables (attributes)</a:t>
+            </a:r>
+          </a:p>
+          <a:p>
+            <a:pPr lvl="1"/>
+            <a:r>
+              <a:rPr lang="en-US" dirty="0"/>
+              <a:t>methods</a:t>
+            </a:r>
+          </a:p>
+          <a:p>
+            <a:pPr lvl="1"/>
+            <a:r>
+              <a:rPr lang="en-US" dirty="0"/>
+              <a:t>constructors</a:t>
+            </a:r>
+          </a:p>
+          <a:p>
+            <a:r>
+              <a:rPr lang="en-US" dirty="0"/>
+              <a:t>Variables and Methods have:</a:t>
+            </a:r>
+          </a:p>
+          <a:p>
+            <a:pPr lvl="1"/>
+            <a:r>
+              <a:rPr lang="en-US" dirty="0"/>
+              <a:t>scope </a:t>
+            </a:r>
+          </a:p>
+          <a:p>
+            <a:pPr lvl="2"/>
+            <a:r>
+              <a:rPr lang="en-US" dirty="0"/>
+              <a:t>Who can accesses them</a:t>
+            </a:r>
+          </a:p>
+          <a:p>
+            <a:pPr lvl="1"/>
+            <a:r>
+              <a:rPr lang="en-US" dirty="0"/>
+              <a:t>Memory Type</a:t>
+            </a:r>
+          </a:p>
+          <a:p>
+            <a:pPr lvl="2"/>
+            <a:r>
+              <a:rPr lang="en-US" dirty="0"/>
+              <a:t>static or instance </a:t>
+            </a:r>
+          </a:p>
+        </p:txBody>
+      </p:sp>
+      <p:sp>
+        <p:nvSpPr>
+          <p:cNvPr id="5" name="TextBox 4">
+            <a:extLst>
+              <a:ext uri="{FF2B5EF4-FFF2-40B4-BE49-F238E27FC236}">
+                <a16:creationId xmlns:a16="http://schemas.microsoft.com/office/drawing/2014/main" id="{F3430565-9E8F-1349-833D-D81F25510834}"/>
+              </a:ext>
+            </a:extLst>
+          </p:cNvPr>
+          <p:cNvSpPr txBox="1"/>
+          <p:nvPr/>
+        </p:nvSpPr>
+        <p:spPr>
+          <a:xfrm>
+            <a:off x="8718762" y="1488435"/>
+            <a:ext cx="4933244" cy="5693866"/>
+          </a:xfrm>
+          <a:prstGeom prst="rect">
+            <a:avLst/>
+          </a:prstGeom>
+          <a:solidFill>
+            <a:schemeClr val="bg2"/>
+          </a:solidFill>
+        </p:spPr>
+        <p:txBody>
+          <a:bodyPr wrap="square" rtlCol="0">
+            <a:spAutoFit/>
+          </a:bodyPr>
+          <a:lstStyle/>
+          <a:p>
+            <a:r>
+              <a:rPr lang="en-US" sz="1400" dirty="0">
+                <a:latin typeface="Consolas" panose="020B0609020204030204" pitchFamily="49" charset="0"/>
+                <a:cs typeface="Consolas" panose="020B0609020204030204" pitchFamily="49" charset="0"/>
+              </a:rPr>
+              <a:t>public</a:t>
+            </a:r>
+            <a:r>
+              <a:rPr lang="en-US" sz="1400" b="1" dirty="0">
+                <a:latin typeface="Consolas" panose="020B0609020204030204" pitchFamily="49" charset="0"/>
+                <a:cs typeface="Consolas" panose="020B0609020204030204" pitchFamily="49" charset="0"/>
+              </a:rPr>
+              <a:t> class</a:t>
+            </a:r>
+            <a:r>
+              <a:rPr lang="en-US" sz="1400" dirty="0">
+                <a:latin typeface="Consolas" panose="020B0609020204030204" pitchFamily="49" charset="0"/>
+                <a:cs typeface="Consolas" panose="020B0609020204030204" pitchFamily="49" charset="0"/>
+              </a:rPr>
+              <a:t> Cake {</a:t>
+            </a:r>
+          </a:p>
+          <a:p>
+            <a:r>
+              <a:rPr lang="en-US" sz="1400" dirty="0">
+                <a:latin typeface="Consolas" panose="020B0609020204030204" pitchFamily="49" charset="0"/>
+                <a:cs typeface="Consolas" panose="020B0609020204030204" pitchFamily="49" charset="0"/>
+              </a:rPr>
+              <a:t>    public static final boolean IS_GOOD = true;</a:t>
+            </a:r>
+          </a:p>
+          <a:p>
+            <a:r>
+              <a:rPr lang="en-US" sz="1400" dirty="0">
+                <a:latin typeface="Consolas" panose="020B0609020204030204" pitchFamily="49" charset="0"/>
+                <a:cs typeface="Consolas" panose="020B0609020204030204" pitchFamily="49" charset="0"/>
+              </a:rPr>
+              <a:t>    private String name =  “”;</a:t>
+            </a:r>
+          </a:p>
+          <a:p>
+            <a:r>
+              <a:rPr lang="en-US" sz="1400" dirty="0">
+                <a:latin typeface="Consolas" panose="020B0609020204030204" pitchFamily="49" charset="0"/>
+                <a:cs typeface="Consolas" panose="020B0609020204030204" pitchFamily="49" charset="0"/>
+              </a:rPr>
+              <a:t>    private double cost = 0;</a:t>
+            </a:r>
+          </a:p>
+          <a:p>
+            <a:endParaRPr lang="en-US" sz="1400" dirty="0">
+              <a:latin typeface="Consolas" panose="020B0609020204030204" pitchFamily="49" charset="0"/>
+              <a:cs typeface="Consolas" panose="020B0609020204030204" pitchFamily="49" charset="0"/>
+            </a:endParaRPr>
+          </a:p>
+          <a:p>
+            <a:r>
+              <a:rPr lang="en-US" sz="1400" dirty="0">
+                <a:latin typeface="Consolas" panose="020B0609020204030204" pitchFamily="49" charset="0"/>
+                <a:cs typeface="Consolas" panose="020B0609020204030204" pitchFamily="49" charset="0"/>
+              </a:rPr>
+              <a:t>    public void </a:t>
+            </a:r>
+            <a:r>
+              <a:rPr lang="en-US" sz="1400" dirty="0" err="1">
+                <a:latin typeface="Consolas" panose="020B0609020204030204" pitchFamily="49" charset="0"/>
+                <a:cs typeface="Consolas" panose="020B0609020204030204" pitchFamily="49" charset="0"/>
+              </a:rPr>
+              <a:t>setName</a:t>
+            </a:r>
+            <a:r>
+              <a:rPr lang="en-US" sz="1400" dirty="0">
+                <a:latin typeface="Consolas" panose="020B0609020204030204" pitchFamily="49" charset="0"/>
+                <a:cs typeface="Consolas" panose="020B0609020204030204" pitchFamily="49" charset="0"/>
+              </a:rPr>
+              <a:t>(String str) {</a:t>
+            </a:r>
+          </a:p>
+          <a:p>
+            <a:r>
+              <a:rPr lang="en-US" sz="1400" dirty="0">
+                <a:latin typeface="Consolas" panose="020B0609020204030204" pitchFamily="49" charset="0"/>
+                <a:cs typeface="Consolas" panose="020B0609020204030204" pitchFamily="49" charset="0"/>
+              </a:rPr>
+              <a:t>        name = str;</a:t>
+            </a:r>
+          </a:p>
+          <a:p>
+            <a:r>
+              <a:rPr lang="en-US" sz="1400" dirty="0">
+                <a:latin typeface="Consolas" panose="020B0609020204030204" pitchFamily="49" charset="0"/>
+                <a:cs typeface="Consolas" panose="020B0609020204030204" pitchFamily="49" charset="0"/>
+              </a:rPr>
+              <a:t>    }</a:t>
+            </a:r>
+          </a:p>
+          <a:p>
+            <a:endParaRPr lang="en-US" sz="1400" dirty="0">
+              <a:latin typeface="Consolas" panose="020B0609020204030204" pitchFamily="49" charset="0"/>
+              <a:cs typeface="Consolas" panose="020B0609020204030204" pitchFamily="49" charset="0"/>
+            </a:endParaRPr>
+          </a:p>
+          <a:p>
+            <a:r>
+              <a:rPr lang="en-US" sz="1400" dirty="0">
+                <a:latin typeface="Consolas" panose="020B0609020204030204" pitchFamily="49" charset="0"/>
+                <a:cs typeface="Consolas" panose="020B0609020204030204" pitchFamily="49" charset="0"/>
+              </a:rPr>
+              <a:t>    public String </a:t>
+            </a:r>
+            <a:r>
+              <a:rPr lang="en-US" sz="1400" dirty="0" err="1">
+                <a:latin typeface="Consolas" panose="020B0609020204030204" pitchFamily="49" charset="0"/>
+                <a:cs typeface="Consolas" panose="020B0609020204030204" pitchFamily="49" charset="0"/>
+              </a:rPr>
+              <a:t>getName</a:t>
+            </a:r>
+            <a:r>
+              <a:rPr lang="en-US" sz="1400" dirty="0">
+                <a:latin typeface="Consolas" panose="020B0609020204030204" pitchFamily="49" charset="0"/>
+                <a:cs typeface="Consolas" panose="020B0609020204030204" pitchFamily="49" charset="0"/>
+              </a:rPr>
+              <a:t>() { </a:t>
+            </a:r>
+          </a:p>
+          <a:p>
+            <a:r>
+              <a:rPr lang="en-US" sz="1400" dirty="0">
+                <a:latin typeface="Consolas" panose="020B0609020204030204" pitchFamily="49" charset="0"/>
+                <a:cs typeface="Consolas" panose="020B0609020204030204" pitchFamily="49" charset="0"/>
+              </a:rPr>
+              <a:t>        return name;</a:t>
+            </a:r>
+          </a:p>
+          <a:p>
+            <a:r>
+              <a:rPr lang="en-US" sz="1400" dirty="0">
+                <a:latin typeface="Consolas" panose="020B0609020204030204" pitchFamily="49" charset="0"/>
+                <a:cs typeface="Consolas" panose="020B0609020204030204" pitchFamily="49" charset="0"/>
+              </a:rPr>
+              <a:t>    }</a:t>
+            </a:r>
+          </a:p>
+          <a:p>
+            <a:endParaRPr lang="en-US" sz="1400" dirty="0">
+              <a:latin typeface="Consolas" panose="020B0609020204030204" pitchFamily="49" charset="0"/>
+              <a:cs typeface="Consolas" panose="020B0609020204030204" pitchFamily="49" charset="0"/>
+            </a:endParaRPr>
+          </a:p>
+          <a:p>
+            <a:r>
+              <a:rPr lang="en-US" sz="1400" dirty="0">
+                <a:latin typeface="Consolas" panose="020B0609020204030204" pitchFamily="49" charset="0"/>
+                <a:cs typeface="Consolas" panose="020B0609020204030204" pitchFamily="49" charset="0"/>
+              </a:rPr>
+              <a:t>    public void </a:t>
+            </a:r>
+            <a:r>
+              <a:rPr lang="en-US" sz="1400" dirty="0" err="1">
+                <a:latin typeface="Consolas" panose="020B0609020204030204" pitchFamily="49" charset="0"/>
+                <a:cs typeface="Consolas" panose="020B0609020204030204" pitchFamily="49" charset="0"/>
+              </a:rPr>
+              <a:t>setCost</a:t>
+            </a:r>
+            <a:r>
+              <a:rPr lang="en-US" sz="1400" dirty="0">
+                <a:latin typeface="Consolas" panose="020B0609020204030204" pitchFamily="49" charset="0"/>
+                <a:cs typeface="Consolas" panose="020B0609020204030204" pitchFamily="49" charset="0"/>
+              </a:rPr>
+              <a:t>(double cost) {</a:t>
+            </a:r>
+          </a:p>
+          <a:p>
+            <a:r>
+              <a:rPr lang="en-US" sz="1400" dirty="0">
+                <a:latin typeface="Consolas" panose="020B0609020204030204" pitchFamily="49" charset="0"/>
+                <a:cs typeface="Consolas" panose="020B0609020204030204" pitchFamily="49" charset="0"/>
+              </a:rPr>
+              <a:t>        </a:t>
+            </a:r>
+            <a:r>
+              <a:rPr lang="en-US" sz="1400" dirty="0" err="1">
+                <a:latin typeface="Consolas" panose="020B0609020204030204" pitchFamily="49" charset="0"/>
+                <a:cs typeface="Consolas" panose="020B0609020204030204" pitchFamily="49" charset="0"/>
+              </a:rPr>
+              <a:t>this.cost</a:t>
+            </a:r>
+            <a:r>
+              <a:rPr lang="en-US" sz="1400" dirty="0">
+                <a:latin typeface="Consolas" panose="020B0609020204030204" pitchFamily="49" charset="0"/>
+                <a:cs typeface="Consolas" panose="020B0609020204030204" pitchFamily="49" charset="0"/>
+              </a:rPr>
+              <a:t> = cost;</a:t>
+            </a:r>
+          </a:p>
+          <a:p>
+            <a:r>
+              <a:rPr lang="en-US" sz="1400" dirty="0">
+                <a:latin typeface="Consolas" panose="020B0609020204030204" pitchFamily="49" charset="0"/>
+                <a:cs typeface="Consolas" panose="020B0609020204030204" pitchFamily="49" charset="0"/>
+              </a:rPr>
+              <a:t>    }</a:t>
+            </a:r>
+          </a:p>
+          <a:p>
+            <a:endParaRPr lang="en-US" sz="1400" dirty="0">
+              <a:latin typeface="Consolas" panose="020B0609020204030204" pitchFamily="49" charset="0"/>
+              <a:cs typeface="Consolas" panose="020B0609020204030204" pitchFamily="49" charset="0"/>
+            </a:endParaRPr>
+          </a:p>
+          <a:p>
+            <a:r>
+              <a:rPr lang="en-US" sz="1400" dirty="0">
+                <a:latin typeface="Consolas" panose="020B0609020204030204" pitchFamily="49" charset="0"/>
+                <a:cs typeface="Consolas" panose="020B0609020204030204" pitchFamily="49" charset="0"/>
+              </a:rPr>
+              <a:t>    public double </a:t>
+            </a:r>
+            <a:r>
+              <a:rPr lang="en-US" sz="1400" dirty="0" err="1">
+                <a:latin typeface="Consolas" panose="020B0609020204030204" pitchFamily="49" charset="0"/>
+                <a:cs typeface="Consolas" panose="020B0609020204030204" pitchFamily="49" charset="0"/>
+              </a:rPr>
+              <a:t>getCost</a:t>
+            </a:r>
+            <a:r>
+              <a:rPr lang="en-US" sz="1400" dirty="0">
+                <a:latin typeface="Consolas" panose="020B0609020204030204" pitchFamily="49" charset="0"/>
+                <a:cs typeface="Consolas" panose="020B0609020204030204" pitchFamily="49" charset="0"/>
+              </a:rPr>
+              <a:t>() { </a:t>
+            </a:r>
+          </a:p>
+          <a:p>
+            <a:r>
+              <a:rPr lang="en-US" sz="1400" dirty="0">
+                <a:latin typeface="Consolas" panose="020B0609020204030204" pitchFamily="49" charset="0"/>
+                <a:cs typeface="Consolas" panose="020B0609020204030204" pitchFamily="49" charset="0"/>
+              </a:rPr>
+              <a:t>        return </a:t>
+            </a:r>
+            <a:r>
+              <a:rPr lang="en-US" sz="1400" dirty="0" err="1">
+                <a:latin typeface="Consolas" panose="020B0609020204030204" pitchFamily="49" charset="0"/>
+                <a:cs typeface="Consolas" panose="020B0609020204030204" pitchFamily="49" charset="0"/>
+              </a:rPr>
+              <a:t>this.cost</a:t>
+            </a:r>
+            <a:r>
+              <a:rPr lang="en-US" sz="1400" dirty="0">
+                <a:latin typeface="Consolas" panose="020B0609020204030204" pitchFamily="49" charset="0"/>
+                <a:cs typeface="Consolas" panose="020B0609020204030204" pitchFamily="49" charset="0"/>
+              </a:rPr>
+              <a:t>;</a:t>
+            </a:r>
+          </a:p>
+          <a:p>
+            <a:r>
+              <a:rPr lang="en-US" sz="1400" dirty="0">
+                <a:latin typeface="Consolas" panose="020B0609020204030204" pitchFamily="49" charset="0"/>
+                <a:cs typeface="Consolas" panose="020B0609020204030204" pitchFamily="49" charset="0"/>
+              </a:rPr>
+              <a:t>    }</a:t>
+            </a:r>
+          </a:p>
+          <a:p>
+            <a:endParaRPr lang="en-US" sz="1400" dirty="0">
+              <a:latin typeface="Consolas" panose="020B0609020204030204" pitchFamily="49" charset="0"/>
+              <a:cs typeface="Consolas" panose="020B0609020204030204" pitchFamily="49" charset="0"/>
+            </a:endParaRPr>
+          </a:p>
+          <a:p>
+            <a:r>
+              <a:rPr lang="en-US" sz="1400" dirty="0">
+                <a:latin typeface="Consolas" panose="020B0609020204030204" pitchFamily="49" charset="0"/>
+                <a:cs typeface="Consolas" panose="020B0609020204030204" pitchFamily="49" charset="0"/>
+              </a:rPr>
+              <a:t>    public Cake(String name, double cost) {</a:t>
+            </a:r>
+          </a:p>
+          <a:p>
+            <a:r>
+              <a:rPr lang="en-US" sz="1400" dirty="0">
+                <a:latin typeface="Consolas" panose="020B0609020204030204" pitchFamily="49" charset="0"/>
+                <a:cs typeface="Consolas" panose="020B0609020204030204" pitchFamily="49" charset="0"/>
+              </a:rPr>
+              <a:t>       </a:t>
+            </a:r>
+            <a:r>
+              <a:rPr lang="en-US" sz="1400" dirty="0" err="1">
+                <a:latin typeface="Consolas" panose="020B0609020204030204" pitchFamily="49" charset="0"/>
+                <a:cs typeface="Consolas" panose="020B0609020204030204" pitchFamily="49" charset="0"/>
+              </a:rPr>
+              <a:t>setName</a:t>
+            </a:r>
+            <a:r>
+              <a:rPr lang="en-US" sz="1400" dirty="0">
+                <a:latin typeface="Consolas" panose="020B0609020204030204" pitchFamily="49" charset="0"/>
+                <a:cs typeface="Consolas" panose="020B0609020204030204" pitchFamily="49" charset="0"/>
+              </a:rPr>
+              <a:t>(name); // let the methods work</a:t>
+            </a:r>
+          </a:p>
+          <a:p>
+            <a:r>
+              <a:rPr lang="en-US" sz="1400" dirty="0">
+                <a:latin typeface="Consolas" panose="020B0609020204030204" pitchFamily="49" charset="0"/>
+                <a:cs typeface="Consolas" panose="020B0609020204030204" pitchFamily="49" charset="0"/>
+              </a:rPr>
+              <a:t>       </a:t>
+            </a:r>
+            <a:r>
+              <a:rPr lang="en-US" sz="1400" dirty="0" err="1">
+                <a:latin typeface="Consolas" panose="020B0609020204030204" pitchFamily="49" charset="0"/>
+                <a:cs typeface="Consolas" panose="020B0609020204030204" pitchFamily="49" charset="0"/>
+              </a:rPr>
+              <a:t>setCost</a:t>
+            </a:r>
+            <a:r>
+              <a:rPr lang="en-US" sz="1400" dirty="0">
+                <a:latin typeface="Consolas" panose="020B0609020204030204" pitchFamily="49" charset="0"/>
+                <a:cs typeface="Consolas" panose="020B0609020204030204" pitchFamily="49" charset="0"/>
+              </a:rPr>
+              <a:t>(cost);</a:t>
+            </a:r>
+            <a:br>
+              <a:rPr lang="en-US" sz="1400" dirty="0">
+                <a:latin typeface="Consolas" panose="020B0609020204030204" pitchFamily="49" charset="0"/>
+                <a:cs typeface="Consolas" panose="020B0609020204030204" pitchFamily="49" charset="0"/>
+              </a:rPr>
+            </a:br>
+            <a:r>
+              <a:rPr lang="en-US" sz="1400" dirty="0">
+                <a:latin typeface="Consolas" panose="020B0609020204030204" pitchFamily="49" charset="0"/>
+                <a:cs typeface="Consolas" panose="020B0609020204030204" pitchFamily="49" charset="0"/>
+              </a:rPr>
+              <a:t>    }  </a:t>
+            </a:r>
+          </a:p>
+          <a:p>
+            <a:r>
+              <a:rPr lang="en-US" sz="1400" dirty="0">
+                <a:latin typeface="Consolas" panose="020B0609020204030204" pitchFamily="49" charset="0"/>
+                <a:cs typeface="Consolas" panose="020B0609020204030204" pitchFamily="49" charset="0"/>
+              </a:rPr>
+              <a:t>}</a:t>
+            </a:r>
+          </a:p>
+        </p:txBody>
+      </p:sp>
+    </p:spTree>
+    <p:extLst>
+      <p:ext uri="{BB962C8B-B14F-4D97-AF65-F5344CB8AC3E}">
         <p14:creationId xmlns:p14="http://schemas.microsoft.com/office/powerpoint/2010/main" val="2012767177"/>
       </p:ext>
     </p:extLst>
@@ -7278,7 +11002,1018 @@
 </p:sld>
 </file>
 
-<file path=ppt/slides/slide3.xml><?xml version="1.0" encoding="utf-8"?>
+<file path=ppt/slides/slide4.xml><?xml version="1.0" encoding="utf-8"?>
+<p:sld xmlns:a="http://schemas.openxmlformats.org/drawingml/2006/main" xmlns:r="http://schemas.openxmlformats.org/officeDocument/2006/relationships" xmlns:p="http://schemas.openxmlformats.org/presentationml/2006/main">
+  <p:cSld>
+    <p:spTree>
+      <p:nvGrpSpPr>
+        <p:cNvPr id="1" name=""/>
+        <p:cNvGrpSpPr/>
+        <p:nvPr/>
+      </p:nvGrpSpPr>
+      <p:grpSpPr>
+        <a:xfrm>
+          <a:off x="0" y="0"/>
+          <a:ext cx="0" cy="0"/>
+          <a:chOff x="0" y="0"/>
+          <a:chExt cx="0" cy="0"/>
+        </a:xfrm>
+      </p:grpSpPr>
+      <p:sp>
+        <p:nvSpPr>
+          <p:cNvPr id="4" name="Title 3">
+            <a:extLst>
+              <a:ext uri="{FF2B5EF4-FFF2-40B4-BE49-F238E27FC236}">
+                <a16:creationId xmlns:a16="http://schemas.microsoft.com/office/drawing/2014/main" id="{F6F7E663-32CE-E448-95F9-79C015848441}"/>
+              </a:ext>
+            </a:extLst>
+          </p:cNvPr>
+          <p:cNvSpPr>
+            <a:spLocks noGrp="1"/>
+          </p:cNvSpPr>
+          <p:nvPr>
+            <p:ph type="title"/>
+          </p:nvPr>
+        </p:nvSpPr>
+        <p:spPr>
+          <a:xfrm>
+            <a:off x="628073" y="171613"/>
+            <a:ext cx="12561453" cy="1015663"/>
+          </a:xfrm>
+        </p:spPr>
+        <p:txBody>
+          <a:bodyPr/>
+          <a:lstStyle/>
+          <a:p>
+            <a:r>
+              <a:rPr lang="en-US" dirty="0"/>
+              <a:t>Static x Instance Variables</a:t>
+            </a:r>
+          </a:p>
+        </p:txBody>
+      </p:sp>
+      <p:sp>
+        <p:nvSpPr>
+          <p:cNvPr id="6" name="Text Placeholder 5">
+            <a:extLst>
+              <a:ext uri="{FF2B5EF4-FFF2-40B4-BE49-F238E27FC236}">
+                <a16:creationId xmlns:a16="http://schemas.microsoft.com/office/drawing/2014/main" id="{070BA3BB-E4AC-1442-9C1B-434DA00352F6}"/>
+              </a:ext>
+            </a:extLst>
+          </p:cNvPr>
+          <p:cNvSpPr>
+            <a:spLocks noGrp="1"/>
+          </p:cNvSpPr>
+          <p:nvPr>
+            <p:ph type="body" sz="quarter" idx="10"/>
+          </p:nvPr>
+        </p:nvSpPr>
+        <p:spPr>
+          <a:xfrm>
+            <a:off x="628076" y="1319638"/>
+            <a:ext cx="7910444" cy="5735994"/>
+          </a:xfrm>
+        </p:spPr>
+        <p:txBody>
+          <a:bodyPr/>
+          <a:lstStyle/>
+          <a:p>
+            <a:r>
+              <a:rPr lang="en-US" dirty="0"/>
+              <a:t>Static</a:t>
+            </a:r>
+          </a:p>
+          <a:p>
+            <a:pPr lvl="1"/>
+            <a:r>
+              <a:rPr lang="en-US" dirty="0"/>
+              <a:t>Belongs to the class</a:t>
+            </a:r>
+          </a:p>
+          <a:p>
+            <a:pPr lvl="1"/>
+            <a:r>
+              <a:rPr lang="en-US" dirty="0"/>
+              <a:t>How do you access a public static variable?</a:t>
+            </a:r>
+          </a:p>
+          <a:p>
+            <a:pPr lvl="2"/>
+            <a:r>
+              <a:rPr lang="en-US" dirty="0" err="1"/>
+              <a:t>NameClass.nameStaticVariable</a:t>
+            </a:r>
+            <a:endParaRPr lang="en-US" dirty="0"/>
+          </a:p>
+          <a:p>
+            <a:pPr lvl="1"/>
+            <a:r>
+              <a:rPr lang="en-US" dirty="0"/>
+              <a:t>Example</a:t>
+            </a:r>
+          </a:p>
+          <a:p>
+            <a:pPr lvl="2"/>
+            <a:r>
+              <a:rPr lang="en-US" dirty="0" err="1"/>
+              <a:t>Cake.IS_GOOD</a:t>
+            </a:r>
+            <a:endParaRPr lang="en-US" dirty="0"/>
+          </a:p>
+          <a:p>
+            <a:r>
+              <a:rPr lang="en-US" dirty="0"/>
+              <a:t>Instance</a:t>
+            </a:r>
+          </a:p>
+          <a:p>
+            <a:pPr lvl="1"/>
+            <a:r>
+              <a:rPr lang="en-US" dirty="0"/>
+              <a:t>Belongs to the object</a:t>
+            </a:r>
+          </a:p>
+          <a:p>
+            <a:pPr lvl="1"/>
+            <a:r>
+              <a:rPr lang="en-US" dirty="0"/>
+              <a:t>How do you access a private instance variable?</a:t>
+            </a:r>
+          </a:p>
+          <a:p>
+            <a:pPr lvl="2"/>
+            <a:r>
+              <a:rPr lang="en-US" dirty="0"/>
+              <a:t>You will need to have a get method for each variable that you want to have access from other class</a:t>
+            </a:r>
+          </a:p>
+          <a:p>
+            <a:pPr lvl="2"/>
+            <a:r>
+              <a:rPr lang="en-US" dirty="0" err="1"/>
+              <a:t>nameObject.getNameVariable</a:t>
+            </a:r>
+            <a:r>
+              <a:rPr lang="en-US" dirty="0"/>
+              <a:t>()</a:t>
+            </a:r>
+          </a:p>
+          <a:p>
+            <a:pPr lvl="1"/>
+            <a:r>
+              <a:rPr lang="en-US" dirty="0"/>
+              <a:t>Example</a:t>
+            </a:r>
+          </a:p>
+          <a:p>
+            <a:pPr lvl="2"/>
+            <a:r>
+              <a:rPr lang="en-US" dirty="0"/>
+              <a:t>Cake cake1 = new Cake(“chocolate”, 3.50);</a:t>
+            </a:r>
+          </a:p>
+          <a:p>
+            <a:pPr lvl="2"/>
+            <a:r>
+              <a:rPr lang="en-US" dirty="0" err="1"/>
+              <a:t>System.out.println</a:t>
+            </a:r>
+            <a:r>
+              <a:rPr lang="en-US" dirty="0"/>
+              <a:t>(cake1.getName());</a:t>
+            </a:r>
+          </a:p>
+        </p:txBody>
+      </p:sp>
+      <p:sp>
+        <p:nvSpPr>
+          <p:cNvPr id="5" name="TextBox 4">
+            <a:extLst>
+              <a:ext uri="{FF2B5EF4-FFF2-40B4-BE49-F238E27FC236}">
+                <a16:creationId xmlns:a16="http://schemas.microsoft.com/office/drawing/2014/main" id="{F3430565-9E8F-1349-833D-D81F25510834}"/>
+              </a:ext>
+            </a:extLst>
+          </p:cNvPr>
+          <p:cNvSpPr txBox="1"/>
+          <p:nvPr/>
+        </p:nvSpPr>
+        <p:spPr>
+          <a:xfrm>
+            <a:off x="8718762" y="1488435"/>
+            <a:ext cx="4933244" cy="5693866"/>
+          </a:xfrm>
+          <a:prstGeom prst="rect">
+            <a:avLst/>
+          </a:prstGeom>
+          <a:solidFill>
+            <a:schemeClr val="bg2"/>
+          </a:solidFill>
+        </p:spPr>
+        <p:txBody>
+          <a:bodyPr wrap="square" rtlCol="0">
+            <a:spAutoFit/>
+          </a:bodyPr>
+          <a:lstStyle/>
+          <a:p>
+            <a:r>
+              <a:rPr lang="en-US" sz="1400" dirty="0">
+                <a:latin typeface="Consolas" panose="020B0609020204030204" pitchFamily="49" charset="0"/>
+                <a:cs typeface="Consolas" panose="020B0609020204030204" pitchFamily="49" charset="0"/>
+              </a:rPr>
+              <a:t>public</a:t>
+            </a:r>
+            <a:r>
+              <a:rPr lang="en-US" sz="1400" b="1" dirty="0">
+                <a:latin typeface="Consolas" panose="020B0609020204030204" pitchFamily="49" charset="0"/>
+                <a:cs typeface="Consolas" panose="020B0609020204030204" pitchFamily="49" charset="0"/>
+              </a:rPr>
+              <a:t> class</a:t>
+            </a:r>
+            <a:r>
+              <a:rPr lang="en-US" sz="1400" dirty="0">
+                <a:latin typeface="Consolas" panose="020B0609020204030204" pitchFamily="49" charset="0"/>
+                <a:cs typeface="Consolas" panose="020B0609020204030204" pitchFamily="49" charset="0"/>
+              </a:rPr>
+              <a:t> Cake {</a:t>
+            </a:r>
+          </a:p>
+          <a:p>
+            <a:r>
+              <a:rPr lang="en-US" sz="1400" dirty="0">
+                <a:latin typeface="Consolas" panose="020B0609020204030204" pitchFamily="49" charset="0"/>
+                <a:cs typeface="Consolas" panose="020B0609020204030204" pitchFamily="49" charset="0"/>
+              </a:rPr>
+              <a:t>    public static final boolean IS_GOOD = true;</a:t>
+            </a:r>
+          </a:p>
+          <a:p>
+            <a:r>
+              <a:rPr lang="en-US" sz="1400" dirty="0">
+                <a:latin typeface="Consolas" panose="020B0609020204030204" pitchFamily="49" charset="0"/>
+                <a:cs typeface="Consolas" panose="020B0609020204030204" pitchFamily="49" charset="0"/>
+              </a:rPr>
+              <a:t>    private String name =  “”;</a:t>
+            </a:r>
+          </a:p>
+          <a:p>
+            <a:r>
+              <a:rPr lang="en-US" sz="1400" dirty="0">
+                <a:latin typeface="Consolas" panose="020B0609020204030204" pitchFamily="49" charset="0"/>
+                <a:cs typeface="Consolas" panose="020B0609020204030204" pitchFamily="49" charset="0"/>
+              </a:rPr>
+              <a:t>    private double cost = 0;</a:t>
+            </a:r>
+          </a:p>
+          <a:p>
+            <a:endParaRPr lang="en-US" sz="1400" dirty="0">
+              <a:latin typeface="Consolas" panose="020B0609020204030204" pitchFamily="49" charset="0"/>
+              <a:cs typeface="Consolas" panose="020B0609020204030204" pitchFamily="49" charset="0"/>
+            </a:endParaRPr>
+          </a:p>
+          <a:p>
+            <a:r>
+              <a:rPr lang="en-US" sz="1400" dirty="0">
+                <a:latin typeface="Consolas" panose="020B0609020204030204" pitchFamily="49" charset="0"/>
+                <a:cs typeface="Consolas" panose="020B0609020204030204" pitchFamily="49" charset="0"/>
+              </a:rPr>
+              <a:t>    public void </a:t>
+            </a:r>
+            <a:r>
+              <a:rPr lang="en-US" sz="1400" dirty="0" err="1">
+                <a:latin typeface="Consolas" panose="020B0609020204030204" pitchFamily="49" charset="0"/>
+                <a:cs typeface="Consolas" panose="020B0609020204030204" pitchFamily="49" charset="0"/>
+              </a:rPr>
+              <a:t>setName</a:t>
+            </a:r>
+            <a:r>
+              <a:rPr lang="en-US" sz="1400" dirty="0">
+                <a:latin typeface="Consolas" panose="020B0609020204030204" pitchFamily="49" charset="0"/>
+                <a:cs typeface="Consolas" panose="020B0609020204030204" pitchFamily="49" charset="0"/>
+              </a:rPr>
+              <a:t>(String str) {</a:t>
+            </a:r>
+          </a:p>
+          <a:p>
+            <a:r>
+              <a:rPr lang="en-US" sz="1400" dirty="0">
+                <a:latin typeface="Consolas" panose="020B0609020204030204" pitchFamily="49" charset="0"/>
+                <a:cs typeface="Consolas" panose="020B0609020204030204" pitchFamily="49" charset="0"/>
+              </a:rPr>
+              <a:t>        name = str;</a:t>
+            </a:r>
+          </a:p>
+          <a:p>
+            <a:r>
+              <a:rPr lang="en-US" sz="1400" dirty="0">
+                <a:latin typeface="Consolas" panose="020B0609020204030204" pitchFamily="49" charset="0"/>
+                <a:cs typeface="Consolas" panose="020B0609020204030204" pitchFamily="49" charset="0"/>
+              </a:rPr>
+              <a:t>    }</a:t>
+            </a:r>
+          </a:p>
+          <a:p>
+            <a:endParaRPr lang="en-US" sz="1400" dirty="0">
+              <a:latin typeface="Consolas" panose="020B0609020204030204" pitchFamily="49" charset="0"/>
+              <a:cs typeface="Consolas" panose="020B0609020204030204" pitchFamily="49" charset="0"/>
+            </a:endParaRPr>
+          </a:p>
+          <a:p>
+            <a:r>
+              <a:rPr lang="en-US" sz="1400" dirty="0">
+                <a:latin typeface="Consolas" panose="020B0609020204030204" pitchFamily="49" charset="0"/>
+                <a:cs typeface="Consolas" panose="020B0609020204030204" pitchFamily="49" charset="0"/>
+              </a:rPr>
+              <a:t>    public String </a:t>
+            </a:r>
+            <a:r>
+              <a:rPr lang="en-US" sz="1400" dirty="0" err="1">
+                <a:latin typeface="Consolas" panose="020B0609020204030204" pitchFamily="49" charset="0"/>
+                <a:cs typeface="Consolas" panose="020B0609020204030204" pitchFamily="49" charset="0"/>
+              </a:rPr>
+              <a:t>getName</a:t>
+            </a:r>
+            <a:r>
+              <a:rPr lang="en-US" sz="1400" dirty="0">
+                <a:latin typeface="Consolas" panose="020B0609020204030204" pitchFamily="49" charset="0"/>
+                <a:cs typeface="Consolas" panose="020B0609020204030204" pitchFamily="49" charset="0"/>
+              </a:rPr>
+              <a:t>() { </a:t>
+            </a:r>
+          </a:p>
+          <a:p>
+            <a:r>
+              <a:rPr lang="en-US" sz="1400" dirty="0">
+                <a:latin typeface="Consolas" panose="020B0609020204030204" pitchFamily="49" charset="0"/>
+                <a:cs typeface="Consolas" panose="020B0609020204030204" pitchFamily="49" charset="0"/>
+              </a:rPr>
+              <a:t>        return name;</a:t>
+            </a:r>
+          </a:p>
+          <a:p>
+            <a:r>
+              <a:rPr lang="en-US" sz="1400" dirty="0">
+                <a:latin typeface="Consolas" panose="020B0609020204030204" pitchFamily="49" charset="0"/>
+                <a:cs typeface="Consolas" panose="020B0609020204030204" pitchFamily="49" charset="0"/>
+              </a:rPr>
+              <a:t>    }</a:t>
+            </a:r>
+          </a:p>
+          <a:p>
+            <a:endParaRPr lang="en-US" sz="1400" dirty="0">
+              <a:latin typeface="Consolas" panose="020B0609020204030204" pitchFamily="49" charset="0"/>
+              <a:cs typeface="Consolas" panose="020B0609020204030204" pitchFamily="49" charset="0"/>
+            </a:endParaRPr>
+          </a:p>
+          <a:p>
+            <a:r>
+              <a:rPr lang="en-US" sz="1400" dirty="0">
+                <a:latin typeface="Consolas" panose="020B0609020204030204" pitchFamily="49" charset="0"/>
+                <a:cs typeface="Consolas" panose="020B0609020204030204" pitchFamily="49" charset="0"/>
+              </a:rPr>
+              <a:t>    public void </a:t>
+            </a:r>
+            <a:r>
+              <a:rPr lang="en-US" sz="1400" dirty="0" err="1">
+                <a:latin typeface="Consolas" panose="020B0609020204030204" pitchFamily="49" charset="0"/>
+                <a:cs typeface="Consolas" panose="020B0609020204030204" pitchFamily="49" charset="0"/>
+              </a:rPr>
+              <a:t>setCost</a:t>
+            </a:r>
+            <a:r>
+              <a:rPr lang="en-US" sz="1400" dirty="0">
+                <a:latin typeface="Consolas" panose="020B0609020204030204" pitchFamily="49" charset="0"/>
+                <a:cs typeface="Consolas" panose="020B0609020204030204" pitchFamily="49" charset="0"/>
+              </a:rPr>
+              <a:t>(double cost) {</a:t>
+            </a:r>
+          </a:p>
+          <a:p>
+            <a:r>
+              <a:rPr lang="en-US" sz="1400" dirty="0">
+                <a:latin typeface="Consolas" panose="020B0609020204030204" pitchFamily="49" charset="0"/>
+                <a:cs typeface="Consolas" panose="020B0609020204030204" pitchFamily="49" charset="0"/>
+              </a:rPr>
+              <a:t>        </a:t>
+            </a:r>
+            <a:r>
+              <a:rPr lang="en-US" sz="1400" dirty="0" err="1">
+                <a:latin typeface="Consolas" panose="020B0609020204030204" pitchFamily="49" charset="0"/>
+                <a:cs typeface="Consolas" panose="020B0609020204030204" pitchFamily="49" charset="0"/>
+              </a:rPr>
+              <a:t>this.cost</a:t>
+            </a:r>
+            <a:r>
+              <a:rPr lang="en-US" sz="1400" dirty="0">
+                <a:latin typeface="Consolas" panose="020B0609020204030204" pitchFamily="49" charset="0"/>
+                <a:cs typeface="Consolas" panose="020B0609020204030204" pitchFamily="49" charset="0"/>
+              </a:rPr>
+              <a:t> = cost;</a:t>
+            </a:r>
+          </a:p>
+          <a:p>
+            <a:r>
+              <a:rPr lang="en-US" sz="1400" dirty="0">
+                <a:latin typeface="Consolas" panose="020B0609020204030204" pitchFamily="49" charset="0"/>
+                <a:cs typeface="Consolas" panose="020B0609020204030204" pitchFamily="49" charset="0"/>
+              </a:rPr>
+              <a:t>    }</a:t>
+            </a:r>
+          </a:p>
+          <a:p>
+            <a:endParaRPr lang="en-US" sz="1400" dirty="0">
+              <a:latin typeface="Consolas" panose="020B0609020204030204" pitchFamily="49" charset="0"/>
+              <a:cs typeface="Consolas" panose="020B0609020204030204" pitchFamily="49" charset="0"/>
+            </a:endParaRPr>
+          </a:p>
+          <a:p>
+            <a:r>
+              <a:rPr lang="en-US" sz="1400" dirty="0">
+                <a:latin typeface="Consolas" panose="020B0609020204030204" pitchFamily="49" charset="0"/>
+                <a:cs typeface="Consolas" panose="020B0609020204030204" pitchFamily="49" charset="0"/>
+              </a:rPr>
+              <a:t>    public double </a:t>
+            </a:r>
+            <a:r>
+              <a:rPr lang="en-US" sz="1400" dirty="0" err="1">
+                <a:latin typeface="Consolas" panose="020B0609020204030204" pitchFamily="49" charset="0"/>
+                <a:cs typeface="Consolas" panose="020B0609020204030204" pitchFamily="49" charset="0"/>
+              </a:rPr>
+              <a:t>getCost</a:t>
+            </a:r>
+            <a:r>
+              <a:rPr lang="en-US" sz="1400" dirty="0">
+                <a:latin typeface="Consolas" panose="020B0609020204030204" pitchFamily="49" charset="0"/>
+                <a:cs typeface="Consolas" panose="020B0609020204030204" pitchFamily="49" charset="0"/>
+              </a:rPr>
+              <a:t>() { </a:t>
+            </a:r>
+          </a:p>
+          <a:p>
+            <a:r>
+              <a:rPr lang="en-US" sz="1400" dirty="0">
+                <a:latin typeface="Consolas" panose="020B0609020204030204" pitchFamily="49" charset="0"/>
+                <a:cs typeface="Consolas" panose="020B0609020204030204" pitchFamily="49" charset="0"/>
+              </a:rPr>
+              <a:t>        return </a:t>
+            </a:r>
+            <a:r>
+              <a:rPr lang="en-US" sz="1400" dirty="0" err="1">
+                <a:latin typeface="Consolas" panose="020B0609020204030204" pitchFamily="49" charset="0"/>
+                <a:cs typeface="Consolas" panose="020B0609020204030204" pitchFamily="49" charset="0"/>
+              </a:rPr>
+              <a:t>this.cost</a:t>
+            </a:r>
+            <a:r>
+              <a:rPr lang="en-US" sz="1400" dirty="0">
+                <a:latin typeface="Consolas" panose="020B0609020204030204" pitchFamily="49" charset="0"/>
+                <a:cs typeface="Consolas" panose="020B0609020204030204" pitchFamily="49" charset="0"/>
+              </a:rPr>
+              <a:t>;</a:t>
+            </a:r>
+          </a:p>
+          <a:p>
+            <a:r>
+              <a:rPr lang="en-US" sz="1400" dirty="0">
+                <a:latin typeface="Consolas" panose="020B0609020204030204" pitchFamily="49" charset="0"/>
+                <a:cs typeface="Consolas" panose="020B0609020204030204" pitchFamily="49" charset="0"/>
+              </a:rPr>
+              <a:t>    }</a:t>
+            </a:r>
+          </a:p>
+          <a:p>
+            <a:endParaRPr lang="en-US" sz="1400" dirty="0">
+              <a:latin typeface="Consolas" panose="020B0609020204030204" pitchFamily="49" charset="0"/>
+              <a:cs typeface="Consolas" panose="020B0609020204030204" pitchFamily="49" charset="0"/>
+            </a:endParaRPr>
+          </a:p>
+          <a:p>
+            <a:r>
+              <a:rPr lang="en-US" sz="1400" dirty="0">
+                <a:latin typeface="Consolas" panose="020B0609020204030204" pitchFamily="49" charset="0"/>
+                <a:cs typeface="Consolas" panose="020B0609020204030204" pitchFamily="49" charset="0"/>
+              </a:rPr>
+              <a:t>    public Cake(String name, double cost) {</a:t>
+            </a:r>
+          </a:p>
+          <a:p>
+            <a:r>
+              <a:rPr lang="en-US" sz="1400" dirty="0">
+                <a:latin typeface="Consolas" panose="020B0609020204030204" pitchFamily="49" charset="0"/>
+                <a:cs typeface="Consolas" panose="020B0609020204030204" pitchFamily="49" charset="0"/>
+              </a:rPr>
+              <a:t>       </a:t>
+            </a:r>
+            <a:r>
+              <a:rPr lang="en-US" sz="1400" dirty="0" err="1">
+                <a:latin typeface="Consolas" panose="020B0609020204030204" pitchFamily="49" charset="0"/>
+                <a:cs typeface="Consolas" panose="020B0609020204030204" pitchFamily="49" charset="0"/>
+              </a:rPr>
+              <a:t>setName</a:t>
+            </a:r>
+            <a:r>
+              <a:rPr lang="en-US" sz="1400" dirty="0">
+                <a:latin typeface="Consolas" panose="020B0609020204030204" pitchFamily="49" charset="0"/>
+                <a:cs typeface="Consolas" panose="020B0609020204030204" pitchFamily="49" charset="0"/>
+              </a:rPr>
+              <a:t>(name); // let the methods work</a:t>
+            </a:r>
+          </a:p>
+          <a:p>
+            <a:r>
+              <a:rPr lang="en-US" sz="1400" dirty="0">
+                <a:latin typeface="Consolas" panose="020B0609020204030204" pitchFamily="49" charset="0"/>
+                <a:cs typeface="Consolas" panose="020B0609020204030204" pitchFamily="49" charset="0"/>
+              </a:rPr>
+              <a:t>       </a:t>
+            </a:r>
+            <a:r>
+              <a:rPr lang="en-US" sz="1400" dirty="0" err="1">
+                <a:latin typeface="Consolas" panose="020B0609020204030204" pitchFamily="49" charset="0"/>
+                <a:cs typeface="Consolas" panose="020B0609020204030204" pitchFamily="49" charset="0"/>
+              </a:rPr>
+              <a:t>setCost</a:t>
+            </a:r>
+            <a:r>
+              <a:rPr lang="en-US" sz="1400" dirty="0">
+                <a:latin typeface="Consolas" panose="020B0609020204030204" pitchFamily="49" charset="0"/>
+                <a:cs typeface="Consolas" panose="020B0609020204030204" pitchFamily="49" charset="0"/>
+              </a:rPr>
+              <a:t>(cost);</a:t>
+            </a:r>
+            <a:br>
+              <a:rPr lang="en-US" sz="1400" dirty="0">
+                <a:latin typeface="Consolas" panose="020B0609020204030204" pitchFamily="49" charset="0"/>
+                <a:cs typeface="Consolas" panose="020B0609020204030204" pitchFamily="49" charset="0"/>
+              </a:rPr>
+            </a:br>
+            <a:r>
+              <a:rPr lang="en-US" sz="1400" dirty="0">
+                <a:latin typeface="Consolas" panose="020B0609020204030204" pitchFamily="49" charset="0"/>
+                <a:cs typeface="Consolas" panose="020B0609020204030204" pitchFamily="49" charset="0"/>
+              </a:rPr>
+              <a:t>    }  </a:t>
+            </a:r>
+          </a:p>
+          <a:p>
+            <a:r>
+              <a:rPr lang="en-US" sz="1400" dirty="0">
+                <a:latin typeface="Consolas" panose="020B0609020204030204" pitchFamily="49" charset="0"/>
+                <a:cs typeface="Consolas" panose="020B0609020204030204" pitchFamily="49" charset="0"/>
+              </a:rPr>
+              <a:t>}</a:t>
+            </a:r>
+          </a:p>
+        </p:txBody>
+      </p:sp>
+    </p:spTree>
+    <p:extLst>
+      <p:ext uri="{BB962C8B-B14F-4D97-AF65-F5344CB8AC3E}">
+        <p14:creationId xmlns:p14="http://schemas.microsoft.com/office/powerpoint/2010/main" val="1227827217"/>
+      </p:ext>
+    </p:extLst>
+  </p:cSld>
+  <p:clrMapOvr>
+    <a:masterClrMapping/>
+  </p:clrMapOvr>
+  <mc:AlternateContent xmlns:mc="http://schemas.openxmlformats.org/markup-compatibility/2006" xmlns:p14="http://schemas.microsoft.com/office/powerpoint/2010/main">
+    <mc:Choice Requires="p14">
+      <p:transition p14:dur="300">
+        <p:fade/>
+      </p:transition>
+    </mc:Choice>
+    <mc:Fallback xmlns="">
+      <p:transition>
+        <p:fade/>
+      </p:transition>
+    </mc:Fallback>
+  </mc:AlternateContent>
+</p:sld>
+</file>
+
+<file path=ppt/slides/slide5.xml><?xml version="1.0" encoding="utf-8"?>
+<p:sld xmlns:a="http://schemas.openxmlformats.org/drawingml/2006/main" xmlns:r="http://schemas.openxmlformats.org/officeDocument/2006/relationships" xmlns:p="http://schemas.openxmlformats.org/presentationml/2006/main">
+  <p:cSld>
+    <p:spTree>
+      <p:nvGrpSpPr>
+        <p:cNvPr id="1" name=""/>
+        <p:cNvGrpSpPr/>
+        <p:nvPr/>
+      </p:nvGrpSpPr>
+      <p:grpSpPr>
+        <a:xfrm>
+          <a:off x="0" y="0"/>
+          <a:ext cx="0" cy="0"/>
+          <a:chOff x="0" y="0"/>
+          <a:chExt cx="0" cy="0"/>
+        </a:xfrm>
+      </p:grpSpPr>
+      <p:sp>
+        <p:nvSpPr>
+          <p:cNvPr id="2" name="Title 1">
+            <a:extLst>
+              <a:ext uri="{FF2B5EF4-FFF2-40B4-BE49-F238E27FC236}">
+                <a16:creationId xmlns:a16="http://schemas.microsoft.com/office/drawing/2014/main" id="{2DBAED83-8A0A-0548-BA23-13CB5D45BC8F}"/>
+              </a:ext>
+            </a:extLst>
+          </p:cNvPr>
+          <p:cNvSpPr>
+            <a:spLocks noGrp="1"/>
+          </p:cNvSpPr>
+          <p:nvPr>
+            <p:ph type="title"/>
+          </p:nvPr>
+        </p:nvSpPr>
+        <p:spPr/>
+        <p:txBody>
+          <a:bodyPr/>
+          <a:lstStyle/>
+          <a:p>
+            <a:r>
+              <a:rPr lang="en-US" dirty="0"/>
+              <a:t>Checking your Understanding (Part 1)</a:t>
+            </a:r>
+          </a:p>
+        </p:txBody>
+      </p:sp>
+      <p:sp>
+        <p:nvSpPr>
+          <p:cNvPr id="3" name="Text Placeholder 2">
+            <a:extLst>
+              <a:ext uri="{FF2B5EF4-FFF2-40B4-BE49-F238E27FC236}">
+                <a16:creationId xmlns:a16="http://schemas.microsoft.com/office/drawing/2014/main" id="{507F2138-38CE-FB4F-963C-1AF7D9CA4471}"/>
+              </a:ext>
+            </a:extLst>
+          </p:cNvPr>
+          <p:cNvSpPr>
+            <a:spLocks noGrp="1"/>
+          </p:cNvSpPr>
+          <p:nvPr>
+            <p:ph type="body" sz="quarter" idx="10"/>
+          </p:nvPr>
+        </p:nvSpPr>
+        <p:spPr>
+          <a:xfrm>
+            <a:off x="628075" y="1638460"/>
+            <a:ext cx="5486975" cy="3682290"/>
+          </a:xfrm>
+        </p:spPr>
+        <p:txBody>
+          <a:bodyPr/>
+          <a:lstStyle/>
+          <a:p>
+            <a:r>
+              <a:rPr lang="en-US" dirty="0"/>
+              <a:t>Identify:</a:t>
+            </a:r>
+          </a:p>
+          <a:p>
+            <a:pPr lvl="1"/>
+            <a:r>
+              <a:rPr lang="en-US" dirty="0"/>
+              <a:t>Class variables (scope and type)</a:t>
+            </a:r>
+          </a:p>
+          <a:p>
+            <a:pPr lvl="1"/>
+            <a:r>
+              <a:rPr lang="en-US" dirty="0"/>
+              <a:t>Instance variables (scope and type)</a:t>
+            </a:r>
+          </a:p>
+          <a:p>
+            <a:r>
+              <a:rPr lang="en-US" dirty="0"/>
+              <a:t>What is the purpose of the class variable in this example?</a:t>
+            </a:r>
+          </a:p>
+          <a:p>
+            <a:r>
+              <a:rPr lang="en-US" dirty="0"/>
+              <a:t>How can we access the class variable from another class?</a:t>
+            </a:r>
+          </a:p>
+          <a:p>
+            <a:r>
+              <a:rPr lang="en-US" dirty="0"/>
+              <a:t>How can we access the instance variable from another class? </a:t>
+            </a:r>
+          </a:p>
+        </p:txBody>
+      </p:sp>
+      <p:sp>
+        <p:nvSpPr>
+          <p:cNvPr id="4" name="TextBox 3">
+            <a:extLst>
+              <a:ext uri="{FF2B5EF4-FFF2-40B4-BE49-F238E27FC236}">
+                <a16:creationId xmlns:a16="http://schemas.microsoft.com/office/drawing/2014/main" id="{BE278577-C507-B448-9A94-C13AB472D32E}"/>
+              </a:ext>
+            </a:extLst>
+          </p:cNvPr>
+          <p:cNvSpPr txBox="1"/>
+          <p:nvPr/>
+        </p:nvSpPr>
+        <p:spPr>
+          <a:xfrm>
+            <a:off x="7702552" y="1776683"/>
+            <a:ext cx="5879036" cy="4401205"/>
+          </a:xfrm>
+          <a:prstGeom prst="rect">
+            <a:avLst/>
+          </a:prstGeom>
+          <a:solidFill>
+            <a:schemeClr val="bg2"/>
+          </a:solidFill>
+        </p:spPr>
+        <p:txBody>
+          <a:bodyPr wrap="square" rtlCol="0">
+            <a:spAutoFit/>
+          </a:bodyPr>
+          <a:lstStyle/>
+          <a:p>
+            <a:r>
+              <a:rPr lang="en-US" sz="1400" dirty="0">
+                <a:latin typeface="Consolas" panose="020B0609020204030204" pitchFamily="49" charset="0"/>
+                <a:cs typeface="Consolas" panose="020B0609020204030204" pitchFamily="49" charset="0"/>
+              </a:rPr>
+              <a:t>public class Store {   </a:t>
+            </a:r>
+          </a:p>
+          <a:p>
+            <a:r>
+              <a:rPr lang="en-US" sz="1400" dirty="0">
+                <a:latin typeface="Consolas" panose="020B0609020204030204" pitchFamily="49" charset="0"/>
+                <a:cs typeface="Consolas" panose="020B0609020204030204" pitchFamily="49" charset="0"/>
+              </a:rPr>
+              <a:t>   // Declare and initialize public static field</a:t>
+            </a:r>
+          </a:p>
+          <a:p>
+            <a:r>
+              <a:rPr lang="en-US" sz="1400" dirty="0">
+                <a:latin typeface="Consolas" panose="020B0609020204030204" pitchFamily="49" charset="0"/>
+                <a:cs typeface="Consolas" panose="020B0609020204030204" pitchFamily="49" charset="0"/>
+              </a:rPr>
+              <a:t>   public static int </a:t>
+            </a:r>
+            <a:r>
+              <a:rPr lang="en-US" sz="1400" dirty="0" err="1">
+                <a:latin typeface="Consolas" panose="020B0609020204030204" pitchFamily="49" charset="0"/>
+                <a:cs typeface="Consolas" panose="020B0609020204030204" pitchFamily="49" charset="0"/>
+              </a:rPr>
+              <a:t>nextId</a:t>
+            </a:r>
+            <a:r>
+              <a:rPr lang="en-US" sz="1400" dirty="0">
+                <a:latin typeface="Consolas" panose="020B0609020204030204" pitchFamily="49" charset="0"/>
+                <a:cs typeface="Consolas" panose="020B0609020204030204" pitchFamily="49" charset="0"/>
+              </a:rPr>
+              <a:t> = 101;</a:t>
+            </a:r>
+          </a:p>
+          <a:p>
+            <a:endParaRPr lang="en-US" sz="1400" dirty="0">
+              <a:latin typeface="Consolas" panose="020B0609020204030204" pitchFamily="49" charset="0"/>
+              <a:cs typeface="Consolas" panose="020B0609020204030204" pitchFamily="49" charset="0"/>
+            </a:endParaRPr>
+          </a:p>
+          <a:p>
+            <a:r>
+              <a:rPr lang="en-US" sz="1400" dirty="0">
+                <a:latin typeface="Consolas" panose="020B0609020204030204" pitchFamily="49" charset="0"/>
+                <a:cs typeface="Consolas" panose="020B0609020204030204" pitchFamily="49" charset="0"/>
+              </a:rPr>
+              <a:t>   // Define private fields </a:t>
+            </a:r>
+          </a:p>
+          <a:p>
+            <a:r>
+              <a:rPr lang="en-US" sz="1400" dirty="0">
+                <a:latin typeface="Consolas" panose="020B0609020204030204" pitchFamily="49" charset="0"/>
+                <a:cs typeface="Consolas" panose="020B0609020204030204" pitchFamily="49" charset="0"/>
+              </a:rPr>
+              <a:t>   private String name;</a:t>
+            </a:r>
+          </a:p>
+          <a:p>
+            <a:r>
+              <a:rPr lang="en-US" sz="1400" dirty="0">
+                <a:latin typeface="Consolas" panose="020B0609020204030204" pitchFamily="49" charset="0"/>
+                <a:cs typeface="Consolas" panose="020B0609020204030204" pitchFamily="49" charset="0"/>
+              </a:rPr>
+              <a:t>   private String type;</a:t>
+            </a:r>
+          </a:p>
+          <a:p>
+            <a:r>
+              <a:rPr lang="en-US" sz="1400" dirty="0">
+                <a:latin typeface="Consolas" panose="020B0609020204030204" pitchFamily="49" charset="0"/>
+                <a:cs typeface="Consolas" panose="020B0609020204030204" pitchFamily="49" charset="0"/>
+              </a:rPr>
+              <a:t>   private int id;</a:t>
+            </a:r>
+          </a:p>
+          <a:p>
+            <a:endParaRPr lang="en-US" sz="1400" dirty="0">
+              <a:latin typeface="Consolas" panose="020B0609020204030204" pitchFamily="49" charset="0"/>
+              <a:cs typeface="Consolas" panose="020B0609020204030204" pitchFamily="49" charset="0"/>
+            </a:endParaRPr>
+          </a:p>
+          <a:p>
+            <a:r>
+              <a:rPr lang="en-US" sz="1400" dirty="0">
+                <a:latin typeface="Consolas" panose="020B0609020204030204" pitchFamily="49" charset="0"/>
+                <a:cs typeface="Consolas" panose="020B0609020204030204" pitchFamily="49" charset="0"/>
+              </a:rPr>
+              <a:t>   public Store(String </a:t>
+            </a:r>
+            <a:r>
+              <a:rPr lang="en-US" sz="1400" dirty="0" err="1">
+                <a:latin typeface="Consolas" panose="020B0609020204030204" pitchFamily="49" charset="0"/>
+                <a:cs typeface="Consolas" panose="020B0609020204030204" pitchFamily="49" charset="0"/>
+              </a:rPr>
+              <a:t>storeName</a:t>
+            </a:r>
+            <a:r>
+              <a:rPr lang="en-US" sz="1400" dirty="0">
+                <a:latin typeface="Consolas" panose="020B0609020204030204" pitchFamily="49" charset="0"/>
+                <a:cs typeface="Consolas" panose="020B0609020204030204" pitchFamily="49" charset="0"/>
+              </a:rPr>
+              <a:t>, String </a:t>
+            </a:r>
+            <a:r>
+              <a:rPr lang="en-US" sz="1400" dirty="0" err="1">
+                <a:latin typeface="Consolas" panose="020B0609020204030204" pitchFamily="49" charset="0"/>
+                <a:cs typeface="Consolas" panose="020B0609020204030204" pitchFamily="49" charset="0"/>
+              </a:rPr>
+              <a:t>storeType</a:t>
+            </a:r>
+            <a:r>
+              <a:rPr lang="en-US" sz="1400" dirty="0">
+                <a:latin typeface="Consolas" panose="020B0609020204030204" pitchFamily="49" charset="0"/>
+                <a:cs typeface="Consolas" panose="020B0609020204030204" pitchFamily="49" charset="0"/>
+              </a:rPr>
+              <a:t>) {</a:t>
+            </a:r>
+          </a:p>
+          <a:p>
+            <a:r>
+              <a:rPr lang="en-US" sz="1400" dirty="0">
+                <a:latin typeface="Consolas" panose="020B0609020204030204" pitchFamily="49" charset="0"/>
+                <a:cs typeface="Consolas" panose="020B0609020204030204" pitchFamily="49" charset="0"/>
+              </a:rPr>
+              <a:t>      name = </a:t>
+            </a:r>
+            <a:r>
+              <a:rPr lang="en-US" sz="1400" dirty="0" err="1">
+                <a:latin typeface="Consolas" panose="020B0609020204030204" pitchFamily="49" charset="0"/>
+                <a:cs typeface="Consolas" panose="020B0609020204030204" pitchFamily="49" charset="0"/>
+              </a:rPr>
+              <a:t>storeName</a:t>
+            </a:r>
+            <a:r>
+              <a:rPr lang="en-US" sz="1400" dirty="0">
+                <a:latin typeface="Consolas" panose="020B0609020204030204" pitchFamily="49" charset="0"/>
+                <a:cs typeface="Consolas" panose="020B0609020204030204" pitchFamily="49" charset="0"/>
+              </a:rPr>
+              <a:t>;</a:t>
+            </a:r>
+          </a:p>
+          <a:p>
+            <a:r>
+              <a:rPr lang="en-US" sz="1400" dirty="0">
+                <a:latin typeface="Consolas" panose="020B0609020204030204" pitchFamily="49" charset="0"/>
+                <a:cs typeface="Consolas" panose="020B0609020204030204" pitchFamily="49" charset="0"/>
+              </a:rPr>
+              <a:t>      type = </a:t>
+            </a:r>
+            <a:r>
+              <a:rPr lang="en-US" sz="1400" dirty="0" err="1">
+                <a:latin typeface="Consolas" panose="020B0609020204030204" pitchFamily="49" charset="0"/>
+                <a:cs typeface="Consolas" panose="020B0609020204030204" pitchFamily="49" charset="0"/>
+              </a:rPr>
+              <a:t>storeType</a:t>
+            </a:r>
+            <a:r>
+              <a:rPr lang="en-US" sz="1400" dirty="0">
+                <a:latin typeface="Consolas" panose="020B0609020204030204" pitchFamily="49" charset="0"/>
+                <a:cs typeface="Consolas" panose="020B0609020204030204" pitchFamily="49" charset="0"/>
+              </a:rPr>
+              <a:t>;</a:t>
+            </a:r>
+          </a:p>
+          <a:p>
+            <a:r>
+              <a:rPr lang="en-US" sz="1400" dirty="0">
+                <a:latin typeface="Consolas" panose="020B0609020204030204" pitchFamily="49" charset="0"/>
+                <a:cs typeface="Consolas" panose="020B0609020204030204" pitchFamily="49" charset="0"/>
+              </a:rPr>
+              <a:t>      id = </a:t>
+            </a:r>
+            <a:r>
+              <a:rPr lang="en-US" sz="1400" dirty="0" err="1">
+                <a:latin typeface="Consolas" panose="020B0609020204030204" pitchFamily="49" charset="0"/>
+                <a:cs typeface="Consolas" panose="020B0609020204030204" pitchFamily="49" charset="0"/>
+              </a:rPr>
+              <a:t>nextId</a:t>
+            </a:r>
+            <a:r>
+              <a:rPr lang="en-US" sz="1400" dirty="0">
+                <a:latin typeface="Consolas" panose="020B0609020204030204" pitchFamily="49" charset="0"/>
+                <a:cs typeface="Consolas" panose="020B0609020204030204" pitchFamily="49" charset="0"/>
+              </a:rPr>
+              <a:t>;</a:t>
+            </a:r>
+          </a:p>
+          <a:p>
+            <a:endParaRPr lang="en-US" sz="1400" dirty="0">
+              <a:latin typeface="Consolas" panose="020B0609020204030204" pitchFamily="49" charset="0"/>
+              <a:cs typeface="Consolas" panose="020B0609020204030204" pitchFamily="49" charset="0"/>
+            </a:endParaRPr>
+          </a:p>
+          <a:p>
+            <a:r>
+              <a:rPr lang="en-US" sz="1400" dirty="0">
+                <a:latin typeface="Consolas" panose="020B0609020204030204" pitchFamily="49" charset="0"/>
+                <a:cs typeface="Consolas" panose="020B0609020204030204" pitchFamily="49" charset="0"/>
+              </a:rPr>
+              <a:t>      ++</a:t>
+            </a:r>
+            <a:r>
+              <a:rPr lang="en-US" sz="1400" dirty="0" err="1">
+                <a:latin typeface="Consolas" panose="020B0609020204030204" pitchFamily="49" charset="0"/>
+                <a:cs typeface="Consolas" panose="020B0609020204030204" pitchFamily="49" charset="0"/>
+              </a:rPr>
+              <a:t>nextId</a:t>
+            </a:r>
+            <a:r>
+              <a:rPr lang="en-US" sz="1400" dirty="0">
+                <a:latin typeface="Consolas" panose="020B0609020204030204" pitchFamily="49" charset="0"/>
+                <a:cs typeface="Consolas" panose="020B0609020204030204" pitchFamily="49" charset="0"/>
+              </a:rPr>
+              <a:t>;   // Increment each time a Store object is created</a:t>
+            </a:r>
+          </a:p>
+          <a:p>
+            <a:r>
+              <a:rPr lang="en-US" sz="1400" dirty="0">
+                <a:latin typeface="Consolas" panose="020B0609020204030204" pitchFamily="49" charset="0"/>
+                <a:cs typeface="Consolas" panose="020B0609020204030204" pitchFamily="49" charset="0"/>
+              </a:rPr>
+              <a:t>   }</a:t>
+            </a:r>
+          </a:p>
+          <a:p>
+            <a:endParaRPr lang="en-US" sz="1400" dirty="0">
+              <a:latin typeface="Consolas" panose="020B0609020204030204" pitchFamily="49" charset="0"/>
+              <a:cs typeface="Consolas" panose="020B0609020204030204" pitchFamily="49" charset="0"/>
+            </a:endParaRPr>
+          </a:p>
+          <a:p>
+            <a:r>
+              <a:rPr lang="en-US" sz="1400" dirty="0">
+                <a:latin typeface="Consolas" panose="020B0609020204030204" pitchFamily="49" charset="0"/>
+                <a:cs typeface="Consolas" panose="020B0609020204030204" pitchFamily="49" charset="0"/>
+              </a:rPr>
+              <a:t>   ...</a:t>
+            </a:r>
+          </a:p>
+          <a:p>
+            <a:r>
+              <a:rPr lang="en-US" sz="1400" dirty="0">
+                <a:latin typeface="Consolas" panose="020B0609020204030204" pitchFamily="49" charset="0"/>
+                <a:cs typeface="Consolas" panose="020B0609020204030204" pitchFamily="49" charset="0"/>
+              </a:rPr>
+              <a:t>}</a:t>
+            </a:r>
+          </a:p>
+        </p:txBody>
+      </p:sp>
+    </p:spTree>
+    <p:extLst>
+      <p:ext uri="{BB962C8B-B14F-4D97-AF65-F5344CB8AC3E}">
+        <p14:creationId xmlns:p14="http://schemas.microsoft.com/office/powerpoint/2010/main" val="2110323143"/>
+      </p:ext>
+    </p:extLst>
+  </p:cSld>
+  <p:clrMapOvr>
+    <a:masterClrMapping/>
+  </p:clrMapOvr>
+  <mc:AlternateContent xmlns:mc="http://schemas.openxmlformats.org/markup-compatibility/2006" xmlns:p14="http://schemas.microsoft.com/office/powerpoint/2010/main">
+    <mc:Choice Requires="p14">
+      <p:transition p14:dur="300">
+        <p:fade/>
+      </p:transition>
+    </mc:Choice>
+    <mc:Fallback xmlns="">
+      <p:transition>
+        <p:fade/>
+      </p:transition>
+    </mc:Fallback>
+  </mc:AlternateContent>
+</p:sld>
+</file>
+
+<file path=ppt/slides/slide6.xml><?xml version="1.0" encoding="utf-8"?>
 <p:sld xmlns:a="http://schemas.openxmlformats.org/drawingml/2006/main" xmlns:r="http://schemas.openxmlformats.org/officeDocument/2006/relationships" xmlns:p="http://schemas.openxmlformats.org/presentationml/2006/main">
   <p:cSld>
     <p:spTree>
@@ -8466,7 +13201,412 @@
 </p:sld>
 </file>
 
-<file path=ppt/slides/slide4.xml><?xml version="1.0" encoding="utf-8"?>
+<file path=ppt/slides/slide7.xml><?xml version="1.0" encoding="utf-8"?>
+<p:sld xmlns:a="http://schemas.openxmlformats.org/drawingml/2006/main" xmlns:r="http://schemas.openxmlformats.org/officeDocument/2006/relationships" xmlns:p="http://schemas.openxmlformats.org/presentationml/2006/main">
+  <p:cSld>
+    <p:spTree>
+      <p:nvGrpSpPr>
+        <p:cNvPr id="1" name=""/>
+        <p:cNvGrpSpPr/>
+        <p:nvPr/>
+      </p:nvGrpSpPr>
+      <p:grpSpPr>
+        <a:xfrm>
+          <a:off x="0" y="0"/>
+          <a:ext cx="0" cy="0"/>
+          <a:chOff x="0" y="0"/>
+          <a:chExt cx="0" cy="0"/>
+        </a:xfrm>
+      </p:grpSpPr>
+      <p:sp>
+        <p:nvSpPr>
+          <p:cNvPr id="2" name="Title 1">
+            <a:extLst>
+              <a:ext uri="{FF2B5EF4-FFF2-40B4-BE49-F238E27FC236}">
+                <a16:creationId xmlns:a16="http://schemas.microsoft.com/office/drawing/2014/main" id="{7F5F8C1B-DC3E-E841-B6A5-63177E30B362}"/>
+              </a:ext>
+            </a:extLst>
+          </p:cNvPr>
+          <p:cNvSpPr>
+            <a:spLocks noGrp="1"/>
+          </p:cNvSpPr>
+          <p:nvPr>
+            <p:ph type="title"/>
+          </p:nvPr>
+        </p:nvSpPr>
+        <p:spPr/>
+        <p:txBody>
+          <a:bodyPr/>
+          <a:lstStyle/>
+          <a:p>
+            <a:r>
+              <a:rPr lang="en-US" dirty="0"/>
+              <a:t>Checking your Understanding (Part 2)</a:t>
+            </a:r>
+          </a:p>
+        </p:txBody>
+      </p:sp>
+      <p:sp>
+        <p:nvSpPr>
+          <p:cNvPr id="3" name="Text Placeholder 2">
+            <a:extLst>
+              <a:ext uri="{FF2B5EF4-FFF2-40B4-BE49-F238E27FC236}">
+                <a16:creationId xmlns:a16="http://schemas.microsoft.com/office/drawing/2014/main" id="{4EEDFB7D-D77B-AE41-A1C6-ED4C90C27C9E}"/>
+              </a:ext>
+            </a:extLst>
+          </p:cNvPr>
+          <p:cNvSpPr>
+            <a:spLocks noGrp="1"/>
+          </p:cNvSpPr>
+          <p:nvPr>
+            <p:ph type="body" sz="quarter" idx="10"/>
+          </p:nvPr>
+        </p:nvSpPr>
+        <p:spPr>
+          <a:xfrm>
+            <a:off x="628075" y="1776683"/>
+            <a:ext cx="6687125" cy="813813"/>
+          </a:xfrm>
+        </p:spPr>
+        <p:txBody>
+          <a:bodyPr/>
+          <a:lstStyle/>
+          <a:p>
+            <a:r>
+              <a:rPr lang="en-US" dirty="0"/>
+              <a:t>What do we need to do in order to have access to the class variable?</a:t>
+            </a:r>
+          </a:p>
+        </p:txBody>
+      </p:sp>
+      <p:sp>
+        <p:nvSpPr>
+          <p:cNvPr id="10" name="TextBox 9">
+            <a:extLst>
+              <a:ext uri="{FF2B5EF4-FFF2-40B4-BE49-F238E27FC236}">
+                <a16:creationId xmlns:a16="http://schemas.microsoft.com/office/drawing/2014/main" id="{C5D9AE18-5928-4761-8323-32C43525F859}"/>
+              </a:ext>
+            </a:extLst>
+          </p:cNvPr>
+          <p:cNvSpPr txBox="1"/>
+          <p:nvPr/>
+        </p:nvSpPr>
+        <p:spPr>
+          <a:xfrm>
+            <a:off x="7702552" y="1776683"/>
+            <a:ext cx="5879036" cy="4401205"/>
+          </a:xfrm>
+          <a:prstGeom prst="rect">
+            <a:avLst/>
+          </a:prstGeom>
+          <a:solidFill>
+            <a:schemeClr val="bg2"/>
+          </a:solidFill>
+        </p:spPr>
+        <p:txBody>
+          <a:bodyPr wrap="square" rtlCol="0">
+            <a:spAutoFit/>
+          </a:bodyPr>
+          <a:lstStyle/>
+          <a:p>
+            <a:r>
+              <a:rPr lang="en-US" sz="1400" dirty="0">
+                <a:latin typeface="Consolas" panose="020B0609020204030204" pitchFamily="49" charset="0"/>
+                <a:cs typeface="Consolas" panose="020B0609020204030204" pitchFamily="49" charset="0"/>
+              </a:rPr>
+              <a:t>public class Store {   </a:t>
+            </a:r>
+          </a:p>
+          <a:p>
+            <a:r>
+              <a:rPr lang="en-US" sz="1400" dirty="0">
+                <a:latin typeface="Consolas" panose="020B0609020204030204" pitchFamily="49" charset="0"/>
+                <a:cs typeface="Consolas" panose="020B0609020204030204" pitchFamily="49" charset="0"/>
+              </a:rPr>
+              <a:t>   // Declare and initialize public static field</a:t>
+            </a:r>
+          </a:p>
+          <a:p>
+            <a:r>
+              <a:rPr lang="en-US" sz="1400" dirty="0">
+                <a:latin typeface="Consolas" panose="020B0609020204030204" pitchFamily="49" charset="0"/>
+                <a:cs typeface="Consolas" panose="020B0609020204030204" pitchFamily="49" charset="0"/>
+              </a:rPr>
+              <a:t>   </a:t>
+            </a:r>
+            <a:r>
+              <a:rPr lang="en-US" sz="1400" b="1" dirty="0">
+                <a:latin typeface="Consolas" panose="020B0609020204030204" pitchFamily="49" charset="0"/>
+                <a:cs typeface="Consolas" panose="020B0609020204030204" pitchFamily="49" charset="0"/>
+              </a:rPr>
+              <a:t>private</a:t>
+            </a:r>
+            <a:r>
+              <a:rPr lang="en-US" sz="1400" dirty="0">
+                <a:latin typeface="Consolas" panose="020B0609020204030204" pitchFamily="49" charset="0"/>
+                <a:cs typeface="Consolas" panose="020B0609020204030204" pitchFamily="49" charset="0"/>
+              </a:rPr>
+              <a:t> static int </a:t>
+            </a:r>
+            <a:r>
+              <a:rPr lang="en-US" sz="1400" dirty="0" err="1">
+                <a:latin typeface="Consolas" panose="020B0609020204030204" pitchFamily="49" charset="0"/>
+                <a:cs typeface="Consolas" panose="020B0609020204030204" pitchFamily="49" charset="0"/>
+              </a:rPr>
+              <a:t>nextId</a:t>
+            </a:r>
+            <a:r>
+              <a:rPr lang="en-US" sz="1400" dirty="0">
+                <a:latin typeface="Consolas" panose="020B0609020204030204" pitchFamily="49" charset="0"/>
+                <a:cs typeface="Consolas" panose="020B0609020204030204" pitchFamily="49" charset="0"/>
+              </a:rPr>
+              <a:t> = 101;</a:t>
+            </a:r>
+          </a:p>
+          <a:p>
+            <a:endParaRPr lang="en-US" sz="1400" dirty="0">
+              <a:latin typeface="Consolas" panose="020B0609020204030204" pitchFamily="49" charset="0"/>
+              <a:cs typeface="Consolas" panose="020B0609020204030204" pitchFamily="49" charset="0"/>
+            </a:endParaRPr>
+          </a:p>
+          <a:p>
+            <a:r>
+              <a:rPr lang="en-US" sz="1400" dirty="0">
+                <a:latin typeface="Consolas" panose="020B0609020204030204" pitchFamily="49" charset="0"/>
+                <a:cs typeface="Consolas" panose="020B0609020204030204" pitchFamily="49" charset="0"/>
+              </a:rPr>
+              <a:t>   // Define private fields </a:t>
+            </a:r>
+          </a:p>
+          <a:p>
+            <a:r>
+              <a:rPr lang="en-US" sz="1400" dirty="0">
+                <a:latin typeface="Consolas" panose="020B0609020204030204" pitchFamily="49" charset="0"/>
+                <a:cs typeface="Consolas" panose="020B0609020204030204" pitchFamily="49" charset="0"/>
+              </a:rPr>
+              <a:t>   private String name;</a:t>
+            </a:r>
+          </a:p>
+          <a:p>
+            <a:r>
+              <a:rPr lang="en-US" sz="1400" dirty="0">
+                <a:latin typeface="Consolas" panose="020B0609020204030204" pitchFamily="49" charset="0"/>
+                <a:cs typeface="Consolas" panose="020B0609020204030204" pitchFamily="49" charset="0"/>
+              </a:rPr>
+              <a:t>   private String type;</a:t>
+            </a:r>
+          </a:p>
+          <a:p>
+            <a:r>
+              <a:rPr lang="en-US" sz="1400" dirty="0">
+                <a:latin typeface="Consolas" panose="020B0609020204030204" pitchFamily="49" charset="0"/>
+                <a:cs typeface="Consolas" panose="020B0609020204030204" pitchFamily="49" charset="0"/>
+              </a:rPr>
+              <a:t>   private int id;</a:t>
+            </a:r>
+          </a:p>
+          <a:p>
+            <a:endParaRPr lang="en-US" sz="1400" dirty="0">
+              <a:latin typeface="Consolas" panose="020B0609020204030204" pitchFamily="49" charset="0"/>
+              <a:cs typeface="Consolas" panose="020B0609020204030204" pitchFamily="49" charset="0"/>
+            </a:endParaRPr>
+          </a:p>
+          <a:p>
+            <a:r>
+              <a:rPr lang="en-US" sz="1400" dirty="0">
+                <a:latin typeface="Consolas" panose="020B0609020204030204" pitchFamily="49" charset="0"/>
+                <a:cs typeface="Consolas" panose="020B0609020204030204" pitchFamily="49" charset="0"/>
+              </a:rPr>
+              <a:t>   public Store(String </a:t>
+            </a:r>
+            <a:r>
+              <a:rPr lang="en-US" sz="1400" dirty="0" err="1">
+                <a:latin typeface="Consolas" panose="020B0609020204030204" pitchFamily="49" charset="0"/>
+                <a:cs typeface="Consolas" panose="020B0609020204030204" pitchFamily="49" charset="0"/>
+              </a:rPr>
+              <a:t>storeName</a:t>
+            </a:r>
+            <a:r>
+              <a:rPr lang="en-US" sz="1400" dirty="0">
+                <a:latin typeface="Consolas" panose="020B0609020204030204" pitchFamily="49" charset="0"/>
+                <a:cs typeface="Consolas" panose="020B0609020204030204" pitchFamily="49" charset="0"/>
+              </a:rPr>
+              <a:t>, String </a:t>
+            </a:r>
+            <a:r>
+              <a:rPr lang="en-US" sz="1400" dirty="0" err="1">
+                <a:latin typeface="Consolas" panose="020B0609020204030204" pitchFamily="49" charset="0"/>
+                <a:cs typeface="Consolas" panose="020B0609020204030204" pitchFamily="49" charset="0"/>
+              </a:rPr>
+              <a:t>storeType</a:t>
+            </a:r>
+            <a:r>
+              <a:rPr lang="en-US" sz="1400" dirty="0">
+                <a:latin typeface="Consolas" panose="020B0609020204030204" pitchFamily="49" charset="0"/>
+                <a:cs typeface="Consolas" panose="020B0609020204030204" pitchFamily="49" charset="0"/>
+              </a:rPr>
+              <a:t>) {</a:t>
+            </a:r>
+          </a:p>
+          <a:p>
+            <a:r>
+              <a:rPr lang="en-US" sz="1400" dirty="0">
+                <a:latin typeface="Consolas" panose="020B0609020204030204" pitchFamily="49" charset="0"/>
+                <a:cs typeface="Consolas" panose="020B0609020204030204" pitchFamily="49" charset="0"/>
+              </a:rPr>
+              <a:t>      name = </a:t>
+            </a:r>
+            <a:r>
+              <a:rPr lang="en-US" sz="1400" dirty="0" err="1">
+                <a:latin typeface="Consolas" panose="020B0609020204030204" pitchFamily="49" charset="0"/>
+                <a:cs typeface="Consolas" panose="020B0609020204030204" pitchFamily="49" charset="0"/>
+              </a:rPr>
+              <a:t>storeName</a:t>
+            </a:r>
+            <a:r>
+              <a:rPr lang="en-US" sz="1400" dirty="0">
+                <a:latin typeface="Consolas" panose="020B0609020204030204" pitchFamily="49" charset="0"/>
+                <a:cs typeface="Consolas" panose="020B0609020204030204" pitchFamily="49" charset="0"/>
+              </a:rPr>
+              <a:t>;</a:t>
+            </a:r>
+          </a:p>
+          <a:p>
+            <a:r>
+              <a:rPr lang="en-US" sz="1400" dirty="0">
+                <a:latin typeface="Consolas" panose="020B0609020204030204" pitchFamily="49" charset="0"/>
+                <a:cs typeface="Consolas" panose="020B0609020204030204" pitchFamily="49" charset="0"/>
+              </a:rPr>
+              <a:t>      type = </a:t>
+            </a:r>
+            <a:r>
+              <a:rPr lang="en-US" sz="1400" dirty="0" err="1">
+                <a:latin typeface="Consolas" panose="020B0609020204030204" pitchFamily="49" charset="0"/>
+                <a:cs typeface="Consolas" panose="020B0609020204030204" pitchFamily="49" charset="0"/>
+              </a:rPr>
+              <a:t>storeType</a:t>
+            </a:r>
+            <a:r>
+              <a:rPr lang="en-US" sz="1400" dirty="0">
+                <a:latin typeface="Consolas" panose="020B0609020204030204" pitchFamily="49" charset="0"/>
+                <a:cs typeface="Consolas" panose="020B0609020204030204" pitchFamily="49" charset="0"/>
+              </a:rPr>
+              <a:t>;</a:t>
+            </a:r>
+          </a:p>
+          <a:p>
+            <a:r>
+              <a:rPr lang="en-US" sz="1400" dirty="0">
+                <a:latin typeface="Consolas" panose="020B0609020204030204" pitchFamily="49" charset="0"/>
+                <a:cs typeface="Consolas" panose="020B0609020204030204" pitchFamily="49" charset="0"/>
+              </a:rPr>
+              <a:t>      id = </a:t>
+            </a:r>
+            <a:r>
+              <a:rPr lang="en-US" sz="1400" dirty="0" err="1">
+                <a:latin typeface="Consolas" panose="020B0609020204030204" pitchFamily="49" charset="0"/>
+                <a:cs typeface="Consolas" panose="020B0609020204030204" pitchFamily="49" charset="0"/>
+              </a:rPr>
+              <a:t>nextId</a:t>
+            </a:r>
+            <a:r>
+              <a:rPr lang="en-US" sz="1400" dirty="0">
+                <a:latin typeface="Consolas" panose="020B0609020204030204" pitchFamily="49" charset="0"/>
+                <a:cs typeface="Consolas" panose="020B0609020204030204" pitchFamily="49" charset="0"/>
+              </a:rPr>
+              <a:t>;</a:t>
+            </a:r>
+          </a:p>
+          <a:p>
+            <a:endParaRPr lang="en-US" sz="1400" dirty="0">
+              <a:latin typeface="Consolas" panose="020B0609020204030204" pitchFamily="49" charset="0"/>
+              <a:cs typeface="Consolas" panose="020B0609020204030204" pitchFamily="49" charset="0"/>
+            </a:endParaRPr>
+          </a:p>
+          <a:p>
+            <a:r>
+              <a:rPr lang="en-US" sz="1400" dirty="0">
+                <a:latin typeface="Consolas" panose="020B0609020204030204" pitchFamily="49" charset="0"/>
+                <a:cs typeface="Consolas" panose="020B0609020204030204" pitchFamily="49" charset="0"/>
+              </a:rPr>
+              <a:t>      ++</a:t>
+            </a:r>
+            <a:r>
+              <a:rPr lang="en-US" sz="1400" dirty="0" err="1">
+                <a:latin typeface="Consolas" panose="020B0609020204030204" pitchFamily="49" charset="0"/>
+                <a:cs typeface="Consolas" panose="020B0609020204030204" pitchFamily="49" charset="0"/>
+              </a:rPr>
+              <a:t>nextId</a:t>
+            </a:r>
+            <a:r>
+              <a:rPr lang="en-US" sz="1400" dirty="0">
+                <a:latin typeface="Consolas" panose="020B0609020204030204" pitchFamily="49" charset="0"/>
+                <a:cs typeface="Consolas" panose="020B0609020204030204" pitchFamily="49" charset="0"/>
+              </a:rPr>
+              <a:t>;   // Increment each time a Store object is created</a:t>
+            </a:r>
+          </a:p>
+          <a:p>
+            <a:r>
+              <a:rPr lang="en-US" sz="1400" dirty="0">
+                <a:latin typeface="Consolas" panose="020B0609020204030204" pitchFamily="49" charset="0"/>
+                <a:cs typeface="Consolas" panose="020B0609020204030204" pitchFamily="49" charset="0"/>
+              </a:rPr>
+              <a:t>   }</a:t>
+            </a:r>
+          </a:p>
+          <a:p>
+            <a:endParaRPr lang="en-US" sz="1400" dirty="0">
+              <a:latin typeface="Consolas" panose="020B0609020204030204" pitchFamily="49" charset="0"/>
+              <a:cs typeface="Consolas" panose="020B0609020204030204" pitchFamily="49" charset="0"/>
+            </a:endParaRPr>
+          </a:p>
+          <a:p>
+            <a:r>
+              <a:rPr lang="en-US" sz="1400" dirty="0">
+                <a:latin typeface="Consolas" panose="020B0609020204030204" pitchFamily="49" charset="0"/>
+                <a:cs typeface="Consolas" panose="020B0609020204030204" pitchFamily="49" charset="0"/>
+              </a:rPr>
+              <a:t>   ...</a:t>
+            </a:r>
+          </a:p>
+          <a:p>
+            <a:r>
+              <a:rPr lang="en-US" sz="1400" dirty="0">
+                <a:latin typeface="Consolas" panose="020B0609020204030204" pitchFamily="49" charset="0"/>
+                <a:cs typeface="Consolas" panose="020B0609020204030204" pitchFamily="49" charset="0"/>
+              </a:rPr>
+              <a:t>}</a:t>
+            </a:r>
+          </a:p>
+        </p:txBody>
+      </p:sp>
+    </p:spTree>
+    <p:extLst>
+      <p:ext uri="{BB962C8B-B14F-4D97-AF65-F5344CB8AC3E}">
+        <p14:creationId xmlns:p14="http://schemas.microsoft.com/office/powerpoint/2010/main" val="1730857530"/>
+      </p:ext>
+    </p:extLst>
+  </p:cSld>
+  <p:clrMapOvr>
+    <a:masterClrMapping/>
+  </p:clrMapOvr>
+  <mc:AlternateContent xmlns:mc="http://schemas.openxmlformats.org/markup-compatibility/2006" xmlns:p14="http://schemas.microsoft.com/office/powerpoint/2010/main">
+    <mc:Choice Requires="p14">
+      <p:transition p14:dur="300">
+        <p:fade/>
+      </p:transition>
+    </mc:Choice>
+    <mc:Fallback xmlns="">
+      <p:transition>
+        <p:fade/>
+      </p:transition>
+    </mc:Fallback>
+  </mc:AlternateContent>
+</p:sld>
+</file>
+
+<file path=ppt/slides/slide8.xml><?xml version="1.0" encoding="utf-8"?>
 <p:sld xmlns:a="http://schemas.openxmlformats.org/drawingml/2006/main" xmlns:r="http://schemas.openxmlformats.org/officeDocument/2006/relationships" xmlns:p="http://schemas.openxmlformats.org/presentationml/2006/main">
   <p:cSld>
     <p:spTree>
@@ -8529,8 +13669,8 @@
         </p:nvSpPr>
         <p:spPr>
           <a:xfrm>
-            <a:off x="628075" y="1776683"/>
-            <a:ext cx="5486975" cy="4655698"/>
+            <a:off x="628075" y="1638460"/>
+            <a:ext cx="5486975" cy="5960671"/>
           </a:xfrm>
         </p:spPr>
         <p:txBody>
@@ -8597,6 +13737,19 @@
             <a:r>
               <a:rPr lang="en-US" dirty="0"/>
               <a:t>Keep it DRY!</a:t>
+            </a:r>
+          </a:p>
+          <a:p>
+            <a:r>
+              <a:rPr lang="en-US" dirty="0"/>
+              <a:t>When you write a constructor with parameters, the default one is not supported anymore!</a:t>
+            </a:r>
+          </a:p>
+          <a:p>
+            <a:pPr lvl="1"/>
+            <a:r>
+              <a:rPr lang="en-US" dirty="0"/>
+              <a:t>Box b1 = new Box(); --- Error!</a:t>
             </a:r>
           </a:p>
           <a:p>
@@ -8926,6 +14079,363 @@
     <p:extLst>
       <p:ext uri="{BB962C8B-B14F-4D97-AF65-F5344CB8AC3E}">
         <p14:creationId xmlns:p14="http://schemas.microsoft.com/office/powerpoint/2010/main" val="1014466982"/>
+      </p:ext>
+    </p:extLst>
+  </p:cSld>
+  <p:clrMapOvr>
+    <a:masterClrMapping/>
+  </p:clrMapOvr>
+  <mc:AlternateContent xmlns:mc="http://schemas.openxmlformats.org/markup-compatibility/2006" xmlns:p14="http://schemas.microsoft.com/office/powerpoint/2010/main">
+    <mc:Choice Requires="p14">
+      <p:transition p14:dur="300">
+        <p:fade/>
+      </p:transition>
+    </mc:Choice>
+    <mc:Fallback xmlns="">
+      <p:transition>
+        <p:fade/>
+      </p:transition>
+    </mc:Fallback>
+  </mc:AlternateContent>
+</p:sld>
+</file>
+
+<file path=ppt/slides/slide9.xml><?xml version="1.0" encoding="utf-8"?>
+<p:sld xmlns:a="http://schemas.openxmlformats.org/drawingml/2006/main" xmlns:r="http://schemas.openxmlformats.org/officeDocument/2006/relationships" xmlns:p="http://schemas.openxmlformats.org/presentationml/2006/main">
+  <p:cSld>
+    <p:spTree>
+      <p:nvGrpSpPr>
+        <p:cNvPr id="1" name=""/>
+        <p:cNvGrpSpPr/>
+        <p:nvPr/>
+      </p:nvGrpSpPr>
+      <p:grpSpPr>
+        <a:xfrm>
+          <a:off x="0" y="0"/>
+          <a:ext cx="0" cy="0"/>
+          <a:chOff x="0" y="0"/>
+          <a:chExt cx="0" cy="0"/>
+        </a:xfrm>
+      </p:grpSpPr>
+      <p:sp>
+        <p:nvSpPr>
+          <p:cNvPr id="2" name="Title 1">
+            <a:extLst>
+              <a:ext uri="{FF2B5EF4-FFF2-40B4-BE49-F238E27FC236}">
+                <a16:creationId xmlns:a16="http://schemas.microsoft.com/office/drawing/2014/main" id="{2DBAED83-8A0A-0548-BA23-13CB5D45BC8F}"/>
+              </a:ext>
+            </a:extLst>
+          </p:cNvPr>
+          <p:cNvSpPr>
+            <a:spLocks noGrp="1"/>
+          </p:cNvSpPr>
+          <p:nvPr>
+            <p:ph type="title"/>
+          </p:nvPr>
+        </p:nvSpPr>
+        <p:spPr/>
+        <p:txBody>
+          <a:bodyPr/>
+          <a:lstStyle/>
+          <a:p>
+            <a:r>
+              <a:rPr lang="en-US" dirty="0"/>
+              <a:t>Checking your Understanding (Part 3)</a:t>
+            </a:r>
+          </a:p>
+        </p:txBody>
+      </p:sp>
+      <p:sp>
+        <p:nvSpPr>
+          <p:cNvPr id="3" name="Text Placeholder 2">
+            <a:extLst>
+              <a:ext uri="{FF2B5EF4-FFF2-40B4-BE49-F238E27FC236}">
+                <a16:creationId xmlns:a16="http://schemas.microsoft.com/office/drawing/2014/main" id="{507F2138-38CE-FB4F-963C-1AF7D9CA4471}"/>
+              </a:ext>
+            </a:extLst>
+          </p:cNvPr>
+          <p:cNvSpPr>
+            <a:spLocks noGrp="1"/>
+          </p:cNvSpPr>
+          <p:nvPr>
+            <p:ph type="body" sz="quarter" idx="10"/>
+          </p:nvPr>
+        </p:nvSpPr>
+        <p:spPr>
+          <a:xfrm>
+            <a:off x="628075" y="1638460"/>
+            <a:ext cx="5486975" cy="813813"/>
+          </a:xfrm>
+        </p:spPr>
+        <p:txBody>
+          <a:bodyPr/>
+          <a:lstStyle/>
+          <a:p>
+            <a:r>
+              <a:rPr lang="en-US" dirty="0"/>
+              <a:t>Rewrite the class Pet to have its constructors properly overloaded.</a:t>
+            </a:r>
+          </a:p>
+        </p:txBody>
+      </p:sp>
+      <p:sp>
+        <p:nvSpPr>
+          <p:cNvPr id="4" name="TextBox 3">
+            <a:extLst>
+              <a:ext uri="{FF2B5EF4-FFF2-40B4-BE49-F238E27FC236}">
+                <a16:creationId xmlns:a16="http://schemas.microsoft.com/office/drawing/2014/main" id="{BE278577-C507-B448-9A94-C13AB472D32E}"/>
+              </a:ext>
+            </a:extLst>
+          </p:cNvPr>
+          <p:cNvSpPr txBox="1"/>
+          <p:nvPr/>
+        </p:nvSpPr>
+        <p:spPr>
+          <a:xfrm>
+            <a:off x="7702552" y="1776683"/>
+            <a:ext cx="5879036" cy="3970318"/>
+          </a:xfrm>
+          <a:prstGeom prst="rect">
+            <a:avLst/>
+          </a:prstGeom>
+          <a:solidFill>
+            <a:schemeClr val="bg2"/>
+          </a:solidFill>
+        </p:spPr>
+        <p:txBody>
+          <a:bodyPr wrap="square" rtlCol="0">
+            <a:spAutoFit/>
+          </a:bodyPr>
+          <a:lstStyle/>
+          <a:p>
+            <a:r>
+              <a:rPr lang="en-US" sz="1400" dirty="0">
+                <a:latin typeface="Consolas" panose="020B0609020204030204" pitchFamily="49" charset="0"/>
+                <a:cs typeface="Consolas" panose="020B0609020204030204" pitchFamily="49" charset="0"/>
+              </a:rPr>
+              <a:t>public class Pet {</a:t>
+            </a:r>
+          </a:p>
+          <a:p>
+            <a:r>
+              <a:rPr lang="en-US" sz="1400" dirty="0">
+                <a:latin typeface="Consolas" panose="020B0609020204030204" pitchFamily="49" charset="0"/>
+                <a:cs typeface="Consolas" panose="020B0609020204030204" pitchFamily="49" charset="0"/>
+              </a:rPr>
+              <a:t>   private String name;</a:t>
+            </a:r>
+          </a:p>
+          <a:p>
+            <a:r>
+              <a:rPr lang="en-US" sz="1400" dirty="0">
+                <a:latin typeface="Consolas" panose="020B0609020204030204" pitchFamily="49" charset="0"/>
+                <a:cs typeface="Consolas" panose="020B0609020204030204" pitchFamily="49" charset="0"/>
+              </a:rPr>
+              <a:t>   private int age;</a:t>
+            </a:r>
+          </a:p>
+          <a:p>
+            <a:endParaRPr lang="en-US" sz="1400" dirty="0">
+              <a:latin typeface="Consolas" panose="020B0609020204030204" pitchFamily="49" charset="0"/>
+              <a:cs typeface="Consolas" panose="020B0609020204030204" pitchFamily="49" charset="0"/>
+            </a:endParaRPr>
+          </a:p>
+          <a:p>
+            <a:r>
+              <a:rPr lang="en-US" sz="1400" dirty="0">
+                <a:latin typeface="Consolas" panose="020B0609020204030204" pitchFamily="49" charset="0"/>
+                <a:cs typeface="Consolas" panose="020B0609020204030204" pitchFamily="49" charset="0"/>
+              </a:rPr>
+              <a:t>   public Pet() {</a:t>
+            </a:r>
+          </a:p>
+          <a:p>
+            <a:r>
+              <a:rPr lang="en-US" sz="1400" dirty="0">
+                <a:latin typeface="Consolas" panose="020B0609020204030204" pitchFamily="49" charset="0"/>
+                <a:cs typeface="Consolas" panose="020B0609020204030204" pitchFamily="49" charset="0"/>
+              </a:rPr>
+              <a:t>      name = "Unnamed";</a:t>
+            </a:r>
+          </a:p>
+          <a:p>
+            <a:r>
+              <a:rPr lang="en-US" sz="1400" dirty="0">
+                <a:latin typeface="Consolas" panose="020B0609020204030204" pitchFamily="49" charset="0"/>
+                <a:cs typeface="Consolas" panose="020B0609020204030204" pitchFamily="49" charset="0"/>
+              </a:rPr>
+              <a:t>      age = -1;</a:t>
+            </a:r>
+          </a:p>
+          <a:p>
+            <a:r>
+              <a:rPr lang="en-US" sz="1400" dirty="0">
+                <a:latin typeface="Consolas" panose="020B0609020204030204" pitchFamily="49" charset="0"/>
+                <a:cs typeface="Consolas" panose="020B0609020204030204" pitchFamily="49" charset="0"/>
+              </a:rPr>
+              <a:t>   }</a:t>
+            </a:r>
+          </a:p>
+          <a:p>
+            <a:endParaRPr lang="en-US" sz="1400" dirty="0">
+              <a:latin typeface="Consolas" panose="020B0609020204030204" pitchFamily="49" charset="0"/>
+              <a:cs typeface="Consolas" panose="020B0609020204030204" pitchFamily="49" charset="0"/>
+            </a:endParaRPr>
+          </a:p>
+          <a:p>
+            <a:r>
+              <a:rPr lang="en-US" sz="1400" dirty="0">
+                <a:latin typeface="Consolas" panose="020B0609020204030204" pitchFamily="49" charset="0"/>
+                <a:cs typeface="Consolas" panose="020B0609020204030204" pitchFamily="49" charset="0"/>
+              </a:rPr>
+              <a:t>   public Pet(String </a:t>
+            </a:r>
+            <a:r>
+              <a:rPr lang="en-US" sz="1400" dirty="0" err="1">
+                <a:latin typeface="Consolas" panose="020B0609020204030204" pitchFamily="49" charset="0"/>
+                <a:cs typeface="Consolas" panose="020B0609020204030204" pitchFamily="49" charset="0"/>
+              </a:rPr>
+              <a:t>petName</a:t>
+            </a:r>
+            <a:r>
+              <a:rPr lang="en-US" sz="1400" dirty="0">
+                <a:latin typeface="Consolas" panose="020B0609020204030204" pitchFamily="49" charset="0"/>
+                <a:cs typeface="Consolas" panose="020B0609020204030204" pitchFamily="49" charset="0"/>
+              </a:rPr>
+              <a:t>, int </a:t>
+            </a:r>
+            <a:r>
+              <a:rPr lang="en-US" sz="1400" dirty="0" err="1">
+                <a:latin typeface="Consolas" panose="020B0609020204030204" pitchFamily="49" charset="0"/>
+                <a:cs typeface="Consolas" panose="020B0609020204030204" pitchFamily="49" charset="0"/>
+              </a:rPr>
+              <a:t>yearsOld</a:t>
+            </a:r>
+            <a:r>
+              <a:rPr lang="en-US" sz="1400" dirty="0">
+                <a:latin typeface="Consolas" panose="020B0609020204030204" pitchFamily="49" charset="0"/>
+                <a:cs typeface="Consolas" panose="020B0609020204030204" pitchFamily="49" charset="0"/>
+              </a:rPr>
+              <a:t>) {</a:t>
+            </a:r>
+          </a:p>
+          <a:p>
+            <a:r>
+              <a:rPr lang="en-US" sz="1400" dirty="0">
+                <a:latin typeface="Consolas" panose="020B0609020204030204" pitchFamily="49" charset="0"/>
+                <a:cs typeface="Consolas" panose="020B0609020204030204" pitchFamily="49" charset="0"/>
+              </a:rPr>
+              <a:t>      name = </a:t>
+            </a:r>
+            <a:r>
+              <a:rPr lang="en-US" sz="1400" dirty="0" err="1">
+                <a:latin typeface="Consolas" panose="020B0609020204030204" pitchFamily="49" charset="0"/>
+                <a:cs typeface="Consolas" panose="020B0609020204030204" pitchFamily="49" charset="0"/>
+              </a:rPr>
+              <a:t>petName</a:t>
+            </a:r>
+            <a:r>
+              <a:rPr lang="en-US" sz="1400" dirty="0">
+                <a:latin typeface="Consolas" panose="020B0609020204030204" pitchFamily="49" charset="0"/>
+                <a:cs typeface="Consolas" panose="020B0609020204030204" pitchFamily="49" charset="0"/>
+              </a:rPr>
+              <a:t>;</a:t>
+            </a:r>
+          </a:p>
+          <a:p>
+            <a:r>
+              <a:rPr lang="en-US" sz="1400" dirty="0">
+                <a:latin typeface="Consolas" panose="020B0609020204030204" pitchFamily="49" charset="0"/>
+                <a:cs typeface="Consolas" panose="020B0609020204030204" pitchFamily="49" charset="0"/>
+              </a:rPr>
+              <a:t>      age = </a:t>
+            </a:r>
+            <a:r>
+              <a:rPr lang="en-US" sz="1400" dirty="0" err="1">
+                <a:latin typeface="Consolas" panose="020B0609020204030204" pitchFamily="49" charset="0"/>
+                <a:cs typeface="Consolas" panose="020B0609020204030204" pitchFamily="49" charset="0"/>
+              </a:rPr>
+              <a:t>yearsOld</a:t>
+            </a:r>
+            <a:r>
+              <a:rPr lang="en-US" sz="1400" dirty="0">
+                <a:latin typeface="Consolas" panose="020B0609020204030204" pitchFamily="49" charset="0"/>
+                <a:cs typeface="Consolas" panose="020B0609020204030204" pitchFamily="49" charset="0"/>
+              </a:rPr>
+              <a:t>;</a:t>
+            </a:r>
+          </a:p>
+          <a:p>
+            <a:r>
+              <a:rPr lang="en-US" sz="1400" dirty="0">
+                <a:latin typeface="Consolas" panose="020B0609020204030204" pitchFamily="49" charset="0"/>
+                <a:cs typeface="Consolas" panose="020B0609020204030204" pitchFamily="49" charset="0"/>
+              </a:rPr>
+              <a:t>   }</a:t>
+            </a:r>
+          </a:p>
+          <a:p>
+            <a:endParaRPr lang="en-US" sz="1400" dirty="0">
+              <a:latin typeface="Consolas" panose="020B0609020204030204" pitchFamily="49" charset="0"/>
+              <a:cs typeface="Consolas" panose="020B0609020204030204" pitchFamily="49" charset="0"/>
+            </a:endParaRPr>
+          </a:p>
+          <a:p>
+            <a:r>
+              <a:rPr lang="en-US" sz="1400" dirty="0">
+                <a:latin typeface="Consolas" panose="020B0609020204030204" pitchFamily="49" charset="0"/>
+                <a:cs typeface="Consolas" panose="020B0609020204030204" pitchFamily="49" charset="0"/>
+              </a:rPr>
+              <a:t>   public void print() {</a:t>
+            </a:r>
+          </a:p>
+          <a:p>
+            <a:r>
+              <a:rPr lang="en-US" sz="1400" dirty="0">
+                <a:latin typeface="Consolas" panose="020B0609020204030204" pitchFamily="49" charset="0"/>
+                <a:cs typeface="Consolas" panose="020B0609020204030204" pitchFamily="49" charset="0"/>
+              </a:rPr>
+              <a:t>      </a:t>
+            </a:r>
+            <a:r>
+              <a:rPr lang="en-US" sz="1400" dirty="0" err="1">
+                <a:latin typeface="Consolas" panose="020B0609020204030204" pitchFamily="49" charset="0"/>
+                <a:cs typeface="Consolas" panose="020B0609020204030204" pitchFamily="49" charset="0"/>
+              </a:rPr>
+              <a:t>System.out.println</a:t>
+            </a:r>
+            <a:r>
+              <a:rPr lang="en-US" sz="1400" dirty="0">
+                <a:latin typeface="Consolas" panose="020B0609020204030204" pitchFamily="49" charset="0"/>
+                <a:cs typeface="Consolas" panose="020B0609020204030204" pitchFamily="49" charset="0"/>
+              </a:rPr>
+              <a:t>(name + ", " + age);</a:t>
+            </a:r>
+          </a:p>
+          <a:p>
+            <a:r>
+              <a:rPr lang="en-US" sz="1400" dirty="0">
+                <a:latin typeface="Consolas" panose="020B0609020204030204" pitchFamily="49" charset="0"/>
+                <a:cs typeface="Consolas" panose="020B0609020204030204" pitchFamily="49" charset="0"/>
+              </a:rPr>
+              <a:t>   }</a:t>
+            </a:r>
+          </a:p>
+          <a:p>
+            <a:r>
+              <a:rPr lang="en-US" sz="1400" dirty="0">
+                <a:latin typeface="Consolas" panose="020B0609020204030204" pitchFamily="49" charset="0"/>
+                <a:cs typeface="Consolas" panose="020B0609020204030204" pitchFamily="49" charset="0"/>
+              </a:rPr>
+              <a:t>}</a:t>
+            </a:r>
+          </a:p>
+        </p:txBody>
+      </p:sp>
+    </p:spTree>
+    <p:extLst>
+      <p:ext uri="{BB962C8B-B14F-4D97-AF65-F5344CB8AC3E}">
+        <p14:creationId xmlns:p14="http://schemas.microsoft.com/office/powerpoint/2010/main" val="1439199420"/>
       </p:ext>
     </p:extLst>
   </p:cSld>

--- a/slides/On-Campus/09_03_MoreClasses.pptx
+++ b/slides/On-Campus/09_03_MoreClasses.pptx
@@ -5,22 +5,25 @@
     <p:sldMasterId id="2147483648" r:id="rId1"/>
   </p:sldMasterIdLst>
   <p:notesMasterIdLst>
-    <p:notesMasterId r:id="rId12"/>
+    <p:notesMasterId r:id="rId15"/>
   </p:notesMasterIdLst>
   <p:handoutMasterIdLst>
-    <p:handoutMasterId r:id="rId13"/>
+    <p:handoutMasterId r:id="rId16"/>
   </p:handoutMasterIdLst>
   <p:sldIdLst>
     <p:sldId id="256" r:id="rId2"/>
-    <p:sldId id="260" r:id="rId3"/>
-    <p:sldId id="257" r:id="rId4"/>
-    <p:sldId id="261" r:id="rId5"/>
-    <p:sldId id="262" r:id="rId6"/>
-    <p:sldId id="258" r:id="rId7"/>
-    <p:sldId id="263" r:id="rId8"/>
-    <p:sldId id="259" r:id="rId9"/>
-    <p:sldId id="264" r:id="rId10"/>
-    <p:sldId id="265" r:id="rId11"/>
+    <p:sldId id="267" r:id="rId3"/>
+    <p:sldId id="260" r:id="rId4"/>
+    <p:sldId id="257" r:id="rId5"/>
+    <p:sldId id="261" r:id="rId6"/>
+    <p:sldId id="262" r:id="rId7"/>
+    <p:sldId id="258" r:id="rId8"/>
+    <p:sldId id="263" r:id="rId9"/>
+    <p:sldId id="259" r:id="rId10"/>
+    <p:sldId id="264" r:id="rId11"/>
+    <p:sldId id="269" r:id="rId12"/>
+    <p:sldId id="265" r:id="rId13"/>
+    <p:sldId id="270" r:id="rId14"/>
   </p:sldIdLst>
   <p:sldSz cx="13817600" cy="7772400"/>
   <p:notesSz cx="6858000" cy="9144000"/>
@@ -607,6 +610,62 @@
 </p:handoutMaster>
 </file>
 
+<file path=ppt/ink/ink1.xml><?xml version="1.0" encoding="utf-8"?>
+<inkml:ink xmlns:inkml="http://www.w3.org/2003/InkML">
+  <inkml:definitions>
+    <inkml:context xml:id="ctx0">
+      <inkml:inkSource xml:id="inkSrc0">
+        <inkml:traceFormat>
+          <inkml:channel name="X" type="integer" min="-2.14748E9" max="2.14748E9" units="cm"/>
+          <inkml:channel name="Y" type="integer" min="-2.14748E9" max="2.14748E9" units="cm"/>
+          <inkml:channel name="F" type="integer" max="32767" units="dev"/>
+        </inkml:traceFormat>
+        <inkml:channelProperties>
+          <inkml:channelProperty channel="X" name="resolution" value="1000" units="1/cm"/>
+          <inkml:channelProperty channel="Y" name="resolution" value="1000" units="1/cm"/>
+          <inkml:channelProperty channel="F" name="resolution" value="0" units="1/dev"/>
+        </inkml:channelProperties>
+      </inkml:inkSource>
+      <inkml:timestamp xml:id="ts0" timeString="2021-10-22T01:40:01.662"/>
+    </inkml:context>
+    <inkml:brush xml:id="br0">
+      <inkml:brushProperty name="width" value="0.05" units="cm"/>
+      <inkml:brushProperty name="height" value="0.05" units="cm"/>
+      <inkml:brushProperty name="color" value="#F6630D"/>
+    </inkml:brush>
+  </inkml:definitions>
+  <inkml:trace contextRef="#ctx0" brushRef="#br0">1 43 24575,'8551'0'0,"-8507"-2"0,81-14 0,14-3 0,169 14-1365,-243 5-5461</inkml:trace>
+</inkml:ink>
+</file>
+
+<file path=ppt/ink/ink2.xml><?xml version="1.0" encoding="utf-8"?>
+<inkml:ink xmlns:inkml="http://www.w3.org/2003/InkML">
+  <inkml:definitions>
+    <inkml:context xml:id="ctx0">
+      <inkml:inkSource xml:id="inkSrc0">
+        <inkml:traceFormat>
+          <inkml:channel name="X" type="integer" min="-2.14748E9" max="2.14748E9" units="cm"/>
+          <inkml:channel name="Y" type="integer" min="-2.14748E9" max="2.14748E9" units="cm"/>
+          <inkml:channel name="F" type="integer" max="32767" units="dev"/>
+        </inkml:traceFormat>
+        <inkml:channelProperties>
+          <inkml:channelProperty channel="X" name="resolution" value="1000" units="1/cm"/>
+          <inkml:channelProperty channel="Y" name="resolution" value="1000" units="1/cm"/>
+          <inkml:channelProperty channel="F" name="resolution" value="0" units="1/dev"/>
+        </inkml:channelProperties>
+      </inkml:inkSource>
+      <inkml:timestamp xml:id="ts0" timeString="2021-10-22T01:40:24.685"/>
+    </inkml:context>
+    <inkml:brush xml:id="br0">
+      <inkml:brushProperty name="width" value="0.05" units="cm"/>
+      <inkml:brushProperty name="height" value="0.05" units="cm"/>
+      <inkml:brushProperty name="color" value="#F6630D"/>
+    </inkml:brush>
+  </inkml:definitions>
+  <inkml:trace contextRef="#ctx0" brushRef="#br0">2400 44 24575,'-17'0'0,"48"-3"0,23-1 0,75-14 0,1 6 0,0 5 0,158 13 0,-272-5 0,0 2 0,1 0 0,-2 1 0,1 0 0,0 1 0,-1 1 0,0 1 0,17 10 0,7 7 0,59 49 0,21 10 0,-77-56 0,59 51 0,-88-67 0,-1 2 0,0-1 0,0 2 0,-2 0 0,0 0 0,0 1 0,-1 0 0,8 21 0,-2-2 0,0 5 0,2-1 0,1 0 0,44 64 0,-29-58 0,-2 2 0,30 58 0,-14-18 0,-27-51 0,-1 1 0,-2 1 0,17 52 0,-16-30 0,-8-29 0,-1 1 0,-1 0 0,-2 0 0,2 40 0,-7-57 0,2 60 0,-3 1 0,-10 86 0,6-138 0,0-1 0,-1 0 0,-1 0 0,-1 0 0,0 0 0,-2-1 0,-1-1 0,-1 0 0,0 0 0,-1-1 0,-24 28 0,-51 43 0,51-55 0,-60 74 0,81-89 0,-1-2 0,-1 0 0,-1 0 0,0-2 0,-1-1 0,-22 14 0,-132 71 0,103-62 0,-471 226 0,276-163 0,216-86 0,0-3 0,-1-2 0,-83 6 0,-290-17 0,163-4 0,-260-36 0,-2-1 0,396 45 0,-108-5 0,231 3 0,0-1 0,0-1 0,0 1 0,0 0 0,-1-1 0,1 0 0,0 1 0,0-1 0,0-1 0,0 1 0,0 0 0,1-1 0,-1 1 0,0-1 0,1 0 0,-1 0 0,1 0 0,-1 0 0,1 0 0,-2-4 0,3 4 0,0-1 0,0 0 0,0 0 0,1 0 0,-1 0 0,1 0 0,0 0 0,0 0 0,0 0 0,0 0 0,1 0 0,-1 0 0,1 0 0,0 0 0,0 0 0,0 0 0,0 0 0,0 0 0,0 1 0,1-1 0,2-2 0,13-21 0,1 0 0,1 2 0,2 1 0,0 0 0,44-35 0,-29 26 0,39-45 0,-36 29 0,-10 12 0,51-50 0,-97 113 0,-38 43 0,-8-9 0,-63 65 0,111-111 0,0-1 0,0 0 0,-2-1 0,0-1 0,0-1 0,-1 0 0,0-1 0,-22 8 0,-19 4 0,-81 20 0,132-40 0,0 0 0,0 1 0,0 0 0,0 0 0,1 1 0,-1 0 0,-9 6 0,16-9 0,0 0 0,0 0 0,0 0 0,0 0 0,0 0 0,0 1 0,0-1 0,1 0 0,-1 0 0,0 1 0,1-1 0,-1 0 0,1 1 0,-1-1 0,1 1 0,0-1 0,-1 1 0,1 2 0,0-2 0,1 0 0,-1 1 0,1-1 0,0 0 0,0 1 0,0-1 0,0 0 0,0 0 0,0 0 0,1 0 0,-1 0 0,1 0 0,-1 0 0,1-1 0,2 3 0,12 11 0,2-1 0,-1-1 0,2-1 0,-1 0 0,2-1 0,-1-1 0,26 8 0,155 44 0,-113-39 0,184 76 0,-63-20 0,-174-68-682,45 7-1,-38-12-6143</inkml:trace>
+</inkml:ink>
+</file>
+
 <file path=ppt/notesMasters/notesMaster1.xml><?xml version="1.0" encoding="utf-8"?>
 <p:notesMaster xmlns:a="http://schemas.openxmlformats.org/drawingml/2006/main" xmlns:r="http://schemas.openxmlformats.org/officeDocument/2006/relationships" xmlns:p="http://schemas.openxmlformats.org/presentationml/2006/main">
   <p:cSld>
@@ -954,6 +1013,110 @@
     </a:lvl9pPr>
   </p:notesStyle>
 </p:notesMaster>
+</file>
+
+<file path=ppt/notesSlides/notesSlide1.xml><?xml version="1.0" encoding="utf-8"?>
+<p:notes xmlns:a="http://schemas.openxmlformats.org/drawingml/2006/main" xmlns:r="http://schemas.openxmlformats.org/officeDocument/2006/relationships" xmlns:p="http://schemas.openxmlformats.org/presentationml/2006/main" showMasterSp="0" showMasterPhAnim="0">
+  <p:cSld>
+    <p:spTree>
+      <p:nvGrpSpPr>
+        <p:cNvPr id="1" name="Shape 202"/>
+        <p:cNvGrpSpPr/>
+        <p:nvPr/>
+      </p:nvGrpSpPr>
+      <p:grpSpPr>
+        <a:xfrm>
+          <a:off x="0" y="0"/>
+          <a:ext cx="0" cy="0"/>
+          <a:chOff x="0" y="0"/>
+          <a:chExt cx="0" cy="0"/>
+        </a:xfrm>
+      </p:grpSpPr>
+      <p:sp>
+        <p:nvSpPr>
+          <p:cNvPr id="203" name="Google Shape;203;g80d2952c92_0_12:notes"/>
+          <p:cNvSpPr>
+            <a:spLocks noGrp="1" noRot="1" noChangeAspect="1"/>
+          </p:cNvSpPr>
+          <p:nvPr>
+            <p:ph type="sldImg" idx="2"/>
+          </p:nvPr>
+        </p:nvSpPr>
+        <p:spPr>
+          <a:xfrm>
+            <a:off x="381000" y="685800"/>
+            <a:ext cx="6096000" cy="3429000"/>
+          </a:xfrm>
+          <a:custGeom>
+            <a:avLst/>
+            <a:gdLst/>
+            <a:ahLst/>
+            <a:cxnLst/>
+            <a:rect l="l" t="t" r="r" b="b"/>
+            <a:pathLst>
+              <a:path w="120000" h="120000" extrusionOk="0">
+                <a:moveTo>
+                  <a:pt x="0" y="0"/>
+                </a:moveTo>
+                <a:lnTo>
+                  <a:pt x="120000" y="0"/>
+                </a:lnTo>
+                <a:lnTo>
+                  <a:pt x="120000" y="120000"/>
+                </a:lnTo>
+                <a:lnTo>
+                  <a:pt x="0" y="120000"/>
+                </a:lnTo>
+                <a:close/>
+              </a:path>
+            </a:pathLst>
+          </a:custGeom>
+        </p:spPr>
+      </p:sp>
+      <p:sp>
+        <p:nvSpPr>
+          <p:cNvPr id="204" name="Google Shape;204;g80d2952c92_0_12:notes"/>
+          <p:cNvSpPr txBox="1">
+            <a:spLocks noGrp="1"/>
+          </p:cNvSpPr>
+          <p:nvPr>
+            <p:ph type="body" idx="1"/>
+          </p:nvPr>
+        </p:nvSpPr>
+        <p:spPr>
+          <a:xfrm>
+            <a:off x="685800" y="4343400"/>
+            <a:ext cx="5486400" cy="4114800"/>
+          </a:xfrm>
+          <a:prstGeom prst="rect">
+            <a:avLst/>
+          </a:prstGeom>
+        </p:spPr>
+        <p:txBody>
+          <a:bodyPr spcFirstLastPara="1" wrap="square" lIns="91425" tIns="91425" rIns="91425" bIns="91425" anchor="t" anchorCtr="0">
+            <a:noAutofit/>
+          </a:bodyPr>
+          <a:lstStyle/>
+          <a:p>
+            <a:pPr marL="0" lvl="0" indent="0" algn="l" rtl="0">
+              <a:spcBef>
+                <a:spcPts val="0"/>
+              </a:spcBef>
+              <a:spcAft>
+                <a:spcPts val="0"/>
+              </a:spcAft>
+              <a:buNone/>
+            </a:pPr>
+            <a:endParaRPr dirty="0"/>
+          </a:p>
+        </p:txBody>
+      </p:sp>
+    </p:spTree>
+  </p:cSld>
+  <p:clrMapOvr>
+    <a:masterClrMapping/>
+  </p:clrMapOvr>
+</p:notes>
 </file>
 
 <file path=ppt/slideLayouts/slideLayout1.xml><?xml version="1.0" encoding="utf-8"?>
@@ -4316,6 +4479,602 @@
 </p:sldLayout>
 </file>
 
+<file path=ppt/slideLayouts/slideLayout25.xml><?xml version="1.0" encoding="utf-8"?>
+<p:sldLayout xmlns:a="http://schemas.openxmlformats.org/drawingml/2006/main" xmlns:r="http://schemas.openxmlformats.org/officeDocument/2006/relationships" xmlns:p="http://schemas.openxmlformats.org/presentationml/2006/main" matchingName="Title and Content">
+  <p:cSld name="1_Title and Content">
+    <p:spTree>
+      <p:nvGrpSpPr>
+        <p:cNvPr id="1" name="Shape 53"/>
+        <p:cNvGrpSpPr/>
+        <p:nvPr/>
+      </p:nvGrpSpPr>
+      <p:grpSpPr>
+        <a:xfrm>
+          <a:off x="0" y="0"/>
+          <a:ext cx="0" cy="0"/>
+          <a:chOff x="0" y="0"/>
+          <a:chExt cx="0" cy="0"/>
+        </a:xfrm>
+      </p:grpSpPr>
+      <p:grpSp>
+        <p:nvGrpSpPr>
+          <p:cNvPr id="54" name="Google Shape;54;p14"/>
+          <p:cNvGrpSpPr/>
+          <p:nvPr/>
+        </p:nvGrpSpPr>
+        <p:grpSpPr>
+          <a:xfrm>
+            <a:off x="0" y="7372875"/>
+            <a:ext cx="13849756" cy="400074"/>
+            <a:chOff x="0" y="7372350"/>
+            <a:chExt cx="13817700" cy="400053"/>
+          </a:xfrm>
+        </p:grpSpPr>
+        <p:sp>
+          <p:nvSpPr>
+            <p:cNvPr id="55" name="Google Shape;55;p14"/>
+            <p:cNvSpPr/>
+            <p:nvPr/>
+          </p:nvSpPr>
+          <p:spPr>
+            <a:xfrm>
+              <a:off x="0" y="7372350"/>
+              <a:ext cx="13817700" cy="399900"/>
+            </a:xfrm>
+            <a:prstGeom prst="rect">
+              <a:avLst/>
+            </a:prstGeom>
+            <a:solidFill>
+              <a:schemeClr val="dk2"/>
+            </a:solidFill>
+            <a:ln>
+              <a:noFill/>
+            </a:ln>
+          </p:spPr>
+          <p:txBody>
+            <a:bodyPr spcFirstLastPara="1" wrap="square" lIns="60500" tIns="30250" rIns="60500" bIns="30250" anchor="ctr" anchorCtr="0">
+              <a:noAutofit/>
+            </a:bodyPr>
+            <a:lstStyle/>
+            <a:p>
+              <a:pPr marL="0" marR="0" lvl="0" indent="0" algn="ctr" rtl="0">
+                <a:spcBef>
+                  <a:spcPts val="0"/>
+                </a:spcBef>
+                <a:spcAft>
+                  <a:spcPts val="0"/>
+                </a:spcAft>
+                <a:buNone/>
+              </a:pPr>
+              <a:endParaRPr sz="1964" b="0" i="0" u="none" strike="noStrike" cap="none">
+                <a:solidFill>
+                  <a:schemeClr val="lt1"/>
+                </a:solidFill>
+                <a:latin typeface="Arial"/>
+                <a:ea typeface="Arial"/>
+                <a:cs typeface="Arial"/>
+                <a:sym typeface="Arial"/>
+              </a:endParaRPr>
+            </a:p>
+          </p:txBody>
+        </p:sp>
+        <p:pic>
+          <p:nvPicPr>
+            <p:cNvPr id="56" name="Google Shape;56;p14"/>
+            <p:cNvPicPr preferRelativeResize="0"/>
+            <p:nvPr/>
+          </p:nvPicPr>
+          <p:blipFill rotWithShape="1">
+            <a:blip r:embed="rId2">
+              <a:alphaModFix/>
+            </a:blip>
+            <a:srcRect/>
+            <a:stretch/>
+          </p:blipFill>
+          <p:spPr>
+            <a:xfrm>
+              <a:off x="152257" y="7372351"/>
+              <a:ext cx="1788558" cy="400050"/>
+            </a:xfrm>
+            <a:prstGeom prst="rect">
+              <a:avLst/>
+            </a:prstGeom>
+            <a:noFill/>
+            <a:ln>
+              <a:noFill/>
+            </a:ln>
+          </p:spPr>
+        </p:pic>
+        <p:sp>
+          <p:nvSpPr>
+            <p:cNvPr id="57" name="Google Shape;57;p14"/>
+            <p:cNvSpPr/>
+            <p:nvPr/>
+          </p:nvSpPr>
+          <p:spPr>
+            <a:xfrm>
+              <a:off x="0" y="7372351"/>
+              <a:ext cx="13817700" cy="399900"/>
+            </a:xfrm>
+            <a:prstGeom prst="rect">
+              <a:avLst/>
+            </a:prstGeom>
+            <a:solidFill>
+              <a:schemeClr val="dk2"/>
+            </a:solidFill>
+            <a:ln>
+              <a:noFill/>
+            </a:ln>
+          </p:spPr>
+          <p:txBody>
+            <a:bodyPr spcFirstLastPara="1" wrap="square" lIns="60500" tIns="30250" rIns="60500" bIns="30250" anchor="ctr" anchorCtr="0">
+              <a:noAutofit/>
+            </a:bodyPr>
+            <a:lstStyle/>
+            <a:p>
+              <a:pPr marL="0" marR="0" lvl="0" indent="0" algn="ctr" rtl="0">
+                <a:spcBef>
+                  <a:spcPts val="0"/>
+                </a:spcBef>
+                <a:spcAft>
+                  <a:spcPts val="0"/>
+                </a:spcAft>
+                <a:buNone/>
+              </a:pPr>
+              <a:endParaRPr sz="1964" b="0" i="0" u="none" strike="noStrike" cap="none">
+                <a:solidFill>
+                  <a:schemeClr val="lt1"/>
+                </a:solidFill>
+                <a:latin typeface="Arial"/>
+                <a:ea typeface="Arial"/>
+                <a:cs typeface="Arial"/>
+                <a:sym typeface="Arial"/>
+              </a:endParaRPr>
+            </a:p>
+          </p:txBody>
+        </p:sp>
+        <p:pic>
+          <p:nvPicPr>
+            <p:cNvPr id="58" name="Google Shape;58;p14"/>
+            <p:cNvPicPr preferRelativeResize="0"/>
+            <p:nvPr/>
+          </p:nvPicPr>
+          <p:blipFill rotWithShape="1">
+            <a:blip r:embed="rId2">
+              <a:alphaModFix/>
+            </a:blip>
+            <a:srcRect/>
+            <a:stretch/>
+          </p:blipFill>
+          <p:spPr>
+            <a:xfrm>
+              <a:off x="152257" y="7372352"/>
+              <a:ext cx="1788558" cy="400050"/>
+            </a:xfrm>
+            <a:prstGeom prst="rect">
+              <a:avLst/>
+            </a:prstGeom>
+            <a:noFill/>
+            <a:ln>
+              <a:noFill/>
+            </a:ln>
+          </p:spPr>
+        </p:pic>
+      </p:grpSp>
+      <p:sp>
+        <p:nvSpPr>
+          <p:cNvPr id="59" name="Google Shape;59;p14"/>
+          <p:cNvSpPr txBox="1">
+            <a:spLocks noGrp="1"/>
+          </p:cNvSpPr>
+          <p:nvPr>
+            <p:ph type="title"/>
+          </p:nvPr>
+        </p:nvSpPr>
+        <p:spPr>
+          <a:xfrm>
+            <a:off x="628075" y="905258"/>
+            <a:ext cx="12561413" cy="1015467"/>
+          </a:xfrm>
+          <a:prstGeom prst="rect">
+            <a:avLst/>
+          </a:prstGeom>
+          <a:noFill/>
+          <a:ln>
+            <a:noFill/>
+          </a:ln>
+        </p:spPr>
+        <p:txBody>
+          <a:bodyPr spcFirstLastPara="1" wrap="square" lIns="60500" tIns="60500" rIns="60500" bIns="60500" anchor="b" anchorCtr="0">
+            <a:noAutofit/>
+          </a:bodyPr>
+          <a:lstStyle>
+            <a:lvl1pPr marR="0" lvl="0" algn="l" rtl="0">
+              <a:spcBef>
+                <a:spcPts val="0"/>
+              </a:spcBef>
+              <a:spcAft>
+                <a:spcPts val="0"/>
+              </a:spcAft>
+              <a:buClr>
+                <a:schemeClr val="dk2"/>
+              </a:buClr>
+              <a:buSzPts val="3600"/>
+              <a:buFont typeface="Arial"/>
+              <a:buNone/>
+              <a:defRPr sz="5440" b="0" i="0" u="none" strike="noStrike" cap="none">
+                <a:solidFill>
+                  <a:schemeClr val="dk2"/>
+                </a:solidFill>
+                <a:latin typeface="Arial"/>
+                <a:ea typeface="Arial"/>
+                <a:cs typeface="Arial"/>
+                <a:sym typeface="Arial"/>
+              </a:defRPr>
+            </a:lvl1pPr>
+            <a:lvl2pPr lvl="1" rtl="0">
+              <a:spcBef>
+                <a:spcPts val="0"/>
+              </a:spcBef>
+              <a:spcAft>
+                <a:spcPts val="0"/>
+              </a:spcAft>
+              <a:buSzPts val="900"/>
+              <a:buNone/>
+              <a:defRPr sz="1813"/>
+            </a:lvl2pPr>
+            <a:lvl3pPr lvl="2" rtl="0">
+              <a:spcBef>
+                <a:spcPts val="0"/>
+              </a:spcBef>
+              <a:spcAft>
+                <a:spcPts val="0"/>
+              </a:spcAft>
+              <a:buSzPts val="900"/>
+              <a:buNone/>
+              <a:defRPr sz="1813"/>
+            </a:lvl3pPr>
+            <a:lvl4pPr lvl="3" rtl="0">
+              <a:spcBef>
+                <a:spcPts val="0"/>
+              </a:spcBef>
+              <a:spcAft>
+                <a:spcPts val="0"/>
+              </a:spcAft>
+              <a:buSzPts val="900"/>
+              <a:buNone/>
+              <a:defRPr sz="1813"/>
+            </a:lvl4pPr>
+            <a:lvl5pPr lvl="4" rtl="0">
+              <a:spcBef>
+                <a:spcPts val="0"/>
+              </a:spcBef>
+              <a:spcAft>
+                <a:spcPts val="0"/>
+              </a:spcAft>
+              <a:buSzPts val="900"/>
+              <a:buNone/>
+              <a:defRPr sz="1813"/>
+            </a:lvl5pPr>
+            <a:lvl6pPr lvl="5" rtl="0">
+              <a:spcBef>
+                <a:spcPts val="0"/>
+              </a:spcBef>
+              <a:spcAft>
+                <a:spcPts val="0"/>
+              </a:spcAft>
+              <a:buSzPts val="900"/>
+              <a:buNone/>
+              <a:defRPr sz="1813"/>
+            </a:lvl6pPr>
+            <a:lvl7pPr lvl="6" rtl="0">
+              <a:spcBef>
+                <a:spcPts val="0"/>
+              </a:spcBef>
+              <a:spcAft>
+                <a:spcPts val="0"/>
+              </a:spcAft>
+              <a:buSzPts val="900"/>
+              <a:buNone/>
+              <a:defRPr sz="1813"/>
+            </a:lvl7pPr>
+            <a:lvl8pPr lvl="7" rtl="0">
+              <a:spcBef>
+                <a:spcPts val="0"/>
+              </a:spcBef>
+              <a:spcAft>
+                <a:spcPts val="0"/>
+              </a:spcAft>
+              <a:buSzPts val="900"/>
+              <a:buNone/>
+              <a:defRPr sz="1813"/>
+            </a:lvl8pPr>
+            <a:lvl9pPr lvl="8" rtl="0">
+              <a:spcBef>
+                <a:spcPts val="0"/>
+              </a:spcBef>
+              <a:spcAft>
+                <a:spcPts val="0"/>
+              </a:spcAft>
+              <a:buSzPts val="900"/>
+              <a:buNone/>
+              <a:defRPr sz="1813"/>
+            </a:lvl9pPr>
+          </a:lstStyle>
+          <a:p>
+            <a:endParaRPr/>
+          </a:p>
+        </p:txBody>
+      </p:sp>
+      <p:sp>
+        <p:nvSpPr>
+          <p:cNvPr id="60" name="Google Shape;60;p14"/>
+          <p:cNvSpPr txBox="1">
+            <a:spLocks noGrp="1"/>
+          </p:cNvSpPr>
+          <p:nvPr>
+            <p:ph type="body" idx="1"/>
+          </p:nvPr>
+        </p:nvSpPr>
+        <p:spPr>
+          <a:xfrm>
+            <a:off x="628075" y="2487883"/>
+            <a:ext cx="12561413" cy="2015520"/>
+          </a:xfrm>
+          <a:prstGeom prst="rect">
+            <a:avLst/>
+          </a:prstGeom>
+          <a:noFill/>
+          <a:ln>
+            <a:noFill/>
+          </a:ln>
+        </p:spPr>
+        <p:txBody>
+          <a:bodyPr spcFirstLastPara="1" wrap="square" lIns="60500" tIns="60500" rIns="60500" bIns="60500" anchor="t" anchorCtr="0">
+            <a:noAutofit/>
+          </a:bodyPr>
+          <a:lstStyle>
+            <a:lvl1pPr marL="690875" marR="0" lvl="0" indent="-460583" algn="l" rtl="0">
+              <a:lnSpc>
+                <a:spcPct val="120000"/>
+              </a:lnSpc>
+              <a:spcBef>
+                <a:spcPts val="604"/>
+              </a:spcBef>
+              <a:spcAft>
+                <a:spcPts val="0"/>
+              </a:spcAft>
+              <a:buClr>
+                <a:schemeClr val="dk1"/>
+              </a:buClr>
+              <a:buSzPts val="1200"/>
+              <a:buFont typeface="Arial"/>
+              <a:buChar char="•"/>
+              <a:defRPr sz="1813" b="0" i="0" u="none" strike="noStrike" cap="none">
+                <a:solidFill>
+                  <a:schemeClr val="dk1"/>
+                </a:solidFill>
+                <a:latin typeface="Proxima Nova"/>
+                <a:ea typeface="Proxima Nova"/>
+                <a:cs typeface="Proxima Nova"/>
+                <a:sym typeface="Proxima Nova"/>
+              </a:defRPr>
+            </a:lvl1pPr>
+            <a:lvl2pPr marL="1381750" marR="0" lvl="1" indent="-450988" algn="l" rtl="0">
+              <a:lnSpc>
+                <a:spcPct val="120000"/>
+              </a:lnSpc>
+              <a:spcBef>
+                <a:spcPts val="604"/>
+              </a:spcBef>
+              <a:spcAft>
+                <a:spcPts val="0"/>
+              </a:spcAft>
+              <a:buClr>
+                <a:schemeClr val="dk1"/>
+              </a:buClr>
+              <a:buSzPts val="1100"/>
+              <a:buFont typeface="Arial"/>
+              <a:buChar char="–"/>
+              <a:defRPr sz="1662" b="0" i="0" u="none" strike="noStrike" cap="none">
+                <a:solidFill>
+                  <a:schemeClr val="dk1"/>
+                </a:solidFill>
+                <a:latin typeface="Proxima Nova"/>
+                <a:ea typeface="Proxima Nova"/>
+                <a:cs typeface="Proxima Nova"/>
+                <a:sym typeface="Proxima Nova"/>
+              </a:defRPr>
+            </a:lvl2pPr>
+            <a:lvl3pPr marL="2072625" marR="0" lvl="2" indent="-450988" algn="l" rtl="0">
+              <a:lnSpc>
+                <a:spcPct val="120000"/>
+              </a:lnSpc>
+              <a:spcBef>
+                <a:spcPts val="604"/>
+              </a:spcBef>
+              <a:spcAft>
+                <a:spcPts val="0"/>
+              </a:spcAft>
+              <a:buClr>
+                <a:schemeClr val="dk1"/>
+              </a:buClr>
+              <a:buSzPts val="1100"/>
+              <a:buFont typeface="Arial"/>
+              <a:buChar char="•"/>
+              <a:defRPr sz="1662" b="0" i="0" u="none" strike="noStrike" cap="none">
+                <a:solidFill>
+                  <a:schemeClr val="dk1"/>
+                </a:solidFill>
+                <a:latin typeface="Proxima Nova"/>
+                <a:ea typeface="Proxima Nova"/>
+                <a:cs typeface="Proxima Nova"/>
+                <a:sym typeface="Proxima Nova"/>
+              </a:defRPr>
+            </a:lvl3pPr>
+            <a:lvl4pPr marL="2763500" marR="0" lvl="3" indent="-450988" algn="l" rtl="0">
+              <a:lnSpc>
+                <a:spcPct val="120000"/>
+              </a:lnSpc>
+              <a:spcBef>
+                <a:spcPts val="604"/>
+              </a:spcBef>
+              <a:spcAft>
+                <a:spcPts val="0"/>
+              </a:spcAft>
+              <a:buClr>
+                <a:schemeClr val="dk1"/>
+              </a:buClr>
+              <a:buSzPts val="1100"/>
+              <a:buFont typeface="Arial"/>
+              <a:buChar char="–"/>
+              <a:defRPr sz="1662" b="0" i="0" u="none" strike="noStrike" cap="none">
+                <a:solidFill>
+                  <a:schemeClr val="dk1"/>
+                </a:solidFill>
+                <a:latin typeface="Proxima Nova"/>
+                <a:ea typeface="Proxima Nova"/>
+                <a:cs typeface="Proxima Nova"/>
+                <a:sym typeface="Proxima Nova"/>
+              </a:defRPr>
+            </a:lvl4pPr>
+            <a:lvl5pPr marL="3454375" marR="0" lvl="4" indent="-450988" algn="l" rtl="0">
+              <a:spcBef>
+                <a:spcPts val="604"/>
+              </a:spcBef>
+              <a:spcAft>
+                <a:spcPts val="0"/>
+              </a:spcAft>
+              <a:buClr>
+                <a:schemeClr val="dk1"/>
+              </a:buClr>
+              <a:buSzPts val="1100"/>
+              <a:buFont typeface="Arial"/>
+              <a:buChar char="»"/>
+              <a:defRPr sz="1662" b="0" i="0" u="none" strike="noStrike" cap="none">
+                <a:solidFill>
+                  <a:schemeClr val="dk1"/>
+                </a:solidFill>
+                <a:latin typeface="Source Sans Pro"/>
+                <a:ea typeface="Source Sans Pro"/>
+                <a:cs typeface="Source Sans Pro"/>
+                <a:sym typeface="Source Sans Pro"/>
+              </a:defRPr>
+            </a:lvl5pPr>
+            <a:lvl6pPr marL="4145250" marR="0" lvl="5" indent="-537347" algn="l" rtl="0">
+              <a:spcBef>
+                <a:spcPts val="604"/>
+              </a:spcBef>
+              <a:spcAft>
+                <a:spcPts val="0"/>
+              </a:spcAft>
+              <a:buClr>
+                <a:schemeClr val="dk1"/>
+              </a:buClr>
+              <a:buSzPts val="2000"/>
+              <a:buFont typeface="Arial"/>
+              <a:buChar char="•"/>
+              <a:defRPr sz="3022" b="0" i="0" u="none" strike="noStrike" cap="none">
+                <a:solidFill>
+                  <a:schemeClr val="dk1"/>
+                </a:solidFill>
+                <a:latin typeface="Arial"/>
+                <a:ea typeface="Arial"/>
+                <a:cs typeface="Arial"/>
+                <a:sym typeface="Arial"/>
+              </a:defRPr>
+            </a:lvl6pPr>
+            <a:lvl7pPr marL="4836124" marR="0" lvl="6" indent="-537347" algn="l" rtl="0">
+              <a:spcBef>
+                <a:spcPts val="604"/>
+              </a:spcBef>
+              <a:spcAft>
+                <a:spcPts val="0"/>
+              </a:spcAft>
+              <a:buClr>
+                <a:schemeClr val="dk1"/>
+              </a:buClr>
+              <a:buSzPts val="2000"/>
+              <a:buFont typeface="Arial"/>
+              <a:buChar char="•"/>
+              <a:defRPr sz="3022" b="0" i="0" u="none" strike="noStrike" cap="none">
+                <a:solidFill>
+                  <a:schemeClr val="dk1"/>
+                </a:solidFill>
+                <a:latin typeface="Arial"/>
+                <a:ea typeface="Arial"/>
+                <a:cs typeface="Arial"/>
+                <a:sym typeface="Arial"/>
+              </a:defRPr>
+            </a:lvl7pPr>
+            <a:lvl8pPr marL="5526999" marR="0" lvl="7" indent="-537347" algn="l" rtl="0">
+              <a:spcBef>
+                <a:spcPts val="604"/>
+              </a:spcBef>
+              <a:spcAft>
+                <a:spcPts val="0"/>
+              </a:spcAft>
+              <a:buClr>
+                <a:schemeClr val="dk1"/>
+              </a:buClr>
+              <a:buSzPts val="2000"/>
+              <a:buFont typeface="Arial"/>
+              <a:buChar char="•"/>
+              <a:defRPr sz="3022" b="0" i="0" u="none" strike="noStrike" cap="none">
+                <a:solidFill>
+                  <a:schemeClr val="dk1"/>
+                </a:solidFill>
+                <a:latin typeface="Arial"/>
+                <a:ea typeface="Arial"/>
+                <a:cs typeface="Arial"/>
+                <a:sym typeface="Arial"/>
+              </a:defRPr>
+            </a:lvl8pPr>
+            <a:lvl9pPr marL="6217874" marR="0" lvl="8" indent="-537347" algn="l" rtl="0">
+              <a:spcBef>
+                <a:spcPts val="604"/>
+              </a:spcBef>
+              <a:spcAft>
+                <a:spcPts val="0"/>
+              </a:spcAft>
+              <a:buClr>
+                <a:schemeClr val="dk1"/>
+              </a:buClr>
+              <a:buSzPts val="2000"/>
+              <a:buFont typeface="Arial"/>
+              <a:buChar char="•"/>
+              <a:defRPr sz="3022" b="0" i="0" u="none" strike="noStrike" cap="none">
+                <a:solidFill>
+                  <a:schemeClr val="dk1"/>
+                </a:solidFill>
+                <a:latin typeface="Arial"/>
+                <a:ea typeface="Arial"/>
+                <a:cs typeface="Arial"/>
+                <a:sym typeface="Arial"/>
+              </a:defRPr>
+            </a:lvl9pPr>
+          </a:lstStyle>
+          <a:p>
+            <a:endParaRPr/>
+          </a:p>
+        </p:txBody>
+      </p:sp>
+    </p:spTree>
+    <p:extLst>
+      <p:ext uri="{BB962C8B-B14F-4D97-AF65-F5344CB8AC3E}">
+        <p14:creationId xmlns:p14="http://schemas.microsoft.com/office/powerpoint/2010/main" val="610884272"/>
+      </p:ext>
+    </p:extLst>
+  </p:cSld>
+  <p:clrMapOvr>
+    <a:masterClrMapping/>
+  </p:clrMapOvr>
+  <p:transition>
+    <p:fade/>
+  </p:transition>
+</p:sldLayout>
+</file>
+
 <file path=ppt/slideLayouts/slideLayout3.xml><?xml version="1.0" encoding="utf-8"?>
 <p:sldLayout xmlns:a="http://schemas.openxmlformats.org/drawingml/2006/main" xmlns:r="http://schemas.openxmlformats.org/officeDocument/2006/relationships" xmlns:p="http://schemas.openxmlformats.org/presentationml/2006/main" preserve="1" userDrawn="1">
   <p:cSld name="Title Green Ram CSU">
@@ -6621,6 +7380,7 @@
     <p:sldLayoutId id="2147483677" r:id="rId22"/>
     <p:sldLayoutId id="2147483692" r:id="rId23"/>
     <p:sldLayoutId id="2147483672" r:id="rId24"/>
+    <p:sldLayoutId id="2147483693" r:id="rId25"/>
   </p:sldLayoutIdLst>
   <mc:AlternateContent xmlns:mc="http://schemas.openxmlformats.org/markup-compatibility/2006" xmlns:p14="http://schemas.microsoft.com/office/powerpoint/2010/main">
     <mc:Choice Requires="p14">
@@ -7046,10 +7806,38 @@
             <p:ph type="title"/>
           </p:nvPr>
         </p:nvSpPr>
+        <p:spPr/>
+        <p:txBody>
+          <a:bodyPr/>
+          <a:lstStyle/>
+          <a:p>
+            <a:r>
+              <a:rPr lang="en-US" dirty="0"/>
+              <a:t>Checking your Understanding (Part 3)</a:t>
+            </a:r>
+          </a:p>
+        </p:txBody>
+      </p:sp>
+      <p:sp>
+        <p:nvSpPr>
+          <p:cNvPr id="3" name="Text Placeholder 2">
+            <a:extLst>
+              <a:ext uri="{FF2B5EF4-FFF2-40B4-BE49-F238E27FC236}">
+                <a16:creationId xmlns:a16="http://schemas.microsoft.com/office/drawing/2014/main" id="{507F2138-38CE-FB4F-963C-1AF7D9CA4471}"/>
+              </a:ext>
+            </a:extLst>
+          </p:cNvPr>
+          <p:cNvSpPr>
+            <a:spLocks noGrp="1"/>
+          </p:cNvSpPr>
+          <p:nvPr>
+            <p:ph type="body" sz="quarter" idx="10"/>
+          </p:nvPr>
+        </p:nvSpPr>
         <p:spPr>
           <a:xfrm>
-            <a:off x="434325" y="425138"/>
-            <a:ext cx="5020177" cy="1846659"/>
+            <a:off x="628075" y="1638460"/>
+            <a:ext cx="5486975" cy="813813"/>
           </a:xfrm>
         </p:spPr>
         <p:txBody>
@@ -7058,14 +7846,1962 @@
           <a:p>
             <a:r>
               <a:rPr lang="en-US" dirty="0"/>
-              <a:t>Practical 4 – </a:t>
-            </a:r>
-            <a:br>
+              <a:t>Rewrite the class Pet to have its constructors properly overloaded.</a:t>
+            </a:r>
+          </a:p>
+        </p:txBody>
+      </p:sp>
+      <p:sp>
+        <p:nvSpPr>
+          <p:cNvPr id="4" name="TextBox 3">
+            <a:extLst>
+              <a:ext uri="{FF2B5EF4-FFF2-40B4-BE49-F238E27FC236}">
+                <a16:creationId xmlns:a16="http://schemas.microsoft.com/office/drawing/2014/main" id="{BE278577-C507-B448-9A94-C13AB472D32E}"/>
+              </a:ext>
+            </a:extLst>
+          </p:cNvPr>
+          <p:cNvSpPr txBox="1"/>
+          <p:nvPr/>
+        </p:nvSpPr>
+        <p:spPr>
+          <a:xfrm>
+            <a:off x="7702552" y="1776683"/>
+            <a:ext cx="5879036" cy="3970318"/>
+          </a:xfrm>
+          <a:prstGeom prst="rect">
+            <a:avLst/>
+          </a:prstGeom>
+          <a:solidFill>
+            <a:schemeClr val="bg2"/>
+          </a:solidFill>
+        </p:spPr>
+        <p:txBody>
+          <a:bodyPr wrap="square" rtlCol="0">
+            <a:spAutoFit/>
+          </a:bodyPr>
+          <a:lstStyle/>
+          <a:p>
+            <a:r>
+              <a:rPr lang="en-US" sz="1400" dirty="0">
+                <a:latin typeface="Consolas" panose="020B0609020204030204" pitchFamily="49" charset="0"/>
+                <a:cs typeface="Consolas" panose="020B0609020204030204" pitchFamily="49" charset="0"/>
+              </a:rPr>
+              <a:t>public class Pet {</a:t>
+            </a:r>
+          </a:p>
+          <a:p>
+            <a:r>
+              <a:rPr lang="en-US" sz="1400" dirty="0">
+                <a:latin typeface="Consolas" panose="020B0609020204030204" pitchFamily="49" charset="0"/>
+                <a:cs typeface="Consolas" panose="020B0609020204030204" pitchFamily="49" charset="0"/>
+              </a:rPr>
+              <a:t>   private String name;</a:t>
+            </a:r>
+          </a:p>
+          <a:p>
+            <a:r>
+              <a:rPr lang="en-US" sz="1400" dirty="0">
+                <a:latin typeface="Consolas" panose="020B0609020204030204" pitchFamily="49" charset="0"/>
+                <a:cs typeface="Consolas" panose="020B0609020204030204" pitchFamily="49" charset="0"/>
+              </a:rPr>
+              <a:t>   private int age;</a:t>
+            </a:r>
+          </a:p>
+          <a:p>
+            <a:endParaRPr lang="en-US" sz="1400" dirty="0">
+              <a:latin typeface="Consolas" panose="020B0609020204030204" pitchFamily="49" charset="0"/>
+              <a:cs typeface="Consolas" panose="020B0609020204030204" pitchFamily="49" charset="0"/>
+            </a:endParaRPr>
+          </a:p>
+          <a:p>
+            <a:r>
+              <a:rPr lang="en-US" sz="1400" dirty="0">
+                <a:latin typeface="Consolas" panose="020B0609020204030204" pitchFamily="49" charset="0"/>
+                <a:cs typeface="Consolas" panose="020B0609020204030204" pitchFamily="49" charset="0"/>
+              </a:rPr>
+              <a:t>   public Pet() {</a:t>
+            </a:r>
+          </a:p>
+          <a:p>
+            <a:r>
+              <a:rPr lang="en-US" sz="1400" dirty="0">
+                <a:latin typeface="Consolas" panose="020B0609020204030204" pitchFamily="49" charset="0"/>
+                <a:cs typeface="Consolas" panose="020B0609020204030204" pitchFamily="49" charset="0"/>
+              </a:rPr>
+              <a:t>      name = "Unnamed";</a:t>
+            </a:r>
+          </a:p>
+          <a:p>
+            <a:r>
+              <a:rPr lang="en-US" sz="1400" dirty="0">
+                <a:latin typeface="Consolas" panose="020B0609020204030204" pitchFamily="49" charset="0"/>
+                <a:cs typeface="Consolas" panose="020B0609020204030204" pitchFamily="49" charset="0"/>
+              </a:rPr>
+              <a:t>      age = -1;</a:t>
+            </a:r>
+          </a:p>
+          <a:p>
+            <a:r>
+              <a:rPr lang="en-US" sz="1400" dirty="0">
+                <a:latin typeface="Consolas" panose="020B0609020204030204" pitchFamily="49" charset="0"/>
+                <a:cs typeface="Consolas" panose="020B0609020204030204" pitchFamily="49" charset="0"/>
+              </a:rPr>
+              <a:t>   }</a:t>
+            </a:r>
+          </a:p>
+          <a:p>
+            <a:endParaRPr lang="en-US" sz="1400" dirty="0">
+              <a:latin typeface="Consolas" panose="020B0609020204030204" pitchFamily="49" charset="0"/>
+              <a:cs typeface="Consolas" panose="020B0609020204030204" pitchFamily="49" charset="0"/>
+            </a:endParaRPr>
+          </a:p>
+          <a:p>
+            <a:r>
+              <a:rPr lang="en-US" sz="1400" dirty="0">
+                <a:latin typeface="Consolas" panose="020B0609020204030204" pitchFamily="49" charset="0"/>
+                <a:cs typeface="Consolas" panose="020B0609020204030204" pitchFamily="49" charset="0"/>
+              </a:rPr>
+              <a:t>   public Pet(String </a:t>
+            </a:r>
+            <a:r>
+              <a:rPr lang="en-US" sz="1400" dirty="0" err="1">
+                <a:latin typeface="Consolas" panose="020B0609020204030204" pitchFamily="49" charset="0"/>
+                <a:cs typeface="Consolas" panose="020B0609020204030204" pitchFamily="49" charset="0"/>
+              </a:rPr>
+              <a:t>petName</a:t>
+            </a:r>
+            <a:r>
+              <a:rPr lang="en-US" sz="1400" dirty="0">
+                <a:latin typeface="Consolas" panose="020B0609020204030204" pitchFamily="49" charset="0"/>
+                <a:cs typeface="Consolas" panose="020B0609020204030204" pitchFamily="49" charset="0"/>
+              </a:rPr>
+              <a:t>, int </a:t>
+            </a:r>
+            <a:r>
+              <a:rPr lang="en-US" sz="1400" dirty="0" err="1">
+                <a:latin typeface="Consolas" panose="020B0609020204030204" pitchFamily="49" charset="0"/>
+                <a:cs typeface="Consolas" panose="020B0609020204030204" pitchFamily="49" charset="0"/>
+              </a:rPr>
+              <a:t>yearsOld</a:t>
+            </a:r>
+            <a:r>
+              <a:rPr lang="en-US" sz="1400" dirty="0">
+                <a:latin typeface="Consolas" panose="020B0609020204030204" pitchFamily="49" charset="0"/>
+                <a:cs typeface="Consolas" panose="020B0609020204030204" pitchFamily="49" charset="0"/>
+              </a:rPr>
+              <a:t>) {</a:t>
+            </a:r>
+          </a:p>
+          <a:p>
+            <a:r>
+              <a:rPr lang="en-US" sz="1400" dirty="0">
+                <a:latin typeface="Consolas" panose="020B0609020204030204" pitchFamily="49" charset="0"/>
+                <a:cs typeface="Consolas" panose="020B0609020204030204" pitchFamily="49" charset="0"/>
+              </a:rPr>
+              <a:t>      name = </a:t>
+            </a:r>
+            <a:r>
+              <a:rPr lang="en-US" sz="1400" dirty="0" err="1">
+                <a:latin typeface="Consolas" panose="020B0609020204030204" pitchFamily="49" charset="0"/>
+                <a:cs typeface="Consolas" panose="020B0609020204030204" pitchFamily="49" charset="0"/>
+              </a:rPr>
+              <a:t>petName</a:t>
+            </a:r>
+            <a:r>
+              <a:rPr lang="en-US" sz="1400" dirty="0">
+                <a:latin typeface="Consolas" panose="020B0609020204030204" pitchFamily="49" charset="0"/>
+                <a:cs typeface="Consolas" panose="020B0609020204030204" pitchFamily="49" charset="0"/>
+              </a:rPr>
+              <a:t>;</a:t>
+            </a:r>
+          </a:p>
+          <a:p>
+            <a:r>
+              <a:rPr lang="en-US" sz="1400" dirty="0">
+                <a:latin typeface="Consolas" panose="020B0609020204030204" pitchFamily="49" charset="0"/>
+                <a:cs typeface="Consolas" panose="020B0609020204030204" pitchFamily="49" charset="0"/>
+              </a:rPr>
+              <a:t>      age = </a:t>
+            </a:r>
+            <a:r>
+              <a:rPr lang="en-US" sz="1400" dirty="0" err="1">
+                <a:latin typeface="Consolas" panose="020B0609020204030204" pitchFamily="49" charset="0"/>
+                <a:cs typeface="Consolas" panose="020B0609020204030204" pitchFamily="49" charset="0"/>
+              </a:rPr>
+              <a:t>yearsOld</a:t>
+            </a:r>
+            <a:r>
+              <a:rPr lang="en-US" sz="1400" dirty="0">
+                <a:latin typeface="Consolas" panose="020B0609020204030204" pitchFamily="49" charset="0"/>
+                <a:cs typeface="Consolas" panose="020B0609020204030204" pitchFamily="49" charset="0"/>
+              </a:rPr>
+              <a:t>;</a:t>
+            </a:r>
+          </a:p>
+          <a:p>
+            <a:r>
+              <a:rPr lang="en-US" sz="1400" dirty="0">
+                <a:latin typeface="Consolas" panose="020B0609020204030204" pitchFamily="49" charset="0"/>
+                <a:cs typeface="Consolas" panose="020B0609020204030204" pitchFamily="49" charset="0"/>
+              </a:rPr>
+              <a:t>   }</a:t>
+            </a:r>
+          </a:p>
+          <a:p>
+            <a:endParaRPr lang="en-US" sz="1400" dirty="0">
+              <a:latin typeface="Consolas" panose="020B0609020204030204" pitchFamily="49" charset="0"/>
+              <a:cs typeface="Consolas" panose="020B0609020204030204" pitchFamily="49" charset="0"/>
+            </a:endParaRPr>
+          </a:p>
+          <a:p>
+            <a:r>
+              <a:rPr lang="en-US" sz="1400" dirty="0">
+                <a:latin typeface="Consolas" panose="020B0609020204030204" pitchFamily="49" charset="0"/>
+                <a:cs typeface="Consolas" panose="020B0609020204030204" pitchFamily="49" charset="0"/>
+              </a:rPr>
+              <a:t>   public void print() {</a:t>
+            </a:r>
+          </a:p>
+          <a:p>
+            <a:r>
+              <a:rPr lang="en-US" sz="1400" dirty="0">
+                <a:latin typeface="Consolas" panose="020B0609020204030204" pitchFamily="49" charset="0"/>
+                <a:cs typeface="Consolas" panose="020B0609020204030204" pitchFamily="49" charset="0"/>
+              </a:rPr>
+              <a:t>      </a:t>
+            </a:r>
+            <a:r>
+              <a:rPr lang="en-US" sz="1400" dirty="0" err="1">
+                <a:latin typeface="Consolas" panose="020B0609020204030204" pitchFamily="49" charset="0"/>
+                <a:cs typeface="Consolas" panose="020B0609020204030204" pitchFamily="49" charset="0"/>
+              </a:rPr>
+              <a:t>System.out.println</a:t>
+            </a:r>
+            <a:r>
+              <a:rPr lang="en-US" sz="1400" dirty="0">
+                <a:latin typeface="Consolas" panose="020B0609020204030204" pitchFamily="49" charset="0"/>
+                <a:cs typeface="Consolas" panose="020B0609020204030204" pitchFamily="49" charset="0"/>
+              </a:rPr>
+              <a:t>(name + ", " + age);</a:t>
+            </a:r>
+          </a:p>
+          <a:p>
+            <a:r>
+              <a:rPr lang="en-US" sz="1400" dirty="0">
+                <a:latin typeface="Consolas" panose="020B0609020204030204" pitchFamily="49" charset="0"/>
+                <a:cs typeface="Consolas" panose="020B0609020204030204" pitchFamily="49" charset="0"/>
+              </a:rPr>
+              <a:t>   }</a:t>
+            </a:r>
+          </a:p>
+          <a:p>
+            <a:r>
+              <a:rPr lang="en-US" sz="1400" dirty="0">
+                <a:latin typeface="Consolas" panose="020B0609020204030204" pitchFamily="49" charset="0"/>
+                <a:cs typeface="Consolas" panose="020B0609020204030204" pitchFamily="49" charset="0"/>
+              </a:rPr>
+              <a:t>}</a:t>
+            </a:r>
+          </a:p>
+        </p:txBody>
+      </p:sp>
+    </p:spTree>
+    <p:extLst>
+      <p:ext uri="{BB962C8B-B14F-4D97-AF65-F5344CB8AC3E}">
+        <p14:creationId xmlns:p14="http://schemas.microsoft.com/office/powerpoint/2010/main" val="1439199420"/>
+      </p:ext>
+    </p:extLst>
+  </p:cSld>
+  <p:clrMapOvr>
+    <a:masterClrMapping/>
+  </p:clrMapOvr>
+  <mc:AlternateContent xmlns:mc="http://schemas.openxmlformats.org/markup-compatibility/2006" xmlns:p14="http://schemas.microsoft.com/office/powerpoint/2010/main">
+    <mc:Choice Requires="p14">
+      <p:transition p14:dur="300">
+        <p:fade/>
+      </p:transition>
+    </mc:Choice>
+    <mc:Fallback xmlns="">
+      <p:transition>
+        <p:fade/>
+      </p:transition>
+    </mc:Fallback>
+  </mc:AlternateContent>
+</p:sld>
+</file>
+
+<file path=ppt/slides/slide11.xml><?xml version="1.0" encoding="utf-8"?>
+<p:sld xmlns:a="http://schemas.openxmlformats.org/drawingml/2006/main" xmlns:r="http://schemas.openxmlformats.org/officeDocument/2006/relationships" xmlns:p="http://schemas.openxmlformats.org/presentationml/2006/main">
+  <p:cSld>
+    <p:spTree>
+      <p:nvGrpSpPr>
+        <p:cNvPr id="1" name="Shape 205"/>
+        <p:cNvGrpSpPr/>
+        <p:nvPr/>
+      </p:nvGrpSpPr>
+      <p:grpSpPr>
+        <a:xfrm>
+          <a:off x="0" y="0"/>
+          <a:ext cx="0" cy="0"/>
+          <a:chOff x="0" y="0"/>
+          <a:chExt cx="0" cy="0"/>
+        </a:xfrm>
+      </p:grpSpPr>
+      <p:sp>
+        <p:nvSpPr>
+          <p:cNvPr id="206" name="Google Shape;206;p42"/>
+          <p:cNvSpPr txBox="1">
+            <a:spLocks noGrp="1"/>
+          </p:cNvSpPr>
+          <p:nvPr>
+            <p:ph type="title"/>
+          </p:nvPr>
+        </p:nvSpPr>
+        <p:spPr>
+          <a:xfrm>
+            <a:off x="628075" y="751389"/>
+            <a:ext cx="12561413" cy="1015467"/>
+          </a:xfrm>
+          <a:prstGeom prst="rect">
+            <a:avLst/>
+          </a:prstGeom>
+        </p:spPr>
+        <p:txBody>
+          <a:bodyPr spcFirstLastPara="1" vert="horz" wrap="square" lIns="91422" tIns="91422" rIns="91422" bIns="91422" rtlCol="0" anchor="b" anchorCtr="0">
+            <a:noAutofit/>
+          </a:bodyPr>
+          <a:lstStyle/>
+          <a:p>
+            <a:r>
+              <a:rPr lang="en" dirty="0"/>
+              <a:t>HTML (For Practical 4)</a:t>
+            </a:r>
+            <a:endParaRPr dirty="0"/>
+          </a:p>
+        </p:txBody>
+      </p:sp>
+      <p:sp>
+        <p:nvSpPr>
+          <p:cNvPr id="209" name="Google Shape;209;p42"/>
+          <p:cNvSpPr txBox="1"/>
+          <p:nvPr/>
+        </p:nvSpPr>
+        <p:spPr>
+          <a:xfrm>
+            <a:off x="6780393" y="7253122"/>
+            <a:ext cx="8127813" cy="650533"/>
+          </a:xfrm>
+          <a:prstGeom prst="rect">
+            <a:avLst/>
+          </a:prstGeom>
+          <a:noFill/>
+          <a:ln>
+            <a:noFill/>
+          </a:ln>
+        </p:spPr>
+        <p:txBody>
+          <a:bodyPr spcFirstLastPara="1" wrap="square" lIns="138153" tIns="138153" rIns="138153" bIns="138153" anchor="t" anchorCtr="0">
+            <a:noAutofit/>
+          </a:bodyPr>
+          <a:lstStyle/>
+          <a:p>
+            <a:r>
+              <a:rPr lang="en" sz="1800" dirty="0">
+                <a:solidFill>
+                  <a:schemeClr val="bg1"/>
+                </a:solidFill>
+                <a:latin typeface="Proxima Nova"/>
+                <a:ea typeface="Proxima Nova"/>
+                <a:cs typeface="Proxima Nova"/>
+                <a:sym typeface="Proxima Nova"/>
+              </a:rPr>
+              <a:t>Further Reading/Tutorial: </a:t>
+            </a:r>
+            <a:r>
+              <a:rPr lang="en" sz="1800" u="sng" dirty="0">
+                <a:solidFill>
+                  <a:srgbClr val="3246A4"/>
+                </a:solidFill>
+                <a:latin typeface="Proxima Nova"/>
+                <a:ea typeface="Proxima Nova"/>
+                <a:cs typeface="Proxima Nova"/>
+                <a:sym typeface="Proxima Nova"/>
+                <a:hlinkClick r:id="rId3"/>
+              </a:rPr>
+              <a:t>https://www.w3schools.com/html/</a:t>
+            </a:r>
+            <a:endParaRPr sz="1800" dirty="0">
+              <a:latin typeface="Proxima Nova"/>
+              <a:ea typeface="Proxima Nova"/>
+              <a:cs typeface="Proxima Nova"/>
+              <a:sym typeface="Proxima Nova"/>
+            </a:endParaRPr>
+          </a:p>
+        </p:txBody>
+      </p:sp>
+      <p:pic>
+        <p:nvPicPr>
+          <p:cNvPr id="3" name="Picture 2">
+            <a:extLst>
+              <a:ext uri="{FF2B5EF4-FFF2-40B4-BE49-F238E27FC236}">
+                <a16:creationId xmlns:a16="http://schemas.microsoft.com/office/drawing/2014/main" id="{A228EFB6-65E0-46C1-83A1-C151DD3EABBA}"/>
+              </a:ext>
+            </a:extLst>
+          </p:cNvPr>
+          <p:cNvPicPr>
+            <a:picLocks noChangeAspect="1"/>
+          </p:cNvPicPr>
+          <p:nvPr/>
+        </p:nvPicPr>
+        <p:blipFill>
+          <a:blip r:embed="rId4"/>
+          <a:stretch>
+            <a:fillRect/>
+          </a:stretch>
+        </p:blipFill>
+        <p:spPr>
+          <a:xfrm>
+            <a:off x="8448148" y="3104046"/>
+            <a:ext cx="5369452" cy="1710016"/>
+          </a:xfrm>
+          <a:prstGeom prst="rect">
+            <a:avLst/>
+          </a:prstGeom>
+        </p:spPr>
+      </p:pic>
+      <p:sp>
+        <p:nvSpPr>
+          <p:cNvPr id="11" name="TextBox 10">
+            <a:extLst>
+              <a:ext uri="{FF2B5EF4-FFF2-40B4-BE49-F238E27FC236}">
+                <a16:creationId xmlns:a16="http://schemas.microsoft.com/office/drawing/2014/main" id="{4E0A86FD-E281-481B-852E-DDF01A86ACA0}"/>
+              </a:ext>
+            </a:extLst>
+          </p:cNvPr>
+          <p:cNvSpPr txBox="1"/>
+          <p:nvPr/>
+        </p:nvSpPr>
+        <p:spPr>
+          <a:xfrm>
+            <a:off x="835700" y="1766856"/>
+            <a:ext cx="6614411" cy="4093428"/>
+          </a:xfrm>
+          <a:prstGeom prst="rect">
+            <a:avLst/>
+          </a:prstGeom>
+          <a:noFill/>
+        </p:spPr>
+        <p:txBody>
+          <a:bodyPr wrap="square">
+            <a:spAutoFit/>
+          </a:bodyPr>
+          <a:lstStyle/>
+          <a:p>
+            <a:r>
+              <a:rPr lang="en-US" b="0" dirty="0">
+                <a:solidFill>
+                  <a:srgbClr val="808080"/>
+                </a:solidFill>
+                <a:effectLst/>
+                <a:latin typeface="Consolas" panose="020B0609020204030204" pitchFamily="49" charset="0"/>
+              </a:rPr>
+              <a:t>&lt;!</a:t>
+            </a:r>
+            <a:r>
+              <a:rPr lang="en-US" b="0" dirty="0">
+                <a:solidFill>
+                  <a:srgbClr val="569CD6"/>
+                </a:solidFill>
+                <a:effectLst/>
+                <a:latin typeface="Consolas" panose="020B0609020204030204" pitchFamily="49" charset="0"/>
+              </a:rPr>
+              <a:t>DOCTYPE</a:t>
+            </a:r>
+            <a:r>
+              <a:rPr lang="en-US" b="0" dirty="0">
+                <a:solidFill>
+                  <a:srgbClr val="D4D4D4"/>
+                </a:solidFill>
+                <a:effectLst/>
+                <a:latin typeface="Consolas" panose="020B0609020204030204" pitchFamily="49" charset="0"/>
+              </a:rPr>
+              <a:t> </a:t>
+            </a:r>
+            <a:r>
+              <a:rPr lang="en-US" b="0" dirty="0">
+                <a:solidFill>
+                  <a:srgbClr val="9CDCFE"/>
+                </a:solidFill>
+                <a:effectLst/>
+                <a:latin typeface="Consolas" panose="020B0609020204030204" pitchFamily="49" charset="0"/>
+              </a:rPr>
+              <a:t>html</a:t>
+            </a:r>
+            <a:r>
+              <a:rPr lang="en-US" b="0" dirty="0">
+                <a:solidFill>
+                  <a:srgbClr val="808080"/>
+                </a:solidFill>
+                <a:effectLst/>
+                <a:latin typeface="Consolas" panose="020B0609020204030204" pitchFamily="49" charset="0"/>
+              </a:rPr>
+              <a:t>&gt;</a:t>
+            </a:r>
+          </a:p>
+          <a:p>
+            <a:r>
+              <a:rPr lang="en-US" b="0" dirty="0">
+                <a:solidFill>
+                  <a:srgbClr val="808080"/>
+                </a:solidFill>
+                <a:effectLst/>
+                <a:latin typeface="Consolas" panose="020B0609020204030204" pitchFamily="49" charset="0"/>
+              </a:rPr>
+              <a:t>&lt;</a:t>
+            </a:r>
+            <a:r>
+              <a:rPr lang="en-US" b="0" dirty="0">
+                <a:solidFill>
+                  <a:srgbClr val="569CD6"/>
+                </a:solidFill>
+                <a:effectLst/>
+                <a:latin typeface="Consolas" panose="020B0609020204030204" pitchFamily="49" charset="0"/>
+              </a:rPr>
+              <a:t>html</a:t>
+            </a:r>
+            <a:r>
+              <a:rPr lang="en-US" b="0" dirty="0">
+                <a:solidFill>
+                  <a:srgbClr val="808080"/>
+                </a:solidFill>
+                <a:effectLst/>
+                <a:latin typeface="Consolas" panose="020B0609020204030204" pitchFamily="49" charset="0"/>
+              </a:rPr>
+              <a:t>&gt;</a:t>
+            </a:r>
+            <a:endParaRPr lang="en-US" b="0" dirty="0">
+              <a:solidFill>
+                <a:srgbClr val="D4D4D4"/>
+              </a:solidFill>
+              <a:effectLst/>
+              <a:latin typeface="Consolas" panose="020B0609020204030204" pitchFamily="49" charset="0"/>
+            </a:endParaRPr>
+          </a:p>
+          <a:p>
+            <a:r>
+              <a:rPr lang="en-US" b="0" dirty="0">
+                <a:solidFill>
+                  <a:srgbClr val="D4D4D4"/>
+                </a:solidFill>
+                <a:effectLst/>
+                <a:latin typeface="Consolas" panose="020B0609020204030204" pitchFamily="49" charset="0"/>
+              </a:rPr>
+              <a:t>    </a:t>
+            </a:r>
+            <a:r>
+              <a:rPr lang="en-US" b="0" dirty="0">
+                <a:solidFill>
+                  <a:srgbClr val="808080"/>
+                </a:solidFill>
+                <a:effectLst/>
+                <a:latin typeface="Consolas" panose="020B0609020204030204" pitchFamily="49" charset="0"/>
+              </a:rPr>
+              <a:t>&lt;</a:t>
+            </a:r>
+            <a:r>
+              <a:rPr lang="en-US" b="0" dirty="0">
+                <a:solidFill>
+                  <a:srgbClr val="569CD6"/>
+                </a:solidFill>
+                <a:effectLst/>
+                <a:latin typeface="Consolas" panose="020B0609020204030204" pitchFamily="49" charset="0"/>
+              </a:rPr>
+              <a:t>head</a:t>
+            </a:r>
+            <a:r>
+              <a:rPr lang="en-US" b="0" dirty="0">
+                <a:solidFill>
+                  <a:srgbClr val="808080"/>
+                </a:solidFill>
+                <a:effectLst/>
+                <a:latin typeface="Consolas" panose="020B0609020204030204" pitchFamily="49" charset="0"/>
+              </a:rPr>
+              <a:t>&gt;</a:t>
+            </a:r>
+          </a:p>
+          <a:p>
+            <a:r>
+              <a:rPr lang="en-US" dirty="0">
+                <a:solidFill>
+                  <a:srgbClr val="808080"/>
+                </a:solidFill>
+                <a:latin typeface="Consolas" panose="020B0609020204030204" pitchFamily="49" charset="0"/>
+              </a:rPr>
+              <a:t>	</a:t>
+            </a:r>
+            <a:r>
+              <a:rPr lang="en-US" b="0" dirty="0">
+                <a:solidFill>
+                  <a:srgbClr val="D4D4D4"/>
+                </a:solidFill>
+                <a:effectLst/>
+                <a:latin typeface="Consolas" panose="020B0609020204030204" pitchFamily="49" charset="0"/>
+              </a:rPr>
+              <a:t>    </a:t>
+            </a:r>
+            <a:r>
+              <a:rPr lang="en-US" b="0" dirty="0">
+                <a:solidFill>
+                  <a:srgbClr val="808080"/>
+                </a:solidFill>
+                <a:effectLst/>
+                <a:latin typeface="Consolas" panose="020B0609020204030204" pitchFamily="49" charset="0"/>
+              </a:rPr>
+              <a:t>&lt;</a:t>
+            </a:r>
+            <a:r>
+              <a:rPr lang="en-US" b="0" dirty="0">
+                <a:solidFill>
+                  <a:srgbClr val="569CD6"/>
+                </a:solidFill>
+                <a:effectLst/>
+                <a:latin typeface="Consolas" panose="020B0609020204030204" pitchFamily="49" charset="0"/>
+              </a:rPr>
+              <a:t>title</a:t>
+            </a:r>
+            <a:r>
+              <a:rPr lang="en-US" b="0" dirty="0">
+                <a:solidFill>
+                  <a:srgbClr val="808080"/>
+                </a:solidFill>
+                <a:effectLst/>
+                <a:latin typeface="Consolas" panose="020B0609020204030204" pitchFamily="49" charset="0"/>
+              </a:rPr>
+              <a:t>&gt;</a:t>
+            </a:r>
+            <a:r>
+              <a:rPr lang="en-US" b="0" dirty="0">
+                <a:effectLst/>
+                <a:latin typeface="Consolas" panose="020B0609020204030204" pitchFamily="49" charset="0"/>
+              </a:rPr>
+              <a:t>My Doctor Who Page </a:t>
+            </a:r>
+            <a:r>
+              <a:rPr lang="en-US" b="0" dirty="0">
+                <a:solidFill>
+                  <a:srgbClr val="808080"/>
+                </a:solidFill>
+                <a:effectLst/>
+                <a:latin typeface="Consolas" panose="020B0609020204030204" pitchFamily="49" charset="0"/>
+              </a:rPr>
+              <a:t>&lt;/</a:t>
+            </a:r>
+            <a:r>
+              <a:rPr lang="en-US" b="0" dirty="0">
+                <a:solidFill>
+                  <a:srgbClr val="569CD6"/>
+                </a:solidFill>
+                <a:effectLst/>
+                <a:latin typeface="Consolas" panose="020B0609020204030204" pitchFamily="49" charset="0"/>
+              </a:rPr>
+              <a:t>title</a:t>
+            </a:r>
+            <a:r>
+              <a:rPr lang="en-US" b="0" dirty="0">
+                <a:solidFill>
+                  <a:srgbClr val="808080"/>
+                </a:solidFill>
+                <a:effectLst/>
+                <a:latin typeface="Consolas" panose="020B0609020204030204" pitchFamily="49" charset="0"/>
+              </a:rPr>
+              <a:t>&gt;</a:t>
+            </a:r>
+            <a:endParaRPr lang="en-US" b="0" dirty="0">
+              <a:solidFill>
+                <a:srgbClr val="D4D4D4"/>
+              </a:solidFill>
+              <a:effectLst/>
+              <a:latin typeface="Consolas" panose="020B0609020204030204" pitchFamily="49" charset="0"/>
+            </a:endParaRPr>
+          </a:p>
+          <a:p>
+            <a:r>
+              <a:rPr lang="en-US" b="0" dirty="0">
+                <a:solidFill>
+                  <a:srgbClr val="D4D4D4"/>
+                </a:solidFill>
+                <a:effectLst/>
+                <a:latin typeface="Consolas" panose="020B0609020204030204" pitchFamily="49" charset="0"/>
+              </a:rPr>
+              <a:t>    </a:t>
+            </a:r>
+            <a:r>
+              <a:rPr lang="en-US" b="0" dirty="0">
+                <a:solidFill>
+                  <a:srgbClr val="808080"/>
+                </a:solidFill>
+                <a:effectLst/>
+                <a:latin typeface="Consolas" panose="020B0609020204030204" pitchFamily="49" charset="0"/>
+              </a:rPr>
+              <a:t>&lt;/</a:t>
+            </a:r>
+            <a:r>
+              <a:rPr lang="en-US" b="0" dirty="0">
+                <a:solidFill>
+                  <a:srgbClr val="569CD6"/>
+                </a:solidFill>
+                <a:effectLst/>
+                <a:latin typeface="Consolas" panose="020B0609020204030204" pitchFamily="49" charset="0"/>
+              </a:rPr>
+              <a:t>head</a:t>
+            </a:r>
+            <a:r>
+              <a:rPr lang="en-US" b="0" dirty="0">
+                <a:solidFill>
+                  <a:srgbClr val="808080"/>
+                </a:solidFill>
+                <a:effectLst/>
+                <a:latin typeface="Consolas" panose="020B0609020204030204" pitchFamily="49" charset="0"/>
+              </a:rPr>
+              <a:t>&gt;</a:t>
+            </a:r>
+            <a:endParaRPr lang="en-US" b="0" dirty="0">
+              <a:solidFill>
+                <a:srgbClr val="D4D4D4"/>
+              </a:solidFill>
+              <a:effectLst/>
+              <a:latin typeface="Consolas" panose="020B0609020204030204" pitchFamily="49" charset="0"/>
+            </a:endParaRPr>
+          </a:p>
+          <a:p>
+            <a:r>
+              <a:rPr lang="en-US" b="0" dirty="0">
+                <a:solidFill>
+                  <a:srgbClr val="D4D4D4"/>
+                </a:solidFill>
+                <a:effectLst/>
+                <a:latin typeface="Consolas" panose="020B0609020204030204" pitchFamily="49" charset="0"/>
+              </a:rPr>
+              <a:t>    </a:t>
+            </a:r>
+            <a:r>
+              <a:rPr lang="en-US" b="0" dirty="0">
+                <a:solidFill>
+                  <a:srgbClr val="808080"/>
+                </a:solidFill>
+                <a:effectLst/>
+                <a:latin typeface="Consolas" panose="020B0609020204030204" pitchFamily="49" charset="0"/>
+              </a:rPr>
+              <a:t>&lt;</a:t>
+            </a:r>
+            <a:r>
+              <a:rPr lang="en-US" b="0" dirty="0">
+                <a:solidFill>
+                  <a:srgbClr val="569CD6"/>
+                </a:solidFill>
+                <a:effectLst/>
+                <a:latin typeface="Consolas" panose="020B0609020204030204" pitchFamily="49" charset="0"/>
+              </a:rPr>
+              <a:t>body</a:t>
+            </a:r>
+            <a:r>
+              <a:rPr lang="en-US" b="0" dirty="0">
+                <a:solidFill>
+                  <a:srgbClr val="808080"/>
+                </a:solidFill>
+                <a:effectLst/>
+                <a:latin typeface="Consolas" panose="020B0609020204030204" pitchFamily="49" charset="0"/>
+              </a:rPr>
+              <a:t>&gt;</a:t>
+            </a:r>
+            <a:endParaRPr lang="en-US" b="0" dirty="0">
+              <a:solidFill>
+                <a:srgbClr val="D4D4D4"/>
+              </a:solidFill>
+              <a:effectLst/>
+              <a:latin typeface="Consolas" panose="020B0609020204030204" pitchFamily="49" charset="0"/>
+            </a:endParaRPr>
+          </a:p>
+          <a:p>
+            <a:r>
+              <a:rPr lang="en-US" b="0" dirty="0">
+                <a:solidFill>
+                  <a:srgbClr val="D4D4D4"/>
+                </a:solidFill>
+                <a:effectLst/>
+                <a:latin typeface="Consolas" panose="020B0609020204030204" pitchFamily="49" charset="0"/>
+              </a:rPr>
+              <a:t>        </a:t>
+            </a:r>
+            <a:r>
+              <a:rPr lang="en-US" b="0" dirty="0">
+                <a:solidFill>
+                  <a:srgbClr val="808080"/>
+                </a:solidFill>
+                <a:effectLst/>
+                <a:latin typeface="Consolas" panose="020B0609020204030204" pitchFamily="49" charset="0"/>
+              </a:rPr>
+              <a:t>&lt;</a:t>
+            </a:r>
+            <a:r>
+              <a:rPr lang="en-US" b="0" dirty="0">
+                <a:solidFill>
+                  <a:srgbClr val="569CD6"/>
+                </a:solidFill>
+                <a:effectLst/>
+                <a:latin typeface="Consolas" panose="020B0609020204030204" pitchFamily="49" charset="0"/>
+              </a:rPr>
+              <a:t>h1</a:t>
+            </a:r>
+            <a:r>
+              <a:rPr lang="en-US" b="0" dirty="0">
+                <a:solidFill>
+                  <a:srgbClr val="808080"/>
+                </a:solidFill>
+                <a:effectLst/>
+                <a:latin typeface="Consolas" panose="020B0609020204030204" pitchFamily="49" charset="0"/>
+              </a:rPr>
+              <a:t>&gt;</a:t>
+            </a:r>
+            <a:r>
+              <a:rPr lang="en-US" b="0" dirty="0">
+                <a:effectLst/>
+                <a:latin typeface="Consolas" panose="020B0609020204030204" pitchFamily="49" charset="0"/>
+              </a:rPr>
+              <a:t>Doctor Who 101</a:t>
+            </a:r>
+            <a:r>
+              <a:rPr lang="en-US" b="0" dirty="0">
+                <a:solidFill>
+                  <a:srgbClr val="808080"/>
+                </a:solidFill>
+                <a:effectLst/>
+                <a:latin typeface="Consolas" panose="020B0609020204030204" pitchFamily="49" charset="0"/>
+              </a:rPr>
+              <a:t>&lt;/</a:t>
+            </a:r>
+            <a:r>
+              <a:rPr lang="en-US" b="0" dirty="0">
+                <a:solidFill>
+                  <a:srgbClr val="569CD6"/>
+                </a:solidFill>
+                <a:effectLst/>
+                <a:latin typeface="Consolas" panose="020B0609020204030204" pitchFamily="49" charset="0"/>
+              </a:rPr>
+              <a:t>h1</a:t>
+            </a:r>
+            <a:r>
+              <a:rPr lang="en-US" b="0" dirty="0">
+                <a:solidFill>
+                  <a:srgbClr val="808080"/>
+                </a:solidFill>
+                <a:effectLst/>
+                <a:latin typeface="Consolas" panose="020B0609020204030204" pitchFamily="49" charset="0"/>
+              </a:rPr>
+              <a:t>&gt;</a:t>
+            </a:r>
+            <a:endParaRPr lang="en-US" b="0" dirty="0">
+              <a:solidFill>
+                <a:srgbClr val="D4D4D4"/>
+              </a:solidFill>
+              <a:effectLst/>
+              <a:latin typeface="Consolas" panose="020B0609020204030204" pitchFamily="49" charset="0"/>
+            </a:endParaRPr>
+          </a:p>
+          <a:p>
+            <a:r>
+              <a:rPr lang="en-US" b="0" dirty="0">
+                <a:solidFill>
+                  <a:srgbClr val="D4D4D4"/>
+                </a:solidFill>
+                <a:effectLst/>
+                <a:latin typeface="Consolas" panose="020B0609020204030204" pitchFamily="49" charset="0"/>
+              </a:rPr>
+              <a:t>        </a:t>
+            </a:r>
+            <a:r>
+              <a:rPr lang="en-US" b="0" dirty="0">
+                <a:solidFill>
+                  <a:srgbClr val="808080"/>
+                </a:solidFill>
+                <a:effectLst/>
+                <a:latin typeface="Consolas" panose="020B0609020204030204" pitchFamily="49" charset="0"/>
+              </a:rPr>
+              <a:t>&lt;</a:t>
+            </a:r>
+            <a:r>
+              <a:rPr lang="en-US" b="0" dirty="0">
+                <a:solidFill>
+                  <a:srgbClr val="569CD6"/>
+                </a:solidFill>
+                <a:effectLst/>
+                <a:latin typeface="Consolas" panose="020B0609020204030204" pitchFamily="49" charset="0"/>
+              </a:rPr>
+              <a:t>p</a:t>
+            </a:r>
+            <a:r>
+              <a:rPr lang="en-US" b="0" dirty="0">
+                <a:solidFill>
+                  <a:srgbClr val="808080"/>
+                </a:solidFill>
+                <a:effectLst/>
+                <a:latin typeface="Consolas" panose="020B0609020204030204" pitchFamily="49" charset="0"/>
+              </a:rPr>
+              <a:t>&gt;</a:t>
+            </a:r>
+            <a:r>
+              <a:rPr lang="en-US" b="0" dirty="0">
+                <a:effectLst/>
+                <a:latin typeface="Consolas" panose="020B0609020204030204" pitchFamily="49" charset="0"/>
+              </a:rPr>
+              <a:t>Welcome to Doctor Who 101. This is 			a short paragraph.</a:t>
+            </a:r>
+            <a:r>
+              <a:rPr lang="en-US" b="0" dirty="0">
+                <a:solidFill>
+                  <a:srgbClr val="808080"/>
+                </a:solidFill>
+                <a:effectLst/>
+                <a:latin typeface="Consolas" panose="020B0609020204030204" pitchFamily="49" charset="0"/>
+              </a:rPr>
+              <a:t>&lt;/</a:t>
+            </a:r>
+            <a:r>
+              <a:rPr lang="en-US" b="0" dirty="0">
+                <a:solidFill>
+                  <a:srgbClr val="569CD6"/>
+                </a:solidFill>
+                <a:effectLst/>
+                <a:latin typeface="Consolas" panose="020B0609020204030204" pitchFamily="49" charset="0"/>
+              </a:rPr>
+              <a:t>p</a:t>
+            </a:r>
+            <a:r>
+              <a:rPr lang="en-US" b="0" dirty="0">
+                <a:solidFill>
+                  <a:srgbClr val="808080"/>
+                </a:solidFill>
+                <a:effectLst/>
+                <a:latin typeface="Consolas" panose="020B0609020204030204" pitchFamily="49" charset="0"/>
+              </a:rPr>
+              <a:t>&gt;</a:t>
+            </a:r>
+            <a:endParaRPr lang="en-US" b="0" dirty="0">
+              <a:solidFill>
+                <a:srgbClr val="D4D4D4"/>
+              </a:solidFill>
+              <a:effectLst/>
+              <a:latin typeface="Consolas" panose="020B0609020204030204" pitchFamily="49" charset="0"/>
+            </a:endParaRPr>
+          </a:p>
+          <a:p>
+            <a:r>
+              <a:rPr lang="en-US" b="0" dirty="0">
+                <a:solidFill>
+                  <a:srgbClr val="D4D4D4"/>
+                </a:solidFill>
+                <a:effectLst/>
+                <a:latin typeface="Consolas" panose="020B0609020204030204" pitchFamily="49" charset="0"/>
+              </a:rPr>
+              <a:t>        </a:t>
+            </a:r>
+            <a:r>
+              <a:rPr lang="en-US" b="0" dirty="0">
+                <a:solidFill>
+                  <a:srgbClr val="808080"/>
+                </a:solidFill>
+                <a:effectLst/>
+                <a:latin typeface="Consolas" panose="020B0609020204030204" pitchFamily="49" charset="0"/>
+              </a:rPr>
+              <a:t>&lt;</a:t>
+            </a:r>
+            <a:r>
+              <a:rPr lang="en-US" b="0" dirty="0">
+                <a:solidFill>
+                  <a:srgbClr val="569CD6"/>
+                </a:solidFill>
+                <a:effectLst/>
+                <a:latin typeface="Consolas" panose="020B0609020204030204" pitchFamily="49" charset="0"/>
+              </a:rPr>
+              <a:t>p</a:t>
+            </a:r>
+            <a:r>
+              <a:rPr lang="en-US" b="0" dirty="0">
+                <a:solidFill>
+                  <a:srgbClr val="808080"/>
+                </a:solidFill>
+                <a:effectLst/>
+                <a:latin typeface="Consolas" panose="020B0609020204030204" pitchFamily="49" charset="0"/>
+              </a:rPr>
+              <a:t>&gt;</a:t>
+            </a:r>
+            <a:r>
+              <a:rPr lang="en-US" b="0" dirty="0">
+                <a:effectLst/>
+                <a:latin typeface="Consolas" panose="020B0609020204030204" pitchFamily="49" charset="0"/>
+              </a:rPr>
+              <a:t>This is another paragraph. What do 			you think of the new doctor?</a:t>
+            </a:r>
+            <a:r>
+              <a:rPr lang="en-US" b="0" dirty="0">
+                <a:solidFill>
+                  <a:srgbClr val="808080"/>
+                </a:solidFill>
+                <a:effectLst/>
+                <a:latin typeface="Consolas" panose="020B0609020204030204" pitchFamily="49" charset="0"/>
+              </a:rPr>
+              <a:t>&lt;/</a:t>
+            </a:r>
+            <a:r>
+              <a:rPr lang="en-US" b="0" dirty="0">
+                <a:solidFill>
+                  <a:srgbClr val="569CD6"/>
+                </a:solidFill>
+                <a:effectLst/>
+                <a:latin typeface="Consolas" panose="020B0609020204030204" pitchFamily="49" charset="0"/>
+              </a:rPr>
+              <a:t>p</a:t>
+            </a:r>
+            <a:r>
+              <a:rPr lang="en-US" b="0" dirty="0">
+                <a:solidFill>
+                  <a:srgbClr val="808080"/>
+                </a:solidFill>
+                <a:effectLst/>
+                <a:latin typeface="Consolas" panose="020B0609020204030204" pitchFamily="49" charset="0"/>
+              </a:rPr>
+              <a:t>&gt;</a:t>
+            </a:r>
+            <a:endParaRPr lang="en-US" b="0" dirty="0">
+              <a:solidFill>
+                <a:srgbClr val="D4D4D4"/>
+              </a:solidFill>
+              <a:effectLst/>
+              <a:latin typeface="Consolas" panose="020B0609020204030204" pitchFamily="49" charset="0"/>
+            </a:endParaRPr>
+          </a:p>
+          <a:p>
+            <a:r>
+              <a:rPr lang="en-US" b="0" dirty="0">
+                <a:solidFill>
+                  <a:srgbClr val="D4D4D4"/>
+                </a:solidFill>
+                <a:effectLst/>
+                <a:latin typeface="Consolas" panose="020B0609020204030204" pitchFamily="49" charset="0"/>
+              </a:rPr>
+              <a:t>    </a:t>
+            </a:r>
+            <a:r>
+              <a:rPr lang="en-US" b="0" dirty="0">
+                <a:solidFill>
+                  <a:srgbClr val="808080"/>
+                </a:solidFill>
+                <a:effectLst/>
+                <a:latin typeface="Consolas" panose="020B0609020204030204" pitchFamily="49" charset="0"/>
+              </a:rPr>
+              <a:t>&lt;/</a:t>
+            </a:r>
+            <a:r>
+              <a:rPr lang="en-US" b="0" dirty="0">
+                <a:solidFill>
+                  <a:srgbClr val="569CD6"/>
+                </a:solidFill>
+                <a:effectLst/>
+                <a:latin typeface="Consolas" panose="020B0609020204030204" pitchFamily="49" charset="0"/>
+              </a:rPr>
+              <a:t>body</a:t>
+            </a:r>
+            <a:r>
+              <a:rPr lang="en-US" b="0" dirty="0">
+                <a:solidFill>
+                  <a:srgbClr val="808080"/>
+                </a:solidFill>
+                <a:effectLst/>
+                <a:latin typeface="Consolas" panose="020B0609020204030204" pitchFamily="49" charset="0"/>
+              </a:rPr>
+              <a:t>&gt;</a:t>
+            </a:r>
+            <a:endParaRPr lang="en-US" b="0" dirty="0">
+              <a:solidFill>
+                <a:srgbClr val="D4D4D4"/>
+              </a:solidFill>
+              <a:effectLst/>
+              <a:latin typeface="Consolas" panose="020B0609020204030204" pitchFamily="49" charset="0"/>
+            </a:endParaRPr>
+          </a:p>
+          <a:p>
+            <a:r>
+              <a:rPr lang="en-US" b="0" dirty="0">
+                <a:solidFill>
+                  <a:srgbClr val="808080"/>
+                </a:solidFill>
+                <a:effectLst/>
+                <a:latin typeface="Consolas" panose="020B0609020204030204" pitchFamily="49" charset="0"/>
+              </a:rPr>
+              <a:t>&lt;/</a:t>
+            </a:r>
+            <a:r>
+              <a:rPr lang="en-US" b="0" dirty="0">
+                <a:solidFill>
+                  <a:srgbClr val="569CD6"/>
+                </a:solidFill>
+                <a:effectLst/>
+                <a:latin typeface="Consolas" panose="020B0609020204030204" pitchFamily="49" charset="0"/>
+              </a:rPr>
+              <a:t>html</a:t>
+            </a:r>
+            <a:r>
+              <a:rPr lang="en-US" b="0" dirty="0">
+                <a:solidFill>
+                  <a:srgbClr val="808080"/>
+                </a:solidFill>
+                <a:effectLst/>
+                <a:latin typeface="Consolas" panose="020B0609020204030204" pitchFamily="49" charset="0"/>
+              </a:rPr>
+              <a:t>&gt;</a:t>
+            </a:r>
+            <a:endParaRPr lang="en-US" b="0" dirty="0">
+              <a:solidFill>
+                <a:srgbClr val="D4D4D4"/>
+              </a:solidFill>
+              <a:effectLst/>
+              <a:latin typeface="Consolas" panose="020B0609020204030204" pitchFamily="49" charset="0"/>
+            </a:endParaRPr>
+          </a:p>
+        </p:txBody>
+      </p:sp>
+      <p:sp>
+        <p:nvSpPr>
+          <p:cNvPr id="7" name="TextBox 6">
+            <a:extLst>
+              <a:ext uri="{FF2B5EF4-FFF2-40B4-BE49-F238E27FC236}">
+                <a16:creationId xmlns:a16="http://schemas.microsoft.com/office/drawing/2014/main" id="{1289EF6C-F4D8-4D06-B814-163DE9BB77B9}"/>
+              </a:ext>
+            </a:extLst>
+          </p:cNvPr>
+          <p:cNvSpPr txBox="1"/>
+          <p:nvPr/>
+        </p:nvSpPr>
+        <p:spPr>
+          <a:xfrm>
+            <a:off x="8448148" y="1727565"/>
+            <a:ext cx="3282846" cy="707886"/>
+          </a:xfrm>
+          <a:prstGeom prst="rect">
+            <a:avLst/>
+          </a:prstGeom>
+          <a:noFill/>
+        </p:spPr>
+        <p:txBody>
+          <a:bodyPr wrap="square" rtlCol="0">
+            <a:spAutoFit/>
+          </a:bodyPr>
+          <a:lstStyle/>
+          <a:p>
+            <a:r>
               <a:rPr lang="en-US" dirty="0"/>
-            </a:br>
+              <a:t>Invisible Info about the document. Author, Title, </a:t>
+            </a:r>
+            <a:r>
+              <a:rPr lang="en-US" dirty="0" err="1"/>
+              <a:t>etc</a:t>
+            </a:r>
+            <a:endParaRPr lang="en-US" dirty="0"/>
+          </a:p>
+        </p:txBody>
+      </p:sp>
+      <p:sp>
+        <p:nvSpPr>
+          <p:cNvPr id="8" name="TextBox 7">
+            <a:extLst>
+              <a:ext uri="{FF2B5EF4-FFF2-40B4-BE49-F238E27FC236}">
+                <a16:creationId xmlns:a16="http://schemas.microsoft.com/office/drawing/2014/main" id="{F2EB93B2-5E43-4449-9FE3-62674566DE14}"/>
+              </a:ext>
+            </a:extLst>
+          </p:cNvPr>
+          <p:cNvSpPr txBox="1"/>
+          <p:nvPr/>
+        </p:nvSpPr>
+        <p:spPr>
+          <a:xfrm>
+            <a:off x="628075" y="6063584"/>
+            <a:ext cx="2788170" cy="707886"/>
+          </a:xfrm>
+          <a:prstGeom prst="rect">
+            <a:avLst/>
+          </a:prstGeom>
+          <a:noFill/>
+        </p:spPr>
+        <p:txBody>
+          <a:bodyPr wrap="square" rtlCol="0">
+            <a:spAutoFit/>
+          </a:bodyPr>
+          <a:lstStyle/>
+          <a:p>
             <a:r>
               <a:rPr lang="en-US" dirty="0"/>
-              <a:t>Some Tips</a:t>
+              <a:t>What you see in the document</a:t>
+            </a:r>
+          </a:p>
+        </p:txBody>
+      </p:sp>
+      <p:sp>
+        <p:nvSpPr>
+          <p:cNvPr id="9" name="Arrow: Left 8">
+            <a:extLst>
+              <a:ext uri="{FF2B5EF4-FFF2-40B4-BE49-F238E27FC236}">
+                <a16:creationId xmlns:a16="http://schemas.microsoft.com/office/drawing/2014/main" id="{0861E8BD-15CA-4358-A5D1-E2741F413F81}"/>
+              </a:ext>
+            </a:extLst>
+          </p:cNvPr>
+          <p:cNvSpPr/>
+          <p:nvPr/>
+        </p:nvSpPr>
+        <p:spPr>
+          <a:xfrm>
+            <a:off x="3191807" y="1794679"/>
+            <a:ext cx="2692609" cy="668595"/>
+          </a:xfrm>
+          <a:prstGeom prst="leftArrow">
+            <a:avLst/>
+          </a:prstGeom>
+          <a:solidFill>
+            <a:schemeClr val="tx2"/>
+          </a:solidFill>
+          <a:ln>
+            <a:noFill/>
+          </a:ln>
+          <a:effectLst/>
+        </p:spPr>
+        <p:style>
+          <a:lnRef idx="1">
+            <a:schemeClr val="accent1"/>
+          </a:lnRef>
+          <a:fillRef idx="3">
+            <a:schemeClr val="accent1"/>
+          </a:fillRef>
+          <a:effectRef idx="2">
+            <a:schemeClr val="accent1"/>
+          </a:effectRef>
+          <a:fontRef idx="minor">
+            <a:schemeClr val="lt1"/>
+          </a:fontRef>
+        </p:style>
+        <p:txBody>
+          <a:bodyPr lIns="274320" tIns="182880" rIns="274320" bIns="182880" rtlCol="0" anchor="ctr"/>
+          <a:lstStyle/>
+          <a:p>
+            <a:pPr algn="ctr"/>
+            <a:r>
+              <a:rPr lang="en-US" dirty="0">
+                <a:latin typeface="Proxima Nova" charset="0"/>
+                <a:ea typeface="Proxima Nova" charset="0"/>
+                <a:cs typeface="Proxima Nova" charset="0"/>
+              </a:rPr>
+              <a:t>Document Start</a:t>
+            </a:r>
+          </a:p>
+        </p:txBody>
+      </p:sp>
+      <p:sp>
+        <p:nvSpPr>
+          <p:cNvPr id="10" name="Right Brace 9">
+            <a:extLst>
+              <a:ext uri="{FF2B5EF4-FFF2-40B4-BE49-F238E27FC236}">
+                <a16:creationId xmlns:a16="http://schemas.microsoft.com/office/drawing/2014/main" id="{BB6BA0EE-5C23-4A68-9882-325A399398E4}"/>
+              </a:ext>
+            </a:extLst>
+          </p:cNvPr>
+          <p:cNvSpPr/>
+          <p:nvPr/>
+        </p:nvSpPr>
+        <p:spPr>
+          <a:xfrm>
+            <a:off x="6130977" y="2435451"/>
+            <a:ext cx="1319134" cy="892365"/>
+          </a:xfrm>
+          <a:prstGeom prst="rightBrace">
+            <a:avLst/>
+          </a:prstGeom>
+        </p:spPr>
+        <p:style>
+          <a:lnRef idx="2">
+            <a:schemeClr val="accent1"/>
+          </a:lnRef>
+          <a:fillRef idx="0">
+            <a:schemeClr val="accent1"/>
+          </a:fillRef>
+          <a:effectRef idx="1">
+            <a:schemeClr val="accent1"/>
+          </a:effectRef>
+          <a:fontRef idx="minor">
+            <a:schemeClr val="tx1"/>
+          </a:fontRef>
+        </p:style>
+        <p:txBody>
+          <a:bodyPr rtlCol="0" anchor="ctr"/>
+          <a:lstStyle/>
+          <a:p>
+            <a:pPr algn="ctr"/>
+            <a:endParaRPr lang="en-US"/>
+          </a:p>
+        </p:txBody>
+      </p:sp>
+      <p:cxnSp>
+        <p:nvCxnSpPr>
+          <p:cNvPr id="13" name="Connector: Elbow 12">
+            <a:extLst>
+              <a:ext uri="{FF2B5EF4-FFF2-40B4-BE49-F238E27FC236}">
+                <a16:creationId xmlns:a16="http://schemas.microsoft.com/office/drawing/2014/main" id="{3B9D7C34-5F52-482B-A3EF-0C5F41353848}"/>
+              </a:ext>
+            </a:extLst>
+          </p:cNvPr>
+          <p:cNvCxnSpPr>
+            <a:cxnSpLocks/>
+            <a:stCxn id="10" idx="1"/>
+          </p:cNvCxnSpPr>
+          <p:nvPr/>
+        </p:nvCxnSpPr>
+        <p:spPr>
+          <a:xfrm rot="10800000" flipH="1">
+            <a:off x="7450111" y="2066518"/>
+            <a:ext cx="998036" cy="815116"/>
+          </a:xfrm>
+          <a:prstGeom prst="bentConnector3">
+            <a:avLst>
+              <a:gd name="adj1" fmla="val 53695"/>
+            </a:avLst>
+          </a:prstGeom>
+          <a:ln>
+            <a:tailEnd type="triangle"/>
+          </a:ln>
+        </p:spPr>
+        <p:style>
+          <a:lnRef idx="2">
+            <a:schemeClr val="accent1"/>
+          </a:lnRef>
+          <a:fillRef idx="0">
+            <a:schemeClr val="accent1"/>
+          </a:fillRef>
+          <a:effectRef idx="1">
+            <a:schemeClr val="accent1"/>
+          </a:effectRef>
+          <a:fontRef idx="minor">
+            <a:schemeClr val="tx1"/>
+          </a:fontRef>
+        </p:style>
+      </p:cxnSp>
+      <p:sp>
+        <p:nvSpPr>
+          <p:cNvPr id="17" name="Left Brace 16">
+            <a:extLst>
+              <a:ext uri="{FF2B5EF4-FFF2-40B4-BE49-F238E27FC236}">
+                <a16:creationId xmlns:a16="http://schemas.microsoft.com/office/drawing/2014/main" id="{9CFF92E8-129D-4DF1-B851-4F1A57B82B0D}"/>
+              </a:ext>
+            </a:extLst>
+          </p:cNvPr>
+          <p:cNvSpPr/>
+          <p:nvPr/>
+        </p:nvSpPr>
+        <p:spPr>
+          <a:xfrm>
+            <a:off x="1019331" y="3462728"/>
+            <a:ext cx="419725" cy="1873770"/>
+          </a:xfrm>
+          <a:prstGeom prst="leftBrace">
+            <a:avLst>
+              <a:gd name="adj1" fmla="val 8333"/>
+              <a:gd name="adj2" fmla="val 49200"/>
+            </a:avLst>
+          </a:prstGeom>
+        </p:spPr>
+        <p:style>
+          <a:lnRef idx="2">
+            <a:schemeClr val="accent1"/>
+          </a:lnRef>
+          <a:fillRef idx="0">
+            <a:schemeClr val="accent1"/>
+          </a:fillRef>
+          <a:effectRef idx="1">
+            <a:schemeClr val="accent1"/>
+          </a:effectRef>
+          <a:fontRef idx="minor">
+            <a:schemeClr val="tx1"/>
+          </a:fontRef>
+        </p:style>
+        <p:txBody>
+          <a:bodyPr rtlCol="0" anchor="ctr"/>
+          <a:lstStyle/>
+          <a:p>
+            <a:pPr algn="ctr"/>
+            <a:endParaRPr lang="en-US"/>
+          </a:p>
+        </p:txBody>
+      </p:sp>
+      <p:cxnSp>
+        <p:nvCxnSpPr>
+          <p:cNvPr id="19" name="Connector: Elbow 18">
+            <a:extLst>
+              <a:ext uri="{FF2B5EF4-FFF2-40B4-BE49-F238E27FC236}">
+                <a16:creationId xmlns:a16="http://schemas.microsoft.com/office/drawing/2014/main" id="{D6D1C421-2ADB-4DF9-9DCF-8916A99F705B}"/>
+              </a:ext>
+            </a:extLst>
+          </p:cNvPr>
+          <p:cNvCxnSpPr>
+            <a:endCxn id="8" idx="1"/>
+          </p:cNvCxnSpPr>
+          <p:nvPr/>
+        </p:nvCxnSpPr>
+        <p:spPr>
+          <a:xfrm rot="5400000">
+            <a:off x="-181506" y="5216689"/>
+            <a:ext cx="2010419" cy="391256"/>
+          </a:xfrm>
+          <a:prstGeom prst="bentConnector4">
+            <a:avLst>
+              <a:gd name="adj1" fmla="val -1304"/>
+              <a:gd name="adj2" fmla="val 158427"/>
+            </a:avLst>
+          </a:prstGeom>
+          <a:ln>
+            <a:tailEnd type="triangle"/>
+          </a:ln>
+        </p:spPr>
+        <p:style>
+          <a:lnRef idx="2">
+            <a:schemeClr val="accent1"/>
+          </a:lnRef>
+          <a:fillRef idx="0">
+            <a:schemeClr val="accent1"/>
+          </a:fillRef>
+          <a:effectRef idx="1">
+            <a:schemeClr val="accent1"/>
+          </a:effectRef>
+          <a:fontRef idx="minor">
+            <a:schemeClr val="tx1"/>
+          </a:fontRef>
+        </p:style>
+      </p:cxnSp>
+      <p:cxnSp>
+        <p:nvCxnSpPr>
+          <p:cNvPr id="22" name="Connector: Elbow 21">
+            <a:extLst>
+              <a:ext uri="{FF2B5EF4-FFF2-40B4-BE49-F238E27FC236}">
+                <a16:creationId xmlns:a16="http://schemas.microsoft.com/office/drawing/2014/main" id="{34767B9C-B23E-4A19-A222-49601A686CDF}"/>
+              </a:ext>
+            </a:extLst>
+          </p:cNvPr>
+          <p:cNvCxnSpPr>
+            <a:cxnSpLocks/>
+          </p:cNvCxnSpPr>
+          <p:nvPr/>
+        </p:nvCxnSpPr>
+        <p:spPr>
+          <a:xfrm flipV="1">
+            <a:off x="5369453" y="3327816"/>
+            <a:ext cx="2950088" cy="446182"/>
+          </a:xfrm>
+          <a:prstGeom prst="bentConnector3">
+            <a:avLst/>
+          </a:prstGeom>
+          <a:ln>
+            <a:tailEnd type="triangle"/>
+          </a:ln>
+        </p:spPr>
+        <p:style>
+          <a:lnRef idx="2">
+            <a:schemeClr val="accent1"/>
+          </a:lnRef>
+          <a:fillRef idx="0">
+            <a:schemeClr val="accent1"/>
+          </a:fillRef>
+          <a:effectRef idx="1">
+            <a:schemeClr val="accent1"/>
+          </a:effectRef>
+          <a:fontRef idx="minor">
+            <a:schemeClr val="tx1"/>
+          </a:fontRef>
+        </p:style>
+      </p:cxnSp>
+    </p:spTree>
+  </p:cSld>
+  <p:clrMapOvr>
+    <a:masterClrMapping/>
+  </p:clrMapOvr>
+  <p:timing>
+    <p:tnLst>
+      <p:par>
+        <p:cTn id="1" dur="indefinite" restart="never" nodeType="tmRoot">
+          <p:childTnLst>
+            <p:seq concurrent="1" nextAc="seek">
+              <p:cTn id="2" dur="indefinite" nodeType="mainSeq">
+                <p:childTnLst>
+                  <p:par>
+                    <p:cTn id="3" fill="hold">
+                      <p:stCondLst>
+                        <p:cond delay="indefinite"/>
+                      </p:stCondLst>
+                      <p:childTnLst>
+                        <p:par>
+                          <p:cTn id="4" fill="hold">
+                            <p:stCondLst>
+                              <p:cond delay="0"/>
+                            </p:stCondLst>
+                            <p:childTnLst>
+                              <p:par>
+                                <p:cTn id="5" presetID="22" presetClass="entr" presetSubtype="2" fill="hold" grpId="0" nodeType="clickEffect">
+                                  <p:stCondLst>
+                                    <p:cond delay="0"/>
+                                  </p:stCondLst>
+                                  <p:childTnLst>
+                                    <p:set>
+                                      <p:cBhvr>
+                                        <p:cTn id="6" dur="1" fill="hold">
+                                          <p:stCondLst>
+                                            <p:cond delay="0"/>
+                                          </p:stCondLst>
+                                        </p:cTn>
+                                        <p:tgtEl>
+                                          <p:spTgt spid="9"/>
+                                        </p:tgtEl>
+                                        <p:attrNameLst>
+                                          <p:attrName>style.visibility</p:attrName>
+                                        </p:attrNameLst>
+                                      </p:cBhvr>
+                                      <p:to>
+                                        <p:strVal val="visible"/>
+                                      </p:to>
+                                    </p:set>
+                                    <p:animEffect transition="in" filter="wipe(right)">
+                                      <p:cBhvr>
+                                        <p:cTn id="7" dur="500"/>
+                                        <p:tgtEl>
+                                          <p:spTgt spid="9"/>
+                                        </p:tgtEl>
+                                      </p:cBhvr>
+                                    </p:animEffect>
+                                  </p:childTnLst>
+                                </p:cTn>
+                              </p:par>
+                            </p:childTnLst>
+                          </p:cTn>
+                        </p:par>
+                      </p:childTnLst>
+                    </p:cTn>
+                  </p:par>
+                  <p:par>
+                    <p:cTn id="8" fill="hold">
+                      <p:stCondLst>
+                        <p:cond delay="indefinite"/>
+                      </p:stCondLst>
+                      <p:childTnLst>
+                        <p:par>
+                          <p:cTn id="9" fill="hold">
+                            <p:stCondLst>
+                              <p:cond delay="0"/>
+                            </p:stCondLst>
+                            <p:childTnLst>
+                              <p:par>
+                                <p:cTn id="10" presetID="22" presetClass="entr" presetSubtype="8" fill="hold" grpId="0" nodeType="clickEffect">
+                                  <p:stCondLst>
+                                    <p:cond delay="0"/>
+                                  </p:stCondLst>
+                                  <p:childTnLst>
+                                    <p:set>
+                                      <p:cBhvr>
+                                        <p:cTn id="11" dur="1" fill="hold">
+                                          <p:stCondLst>
+                                            <p:cond delay="0"/>
+                                          </p:stCondLst>
+                                        </p:cTn>
+                                        <p:tgtEl>
+                                          <p:spTgt spid="10"/>
+                                        </p:tgtEl>
+                                        <p:attrNameLst>
+                                          <p:attrName>style.visibility</p:attrName>
+                                        </p:attrNameLst>
+                                      </p:cBhvr>
+                                      <p:to>
+                                        <p:strVal val="visible"/>
+                                      </p:to>
+                                    </p:set>
+                                    <p:animEffect transition="in" filter="wipe(left)">
+                                      <p:cBhvr>
+                                        <p:cTn id="12" dur="500"/>
+                                        <p:tgtEl>
+                                          <p:spTgt spid="10"/>
+                                        </p:tgtEl>
+                                      </p:cBhvr>
+                                    </p:animEffect>
+                                  </p:childTnLst>
+                                </p:cTn>
+                              </p:par>
+                            </p:childTnLst>
+                          </p:cTn>
+                        </p:par>
+                        <p:par>
+                          <p:cTn id="13" fill="hold">
+                            <p:stCondLst>
+                              <p:cond delay="500"/>
+                            </p:stCondLst>
+                            <p:childTnLst>
+                              <p:par>
+                                <p:cTn id="14" presetID="22" presetClass="entr" presetSubtype="8" fill="hold" nodeType="afterEffect">
+                                  <p:stCondLst>
+                                    <p:cond delay="0"/>
+                                  </p:stCondLst>
+                                  <p:childTnLst>
+                                    <p:set>
+                                      <p:cBhvr>
+                                        <p:cTn id="15" dur="1" fill="hold">
+                                          <p:stCondLst>
+                                            <p:cond delay="0"/>
+                                          </p:stCondLst>
+                                        </p:cTn>
+                                        <p:tgtEl>
+                                          <p:spTgt spid="13"/>
+                                        </p:tgtEl>
+                                        <p:attrNameLst>
+                                          <p:attrName>style.visibility</p:attrName>
+                                        </p:attrNameLst>
+                                      </p:cBhvr>
+                                      <p:to>
+                                        <p:strVal val="visible"/>
+                                      </p:to>
+                                    </p:set>
+                                    <p:animEffect transition="in" filter="wipe(left)">
+                                      <p:cBhvr>
+                                        <p:cTn id="16" dur="500"/>
+                                        <p:tgtEl>
+                                          <p:spTgt spid="13"/>
+                                        </p:tgtEl>
+                                      </p:cBhvr>
+                                    </p:animEffect>
+                                  </p:childTnLst>
+                                </p:cTn>
+                              </p:par>
+                            </p:childTnLst>
+                          </p:cTn>
+                        </p:par>
+                        <p:par>
+                          <p:cTn id="17" fill="hold">
+                            <p:stCondLst>
+                              <p:cond delay="1000"/>
+                            </p:stCondLst>
+                            <p:childTnLst>
+                              <p:par>
+                                <p:cTn id="18" presetID="22" presetClass="entr" presetSubtype="8" fill="hold" grpId="0" nodeType="afterEffect">
+                                  <p:stCondLst>
+                                    <p:cond delay="0"/>
+                                  </p:stCondLst>
+                                  <p:childTnLst>
+                                    <p:set>
+                                      <p:cBhvr>
+                                        <p:cTn id="19" dur="1" fill="hold">
+                                          <p:stCondLst>
+                                            <p:cond delay="0"/>
+                                          </p:stCondLst>
+                                        </p:cTn>
+                                        <p:tgtEl>
+                                          <p:spTgt spid="7"/>
+                                        </p:tgtEl>
+                                        <p:attrNameLst>
+                                          <p:attrName>style.visibility</p:attrName>
+                                        </p:attrNameLst>
+                                      </p:cBhvr>
+                                      <p:to>
+                                        <p:strVal val="visible"/>
+                                      </p:to>
+                                    </p:set>
+                                    <p:animEffect transition="in" filter="wipe(left)">
+                                      <p:cBhvr>
+                                        <p:cTn id="20" dur="500"/>
+                                        <p:tgtEl>
+                                          <p:spTgt spid="7"/>
+                                        </p:tgtEl>
+                                      </p:cBhvr>
+                                    </p:animEffect>
+                                  </p:childTnLst>
+                                </p:cTn>
+                              </p:par>
+                            </p:childTnLst>
+                          </p:cTn>
+                        </p:par>
+                      </p:childTnLst>
+                    </p:cTn>
+                  </p:par>
+                  <p:par>
+                    <p:cTn id="21" fill="hold">
+                      <p:stCondLst>
+                        <p:cond delay="indefinite"/>
+                      </p:stCondLst>
+                      <p:childTnLst>
+                        <p:par>
+                          <p:cTn id="22" fill="hold">
+                            <p:stCondLst>
+                              <p:cond delay="0"/>
+                            </p:stCondLst>
+                            <p:childTnLst>
+                              <p:par>
+                                <p:cTn id="23" presetID="22" presetClass="entr" presetSubtype="2" fill="hold" grpId="0" nodeType="clickEffect">
+                                  <p:stCondLst>
+                                    <p:cond delay="0"/>
+                                  </p:stCondLst>
+                                  <p:childTnLst>
+                                    <p:set>
+                                      <p:cBhvr>
+                                        <p:cTn id="24" dur="1" fill="hold">
+                                          <p:stCondLst>
+                                            <p:cond delay="0"/>
+                                          </p:stCondLst>
+                                        </p:cTn>
+                                        <p:tgtEl>
+                                          <p:spTgt spid="17"/>
+                                        </p:tgtEl>
+                                        <p:attrNameLst>
+                                          <p:attrName>style.visibility</p:attrName>
+                                        </p:attrNameLst>
+                                      </p:cBhvr>
+                                      <p:to>
+                                        <p:strVal val="visible"/>
+                                      </p:to>
+                                    </p:set>
+                                    <p:animEffect transition="in" filter="wipe(right)">
+                                      <p:cBhvr>
+                                        <p:cTn id="25" dur="500"/>
+                                        <p:tgtEl>
+                                          <p:spTgt spid="17"/>
+                                        </p:tgtEl>
+                                      </p:cBhvr>
+                                    </p:animEffect>
+                                  </p:childTnLst>
+                                </p:cTn>
+                              </p:par>
+                            </p:childTnLst>
+                          </p:cTn>
+                        </p:par>
+                        <p:par>
+                          <p:cTn id="26" fill="hold">
+                            <p:stCondLst>
+                              <p:cond delay="500"/>
+                            </p:stCondLst>
+                            <p:childTnLst>
+                              <p:par>
+                                <p:cTn id="27" presetID="22" presetClass="entr" presetSubtype="1" fill="hold" nodeType="afterEffect">
+                                  <p:stCondLst>
+                                    <p:cond delay="0"/>
+                                  </p:stCondLst>
+                                  <p:childTnLst>
+                                    <p:set>
+                                      <p:cBhvr>
+                                        <p:cTn id="28" dur="1" fill="hold">
+                                          <p:stCondLst>
+                                            <p:cond delay="0"/>
+                                          </p:stCondLst>
+                                        </p:cTn>
+                                        <p:tgtEl>
+                                          <p:spTgt spid="19"/>
+                                        </p:tgtEl>
+                                        <p:attrNameLst>
+                                          <p:attrName>style.visibility</p:attrName>
+                                        </p:attrNameLst>
+                                      </p:cBhvr>
+                                      <p:to>
+                                        <p:strVal val="visible"/>
+                                      </p:to>
+                                    </p:set>
+                                    <p:animEffect transition="in" filter="wipe(up)">
+                                      <p:cBhvr>
+                                        <p:cTn id="29" dur="500"/>
+                                        <p:tgtEl>
+                                          <p:spTgt spid="19"/>
+                                        </p:tgtEl>
+                                      </p:cBhvr>
+                                    </p:animEffect>
+                                  </p:childTnLst>
+                                </p:cTn>
+                              </p:par>
+                            </p:childTnLst>
+                          </p:cTn>
+                        </p:par>
+                        <p:par>
+                          <p:cTn id="30" fill="hold">
+                            <p:stCondLst>
+                              <p:cond delay="1000"/>
+                            </p:stCondLst>
+                            <p:childTnLst>
+                              <p:par>
+                                <p:cTn id="31" presetID="22" presetClass="entr" presetSubtype="8" fill="hold" grpId="0" nodeType="afterEffect">
+                                  <p:stCondLst>
+                                    <p:cond delay="0"/>
+                                  </p:stCondLst>
+                                  <p:childTnLst>
+                                    <p:set>
+                                      <p:cBhvr>
+                                        <p:cTn id="32" dur="1" fill="hold">
+                                          <p:stCondLst>
+                                            <p:cond delay="0"/>
+                                          </p:stCondLst>
+                                        </p:cTn>
+                                        <p:tgtEl>
+                                          <p:spTgt spid="8"/>
+                                        </p:tgtEl>
+                                        <p:attrNameLst>
+                                          <p:attrName>style.visibility</p:attrName>
+                                        </p:attrNameLst>
+                                      </p:cBhvr>
+                                      <p:to>
+                                        <p:strVal val="visible"/>
+                                      </p:to>
+                                    </p:set>
+                                    <p:animEffect transition="in" filter="wipe(left)">
+                                      <p:cBhvr>
+                                        <p:cTn id="33" dur="500"/>
+                                        <p:tgtEl>
+                                          <p:spTgt spid="8"/>
+                                        </p:tgtEl>
+                                      </p:cBhvr>
+                                    </p:animEffect>
+                                  </p:childTnLst>
+                                </p:cTn>
+                              </p:par>
+                            </p:childTnLst>
+                          </p:cTn>
+                        </p:par>
+                      </p:childTnLst>
+                    </p:cTn>
+                  </p:par>
+                  <p:par>
+                    <p:cTn id="34" fill="hold">
+                      <p:stCondLst>
+                        <p:cond delay="indefinite"/>
+                      </p:stCondLst>
+                      <p:childTnLst>
+                        <p:par>
+                          <p:cTn id="35" fill="hold">
+                            <p:stCondLst>
+                              <p:cond delay="0"/>
+                            </p:stCondLst>
+                            <p:childTnLst>
+                              <p:par>
+                                <p:cTn id="36" presetID="22" presetClass="entr" presetSubtype="8" fill="hold" nodeType="clickEffect">
+                                  <p:stCondLst>
+                                    <p:cond delay="0"/>
+                                  </p:stCondLst>
+                                  <p:childTnLst>
+                                    <p:set>
+                                      <p:cBhvr>
+                                        <p:cTn id="37" dur="1" fill="hold">
+                                          <p:stCondLst>
+                                            <p:cond delay="0"/>
+                                          </p:stCondLst>
+                                        </p:cTn>
+                                        <p:tgtEl>
+                                          <p:spTgt spid="22"/>
+                                        </p:tgtEl>
+                                        <p:attrNameLst>
+                                          <p:attrName>style.visibility</p:attrName>
+                                        </p:attrNameLst>
+                                      </p:cBhvr>
+                                      <p:to>
+                                        <p:strVal val="visible"/>
+                                      </p:to>
+                                    </p:set>
+                                    <p:animEffect transition="in" filter="wipe(left)">
+                                      <p:cBhvr>
+                                        <p:cTn id="38" dur="500"/>
+                                        <p:tgtEl>
+                                          <p:spTgt spid="22"/>
+                                        </p:tgtEl>
+                                      </p:cBhvr>
+                                    </p:animEffect>
+                                  </p:childTnLst>
+                                </p:cTn>
+                              </p:par>
+                            </p:childTnLst>
+                          </p:cTn>
+                        </p:par>
+                      </p:childTnLst>
+                    </p:cTn>
+                  </p:par>
+                </p:childTnLst>
+              </p:cTn>
+              <p:prevCondLst>
+                <p:cond evt="onPrev" delay="0">
+                  <p:tgtEl>
+                    <p:sldTgt/>
+                  </p:tgtEl>
+                </p:cond>
+              </p:prevCondLst>
+              <p:nextCondLst>
+                <p:cond evt="onNext" delay="0">
+                  <p:tgtEl>
+                    <p:sldTgt/>
+                  </p:tgtEl>
+                </p:cond>
+              </p:nextCondLst>
+            </p:seq>
+          </p:childTnLst>
+        </p:cTn>
+      </p:par>
+    </p:tnLst>
+    <p:bldLst>
+      <p:bldP spid="7" grpId="0"/>
+      <p:bldP spid="8" grpId="0"/>
+      <p:bldP spid="9" grpId="0" animBg="1"/>
+      <p:bldP spid="10" grpId="0" animBg="1"/>
+      <p:bldP spid="17" grpId="0" animBg="1"/>
+    </p:bldLst>
+  </p:timing>
+</p:sld>
+</file>
+
+<file path=ppt/slides/slide12.xml><?xml version="1.0" encoding="utf-8"?>
+<p:sld xmlns:a="http://schemas.openxmlformats.org/drawingml/2006/main" xmlns:r="http://schemas.openxmlformats.org/officeDocument/2006/relationships" xmlns:p="http://schemas.openxmlformats.org/presentationml/2006/main">
+  <p:cSld>
+    <p:spTree>
+      <p:nvGrpSpPr>
+        <p:cNvPr id="1" name=""/>
+        <p:cNvGrpSpPr/>
+        <p:nvPr/>
+      </p:nvGrpSpPr>
+      <p:grpSpPr>
+        <a:xfrm>
+          <a:off x="0" y="0"/>
+          <a:ext cx="0" cy="0"/>
+          <a:chOff x="0" y="0"/>
+          <a:chExt cx="0" cy="0"/>
+        </a:xfrm>
+      </p:grpSpPr>
+      <p:sp>
+        <p:nvSpPr>
+          <p:cNvPr id="2" name="Title 1">
+            <a:extLst>
+              <a:ext uri="{FF2B5EF4-FFF2-40B4-BE49-F238E27FC236}">
+                <a16:creationId xmlns:a16="http://schemas.microsoft.com/office/drawing/2014/main" id="{2DBAED83-8A0A-0548-BA23-13CB5D45BC8F}"/>
+              </a:ext>
+            </a:extLst>
+          </p:cNvPr>
+          <p:cNvSpPr>
+            <a:spLocks noGrp="1"/>
+          </p:cNvSpPr>
+          <p:nvPr>
+            <p:ph type="title"/>
+          </p:nvPr>
+        </p:nvSpPr>
+        <p:spPr>
+          <a:xfrm>
+            <a:off x="106325" y="449705"/>
+            <a:ext cx="6666614" cy="1971928"/>
+          </a:xfrm>
+        </p:spPr>
+        <p:txBody>
+          <a:bodyPr/>
+          <a:lstStyle/>
+          <a:p>
+            <a:r>
+              <a:rPr lang="en-US" dirty="0"/>
+              <a:t>One Line Document Writer</a:t>
             </a:r>
           </a:p>
         </p:txBody>
@@ -8049,8 +10785,8 @@
         </p:nvSpPr>
         <p:spPr bwMode="auto">
           <a:xfrm>
-            <a:off x="6879264" y="0"/>
-            <a:ext cx="6889898" cy="7571303"/>
+            <a:off x="6879264" y="276998"/>
+            <a:ext cx="6889898" cy="7017306"/>
           </a:xfrm>
           <a:prstGeom prst="rect">
             <a:avLst/>
@@ -8299,7 +11035,7 @@
                 <a:effectLst/>
                 <a:latin typeface="JetBrains Mono"/>
               </a:rPr>
-              <a:t>""</a:t>
+              <a:t>"simple.html"</a:t>
             </a:r>
             <a:r>
               <a:rPr kumimoji="0" lang="en-US" altLang="en-US" sz="1800" b="0" i="0" u="none" strike="noStrike" cap="none" normalizeH="0" baseline="0" dirty="0">
@@ -8337,7 +11073,20 @@
                 <a:effectLst/>
                 <a:latin typeface="JetBrains Mono"/>
               </a:rPr>
-              <a:t>            int </a:t>
+              <a:t>            if</a:t>
+            </a:r>
+            <a:r>
+              <a:rPr kumimoji="0" lang="en-US" altLang="en-US" sz="1800" b="0" i="0" u="none" strike="noStrike" cap="none" normalizeH="0" baseline="0" dirty="0">
+                <a:ln>
+                  <a:noFill/>
+                </a:ln>
+                <a:solidFill>
+                  <a:srgbClr val="A9B7C6"/>
+                </a:solidFill>
+                <a:effectLst/>
+                <a:latin typeface="JetBrains Mono"/>
+              </a:rPr>
+              <a:t>(</a:t>
             </a:r>
             <a:r>
               <a:rPr kumimoji="0" lang="en-US" altLang="en-US" sz="1800" b="0" i="0" u="none" strike="noStrike" cap="none" normalizeH="0" baseline="0" dirty="0" err="1">
@@ -8350,7 +11099,20 @@
                 <a:effectLst/>
                 <a:latin typeface="JetBrains Mono"/>
               </a:rPr>
-              <a:t>len</a:t>
+              <a:t>args.</a:t>
+            </a:r>
+            <a:r>
+              <a:rPr kumimoji="0" lang="en-US" altLang="en-US" sz="1800" b="0" i="0" u="none" strike="noStrike" cap="none" normalizeH="0" baseline="0" dirty="0" err="1">
+                <a:ln>
+                  <a:noFill/>
+                </a:ln>
+                <a:solidFill>
+                  <a:srgbClr val="9876AA"/>
+                </a:solidFill>
+                <a:effectLst/>
+                <a:latin typeface="JetBrains Mono"/>
+              </a:rPr>
+              <a:t>length</a:t>
             </a:r>
             <a:r>
               <a:rPr kumimoji="0" lang="en-US" altLang="en-US" sz="1800" b="0" i="0" u="none" strike="noStrike" cap="none" normalizeH="0" baseline="0" dirty="0">
@@ -8363,10 +11125,23 @@
                 <a:effectLst/>
                 <a:latin typeface="JetBrains Mono"/>
               </a:rPr>
-              <a:t> = </a:t>
-            </a:r>
-            <a:r>
-              <a:rPr kumimoji="0" lang="en-US" altLang="en-US" sz="1800" b="0" i="0" u="none" strike="noStrike" cap="none" normalizeH="0" baseline="0" dirty="0" err="1">
+              <a:t> &gt; </a:t>
+            </a:r>
+            <a:r>
+              <a:rPr kumimoji="0" lang="en-US" altLang="en-US" sz="1800" b="0" i="0" u="none" strike="noStrike" cap="none" normalizeH="0" baseline="0" dirty="0">
+                <a:ln>
+                  <a:noFill/>
+                </a:ln>
+                <a:solidFill>
+                  <a:srgbClr val="6897BB"/>
+                </a:solidFill>
+                <a:effectLst/>
+                <a:latin typeface="JetBrains Mono"/>
+              </a:rPr>
+              <a:t>0</a:t>
+            </a:r>
+            <a:r>
+              <a:rPr kumimoji="0" lang="en-US" altLang="en-US" sz="1800" b="0" i="0" u="none" strike="noStrike" cap="none" normalizeH="0" baseline="0" dirty="0">
                 <a:ln>
                   <a:noFill/>
                 </a:ln>
@@ -8376,135 +11151,123 @@
                 <a:effectLst/>
                 <a:latin typeface="JetBrains Mono"/>
               </a:rPr>
-              <a:t>args.</a:t>
-            </a:r>
-            <a:r>
-              <a:rPr kumimoji="0" lang="en-US" altLang="en-US" sz="1800" b="0" i="0" u="none" strike="noStrike" cap="none" normalizeH="0" baseline="0" dirty="0" err="1">
-                <a:ln>
-                  <a:noFill/>
-                </a:ln>
-                <a:solidFill>
-                  <a:srgbClr val="9876AA"/>
-                </a:solidFill>
-                <a:effectLst/>
-                <a:latin typeface="JetBrains Mono"/>
-              </a:rPr>
-              <a:t>length</a:t>
-            </a:r>
-            <a:r>
-              <a:rPr kumimoji="0" lang="en-US" altLang="en-US" sz="1800" b="0" i="0" u="none" strike="noStrike" cap="none" normalizeH="0" baseline="0" dirty="0">
-                <a:ln>
-                  <a:noFill/>
-                </a:ln>
-                <a:solidFill>
-                  <a:srgbClr val="CC7832"/>
-                </a:solidFill>
-                <a:effectLst/>
-                <a:latin typeface="JetBrains Mono"/>
-              </a:rPr>
-              <a:t>;</a:t>
-            </a:r>
-            <a:br>
-              <a:rPr kumimoji="0" lang="en-US" altLang="en-US" sz="1800" b="0" i="0" u="none" strike="noStrike" cap="none" normalizeH="0" baseline="0">
-                <a:ln>
-                  <a:noFill/>
-                </a:ln>
-                <a:solidFill>
-                  <a:srgbClr val="CC7832"/>
-                </a:solidFill>
-                <a:effectLst/>
-                <a:latin typeface="JetBrains Mono"/>
-              </a:rPr>
-            </a:br>
+              <a:t>){</a:t>
+            </a:r>
             <a:br>
               <a:rPr kumimoji="0" lang="en-US" altLang="en-US" sz="1800" b="0" i="0" u="none" strike="noStrike" cap="none" normalizeH="0" baseline="0" dirty="0">
                 <a:ln>
                   <a:noFill/>
                 </a:ln>
                 <a:solidFill>
+                  <a:srgbClr val="A9B7C6"/>
+                </a:solidFill>
+                <a:effectLst/>
+                <a:latin typeface="JetBrains Mono"/>
+              </a:rPr>
+            </a:br>
+            <a:r>
+              <a:rPr kumimoji="0" lang="en-US" altLang="en-US" sz="1800" b="0" i="0" u="none" strike="noStrike" cap="none" normalizeH="0" baseline="0" dirty="0">
+                <a:ln>
+                  <a:noFill/>
+                </a:ln>
+                <a:solidFill>
+                  <a:srgbClr val="A9B7C6"/>
+                </a:solidFill>
+                <a:effectLst/>
+                <a:latin typeface="JetBrains Mono"/>
+              </a:rPr>
+              <a:t>                </a:t>
+            </a:r>
+            <a:r>
+              <a:rPr kumimoji="0" lang="en-US" altLang="en-US" sz="1800" b="0" i="0" u="none" strike="noStrike" cap="none" normalizeH="0" baseline="0" dirty="0" err="1">
+                <a:ln>
+                  <a:noFill/>
+                </a:ln>
+                <a:solidFill>
+                  <a:srgbClr val="A9B7C6"/>
+                </a:solidFill>
+                <a:effectLst/>
+                <a:latin typeface="JetBrains Mono"/>
+              </a:rPr>
+              <a:t>fileName</a:t>
+            </a:r>
+            <a:r>
+              <a:rPr kumimoji="0" lang="en-US" altLang="en-US" sz="1800" b="0" i="0" u="none" strike="noStrike" cap="none" normalizeH="0" baseline="0" dirty="0">
+                <a:ln>
+                  <a:noFill/>
+                </a:ln>
+                <a:solidFill>
+                  <a:srgbClr val="A9B7C6"/>
+                </a:solidFill>
+                <a:effectLst/>
+                <a:latin typeface="JetBrains Mono"/>
+              </a:rPr>
+              <a:t> = </a:t>
+            </a:r>
+            <a:r>
+              <a:rPr kumimoji="0" lang="en-US" altLang="en-US" sz="1800" b="0" i="0" u="none" strike="noStrike" cap="none" normalizeH="0" baseline="0" dirty="0" err="1">
+                <a:ln>
+                  <a:noFill/>
+                </a:ln>
+                <a:solidFill>
+                  <a:srgbClr val="A9B7C6"/>
+                </a:solidFill>
+                <a:effectLst/>
+                <a:latin typeface="JetBrains Mono"/>
+              </a:rPr>
+              <a:t>args</a:t>
+            </a:r>
+            <a:r>
+              <a:rPr kumimoji="0" lang="en-US" altLang="en-US" sz="1800" b="0" i="0" u="none" strike="noStrike" cap="none" normalizeH="0" baseline="0" dirty="0">
+                <a:ln>
+                  <a:noFill/>
+                </a:ln>
+                <a:solidFill>
+                  <a:srgbClr val="A9B7C6"/>
+                </a:solidFill>
+                <a:effectLst/>
+                <a:latin typeface="JetBrains Mono"/>
+              </a:rPr>
+              <a:t>[</a:t>
+            </a:r>
+            <a:r>
+              <a:rPr kumimoji="0" lang="en-US" altLang="en-US" sz="1800" b="0" i="0" u="none" strike="noStrike" cap="none" normalizeH="0" baseline="0" dirty="0">
+                <a:ln>
+                  <a:noFill/>
+                </a:ln>
+                <a:solidFill>
+                  <a:srgbClr val="6897BB"/>
+                </a:solidFill>
+                <a:effectLst/>
+                <a:latin typeface="JetBrains Mono"/>
+              </a:rPr>
+              <a:t>0</a:t>
+            </a:r>
+            <a:r>
+              <a:rPr kumimoji="0" lang="en-US" altLang="en-US" sz="1800" b="0" i="0" u="none" strike="noStrike" cap="none" normalizeH="0" baseline="0" dirty="0">
+                <a:ln>
+                  <a:noFill/>
+                </a:ln>
+                <a:solidFill>
+                  <a:srgbClr val="A9B7C6"/>
+                </a:solidFill>
+                <a:effectLst/>
+                <a:latin typeface="JetBrains Mono"/>
+              </a:rPr>
+              <a:t>]</a:t>
+            </a:r>
+            <a:r>
+              <a:rPr kumimoji="0" lang="en-US" altLang="en-US" sz="1800" b="0" i="0" u="none" strike="noStrike" cap="none" normalizeH="0" baseline="0" dirty="0">
+                <a:ln>
+                  <a:noFill/>
+                </a:ln>
+                <a:solidFill>
                   <a:srgbClr val="CC7832"/>
                 </a:solidFill>
                 <a:effectLst/>
                 <a:latin typeface="JetBrains Mono"/>
               </a:rPr>
-            </a:br>
-            <a:r>
-              <a:rPr kumimoji="0" lang="en-US" altLang="en-US" sz="1800" b="0" i="0" u="none" strike="noStrike" cap="none" normalizeH="0" baseline="0" dirty="0">
-                <a:ln>
-                  <a:noFill/>
-                </a:ln>
-                <a:solidFill>
-                  <a:srgbClr val="CC7832"/>
-                </a:solidFill>
-                <a:effectLst/>
-                <a:latin typeface="JetBrains Mono"/>
-              </a:rPr>
-              <a:t>            if</a:t>
-            </a:r>
-            <a:r>
-              <a:rPr kumimoji="0" lang="en-US" altLang="en-US" sz="1800" b="0" i="0" u="none" strike="noStrike" cap="none" normalizeH="0" baseline="0" dirty="0">
-                <a:ln>
-                  <a:noFill/>
-                </a:ln>
-                <a:solidFill>
-                  <a:srgbClr val="A9B7C6"/>
-                </a:solidFill>
-                <a:effectLst/>
-                <a:latin typeface="JetBrains Mono"/>
-              </a:rPr>
-              <a:t>(</a:t>
-            </a:r>
-            <a:r>
-              <a:rPr kumimoji="0" lang="en-US" altLang="en-US" sz="1800" b="0" i="0" u="none" strike="noStrike" cap="none" normalizeH="0" baseline="0" dirty="0" err="1">
-                <a:ln>
-                  <a:noFill/>
-                </a:ln>
-                <a:solidFill>
-                  <a:srgbClr val="A9B7C6"/>
-                </a:solidFill>
-                <a:effectLst/>
-                <a:latin typeface="JetBrains Mono"/>
-              </a:rPr>
-              <a:t>len</a:t>
-            </a:r>
-            <a:r>
-              <a:rPr kumimoji="0" lang="en-US" altLang="en-US" sz="1800" b="0" i="0" u="none" strike="noStrike" cap="none" normalizeH="0" baseline="0" dirty="0">
-                <a:ln>
-                  <a:noFill/>
-                </a:ln>
-                <a:solidFill>
-                  <a:srgbClr val="A9B7C6"/>
-                </a:solidFill>
-                <a:effectLst/>
-                <a:latin typeface="JetBrains Mono"/>
-              </a:rPr>
-              <a:t> &gt; </a:t>
-            </a:r>
-            <a:r>
-              <a:rPr kumimoji="0" lang="en-US" altLang="en-US" sz="1800" b="0" i="0" u="none" strike="noStrike" cap="none" normalizeH="0" baseline="0" dirty="0">
-                <a:ln>
-                  <a:noFill/>
-                </a:ln>
-                <a:solidFill>
-                  <a:srgbClr val="6897BB"/>
-                </a:solidFill>
-                <a:effectLst/>
-                <a:latin typeface="JetBrains Mono"/>
-              </a:rPr>
-              <a:t>0</a:t>
-            </a:r>
-            <a:r>
-              <a:rPr kumimoji="0" lang="en-US" altLang="en-US" sz="1800" b="0" i="0" u="none" strike="noStrike" cap="none" normalizeH="0" baseline="0" dirty="0">
-                <a:ln>
-                  <a:noFill/>
-                </a:ln>
-                <a:solidFill>
-                  <a:srgbClr val="A9B7C6"/>
-                </a:solidFill>
-                <a:effectLst/>
-                <a:latin typeface="JetBrains Mono"/>
-              </a:rPr>
-              <a:t>){</a:t>
+              <a:t>;</a:t>
             </a:r>
             <a:br>
               <a:rPr kumimoji="0" lang="en-US" altLang="en-US" sz="1800" b="0" i="0" u="none" strike="noStrike" cap="none" normalizeH="0" baseline="0" dirty="0">
@@ -8512,115 +11275,37 @@
                   <a:noFill/>
                 </a:ln>
                 <a:solidFill>
+                  <a:srgbClr val="CC7832"/>
+                </a:solidFill>
+                <a:effectLst/>
+                <a:latin typeface="JetBrains Mono"/>
+              </a:rPr>
+            </a:br>
+            <a:r>
+              <a:rPr kumimoji="0" lang="en-US" altLang="en-US" sz="1800" b="0" i="0" u="none" strike="noStrike" cap="none" normalizeH="0" baseline="0" dirty="0">
+                <a:ln>
+                  <a:noFill/>
+                </a:ln>
+                <a:solidFill>
+                  <a:srgbClr val="CC7832"/>
+                </a:solidFill>
+                <a:effectLst/>
+                <a:latin typeface="JetBrains Mono"/>
+              </a:rPr>
+              <a:t>            </a:t>
+            </a:r>
+            <a:r>
+              <a:rPr kumimoji="0" lang="en-US" altLang="en-US" sz="1800" b="0" i="0" u="none" strike="noStrike" cap="none" normalizeH="0" baseline="0" dirty="0">
+                <a:ln>
+                  <a:noFill/>
+                </a:ln>
+                <a:solidFill>
                   <a:srgbClr val="A9B7C6"/>
                 </a:solidFill>
                 <a:effectLst/>
                 <a:latin typeface="JetBrains Mono"/>
               </a:rPr>
-            </a:br>
-            <a:r>
-              <a:rPr kumimoji="0" lang="en-US" altLang="en-US" sz="1800" b="0" i="0" u="none" strike="noStrike" cap="none" normalizeH="0" baseline="0" dirty="0">
-                <a:ln>
-                  <a:noFill/>
-                </a:ln>
-                <a:solidFill>
-                  <a:srgbClr val="A9B7C6"/>
-                </a:solidFill>
-                <a:effectLst/>
-                <a:latin typeface="JetBrains Mono"/>
-              </a:rPr>
-              <a:t>                </a:t>
-            </a:r>
-            <a:r>
-              <a:rPr kumimoji="0" lang="en-US" altLang="en-US" sz="1800" b="0" i="0" u="none" strike="noStrike" cap="none" normalizeH="0" baseline="0" dirty="0" err="1">
-                <a:ln>
-                  <a:noFill/>
-                </a:ln>
-                <a:solidFill>
-                  <a:srgbClr val="A9B7C6"/>
-                </a:solidFill>
-                <a:effectLst/>
-                <a:latin typeface="JetBrains Mono"/>
-              </a:rPr>
-              <a:t>fileName</a:t>
-            </a:r>
-            <a:r>
-              <a:rPr kumimoji="0" lang="en-US" altLang="en-US" sz="1800" b="0" i="0" u="none" strike="noStrike" cap="none" normalizeH="0" baseline="0" dirty="0">
-                <a:ln>
-                  <a:noFill/>
-                </a:ln>
-                <a:solidFill>
-                  <a:srgbClr val="A9B7C6"/>
-                </a:solidFill>
-                <a:effectLst/>
-                <a:latin typeface="JetBrains Mono"/>
-              </a:rPr>
-              <a:t> = </a:t>
-            </a:r>
-            <a:r>
-              <a:rPr kumimoji="0" lang="en-US" altLang="en-US" sz="1800" b="0" i="0" u="none" strike="noStrike" cap="none" normalizeH="0" baseline="0" dirty="0" err="1">
-                <a:ln>
-                  <a:noFill/>
-                </a:ln>
-                <a:solidFill>
-                  <a:srgbClr val="A9B7C6"/>
-                </a:solidFill>
-                <a:effectLst/>
-                <a:latin typeface="JetBrains Mono"/>
-              </a:rPr>
-              <a:t>args</a:t>
-            </a:r>
-            <a:r>
-              <a:rPr kumimoji="0" lang="en-US" altLang="en-US" sz="1800" b="0" i="0" u="none" strike="noStrike" cap="none" normalizeH="0" baseline="0" dirty="0">
-                <a:ln>
-                  <a:noFill/>
-                </a:ln>
-                <a:solidFill>
-                  <a:srgbClr val="A9B7C6"/>
-                </a:solidFill>
-                <a:effectLst/>
-                <a:latin typeface="JetBrains Mono"/>
-              </a:rPr>
-              <a:t>[</a:t>
-            </a:r>
-            <a:r>
-              <a:rPr kumimoji="0" lang="en-US" altLang="en-US" sz="1800" b="0" i="0" u="none" strike="noStrike" cap="none" normalizeH="0" baseline="0" dirty="0">
-                <a:ln>
-                  <a:noFill/>
-                </a:ln>
-                <a:solidFill>
-                  <a:srgbClr val="6897BB"/>
-                </a:solidFill>
-                <a:effectLst/>
-                <a:latin typeface="JetBrains Mono"/>
-              </a:rPr>
-              <a:t>0</a:t>
-            </a:r>
-            <a:r>
-              <a:rPr kumimoji="0" lang="en-US" altLang="en-US" sz="1800" b="0" i="0" u="none" strike="noStrike" cap="none" normalizeH="0" baseline="0" dirty="0">
-                <a:ln>
-                  <a:noFill/>
-                </a:ln>
-                <a:solidFill>
-                  <a:srgbClr val="A9B7C6"/>
-                </a:solidFill>
-                <a:effectLst/>
-                <a:latin typeface="JetBrains Mono"/>
-              </a:rPr>
-              <a:t>]</a:t>
-            </a:r>
-            <a:r>
-              <a:rPr kumimoji="0" lang="en-US" altLang="en-US" sz="1800" b="0" i="0" u="none" strike="noStrike" cap="none" normalizeH="0" baseline="0" dirty="0">
-                <a:ln>
-                  <a:noFill/>
-                </a:ln>
-                <a:solidFill>
-                  <a:srgbClr val="CC7832"/>
-                </a:solidFill>
-                <a:effectLst/>
-                <a:latin typeface="JetBrains Mono"/>
-              </a:rPr>
-              <a:t>;</a:t>
+              <a:t>}</a:t>
             </a:r>
             <a:br>
               <a:rPr kumimoji="0" lang="en-US" altLang="en-US" sz="1800" b="0" i="0" u="none" strike="noStrike" cap="none" normalizeH="0" baseline="0" dirty="0">
@@ -8628,128 +11313,12 @@
                   <a:noFill/>
                 </a:ln>
                 <a:solidFill>
-                  <a:srgbClr val="CC7832"/>
+                  <a:srgbClr val="A9B7C6"/>
                 </a:solidFill>
                 <a:effectLst/>
                 <a:latin typeface="JetBrains Mono"/>
               </a:rPr>
             </a:br>
-            <a:r>
-              <a:rPr kumimoji="0" lang="en-US" altLang="en-US" sz="1800" b="0" i="0" u="none" strike="noStrike" cap="none" normalizeH="0" baseline="0" dirty="0">
-                <a:ln>
-                  <a:noFill/>
-                </a:ln>
-                <a:solidFill>
-                  <a:srgbClr val="CC7832"/>
-                </a:solidFill>
-                <a:effectLst/>
-                <a:latin typeface="JetBrains Mono"/>
-              </a:rPr>
-              <a:t>            </a:t>
-            </a:r>
-            <a:r>
-              <a:rPr kumimoji="0" lang="en-US" altLang="en-US" sz="1800" b="0" i="0" u="none" strike="noStrike" cap="none" normalizeH="0" baseline="0" dirty="0">
-                <a:ln>
-                  <a:noFill/>
-                </a:ln>
-                <a:solidFill>
-                  <a:srgbClr val="A9B7C6"/>
-                </a:solidFill>
-                <a:effectLst/>
-                <a:latin typeface="JetBrains Mono"/>
-              </a:rPr>
-              <a:t>}</a:t>
-            </a:r>
-            <a:br>
-              <a:rPr kumimoji="0" lang="en-US" altLang="en-US" sz="1800" b="0" i="0" u="none" strike="noStrike" cap="none" normalizeH="0" baseline="0" dirty="0">
-                <a:ln>
-                  <a:noFill/>
-                </a:ln>
-                <a:solidFill>
-                  <a:srgbClr val="A9B7C6"/>
-                </a:solidFill>
-                <a:effectLst/>
-                <a:latin typeface="JetBrains Mono"/>
-              </a:rPr>
-            </a:br>
-            <a:r>
-              <a:rPr kumimoji="0" lang="en-US" altLang="en-US" sz="1800" b="0" i="0" u="none" strike="noStrike" cap="none" normalizeH="0" baseline="0" dirty="0">
-                <a:ln>
-                  <a:noFill/>
-                </a:ln>
-                <a:solidFill>
-                  <a:srgbClr val="A9B7C6"/>
-                </a:solidFill>
-                <a:effectLst/>
-                <a:latin typeface="JetBrains Mono"/>
-              </a:rPr>
-              <a:t>            </a:t>
-            </a:r>
-            <a:r>
-              <a:rPr kumimoji="0" lang="en-US" altLang="en-US" sz="1800" b="0" i="0" u="none" strike="noStrike" cap="none" normalizeH="0" baseline="0" dirty="0">
-                <a:ln>
-                  <a:noFill/>
-                </a:ln>
-                <a:solidFill>
-                  <a:srgbClr val="CC7832"/>
-                </a:solidFill>
-                <a:effectLst/>
-                <a:latin typeface="JetBrains Mono"/>
-              </a:rPr>
-              <a:t>else </a:t>
-            </a:r>
-            <a:r>
-              <a:rPr kumimoji="0" lang="en-US" altLang="en-US" sz="1800" b="0" i="0" u="none" strike="noStrike" cap="none" normalizeH="0" baseline="0" dirty="0" err="1">
-                <a:ln>
-                  <a:noFill/>
-                </a:ln>
-                <a:solidFill>
-                  <a:srgbClr val="A9B7C6"/>
-                </a:solidFill>
-                <a:effectLst/>
-                <a:latin typeface="JetBrains Mono"/>
-              </a:rPr>
-              <a:t>fileName</a:t>
-            </a:r>
-            <a:r>
-              <a:rPr kumimoji="0" lang="en-US" altLang="en-US" sz="1800" b="0" i="0" u="none" strike="noStrike" cap="none" normalizeH="0" baseline="0" dirty="0">
-                <a:ln>
-                  <a:noFill/>
-                </a:ln>
-                <a:solidFill>
-                  <a:srgbClr val="A9B7C6"/>
-                </a:solidFill>
-                <a:effectLst/>
-                <a:latin typeface="JetBrains Mono"/>
-              </a:rPr>
-              <a:t> = </a:t>
-            </a:r>
-            <a:r>
-              <a:rPr kumimoji="0" lang="en-US" altLang="en-US" sz="1800" b="0" i="0" u="none" strike="noStrike" cap="none" normalizeH="0" baseline="0" dirty="0">
-                <a:ln>
-                  <a:noFill/>
-                </a:ln>
-                <a:solidFill>
-                  <a:srgbClr val="6A8759"/>
-                </a:solidFill>
-                <a:effectLst/>
-                <a:latin typeface="JetBrains Mono"/>
-              </a:rPr>
-              <a:t>"simple.html"</a:t>
-            </a:r>
-            <a:r>
-              <a:rPr kumimoji="0" lang="en-US" altLang="en-US" sz="1800" b="0" i="0" u="none" strike="noStrike" cap="none" normalizeH="0" baseline="0" dirty="0">
-                <a:ln>
-                  <a:noFill/>
-                </a:ln>
-                <a:solidFill>
-                  <a:srgbClr val="CC7832"/>
-                </a:solidFill>
-                <a:effectLst/>
-                <a:latin typeface="JetBrains Mono"/>
-              </a:rPr>
-              <a:t>;</a:t>
-            </a:r>
             <a:br>
               <a:rPr kumimoji="0" lang="en-US" altLang="en-US" sz="1800" b="0" i="0" u="none" strike="noStrike" cap="none" normalizeH="0" baseline="0" dirty="0">
                 <a:ln>
@@ -9920,6 +12489,178 @@
     <p:extLst>
       <p:ext uri="{BB962C8B-B14F-4D97-AF65-F5344CB8AC3E}">
         <p14:creationId xmlns:p14="http://schemas.microsoft.com/office/powerpoint/2010/main" val="2955887086"/>
+      </p:ext>
+    </p:extLst>
+  </p:cSld>
+  <p:clrMapOvr>
+    <a:masterClrMapping/>
+  </p:clrMapOvr>
+  <mc:AlternateContent xmlns:mc="http://schemas.openxmlformats.org/markup-compatibility/2006" xmlns:p14="http://schemas.microsoft.com/office/powerpoint/2010/main">
+    <mc:Choice Requires="p14">
+      <p:transition p14:dur="300">
+        <p:fade/>
+      </p:transition>
+    </mc:Choice>
+    <mc:Fallback xmlns="">
+      <p:transition>
+        <p:fade/>
+      </p:transition>
+    </mc:Fallback>
+  </mc:AlternateContent>
+</p:sld>
+</file>
+
+<file path=ppt/slides/slide13.xml><?xml version="1.0" encoding="utf-8"?>
+<p:sld xmlns:a="http://schemas.openxmlformats.org/drawingml/2006/main" xmlns:r="http://schemas.openxmlformats.org/officeDocument/2006/relationships" xmlns:p="http://schemas.openxmlformats.org/presentationml/2006/main">
+  <p:cSld>
+    <p:spTree>
+      <p:nvGrpSpPr>
+        <p:cNvPr id="1" name=""/>
+        <p:cNvGrpSpPr/>
+        <p:nvPr/>
+      </p:nvGrpSpPr>
+      <p:grpSpPr>
+        <a:xfrm>
+          <a:off x="0" y="0"/>
+          <a:ext cx="0" cy="0"/>
+          <a:chOff x="0" y="0"/>
+          <a:chExt cx="0" cy="0"/>
+        </a:xfrm>
+      </p:grpSpPr>
+      <p:sp>
+        <p:nvSpPr>
+          <p:cNvPr id="2" name="Title 1">
+            <a:extLst>
+              <a:ext uri="{FF2B5EF4-FFF2-40B4-BE49-F238E27FC236}">
+                <a16:creationId xmlns:a16="http://schemas.microsoft.com/office/drawing/2014/main" id="{CF98D651-E856-4284-BF35-E82C97040E5B}"/>
+              </a:ext>
+            </a:extLst>
+          </p:cNvPr>
+          <p:cNvSpPr>
+            <a:spLocks noGrp="1"/>
+          </p:cNvSpPr>
+          <p:nvPr>
+            <p:ph type="title"/>
+          </p:nvPr>
+        </p:nvSpPr>
+        <p:spPr/>
+        <p:txBody>
+          <a:bodyPr/>
+          <a:lstStyle/>
+          <a:p>
+            <a:r>
+              <a:rPr lang="en-US" dirty="0"/>
+              <a:t>Practical 4 Tips</a:t>
+            </a:r>
+          </a:p>
+        </p:txBody>
+      </p:sp>
+      <p:sp>
+        <p:nvSpPr>
+          <p:cNvPr id="3" name="Text Placeholder 2">
+            <a:extLst>
+              <a:ext uri="{FF2B5EF4-FFF2-40B4-BE49-F238E27FC236}">
+                <a16:creationId xmlns:a16="http://schemas.microsoft.com/office/drawing/2014/main" id="{E6ED76B9-209E-4C03-A185-A84A9A1D6A4D}"/>
+              </a:ext>
+            </a:extLst>
+          </p:cNvPr>
+          <p:cNvSpPr>
+            <a:spLocks noGrp="1"/>
+          </p:cNvSpPr>
+          <p:nvPr>
+            <p:ph type="body" sz="quarter" idx="10"/>
+          </p:nvPr>
+        </p:nvSpPr>
+        <p:spPr>
+          <a:xfrm>
+            <a:off x="628075" y="1776683"/>
+            <a:ext cx="12561453" cy="3538469"/>
+          </a:xfrm>
+        </p:spPr>
+        <p:txBody>
+          <a:bodyPr/>
+          <a:lstStyle/>
+          <a:p>
+            <a:r>
+              <a:rPr lang="en-US" dirty="0"/>
+              <a:t>Tags.java </a:t>
+            </a:r>
+          </a:p>
+          <a:p>
+            <a:pPr lvl="1"/>
+            <a:r>
+              <a:rPr lang="en-US" dirty="0"/>
+              <a:t>Only returns Strings (separation of concerns!)</a:t>
+            </a:r>
+          </a:p>
+          <a:p>
+            <a:pPr lvl="1"/>
+            <a:r>
+              <a:rPr lang="en-US" dirty="0"/>
+              <a:t>Use the String generated to either</a:t>
+            </a:r>
+          </a:p>
+          <a:p>
+            <a:pPr lvl="2"/>
+            <a:r>
+              <a:rPr lang="en-US" dirty="0"/>
+              <a:t>Write to the screen</a:t>
+            </a:r>
+          </a:p>
+          <a:p>
+            <a:pPr lvl="2"/>
+            <a:r>
+              <a:rPr lang="en-US" dirty="0"/>
+              <a:t>OR write to a file </a:t>
+            </a:r>
+          </a:p>
+          <a:p>
+            <a:pPr lvl="2"/>
+            <a:r>
+              <a:rPr lang="en-US" dirty="0"/>
+              <a:t>Depending on which method is called by </a:t>
+            </a:r>
+            <a:r>
+              <a:rPr lang="en-US" b="1" i="0" dirty="0" err="1">
+                <a:solidFill>
+                  <a:srgbClr val="2C4557"/>
+                </a:solidFill>
+                <a:effectLst/>
+                <a:latin typeface="DejaVu Sans"/>
+              </a:rPr>
+              <a:t>DemographicDataWriter</a:t>
+            </a:r>
+            <a:endParaRPr lang="en-US" b="1" dirty="0">
+              <a:solidFill>
+                <a:srgbClr val="2C4557"/>
+              </a:solidFill>
+              <a:latin typeface="DejaVu Sans"/>
+            </a:endParaRPr>
+          </a:p>
+          <a:p>
+            <a:r>
+              <a:rPr lang="en-US" dirty="0"/>
+              <a:t>Those are the ‘added’ files to the assignment – the other files have slight changes to make working with Tags and </a:t>
+            </a:r>
+            <a:r>
+              <a:rPr lang="en-US" dirty="0" err="1"/>
+              <a:t>DemographicDataWriter</a:t>
+            </a:r>
+            <a:r>
+              <a:rPr lang="en-US" dirty="0"/>
+              <a:t> easier	</a:t>
+            </a:r>
+          </a:p>
+          <a:p>
+            <a:pPr lvl="1"/>
+            <a:endParaRPr lang="en-US" dirty="0"/>
+          </a:p>
+        </p:txBody>
+      </p:sp>
+    </p:spTree>
+    <p:extLst>
+      <p:ext uri="{BB962C8B-B14F-4D97-AF65-F5344CB8AC3E}">
+        <p14:creationId xmlns:p14="http://schemas.microsoft.com/office/powerpoint/2010/main" val="1453778164"/>
       </p:ext>
     </p:extLst>
   </p:cSld>
@@ -9963,7 +12704,7 @@
           <p:cNvPr id="4" name="Title 3">
             <a:extLst>
               <a:ext uri="{FF2B5EF4-FFF2-40B4-BE49-F238E27FC236}">
-                <a16:creationId xmlns:a16="http://schemas.microsoft.com/office/drawing/2014/main" id="{F6F7E663-32CE-E448-95F9-79C015848441}"/>
+                <a16:creationId xmlns:a16="http://schemas.microsoft.com/office/drawing/2014/main" id="{119AD8F2-D5DB-A84B-A5B3-F7935E3E6D1D}"/>
               </a:ext>
             </a:extLst>
           </p:cNvPr>
@@ -9974,24 +12715,29 @@
             <p:ph type="title"/>
           </p:nvPr>
         </p:nvSpPr>
-        <p:spPr/>
+        <p:spPr>
+          <a:xfrm>
+            <a:off x="628076" y="607804"/>
+            <a:ext cx="5642096" cy="916848"/>
+          </a:xfrm>
+        </p:spPr>
         <p:txBody>
           <a:bodyPr/>
           <a:lstStyle/>
           <a:p>
             <a:r>
               <a:rPr lang="en-US" dirty="0"/>
-              <a:t>Recall Activity</a:t>
+              <a:t>Announcements</a:t>
             </a:r>
           </a:p>
         </p:txBody>
       </p:sp>
       <p:sp>
         <p:nvSpPr>
-          <p:cNvPr id="6" name="Text Placeholder 5">
+          <p:cNvPr id="5" name="Text Placeholder 4">
             <a:extLst>
               <a:ext uri="{FF2B5EF4-FFF2-40B4-BE49-F238E27FC236}">
-                <a16:creationId xmlns:a16="http://schemas.microsoft.com/office/drawing/2014/main" id="{070BA3BB-E4AC-1442-9C1B-434DA00352F6}"/>
+                <a16:creationId xmlns:a16="http://schemas.microsoft.com/office/drawing/2014/main" id="{1BBD0DB5-379A-304F-9307-E7B1A89B08F7}"/>
               </a:ext>
             </a:extLst>
           </p:cNvPr>
@@ -9999,38 +12745,77 @@
             <a:spLocks noGrp="1"/>
           </p:cNvSpPr>
           <p:nvPr>
-            <p:ph type="body" sz="quarter" idx="10"/>
+            <p:ph type="body" idx="1"/>
           </p:nvPr>
         </p:nvSpPr>
         <p:spPr>
           <a:xfrm>
-            <a:off x="628076" y="1776682"/>
-            <a:ext cx="7910444" cy="1522533"/>
+            <a:off x="628076" y="1647163"/>
+            <a:ext cx="8846458" cy="2659023"/>
           </a:xfrm>
         </p:spPr>
         <p:txBody>
           <a:bodyPr/>
           <a:lstStyle/>
           <a:p>
-            <a:r>
-              <a:rPr lang="en-US" dirty="0"/>
-              <a:t>Analyze the class Cake presented and write all concepts and ideas you can remember regarding what is a class and how we can define and use it.</a:t>
-            </a:r>
-          </a:p>
-          <a:p>
-            <a:pPr marL="699614" lvl="1" indent="0">
+            <a:pPr marL="930762" lvl="1" indent="0">
               <a:buNone/>
             </a:pPr>
+            <a:endParaRPr lang="en-US" dirty="0"/>
+          </a:p>
+          <a:p>
+            <a:r>
+              <a:rPr lang="en-US" dirty="0"/>
+              <a:t>Make sure to go to labs!! Even if you can’t work on the current lab, they are good for helping you get caught up.</a:t>
+            </a:r>
+          </a:p>
+          <a:p>
+            <a:endParaRPr lang="en-US" dirty="0"/>
+          </a:p>
+          <a:p>
+            <a:r>
+              <a:rPr lang="en-US" dirty="0"/>
+              <a:t>Help Session with Andrew</a:t>
+            </a:r>
+          </a:p>
+          <a:p>
+            <a:pPr marL="230292" indent="0">
+              <a:buNone/>
+            </a:pPr>
+            <a:r>
+              <a:rPr lang="en-US" b="1" dirty="0"/>
+              <a:t>	Monday</a:t>
+            </a:r>
+            <a:endParaRPr lang="en-US" dirty="0"/>
+          </a:p>
+          <a:p>
+            <a:pPr marL="230292" indent="0">
+              <a:buNone/>
+            </a:pPr>
+            <a:r>
+              <a:rPr lang="en-US" b="1" dirty="0"/>
+              <a:t>	1:30-2:50 PM</a:t>
+            </a:r>
+            <a:endParaRPr lang="en-US" dirty="0"/>
+          </a:p>
+          <a:p>
+            <a:pPr marL="230292" indent="0">
+              <a:buNone/>
+            </a:pPr>
+            <a:r>
+              <a:rPr lang="en-US" b="1" dirty="0"/>
+              <a:t>	Computer Science Building - 315 (third floor lab)</a:t>
+            </a:r>
             <a:endParaRPr lang="en-US" dirty="0"/>
           </a:p>
         </p:txBody>
       </p:sp>
       <p:sp>
         <p:nvSpPr>
-          <p:cNvPr id="5" name="TextBox 4">
+          <p:cNvPr id="6" name="TextBox 5">
             <a:extLst>
               <a:ext uri="{FF2B5EF4-FFF2-40B4-BE49-F238E27FC236}">
-                <a16:creationId xmlns:a16="http://schemas.microsoft.com/office/drawing/2014/main" id="{F3430565-9E8F-1349-833D-D81F25510834}"/>
+                <a16:creationId xmlns:a16="http://schemas.microsoft.com/office/drawing/2014/main" id="{32A3B87A-BBC0-704B-AC99-3984206450D5}"/>
               </a:ext>
             </a:extLst>
           </p:cNvPr>
@@ -10039,14 +12824,59 @@
         </p:nvSpPr>
         <p:spPr>
           <a:xfrm>
-            <a:off x="8718762" y="1488435"/>
-            <a:ext cx="4933244" cy="5693866"/>
+            <a:off x="9744412" y="2150737"/>
+            <a:ext cx="3892958" cy="1487523"/>
+          </a:xfrm>
+          <a:prstGeom prst="rect">
+            <a:avLst/>
+          </a:prstGeom>
+          <a:noFill/>
+        </p:spPr>
+        <p:txBody>
+          <a:bodyPr wrap="square" rtlCol="0">
+            <a:spAutoFit/>
+          </a:bodyPr>
+          <a:lstStyle/>
+          <a:p>
+            <a:r>
+              <a:rPr lang="en-US" sz="3022" dirty="0" err="1"/>
+              <a:t>Todo</a:t>
+            </a:r>
+            <a:r>
+              <a:rPr lang="en-US" sz="3022" dirty="0"/>
+              <a:t>:</a:t>
+            </a:r>
+          </a:p>
+          <a:p>
+            <a:r>
+              <a:rPr lang="en-US" sz="3022" dirty="0"/>
+              <a:t>Practical 4 – Continue to work on it</a:t>
+            </a:r>
+          </a:p>
+        </p:txBody>
+      </p:sp>
+      <p:sp>
+        <p:nvSpPr>
+          <p:cNvPr id="7" name="TextBox 6">
+            <a:extLst>
+              <a:ext uri="{FF2B5EF4-FFF2-40B4-BE49-F238E27FC236}">
+                <a16:creationId xmlns:a16="http://schemas.microsoft.com/office/drawing/2014/main" id="{BF16D510-BC74-4FA5-AFD2-193B039115A5}"/>
+              </a:ext>
+            </a:extLst>
+          </p:cNvPr>
+          <p:cNvSpPr txBox="1"/>
+          <p:nvPr/>
+        </p:nvSpPr>
+        <p:spPr>
+          <a:xfrm>
+            <a:off x="7228114" y="362857"/>
+            <a:ext cx="6125029" cy="1015663"/>
           </a:xfrm>
           <a:prstGeom prst="rect">
             <a:avLst/>
           </a:prstGeom>
           <a:solidFill>
-            <a:schemeClr val="bg2"/>
+            <a:schemeClr val="accent2"/>
           </a:solidFill>
         </p:spPr>
         <p:txBody>
@@ -10056,351 +12886,20 @@
           <a:lstStyle/>
           <a:p>
             <a:r>
-              <a:rPr lang="en-US" sz="1400" dirty="0">
-                <a:latin typeface="Consolas" panose="020B0609020204030204" pitchFamily="49" charset="0"/>
-                <a:cs typeface="Consolas" panose="020B0609020204030204" pitchFamily="49" charset="0"/>
-              </a:rPr>
-              <a:t>public</a:t>
-            </a:r>
-            <a:r>
-              <a:rPr lang="en-US" sz="1400" b="1" dirty="0">
-                <a:latin typeface="Consolas" panose="020B0609020204030204" pitchFamily="49" charset="0"/>
-                <a:cs typeface="Consolas" panose="020B0609020204030204" pitchFamily="49" charset="0"/>
-              </a:rPr>
-              <a:t> class</a:t>
-            </a:r>
-            <a:r>
-              <a:rPr lang="en-US" sz="1400" dirty="0">
-                <a:latin typeface="Consolas" panose="020B0609020204030204" pitchFamily="49" charset="0"/>
-                <a:cs typeface="Consolas" panose="020B0609020204030204" pitchFamily="49" charset="0"/>
-              </a:rPr>
-              <a:t> Cake {</a:t>
-            </a:r>
-          </a:p>
-          <a:p>
-            <a:r>
-              <a:rPr lang="en-US" sz="1400" dirty="0">
-                <a:latin typeface="Consolas" panose="020B0609020204030204" pitchFamily="49" charset="0"/>
-                <a:cs typeface="Consolas" panose="020B0609020204030204" pitchFamily="49" charset="0"/>
-              </a:rPr>
-              <a:t>    public static final boolean IS_GOOD = true;</a:t>
-            </a:r>
-          </a:p>
-          <a:p>
-            <a:r>
-              <a:rPr lang="en-US" sz="1400" dirty="0">
-                <a:latin typeface="Consolas" panose="020B0609020204030204" pitchFamily="49" charset="0"/>
-                <a:cs typeface="Consolas" panose="020B0609020204030204" pitchFamily="49" charset="0"/>
-              </a:rPr>
-              <a:t>    private String name =  “”;</a:t>
-            </a:r>
-          </a:p>
-          <a:p>
-            <a:r>
-              <a:rPr lang="en-US" sz="1400" dirty="0">
-                <a:latin typeface="Consolas" panose="020B0609020204030204" pitchFamily="49" charset="0"/>
-                <a:cs typeface="Consolas" panose="020B0609020204030204" pitchFamily="49" charset="0"/>
-              </a:rPr>
-              <a:t>    private double cost = 0;</a:t>
-            </a:r>
-          </a:p>
-          <a:p>
-            <a:endParaRPr lang="en-US" sz="1400" dirty="0">
-              <a:latin typeface="Consolas" panose="020B0609020204030204" pitchFamily="49" charset="0"/>
-              <a:cs typeface="Consolas" panose="020B0609020204030204" pitchFamily="49" charset="0"/>
-            </a:endParaRPr>
-          </a:p>
-          <a:p>
-            <a:r>
-              <a:rPr lang="en-US" sz="1400" dirty="0">
-                <a:latin typeface="Consolas" panose="020B0609020204030204" pitchFamily="49" charset="0"/>
-                <a:cs typeface="Consolas" panose="020B0609020204030204" pitchFamily="49" charset="0"/>
-              </a:rPr>
-              <a:t>    public void </a:t>
-            </a:r>
-            <a:r>
-              <a:rPr lang="en-US" sz="1400" dirty="0" err="1">
-                <a:latin typeface="Consolas" panose="020B0609020204030204" pitchFamily="49" charset="0"/>
-                <a:cs typeface="Consolas" panose="020B0609020204030204" pitchFamily="49" charset="0"/>
-              </a:rPr>
-              <a:t>setName</a:t>
-            </a:r>
-            <a:r>
-              <a:rPr lang="en-US" sz="1400" dirty="0">
-                <a:latin typeface="Consolas" panose="020B0609020204030204" pitchFamily="49" charset="0"/>
-                <a:cs typeface="Consolas" panose="020B0609020204030204" pitchFamily="49" charset="0"/>
-              </a:rPr>
-              <a:t>(String str) {</a:t>
-            </a:r>
-          </a:p>
-          <a:p>
-            <a:r>
-              <a:rPr lang="en-US" sz="1400" dirty="0">
-                <a:latin typeface="Consolas" panose="020B0609020204030204" pitchFamily="49" charset="0"/>
-                <a:cs typeface="Consolas" panose="020B0609020204030204" pitchFamily="49" charset="0"/>
-              </a:rPr>
-              <a:t>        name = str;</a:t>
-            </a:r>
-          </a:p>
-          <a:p>
-            <a:r>
-              <a:rPr lang="en-US" sz="1400" dirty="0">
-                <a:latin typeface="Consolas" panose="020B0609020204030204" pitchFamily="49" charset="0"/>
-                <a:cs typeface="Consolas" panose="020B0609020204030204" pitchFamily="49" charset="0"/>
-              </a:rPr>
-              <a:t>    }</a:t>
-            </a:r>
-          </a:p>
-          <a:p>
-            <a:endParaRPr lang="en-US" sz="1400" dirty="0">
-              <a:latin typeface="Consolas" panose="020B0609020204030204" pitchFamily="49" charset="0"/>
-              <a:cs typeface="Consolas" panose="020B0609020204030204" pitchFamily="49" charset="0"/>
-            </a:endParaRPr>
-          </a:p>
-          <a:p>
-            <a:r>
-              <a:rPr lang="en-US" sz="1400" dirty="0">
-                <a:latin typeface="Consolas" panose="020B0609020204030204" pitchFamily="49" charset="0"/>
-                <a:cs typeface="Consolas" panose="020B0609020204030204" pitchFamily="49" charset="0"/>
-              </a:rPr>
-              <a:t>    public String </a:t>
-            </a:r>
-            <a:r>
-              <a:rPr lang="en-US" sz="1400" dirty="0" err="1">
-                <a:latin typeface="Consolas" panose="020B0609020204030204" pitchFamily="49" charset="0"/>
-                <a:cs typeface="Consolas" panose="020B0609020204030204" pitchFamily="49" charset="0"/>
-              </a:rPr>
-              <a:t>getName</a:t>
-            </a:r>
-            <a:r>
-              <a:rPr lang="en-US" sz="1400" dirty="0">
-                <a:latin typeface="Consolas" panose="020B0609020204030204" pitchFamily="49" charset="0"/>
-                <a:cs typeface="Consolas" panose="020B0609020204030204" pitchFamily="49" charset="0"/>
-              </a:rPr>
-              <a:t>() { </a:t>
-            </a:r>
-          </a:p>
-          <a:p>
-            <a:r>
-              <a:rPr lang="en-US" sz="1400" dirty="0">
-                <a:latin typeface="Consolas" panose="020B0609020204030204" pitchFamily="49" charset="0"/>
-                <a:cs typeface="Consolas" panose="020B0609020204030204" pitchFamily="49" charset="0"/>
-              </a:rPr>
-              <a:t>        return name;</a:t>
-            </a:r>
-          </a:p>
-          <a:p>
-            <a:r>
-              <a:rPr lang="en-US" sz="1400" dirty="0">
-                <a:latin typeface="Consolas" panose="020B0609020204030204" pitchFamily="49" charset="0"/>
-                <a:cs typeface="Consolas" panose="020B0609020204030204" pitchFamily="49" charset="0"/>
-              </a:rPr>
-              <a:t>    }</a:t>
-            </a:r>
-          </a:p>
-          <a:p>
-            <a:endParaRPr lang="en-US" sz="1400" dirty="0">
-              <a:latin typeface="Consolas" panose="020B0609020204030204" pitchFamily="49" charset="0"/>
-              <a:cs typeface="Consolas" panose="020B0609020204030204" pitchFamily="49" charset="0"/>
-            </a:endParaRPr>
-          </a:p>
-          <a:p>
-            <a:r>
-              <a:rPr lang="en-US" sz="1400" dirty="0">
-                <a:latin typeface="Consolas" panose="020B0609020204030204" pitchFamily="49" charset="0"/>
-                <a:cs typeface="Consolas" panose="020B0609020204030204" pitchFamily="49" charset="0"/>
-              </a:rPr>
-              <a:t>    public void </a:t>
-            </a:r>
-            <a:r>
-              <a:rPr lang="en-US" sz="1400" dirty="0" err="1">
-                <a:latin typeface="Consolas" panose="020B0609020204030204" pitchFamily="49" charset="0"/>
-                <a:cs typeface="Consolas" panose="020B0609020204030204" pitchFamily="49" charset="0"/>
-              </a:rPr>
-              <a:t>setCost</a:t>
-            </a:r>
-            <a:r>
-              <a:rPr lang="en-US" sz="1400" dirty="0">
-                <a:latin typeface="Consolas" panose="020B0609020204030204" pitchFamily="49" charset="0"/>
-                <a:cs typeface="Consolas" panose="020B0609020204030204" pitchFamily="49" charset="0"/>
-              </a:rPr>
-              <a:t>(double cost) {</a:t>
-            </a:r>
-          </a:p>
-          <a:p>
-            <a:r>
-              <a:rPr lang="en-US" sz="1400" dirty="0">
-                <a:latin typeface="Consolas" panose="020B0609020204030204" pitchFamily="49" charset="0"/>
-                <a:cs typeface="Consolas" panose="020B0609020204030204" pitchFamily="49" charset="0"/>
-              </a:rPr>
-              <a:t>        </a:t>
-            </a:r>
-            <a:r>
-              <a:rPr lang="en-US" sz="1400" dirty="0" err="1">
-                <a:latin typeface="Consolas" panose="020B0609020204030204" pitchFamily="49" charset="0"/>
-                <a:cs typeface="Consolas" panose="020B0609020204030204" pitchFamily="49" charset="0"/>
-              </a:rPr>
-              <a:t>this.cost</a:t>
-            </a:r>
-            <a:r>
-              <a:rPr lang="en-US" sz="1400" dirty="0">
-                <a:latin typeface="Consolas" panose="020B0609020204030204" pitchFamily="49" charset="0"/>
-                <a:cs typeface="Consolas" panose="020B0609020204030204" pitchFamily="49" charset="0"/>
-              </a:rPr>
-              <a:t> = cost;</a:t>
-            </a:r>
-          </a:p>
-          <a:p>
-            <a:r>
-              <a:rPr lang="en-US" sz="1400" dirty="0">
-                <a:latin typeface="Consolas" panose="020B0609020204030204" pitchFamily="49" charset="0"/>
-                <a:cs typeface="Consolas" panose="020B0609020204030204" pitchFamily="49" charset="0"/>
-              </a:rPr>
-              <a:t>    }</a:t>
-            </a:r>
-          </a:p>
-          <a:p>
-            <a:endParaRPr lang="en-US" sz="1400" dirty="0">
-              <a:latin typeface="Consolas" panose="020B0609020204030204" pitchFamily="49" charset="0"/>
-              <a:cs typeface="Consolas" panose="020B0609020204030204" pitchFamily="49" charset="0"/>
-            </a:endParaRPr>
-          </a:p>
-          <a:p>
-            <a:r>
-              <a:rPr lang="en-US" sz="1400" dirty="0">
-                <a:latin typeface="Consolas" panose="020B0609020204030204" pitchFamily="49" charset="0"/>
-                <a:cs typeface="Consolas" panose="020B0609020204030204" pitchFamily="49" charset="0"/>
-              </a:rPr>
-              <a:t>    public double </a:t>
-            </a:r>
-            <a:r>
-              <a:rPr lang="en-US" sz="1400" dirty="0" err="1">
-                <a:latin typeface="Consolas" panose="020B0609020204030204" pitchFamily="49" charset="0"/>
-                <a:cs typeface="Consolas" panose="020B0609020204030204" pitchFamily="49" charset="0"/>
-              </a:rPr>
-              <a:t>getCost</a:t>
-            </a:r>
-            <a:r>
-              <a:rPr lang="en-US" sz="1400" dirty="0">
-                <a:latin typeface="Consolas" panose="020B0609020204030204" pitchFamily="49" charset="0"/>
-                <a:cs typeface="Consolas" panose="020B0609020204030204" pitchFamily="49" charset="0"/>
-              </a:rPr>
-              <a:t>() { </a:t>
-            </a:r>
-          </a:p>
-          <a:p>
-            <a:r>
-              <a:rPr lang="en-US" sz="1400" dirty="0">
-                <a:latin typeface="Consolas" panose="020B0609020204030204" pitchFamily="49" charset="0"/>
-                <a:cs typeface="Consolas" panose="020B0609020204030204" pitchFamily="49" charset="0"/>
-              </a:rPr>
-              <a:t>        return </a:t>
-            </a:r>
-            <a:r>
-              <a:rPr lang="en-US" sz="1400" dirty="0" err="1">
-                <a:latin typeface="Consolas" panose="020B0609020204030204" pitchFamily="49" charset="0"/>
-                <a:cs typeface="Consolas" panose="020B0609020204030204" pitchFamily="49" charset="0"/>
-              </a:rPr>
-              <a:t>this.cost</a:t>
-            </a:r>
-            <a:r>
-              <a:rPr lang="en-US" sz="1400" dirty="0">
-                <a:latin typeface="Consolas" panose="020B0609020204030204" pitchFamily="49" charset="0"/>
-                <a:cs typeface="Consolas" panose="020B0609020204030204" pitchFamily="49" charset="0"/>
-              </a:rPr>
-              <a:t>;</a:t>
-            </a:r>
-          </a:p>
-          <a:p>
-            <a:r>
-              <a:rPr lang="en-US" sz="1400" dirty="0">
-                <a:latin typeface="Consolas" panose="020B0609020204030204" pitchFamily="49" charset="0"/>
-                <a:cs typeface="Consolas" panose="020B0609020204030204" pitchFamily="49" charset="0"/>
-              </a:rPr>
-              <a:t>    }</a:t>
-            </a:r>
-          </a:p>
-          <a:p>
-            <a:endParaRPr lang="en-US" sz="1400" dirty="0">
-              <a:latin typeface="Consolas" panose="020B0609020204030204" pitchFamily="49" charset="0"/>
-              <a:cs typeface="Consolas" panose="020B0609020204030204" pitchFamily="49" charset="0"/>
-            </a:endParaRPr>
-          </a:p>
-          <a:p>
-            <a:r>
-              <a:rPr lang="en-US" sz="1400" dirty="0">
-                <a:latin typeface="Consolas" panose="020B0609020204030204" pitchFamily="49" charset="0"/>
-                <a:cs typeface="Consolas" panose="020B0609020204030204" pitchFamily="49" charset="0"/>
-              </a:rPr>
-              <a:t>    public Cake(String name, double cost) {</a:t>
-            </a:r>
-          </a:p>
-          <a:p>
-            <a:r>
-              <a:rPr lang="en-US" sz="1400" dirty="0">
-                <a:latin typeface="Consolas" panose="020B0609020204030204" pitchFamily="49" charset="0"/>
-                <a:cs typeface="Consolas" panose="020B0609020204030204" pitchFamily="49" charset="0"/>
-              </a:rPr>
-              <a:t>       </a:t>
-            </a:r>
-            <a:r>
-              <a:rPr lang="en-US" sz="1400" dirty="0" err="1">
-                <a:latin typeface="Consolas" panose="020B0609020204030204" pitchFamily="49" charset="0"/>
-                <a:cs typeface="Consolas" panose="020B0609020204030204" pitchFamily="49" charset="0"/>
-              </a:rPr>
-              <a:t>setName</a:t>
-            </a:r>
-            <a:r>
-              <a:rPr lang="en-US" sz="1400" dirty="0">
-                <a:latin typeface="Consolas" panose="020B0609020204030204" pitchFamily="49" charset="0"/>
-                <a:cs typeface="Consolas" panose="020B0609020204030204" pitchFamily="49" charset="0"/>
-              </a:rPr>
-              <a:t>(name); // let the methods work</a:t>
-            </a:r>
-          </a:p>
-          <a:p>
-            <a:r>
-              <a:rPr lang="en-US" sz="1400" dirty="0">
-                <a:latin typeface="Consolas" panose="020B0609020204030204" pitchFamily="49" charset="0"/>
-                <a:cs typeface="Consolas" panose="020B0609020204030204" pitchFamily="49" charset="0"/>
-              </a:rPr>
-              <a:t>       </a:t>
-            </a:r>
-            <a:r>
-              <a:rPr lang="en-US" sz="1400" dirty="0" err="1">
-                <a:latin typeface="Consolas" panose="020B0609020204030204" pitchFamily="49" charset="0"/>
-                <a:cs typeface="Consolas" panose="020B0609020204030204" pitchFamily="49" charset="0"/>
-              </a:rPr>
-              <a:t>setCost</a:t>
-            </a:r>
-            <a:r>
-              <a:rPr lang="en-US" sz="1400" dirty="0">
-                <a:latin typeface="Consolas" panose="020B0609020204030204" pitchFamily="49" charset="0"/>
-                <a:cs typeface="Consolas" panose="020B0609020204030204" pitchFamily="49" charset="0"/>
-              </a:rPr>
-              <a:t>(cost);</a:t>
-            </a:r>
-            <a:br>
-              <a:rPr lang="en-US" sz="1400" dirty="0">
-                <a:latin typeface="Consolas" panose="020B0609020204030204" pitchFamily="49" charset="0"/>
-                <a:cs typeface="Consolas" panose="020B0609020204030204" pitchFamily="49" charset="0"/>
-              </a:rPr>
-            </a:br>
-            <a:r>
-              <a:rPr lang="en-US" sz="1400" dirty="0">
-                <a:latin typeface="Consolas" panose="020B0609020204030204" pitchFamily="49" charset="0"/>
-                <a:cs typeface="Consolas" panose="020B0609020204030204" pitchFamily="49" charset="0"/>
-              </a:rPr>
-              <a:t>    }  </a:t>
-            </a:r>
-          </a:p>
-          <a:p>
-            <a:r>
-              <a:rPr lang="en-US" sz="1400" dirty="0">
-                <a:latin typeface="Consolas" panose="020B0609020204030204" pitchFamily="49" charset="0"/>
-                <a:cs typeface="Consolas" panose="020B0609020204030204" pitchFamily="49" charset="0"/>
-              </a:rPr>
-              <a:t>}</a:t>
+              <a:rPr lang="en-US" b="1" dirty="0"/>
+              <a:t>Opening Question: </a:t>
+            </a:r>
+          </a:p>
+          <a:p>
+            <a:r>
+              <a:rPr lang="en-US" dirty="0"/>
+              <a:t>If an array is ‘final’, can you change the contents?</a:t>
+            </a:r>
+          </a:p>
+          <a:p>
+            <a:r>
+              <a:rPr lang="en-US" dirty="0"/>
+              <a:t>Why or why not? </a:t>
             </a:r>
           </a:p>
         </p:txBody>
@@ -10408,25 +12907,16 @@
     </p:spTree>
     <p:extLst>
       <p:ext uri="{BB962C8B-B14F-4D97-AF65-F5344CB8AC3E}">
-        <p14:creationId xmlns:p14="http://schemas.microsoft.com/office/powerpoint/2010/main" val="2451232438"/>
+        <p14:creationId xmlns:p14="http://schemas.microsoft.com/office/powerpoint/2010/main" val="926474781"/>
       </p:ext>
     </p:extLst>
   </p:cSld>
   <p:clrMapOvr>
     <a:masterClrMapping/>
   </p:clrMapOvr>
-  <mc:AlternateContent xmlns:mc="http://schemas.openxmlformats.org/markup-compatibility/2006" xmlns:p14="http://schemas.microsoft.com/office/powerpoint/2010/main">
-    <mc:Choice Requires="p14">
-      <p:transition p14:dur="300">
-        <p:fade/>
-      </p:transition>
-    </mc:Choice>
-    <mc:Fallback xmlns="">
-      <p:transition>
-        <p:fade/>
-      </p:transition>
-    </mc:Fallback>
-  </mc:AlternateContent>
+  <p:transition>
+    <p:fade/>
+  </p:transition>
 </p:sld>
 </file>
 
@@ -10470,7 +12960,7 @@
           <a:p>
             <a:r>
               <a:rPr lang="en-US" dirty="0"/>
-              <a:t>Review</a:t>
+              <a:t>Recall Activity</a:t>
             </a:r>
           </a:p>
         </p:txBody>
@@ -10494,7 +12984,7 @@
         <p:spPr>
           <a:xfrm>
             <a:off x="628076" y="1776682"/>
-            <a:ext cx="7910444" cy="5554406"/>
+            <a:ext cx="7910444" cy="1522533"/>
           </a:xfrm>
         </p:spPr>
         <p:txBody>
@@ -10503,97 +12993,14 @@
           <a:p>
             <a:r>
               <a:rPr lang="en-US" dirty="0"/>
-              <a:t>Classes are:</a:t>
-            </a:r>
-          </a:p>
-          <a:p>
-            <a:pPr lvl="1"/>
-            <a:r>
-              <a:rPr lang="en-US" dirty="0"/>
-              <a:t>Recipes</a:t>
-            </a:r>
-          </a:p>
-          <a:p>
-            <a:pPr lvl="1"/>
-            <a:r>
-              <a:rPr lang="en-US" dirty="0"/>
-              <a:t>Types (ways to create them)</a:t>
-            </a:r>
-          </a:p>
-          <a:p>
-            <a:pPr lvl="1"/>
-            <a:r>
-              <a:rPr lang="en-US" dirty="0"/>
-              <a:t>Objects</a:t>
-            </a:r>
-          </a:p>
-          <a:p>
-            <a:pPr lvl="1"/>
-            <a:r>
-              <a:rPr lang="en-US" dirty="0"/>
-              <a:t>Foundation of Object Oriented Programming</a:t>
-            </a:r>
-          </a:p>
-          <a:p>
-            <a:r>
-              <a:rPr lang="en-US" dirty="0"/>
-              <a:t>Classes have:</a:t>
-            </a:r>
-          </a:p>
-          <a:p>
-            <a:pPr lvl="1"/>
-            <a:r>
-              <a:rPr lang="en-US" dirty="0"/>
-              <a:t>variables (attributes)</a:t>
-            </a:r>
-          </a:p>
-          <a:p>
-            <a:pPr lvl="1"/>
-            <a:r>
-              <a:rPr lang="en-US" dirty="0"/>
-              <a:t>methods</a:t>
-            </a:r>
-          </a:p>
-          <a:p>
-            <a:pPr lvl="1"/>
-            <a:r>
-              <a:rPr lang="en-US" dirty="0"/>
-              <a:t>constructors</a:t>
-            </a:r>
-          </a:p>
-          <a:p>
-            <a:r>
-              <a:rPr lang="en-US" dirty="0"/>
-              <a:t>Variables and Methods have:</a:t>
-            </a:r>
-          </a:p>
-          <a:p>
-            <a:pPr lvl="1"/>
-            <a:r>
-              <a:rPr lang="en-US" dirty="0"/>
-              <a:t>scope </a:t>
-            </a:r>
-          </a:p>
-          <a:p>
-            <a:pPr lvl="2"/>
-            <a:r>
-              <a:rPr lang="en-US" dirty="0"/>
-              <a:t>Who can accesses them</a:t>
-            </a:r>
-          </a:p>
-          <a:p>
-            <a:pPr lvl="1"/>
-            <a:r>
-              <a:rPr lang="en-US" dirty="0"/>
-              <a:t>Memory Type</a:t>
-            </a:r>
-          </a:p>
-          <a:p>
-            <a:pPr lvl="2"/>
-            <a:r>
-              <a:rPr lang="en-US" dirty="0"/>
-              <a:t>static or instance </a:t>
-            </a:r>
+              <a:t>Analyze the class Cake presented and write all concepts and ideas you can remember regarding what is a class and how we can define and use it.</a:t>
+            </a:r>
+          </a:p>
+          <a:p>
+            <a:pPr marL="699614" lvl="1" indent="0">
+              <a:buNone/>
+            </a:pPr>
+            <a:endParaRPr lang="en-US" dirty="0"/>
           </a:p>
         </p:txBody>
       </p:sp>
@@ -10980,7 +13387,7 @@
     </p:spTree>
     <p:extLst>
       <p:ext uri="{BB962C8B-B14F-4D97-AF65-F5344CB8AC3E}">
-        <p14:creationId xmlns:p14="http://schemas.microsoft.com/office/powerpoint/2010/main" val="2012767177"/>
+        <p14:creationId xmlns:p14="http://schemas.microsoft.com/office/powerpoint/2010/main" val="2451232438"/>
       </p:ext>
     </p:extLst>
   </p:cSld>
@@ -11035,19 +13442,14 @@
             <p:ph type="title"/>
           </p:nvPr>
         </p:nvSpPr>
-        <p:spPr>
-          <a:xfrm>
-            <a:off x="628073" y="171613"/>
-            <a:ext cx="12561453" cy="1015663"/>
-          </a:xfrm>
-        </p:spPr>
+        <p:spPr/>
         <p:txBody>
           <a:bodyPr/>
           <a:lstStyle/>
           <a:p>
             <a:r>
               <a:rPr lang="en-US" dirty="0"/>
-              <a:t>Static x Instance Variables</a:t>
+              <a:t>Review</a:t>
             </a:r>
           </a:p>
         </p:txBody>
@@ -11070,8 +13472,8 @@
         </p:nvSpPr>
         <p:spPr>
           <a:xfrm>
-            <a:off x="628076" y="1319638"/>
-            <a:ext cx="7910444" cy="5735994"/>
+            <a:off x="628076" y="1776682"/>
+            <a:ext cx="7910444" cy="5554406"/>
           </a:xfrm>
         </p:spPr>
         <p:txBody>
@@ -11080,107 +13482,96 @@
           <a:p>
             <a:r>
               <a:rPr lang="en-US" dirty="0"/>
-              <a:t>Static</a:t>
+              <a:t>Classes are:</a:t>
             </a:r>
           </a:p>
           <a:p>
             <a:pPr lvl="1"/>
             <a:r>
               <a:rPr lang="en-US" dirty="0"/>
-              <a:t>Belongs to the class</a:t>
+              <a:t>Recipes</a:t>
             </a:r>
           </a:p>
           <a:p>
             <a:pPr lvl="1"/>
             <a:r>
               <a:rPr lang="en-US" dirty="0"/>
-              <a:t>How do you access a public static variable?</a:t>
+              <a:t>Types (ways to create them)</a:t>
+            </a:r>
+          </a:p>
+          <a:p>
+            <a:pPr lvl="1"/>
+            <a:r>
+              <a:rPr lang="en-US" dirty="0"/>
+              <a:t>Objects</a:t>
+            </a:r>
+          </a:p>
+          <a:p>
+            <a:pPr lvl="1"/>
+            <a:r>
+              <a:rPr lang="en-US" dirty="0"/>
+              <a:t>Foundation of Object Oriented Programming</a:t>
+            </a:r>
+          </a:p>
+          <a:p>
+            <a:r>
+              <a:rPr lang="en-US" dirty="0"/>
+              <a:t>Classes have:</a:t>
+            </a:r>
+          </a:p>
+          <a:p>
+            <a:pPr lvl="1"/>
+            <a:r>
+              <a:rPr lang="en-US" dirty="0"/>
+              <a:t>variables (attributes)</a:t>
+            </a:r>
+          </a:p>
+          <a:p>
+            <a:pPr lvl="1"/>
+            <a:r>
+              <a:rPr lang="en-US" dirty="0"/>
+              <a:t>methods</a:t>
+            </a:r>
+          </a:p>
+          <a:p>
+            <a:pPr lvl="1"/>
+            <a:r>
+              <a:rPr lang="en-US" dirty="0"/>
+              <a:t>constructors</a:t>
+            </a:r>
+          </a:p>
+          <a:p>
+            <a:r>
+              <a:rPr lang="en-US" dirty="0"/>
+              <a:t>Variables and Methods have:</a:t>
+            </a:r>
+          </a:p>
+          <a:p>
+            <a:pPr lvl="1"/>
+            <a:r>
+              <a:rPr lang="en-US" dirty="0"/>
+              <a:t>scope </a:t>
             </a:r>
           </a:p>
           <a:p>
             <a:pPr lvl="2"/>
             <a:r>
-              <a:rPr lang="en-US" dirty="0" err="1"/>
-              <a:t>NameClass.nameStaticVariable</a:t>
-            </a:r>
-            <a:endParaRPr lang="en-US" dirty="0"/>
+              <a:rPr lang="en-US" dirty="0"/>
+              <a:t>Who can access them</a:t>
+            </a:r>
           </a:p>
           <a:p>
             <a:pPr lvl="1"/>
             <a:r>
               <a:rPr lang="en-US" dirty="0"/>
-              <a:t>Example</a:t>
+              <a:t>Memory Type</a:t>
             </a:r>
           </a:p>
           <a:p>
             <a:pPr lvl="2"/>
             <a:r>
-              <a:rPr lang="en-US" dirty="0" err="1"/>
-              <a:t>Cake.IS_GOOD</a:t>
-            </a:r>
-            <a:endParaRPr lang="en-US" dirty="0"/>
-          </a:p>
-          <a:p>
-            <a:r>
               <a:rPr lang="en-US" dirty="0"/>
-              <a:t>Instance</a:t>
-            </a:r>
-          </a:p>
-          <a:p>
-            <a:pPr lvl="1"/>
-            <a:r>
-              <a:rPr lang="en-US" dirty="0"/>
-              <a:t>Belongs to the object</a:t>
-            </a:r>
-          </a:p>
-          <a:p>
-            <a:pPr lvl="1"/>
-            <a:r>
-              <a:rPr lang="en-US" dirty="0"/>
-              <a:t>How do you access a private instance variable?</a:t>
-            </a:r>
-          </a:p>
-          <a:p>
-            <a:pPr lvl="2"/>
-            <a:r>
-              <a:rPr lang="en-US" dirty="0"/>
-              <a:t>You will need to have a get method for each variable that you want to have access from other class</a:t>
-            </a:r>
-          </a:p>
-          <a:p>
-            <a:pPr lvl="2"/>
-            <a:r>
-              <a:rPr lang="en-US" dirty="0" err="1"/>
-              <a:t>nameObject.getNameVariable</a:t>
-            </a:r>
-            <a:r>
-              <a:rPr lang="en-US" dirty="0"/>
-              <a:t>()</a:t>
-            </a:r>
-          </a:p>
-          <a:p>
-            <a:pPr lvl="1"/>
-            <a:r>
-              <a:rPr lang="en-US" dirty="0"/>
-              <a:t>Example</a:t>
-            </a:r>
-          </a:p>
-          <a:p>
-            <a:pPr lvl="2"/>
-            <a:r>
-              <a:rPr lang="en-US" dirty="0"/>
-              <a:t>Cake cake1 = new Cake(“chocolate”, 3.50);</a:t>
-            </a:r>
-          </a:p>
-          <a:p>
-            <a:pPr lvl="2"/>
-            <a:r>
-              <a:rPr lang="en-US" dirty="0" err="1"/>
-              <a:t>System.out.println</a:t>
-            </a:r>
-            <a:r>
-              <a:rPr lang="en-US" dirty="0"/>
-              <a:t>(cake1.getName());</a:t>
+              <a:t>static or instance </a:t>
             </a:r>
           </a:p>
         </p:txBody>
@@ -11568,7 +13959,7 @@
     </p:spTree>
     <p:extLst>
       <p:ext uri="{BB962C8B-B14F-4D97-AF65-F5344CB8AC3E}">
-        <p14:creationId xmlns:p14="http://schemas.microsoft.com/office/powerpoint/2010/main" val="1227827217"/>
+        <p14:creationId xmlns:p14="http://schemas.microsoft.com/office/powerpoint/2010/main" val="2012767177"/>
       </p:ext>
     </p:extLst>
   </p:cSld>
@@ -11609,10 +14000,10 @@
       </p:grpSpPr>
       <p:sp>
         <p:nvSpPr>
-          <p:cNvPr id="2" name="Title 1">
+          <p:cNvPr id="4" name="Title 3">
             <a:extLst>
               <a:ext uri="{FF2B5EF4-FFF2-40B4-BE49-F238E27FC236}">
-                <a16:creationId xmlns:a16="http://schemas.microsoft.com/office/drawing/2014/main" id="{2DBAED83-8A0A-0548-BA23-13CB5D45BC8F}"/>
+                <a16:creationId xmlns:a16="http://schemas.microsoft.com/office/drawing/2014/main" id="{F6F7E663-32CE-E448-95F9-79C015848441}"/>
               </a:ext>
             </a:extLst>
           </p:cNvPr>
@@ -11623,24 +14014,29 @@
             <p:ph type="title"/>
           </p:nvPr>
         </p:nvSpPr>
-        <p:spPr/>
+        <p:spPr>
+          <a:xfrm>
+            <a:off x="628073" y="171613"/>
+            <a:ext cx="12561453" cy="1015663"/>
+          </a:xfrm>
+        </p:spPr>
         <p:txBody>
           <a:bodyPr/>
           <a:lstStyle/>
           <a:p>
             <a:r>
               <a:rPr lang="en-US" dirty="0"/>
-              <a:t>Checking your Understanding (Part 1)</a:t>
+              <a:t>Static x Instance Variables</a:t>
             </a:r>
           </a:p>
         </p:txBody>
       </p:sp>
       <p:sp>
         <p:nvSpPr>
-          <p:cNvPr id="3" name="Text Placeholder 2">
+          <p:cNvPr id="6" name="Text Placeholder 5">
             <a:extLst>
               <a:ext uri="{FF2B5EF4-FFF2-40B4-BE49-F238E27FC236}">
-                <a16:creationId xmlns:a16="http://schemas.microsoft.com/office/drawing/2014/main" id="{507F2138-38CE-FB4F-963C-1AF7D9CA4471}"/>
+                <a16:creationId xmlns:a16="http://schemas.microsoft.com/office/drawing/2014/main" id="{070BA3BB-E4AC-1442-9C1B-434DA00352F6}"/>
               </a:ext>
             </a:extLst>
           </p:cNvPr>
@@ -11653,8 +14049,8 @@
         </p:nvSpPr>
         <p:spPr>
           <a:xfrm>
-            <a:off x="628075" y="1638460"/>
-            <a:ext cx="5486975" cy="3682290"/>
+            <a:off x="628076" y="1319638"/>
+            <a:ext cx="7910444" cy="5735994"/>
           </a:xfrm>
         </p:spPr>
         <p:txBody>
@@ -11663,49 +14059,117 @@
           <a:p>
             <a:r>
               <a:rPr lang="en-US" dirty="0"/>
-              <a:t>Identify:</a:t>
+              <a:t>Static</a:t>
             </a:r>
           </a:p>
           <a:p>
             <a:pPr lvl="1"/>
             <a:r>
               <a:rPr lang="en-US" dirty="0"/>
-              <a:t>Class variables (scope and type)</a:t>
+              <a:t>Belongs to the class</a:t>
             </a:r>
           </a:p>
           <a:p>
             <a:pPr lvl="1"/>
             <a:r>
               <a:rPr lang="en-US" dirty="0"/>
-              <a:t>Instance variables (scope and type)</a:t>
-            </a:r>
-          </a:p>
-          <a:p>
+              <a:t>How do you access a public static variable?</a:t>
+            </a:r>
+          </a:p>
+          <a:p>
+            <a:pPr lvl="2"/>
+            <a:r>
+              <a:rPr lang="en-US" dirty="0" err="1"/>
+              <a:t>NameClass.nameStaticVariable</a:t>
+            </a:r>
+            <a:endParaRPr lang="en-US" dirty="0"/>
+          </a:p>
+          <a:p>
+            <a:pPr lvl="1"/>
             <a:r>
               <a:rPr lang="en-US" dirty="0"/>
-              <a:t>What is the purpose of the class variable in this example?</a:t>
-            </a:r>
+              <a:t>Example</a:t>
+            </a:r>
+          </a:p>
+          <a:p>
+            <a:pPr lvl="2"/>
+            <a:r>
+              <a:rPr lang="en-US" dirty="0" err="1"/>
+              <a:t>Cake.IS_GOOD</a:t>
+            </a:r>
+            <a:endParaRPr lang="en-US" dirty="0"/>
           </a:p>
           <a:p>
             <a:r>
               <a:rPr lang="en-US" dirty="0"/>
-              <a:t>How can we access the class variable from another class?</a:t>
-            </a:r>
-          </a:p>
-          <a:p>
+              <a:t>Instance</a:t>
+            </a:r>
+          </a:p>
+          <a:p>
+            <a:pPr lvl="1"/>
             <a:r>
               <a:rPr lang="en-US" dirty="0"/>
-              <a:t>How can we access the instance variable from another class? </a:t>
+              <a:t>Belongs to the object</a:t>
+            </a:r>
+          </a:p>
+          <a:p>
+            <a:pPr lvl="1"/>
+            <a:r>
+              <a:rPr lang="en-US" dirty="0"/>
+              <a:t>How do you access a private instance variable?</a:t>
+            </a:r>
+          </a:p>
+          <a:p>
+            <a:pPr lvl="2"/>
+            <a:r>
+              <a:rPr lang="en-US" dirty="0"/>
+              <a:t>You will need to have a get method for each variable that you want to have access from other class</a:t>
+            </a:r>
+          </a:p>
+          <a:p>
+            <a:pPr lvl="2"/>
+            <a:r>
+              <a:rPr lang="en-US" dirty="0" err="1"/>
+              <a:t>nameObject.getNameVariable</a:t>
+            </a:r>
+            <a:r>
+              <a:rPr lang="en-US" dirty="0"/>
+              <a:t>()</a:t>
+            </a:r>
+          </a:p>
+          <a:p>
+            <a:pPr lvl="1"/>
+            <a:r>
+              <a:rPr lang="en-US" dirty="0"/>
+              <a:t>Example</a:t>
+            </a:r>
+          </a:p>
+          <a:p>
+            <a:pPr lvl="2"/>
+            <a:r>
+              <a:rPr lang="en-US" dirty="0"/>
+              <a:t>Cake cake1 = new Cake(“chocolate”, 3.50);</a:t>
+            </a:r>
+          </a:p>
+          <a:p>
+            <a:pPr lvl="2"/>
+            <a:r>
+              <a:rPr lang="en-US" dirty="0" err="1"/>
+              <a:t>System.out.println</a:t>
+            </a:r>
+            <a:r>
+              <a:rPr lang="en-US" dirty="0"/>
+              <a:t>(cake1.getName());</a:t>
             </a:r>
           </a:p>
         </p:txBody>
       </p:sp>
       <p:sp>
         <p:nvSpPr>
-          <p:cNvPr id="4" name="TextBox 3">
+          <p:cNvPr id="5" name="TextBox 4">
             <a:extLst>
               <a:ext uri="{FF2B5EF4-FFF2-40B4-BE49-F238E27FC236}">
-                <a16:creationId xmlns:a16="http://schemas.microsoft.com/office/drawing/2014/main" id="{BE278577-C507-B448-9A94-C13AB472D32E}"/>
+                <a16:creationId xmlns:a16="http://schemas.microsoft.com/office/drawing/2014/main" id="{F3430565-9E8F-1349-833D-D81F25510834}"/>
               </a:ext>
             </a:extLst>
           </p:cNvPr>
@@ -11714,8 +14178,8 @@
         </p:nvSpPr>
         <p:spPr>
           <a:xfrm>
-            <a:off x="7702552" y="1776683"/>
-            <a:ext cx="5879036" cy="4401205"/>
+            <a:off x="8718762" y="1488435"/>
+            <a:ext cx="4933244" cy="5693866"/>
           </a:xfrm>
           <a:prstGeom prst="rect">
             <a:avLst/>
@@ -11735,39 +14199,48 @@
                 <a:latin typeface="Consolas" panose="020B0609020204030204" pitchFamily="49" charset="0"/>
                 <a:cs typeface="Consolas" panose="020B0609020204030204" pitchFamily="49" charset="0"/>
               </a:rPr>
-              <a:t>public class Store {   </a:t>
-            </a:r>
-          </a:p>
-          <a:p>
-            <a:r>
-              <a:rPr lang="en-US" sz="1400" dirty="0">
-                <a:latin typeface="Consolas" panose="020B0609020204030204" pitchFamily="49" charset="0"/>
-                <a:cs typeface="Consolas" panose="020B0609020204030204" pitchFamily="49" charset="0"/>
-              </a:rPr>
-              <a:t>   // Declare and initialize public static field</a:t>
-            </a:r>
-          </a:p>
-          <a:p>
-            <a:r>
-              <a:rPr lang="en-US" sz="1400" dirty="0">
-                <a:latin typeface="Consolas" panose="020B0609020204030204" pitchFamily="49" charset="0"/>
-                <a:cs typeface="Consolas" panose="020B0609020204030204" pitchFamily="49" charset="0"/>
-              </a:rPr>
-              <a:t>   public static int </a:t>
-            </a:r>
-            <a:r>
-              <a:rPr lang="en-US" sz="1400" dirty="0" err="1">
-                <a:latin typeface="Consolas" panose="020B0609020204030204" pitchFamily="49" charset="0"/>
-                <a:cs typeface="Consolas" panose="020B0609020204030204" pitchFamily="49" charset="0"/>
-              </a:rPr>
-              <a:t>nextId</a:t>
-            </a:r>
-            <a:r>
-              <a:rPr lang="en-US" sz="1400" dirty="0">
-                <a:latin typeface="Consolas" panose="020B0609020204030204" pitchFamily="49" charset="0"/>
-                <a:cs typeface="Consolas" panose="020B0609020204030204" pitchFamily="49" charset="0"/>
-              </a:rPr>
-              <a:t> = 101;</a:t>
+              <a:t>public</a:t>
+            </a:r>
+            <a:r>
+              <a:rPr lang="en-US" sz="1400" b="1" dirty="0">
+                <a:latin typeface="Consolas" panose="020B0609020204030204" pitchFamily="49" charset="0"/>
+                <a:cs typeface="Consolas" panose="020B0609020204030204" pitchFamily="49" charset="0"/>
+              </a:rPr>
+              <a:t> class</a:t>
+            </a:r>
+            <a:r>
+              <a:rPr lang="en-US" sz="1400" dirty="0">
+                <a:latin typeface="Consolas" panose="020B0609020204030204" pitchFamily="49" charset="0"/>
+                <a:cs typeface="Consolas" panose="020B0609020204030204" pitchFamily="49" charset="0"/>
+              </a:rPr>
+              <a:t> Cake {</a:t>
+            </a:r>
+          </a:p>
+          <a:p>
+            <a:r>
+              <a:rPr lang="en-US" sz="1400" dirty="0">
+                <a:latin typeface="Consolas" panose="020B0609020204030204" pitchFamily="49" charset="0"/>
+                <a:cs typeface="Consolas" panose="020B0609020204030204" pitchFamily="49" charset="0"/>
+              </a:rPr>
+              <a:t>    public static final boolean IS_GOOD = true;</a:t>
+            </a:r>
+          </a:p>
+          <a:p>
+            <a:r>
+              <a:rPr lang="en-US" sz="1400" dirty="0">
+                <a:latin typeface="Consolas" panose="020B0609020204030204" pitchFamily="49" charset="0"/>
+                <a:cs typeface="Consolas" panose="020B0609020204030204" pitchFamily="49" charset="0"/>
+              </a:rPr>
+              <a:t>    private String name =  “”;</a:t>
+            </a:r>
+          </a:p>
+          <a:p>
+            <a:r>
+              <a:rPr lang="en-US" sz="1400" dirty="0">
+                <a:latin typeface="Consolas" panose="020B0609020204030204" pitchFamily="49" charset="0"/>
+                <a:cs typeface="Consolas" panose="020B0609020204030204" pitchFamily="49" charset="0"/>
+              </a:rPr>
+              <a:t>    private double cost = 0;</a:t>
             </a:r>
           </a:p>
           <a:p>
@@ -11782,34 +14255,39 @@
                 <a:latin typeface="Consolas" panose="020B0609020204030204" pitchFamily="49" charset="0"/>
                 <a:cs typeface="Consolas" panose="020B0609020204030204" pitchFamily="49" charset="0"/>
               </a:rPr>
-              <a:t>   // Define private fields </a:t>
-            </a:r>
-          </a:p>
-          <a:p>
-            <a:r>
-              <a:rPr lang="en-US" sz="1400" dirty="0">
-                <a:latin typeface="Consolas" panose="020B0609020204030204" pitchFamily="49" charset="0"/>
-                <a:cs typeface="Consolas" panose="020B0609020204030204" pitchFamily="49" charset="0"/>
-              </a:rPr>
-              <a:t>   private String name;</a:t>
-            </a:r>
-          </a:p>
-          <a:p>
-            <a:r>
-              <a:rPr lang="en-US" sz="1400" dirty="0">
-                <a:latin typeface="Consolas" panose="020B0609020204030204" pitchFamily="49" charset="0"/>
-                <a:cs typeface="Consolas" panose="020B0609020204030204" pitchFamily="49" charset="0"/>
-              </a:rPr>
-              <a:t>   private String type;</a:t>
-            </a:r>
-          </a:p>
-          <a:p>
-            <a:r>
-              <a:rPr lang="en-US" sz="1400" dirty="0">
-                <a:latin typeface="Consolas" panose="020B0609020204030204" pitchFamily="49" charset="0"/>
-                <a:cs typeface="Consolas" panose="020B0609020204030204" pitchFamily="49" charset="0"/>
-              </a:rPr>
-              <a:t>   private int id;</a:t>
+              <a:t>    public void </a:t>
+            </a:r>
+            <a:r>
+              <a:rPr lang="en-US" sz="1400" dirty="0" err="1">
+                <a:latin typeface="Consolas" panose="020B0609020204030204" pitchFamily="49" charset="0"/>
+                <a:cs typeface="Consolas" panose="020B0609020204030204" pitchFamily="49" charset="0"/>
+              </a:rPr>
+              <a:t>setName</a:t>
+            </a:r>
+            <a:r>
+              <a:rPr lang="en-US" sz="1400" dirty="0">
+                <a:latin typeface="Consolas" panose="020B0609020204030204" pitchFamily="49" charset="0"/>
+                <a:cs typeface="Consolas" panose="020B0609020204030204" pitchFamily="49" charset="0"/>
+              </a:rPr>
+              <a:t>(String str) {</a:t>
+            </a:r>
+          </a:p>
+          <a:p>
+            <a:r>
+              <a:rPr lang="en-US" sz="1400" dirty="0">
+                <a:latin typeface="Consolas" panose="020B0609020204030204" pitchFamily="49" charset="0"/>
+                <a:cs typeface="Consolas" panose="020B0609020204030204" pitchFamily="49" charset="0"/>
+              </a:rPr>
+              <a:t>        name = str;</a:t>
+            </a:r>
+          </a:p>
+          <a:p>
+            <a:r>
+              <a:rPr lang="en-US" sz="1400" dirty="0">
+                <a:latin typeface="Consolas" panose="020B0609020204030204" pitchFamily="49" charset="0"/>
+                <a:cs typeface="Consolas" panose="020B0609020204030204" pitchFamily="49" charset="0"/>
+              </a:rPr>
+              <a:t>    }</a:t>
             </a:r>
           </a:p>
           <a:p>
@@ -11824,104 +14302,39 @@
                 <a:latin typeface="Consolas" panose="020B0609020204030204" pitchFamily="49" charset="0"/>
                 <a:cs typeface="Consolas" panose="020B0609020204030204" pitchFamily="49" charset="0"/>
               </a:rPr>
-              <a:t>   public Store(String </a:t>
+              <a:t>    public String </a:t>
             </a:r>
             <a:r>
               <a:rPr lang="en-US" sz="1400" dirty="0" err="1">
                 <a:latin typeface="Consolas" panose="020B0609020204030204" pitchFamily="49" charset="0"/>
                 <a:cs typeface="Consolas" panose="020B0609020204030204" pitchFamily="49" charset="0"/>
               </a:rPr>
-              <a:t>storeName</a:t>
-            </a:r>
-            <a:r>
-              <a:rPr lang="en-US" sz="1400" dirty="0">
-                <a:latin typeface="Consolas" panose="020B0609020204030204" pitchFamily="49" charset="0"/>
-                <a:cs typeface="Consolas" panose="020B0609020204030204" pitchFamily="49" charset="0"/>
-              </a:rPr>
-              <a:t>, String </a:t>
-            </a:r>
-            <a:r>
-              <a:rPr lang="en-US" sz="1400" dirty="0" err="1">
-                <a:latin typeface="Consolas" panose="020B0609020204030204" pitchFamily="49" charset="0"/>
-                <a:cs typeface="Consolas" panose="020B0609020204030204" pitchFamily="49" charset="0"/>
-              </a:rPr>
-              <a:t>storeType</a:t>
-            </a:r>
-            <a:r>
-              <a:rPr lang="en-US" sz="1400" dirty="0">
-                <a:latin typeface="Consolas" panose="020B0609020204030204" pitchFamily="49" charset="0"/>
-                <a:cs typeface="Consolas" panose="020B0609020204030204" pitchFamily="49" charset="0"/>
-              </a:rPr>
-              <a:t>) {</a:t>
-            </a:r>
-          </a:p>
-          <a:p>
-            <a:r>
-              <a:rPr lang="en-US" sz="1400" dirty="0">
-                <a:latin typeface="Consolas" panose="020B0609020204030204" pitchFamily="49" charset="0"/>
-                <a:cs typeface="Consolas" panose="020B0609020204030204" pitchFamily="49" charset="0"/>
-              </a:rPr>
-              <a:t>      name = </a:t>
-            </a:r>
-            <a:r>
-              <a:rPr lang="en-US" sz="1400" dirty="0" err="1">
-                <a:latin typeface="Consolas" panose="020B0609020204030204" pitchFamily="49" charset="0"/>
-                <a:cs typeface="Consolas" panose="020B0609020204030204" pitchFamily="49" charset="0"/>
-              </a:rPr>
-              <a:t>storeName</a:t>
-            </a:r>
-            <a:r>
-              <a:rPr lang="en-US" sz="1400" dirty="0">
-                <a:latin typeface="Consolas" panose="020B0609020204030204" pitchFamily="49" charset="0"/>
-                <a:cs typeface="Consolas" panose="020B0609020204030204" pitchFamily="49" charset="0"/>
-              </a:rPr>
-              <a:t>;</a:t>
-            </a:r>
-          </a:p>
-          <a:p>
-            <a:r>
-              <a:rPr lang="en-US" sz="1400" dirty="0">
-                <a:latin typeface="Consolas" panose="020B0609020204030204" pitchFamily="49" charset="0"/>
-                <a:cs typeface="Consolas" panose="020B0609020204030204" pitchFamily="49" charset="0"/>
-              </a:rPr>
-              <a:t>      type = </a:t>
-            </a:r>
-            <a:r>
-              <a:rPr lang="en-US" sz="1400" dirty="0" err="1">
-                <a:latin typeface="Consolas" panose="020B0609020204030204" pitchFamily="49" charset="0"/>
-                <a:cs typeface="Consolas" panose="020B0609020204030204" pitchFamily="49" charset="0"/>
-              </a:rPr>
-              <a:t>storeType</a:t>
-            </a:r>
-            <a:r>
-              <a:rPr lang="en-US" sz="1400" dirty="0">
-                <a:latin typeface="Consolas" panose="020B0609020204030204" pitchFamily="49" charset="0"/>
-                <a:cs typeface="Consolas" panose="020B0609020204030204" pitchFamily="49" charset="0"/>
-              </a:rPr>
-              <a:t>;</a:t>
-            </a:r>
-          </a:p>
-          <a:p>
-            <a:r>
-              <a:rPr lang="en-US" sz="1400" dirty="0">
-                <a:latin typeface="Consolas" panose="020B0609020204030204" pitchFamily="49" charset="0"/>
-                <a:cs typeface="Consolas" panose="020B0609020204030204" pitchFamily="49" charset="0"/>
-              </a:rPr>
-              <a:t>      id = </a:t>
-            </a:r>
-            <a:r>
-              <a:rPr lang="en-US" sz="1400" dirty="0" err="1">
-                <a:latin typeface="Consolas" panose="020B0609020204030204" pitchFamily="49" charset="0"/>
-                <a:cs typeface="Consolas" panose="020B0609020204030204" pitchFamily="49" charset="0"/>
-              </a:rPr>
-              <a:t>nextId</a:t>
-            </a:r>
-            <a:r>
-              <a:rPr lang="en-US" sz="1400" dirty="0">
-                <a:latin typeface="Consolas" panose="020B0609020204030204" pitchFamily="49" charset="0"/>
-                <a:cs typeface="Consolas" panose="020B0609020204030204" pitchFamily="49" charset="0"/>
-              </a:rPr>
-              <a:t>;</a:t>
+              <a:t>getName</a:t>
+            </a:r>
+            <a:r>
+              <a:rPr lang="en-US" sz="1400" dirty="0">
+                <a:latin typeface="Consolas" panose="020B0609020204030204" pitchFamily="49" charset="0"/>
+                <a:cs typeface="Consolas" panose="020B0609020204030204" pitchFamily="49" charset="0"/>
+              </a:rPr>
+              <a:t>() { </a:t>
+            </a:r>
+          </a:p>
+          <a:p>
+            <a:r>
+              <a:rPr lang="en-US" sz="1400" dirty="0">
+                <a:latin typeface="Consolas" panose="020B0609020204030204" pitchFamily="49" charset="0"/>
+                <a:cs typeface="Consolas" panose="020B0609020204030204" pitchFamily="49" charset="0"/>
+              </a:rPr>
+              <a:t>        return name;</a:t>
+            </a:r>
+          </a:p>
+          <a:p>
+            <a:r>
+              <a:rPr lang="en-US" sz="1400" dirty="0">
+                <a:latin typeface="Consolas" panose="020B0609020204030204" pitchFamily="49" charset="0"/>
+                <a:cs typeface="Consolas" panose="020B0609020204030204" pitchFamily="49" charset="0"/>
+              </a:rPr>
+              <a:t>    }</a:t>
             </a:r>
           </a:p>
           <a:p>
@@ -11936,30 +14349,53 @@
                 <a:latin typeface="Consolas" panose="020B0609020204030204" pitchFamily="49" charset="0"/>
                 <a:cs typeface="Consolas" panose="020B0609020204030204" pitchFamily="49" charset="0"/>
               </a:rPr>
-              <a:t>      ++</a:t>
+              <a:t>    public void </a:t>
             </a:r>
             <a:r>
               <a:rPr lang="en-US" sz="1400" dirty="0" err="1">
                 <a:latin typeface="Consolas" panose="020B0609020204030204" pitchFamily="49" charset="0"/>
                 <a:cs typeface="Consolas" panose="020B0609020204030204" pitchFamily="49" charset="0"/>
               </a:rPr>
-              <a:t>nextId</a:t>
-            </a:r>
-            <a:r>
-              <a:rPr lang="en-US" sz="1400" dirty="0">
-                <a:latin typeface="Consolas" panose="020B0609020204030204" pitchFamily="49" charset="0"/>
-                <a:cs typeface="Consolas" panose="020B0609020204030204" pitchFamily="49" charset="0"/>
-              </a:rPr>
-              <a:t>;   // Increment each time a Store object is created</a:t>
-            </a:r>
-          </a:p>
-          <a:p>
-            <a:r>
-              <a:rPr lang="en-US" sz="1400" dirty="0">
-                <a:latin typeface="Consolas" panose="020B0609020204030204" pitchFamily="49" charset="0"/>
-                <a:cs typeface="Consolas" panose="020B0609020204030204" pitchFamily="49" charset="0"/>
-              </a:rPr>
-              <a:t>   }</a:t>
+              <a:t>setCost</a:t>
+            </a:r>
+            <a:r>
+              <a:rPr lang="en-US" sz="1400" dirty="0">
+                <a:latin typeface="Consolas" panose="020B0609020204030204" pitchFamily="49" charset="0"/>
+                <a:cs typeface="Consolas" panose="020B0609020204030204" pitchFamily="49" charset="0"/>
+              </a:rPr>
+              <a:t>(double cost) {</a:t>
+            </a:r>
+          </a:p>
+          <a:p>
+            <a:r>
+              <a:rPr lang="en-US" sz="1400" dirty="0">
+                <a:latin typeface="Consolas" panose="020B0609020204030204" pitchFamily="49" charset="0"/>
+                <a:cs typeface="Consolas" panose="020B0609020204030204" pitchFamily="49" charset="0"/>
+              </a:rPr>
+              <a:t>        </a:t>
+            </a:r>
+            <a:r>
+              <a:rPr lang="en-US" sz="1400" dirty="0" err="1">
+                <a:latin typeface="Consolas" panose="020B0609020204030204" pitchFamily="49" charset="0"/>
+                <a:cs typeface="Consolas" panose="020B0609020204030204" pitchFamily="49" charset="0"/>
+              </a:rPr>
+              <a:t>this.cost</a:t>
+            </a:r>
+            <a:r>
+              <a:rPr lang="en-US" sz="1400" dirty="0">
+                <a:latin typeface="Consolas" panose="020B0609020204030204" pitchFamily="49" charset="0"/>
+                <a:cs typeface="Consolas" panose="020B0609020204030204" pitchFamily="49" charset="0"/>
+              </a:rPr>
+              <a:t> = cost;</a:t>
+            </a:r>
+          </a:p>
+          <a:p>
+            <a:r>
+              <a:rPr lang="en-US" sz="1400" dirty="0">
+                <a:latin typeface="Consolas" panose="020B0609020204030204" pitchFamily="49" charset="0"/>
+                <a:cs typeface="Consolas" panose="020B0609020204030204" pitchFamily="49" charset="0"/>
+              </a:rPr>
+              <a:t>    }</a:t>
             </a:r>
           </a:p>
           <a:p>
@@ -11974,7 +14410,127 @@
                 <a:latin typeface="Consolas" panose="020B0609020204030204" pitchFamily="49" charset="0"/>
                 <a:cs typeface="Consolas" panose="020B0609020204030204" pitchFamily="49" charset="0"/>
               </a:rPr>
-              <a:t>   ...</a:t>
+              <a:t>    public double </a:t>
+            </a:r>
+            <a:r>
+              <a:rPr lang="en-US" sz="1400" dirty="0" err="1">
+                <a:latin typeface="Consolas" panose="020B0609020204030204" pitchFamily="49" charset="0"/>
+                <a:cs typeface="Consolas" panose="020B0609020204030204" pitchFamily="49" charset="0"/>
+              </a:rPr>
+              <a:t>getCost</a:t>
+            </a:r>
+            <a:r>
+              <a:rPr lang="en-US" sz="1400" dirty="0">
+                <a:latin typeface="Consolas" panose="020B0609020204030204" pitchFamily="49" charset="0"/>
+                <a:cs typeface="Consolas" panose="020B0609020204030204" pitchFamily="49" charset="0"/>
+              </a:rPr>
+              <a:t>() { </a:t>
+            </a:r>
+          </a:p>
+          <a:p>
+            <a:r>
+              <a:rPr lang="en-US" sz="1400" dirty="0">
+                <a:latin typeface="Consolas" panose="020B0609020204030204" pitchFamily="49" charset="0"/>
+                <a:cs typeface="Consolas" panose="020B0609020204030204" pitchFamily="49" charset="0"/>
+              </a:rPr>
+              <a:t>        return </a:t>
+            </a:r>
+            <a:r>
+              <a:rPr lang="en-US" sz="1400" dirty="0" err="1">
+                <a:latin typeface="Consolas" panose="020B0609020204030204" pitchFamily="49" charset="0"/>
+                <a:cs typeface="Consolas" panose="020B0609020204030204" pitchFamily="49" charset="0"/>
+              </a:rPr>
+              <a:t>this.cost</a:t>
+            </a:r>
+            <a:r>
+              <a:rPr lang="en-US" sz="1400" dirty="0">
+                <a:latin typeface="Consolas" panose="020B0609020204030204" pitchFamily="49" charset="0"/>
+                <a:cs typeface="Consolas" panose="020B0609020204030204" pitchFamily="49" charset="0"/>
+              </a:rPr>
+              <a:t>;</a:t>
+            </a:r>
+          </a:p>
+          <a:p>
+            <a:r>
+              <a:rPr lang="en-US" sz="1400" dirty="0">
+                <a:latin typeface="Consolas" panose="020B0609020204030204" pitchFamily="49" charset="0"/>
+                <a:cs typeface="Consolas" panose="020B0609020204030204" pitchFamily="49" charset="0"/>
+              </a:rPr>
+              <a:t>    }</a:t>
+            </a:r>
+          </a:p>
+          <a:p>
+            <a:endParaRPr lang="en-US" sz="1400" dirty="0">
+              <a:latin typeface="Consolas" panose="020B0609020204030204" pitchFamily="49" charset="0"/>
+              <a:cs typeface="Consolas" panose="020B0609020204030204" pitchFamily="49" charset="0"/>
+            </a:endParaRPr>
+          </a:p>
+          <a:p>
+            <a:r>
+              <a:rPr lang="en-US" sz="1400" dirty="0">
+                <a:latin typeface="Consolas" panose="020B0609020204030204" pitchFamily="49" charset="0"/>
+                <a:cs typeface="Consolas" panose="020B0609020204030204" pitchFamily="49" charset="0"/>
+              </a:rPr>
+              <a:t>    public Cake(String name, double cost) {</a:t>
+            </a:r>
+          </a:p>
+          <a:p>
+            <a:r>
+              <a:rPr lang="en-US" sz="1400" dirty="0">
+                <a:latin typeface="Consolas" panose="020B0609020204030204" pitchFamily="49" charset="0"/>
+                <a:cs typeface="Consolas" panose="020B0609020204030204" pitchFamily="49" charset="0"/>
+              </a:rPr>
+              <a:t>       </a:t>
+            </a:r>
+            <a:r>
+              <a:rPr lang="en-US" sz="1400" dirty="0" err="1">
+                <a:latin typeface="Consolas" panose="020B0609020204030204" pitchFamily="49" charset="0"/>
+                <a:cs typeface="Consolas" panose="020B0609020204030204" pitchFamily="49" charset="0"/>
+              </a:rPr>
+              <a:t>setName</a:t>
+            </a:r>
+            <a:r>
+              <a:rPr lang="en-US" sz="1400" dirty="0">
+                <a:latin typeface="Consolas" panose="020B0609020204030204" pitchFamily="49" charset="0"/>
+                <a:cs typeface="Consolas" panose="020B0609020204030204" pitchFamily="49" charset="0"/>
+              </a:rPr>
+              <a:t>(name); // let the methods work</a:t>
+            </a:r>
+          </a:p>
+          <a:p>
+            <a:r>
+              <a:rPr lang="en-US" sz="1400" dirty="0">
+                <a:latin typeface="Consolas" panose="020B0609020204030204" pitchFamily="49" charset="0"/>
+                <a:cs typeface="Consolas" panose="020B0609020204030204" pitchFamily="49" charset="0"/>
+              </a:rPr>
+              <a:t>       </a:t>
+            </a:r>
+            <a:r>
+              <a:rPr lang="en-US" sz="1400" dirty="0" err="1">
+                <a:latin typeface="Consolas" panose="020B0609020204030204" pitchFamily="49" charset="0"/>
+                <a:cs typeface="Consolas" panose="020B0609020204030204" pitchFamily="49" charset="0"/>
+              </a:rPr>
+              <a:t>setCost</a:t>
+            </a:r>
+            <a:r>
+              <a:rPr lang="en-US" sz="1400" dirty="0">
+                <a:latin typeface="Consolas" panose="020B0609020204030204" pitchFamily="49" charset="0"/>
+                <a:cs typeface="Consolas" panose="020B0609020204030204" pitchFamily="49" charset="0"/>
+              </a:rPr>
+              <a:t>(cost);</a:t>
+            </a:r>
+            <a:br>
+              <a:rPr lang="en-US" sz="1400" dirty="0">
+                <a:latin typeface="Consolas" panose="020B0609020204030204" pitchFamily="49" charset="0"/>
+                <a:cs typeface="Consolas" panose="020B0609020204030204" pitchFamily="49" charset="0"/>
+              </a:rPr>
+            </a:br>
+            <a:r>
+              <a:rPr lang="en-US" sz="1400" dirty="0">
+                <a:latin typeface="Consolas" panose="020B0609020204030204" pitchFamily="49" charset="0"/>
+                <a:cs typeface="Consolas" panose="020B0609020204030204" pitchFamily="49" charset="0"/>
+              </a:rPr>
+              <a:t>    }  </a:t>
             </a:r>
           </a:p>
           <a:p>
@@ -11991,7 +14547,7 @@
     </p:spTree>
     <p:extLst>
       <p:ext uri="{BB962C8B-B14F-4D97-AF65-F5344CB8AC3E}">
-        <p14:creationId xmlns:p14="http://schemas.microsoft.com/office/powerpoint/2010/main" val="2110323143"/>
+        <p14:creationId xmlns:p14="http://schemas.microsoft.com/office/powerpoint/2010/main" val="1227827217"/>
       </p:ext>
     </p:extLst>
   </p:cSld>
@@ -12035,6 +14591,580 @@
           <p:cNvPr id="2" name="Title 1">
             <a:extLst>
               <a:ext uri="{FF2B5EF4-FFF2-40B4-BE49-F238E27FC236}">
+                <a16:creationId xmlns:a16="http://schemas.microsoft.com/office/drawing/2014/main" id="{2DBAED83-8A0A-0548-BA23-13CB5D45BC8F}"/>
+              </a:ext>
+            </a:extLst>
+          </p:cNvPr>
+          <p:cNvSpPr>
+            <a:spLocks noGrp="1"/>
+          </p:cNvSpPr>
+          <p:nvPr>
+            <p:ph type="title"/>
+          </p:nvPr>
+        </p:nvSpPr>
+        <p:spPr/>
+        <p:txBody>
+          <a:bodyPr/>
+          <a:lstStyle/>
+          <a:p>
+            <a:r>
+              <a:rPr lang="en-US" dirty="0"/>
+              <a:t>Checking your Understanding (Part 1)</a:t>
+            </a:r>
+          </a:p>
+        </p:txBody>
+      </p:sp>
+      <p:sp>
+        <p:nvSpPr>
+          <p:cNvPr id="3" name="Text Placeholder 2">
+            <a:extLst>
+              <a:ext uri="{FF2B5EF4-FFF2-40B4-BE49-F238E27FC236}">
+                <a16:creationId xmlns:a16="http://schemas.microsoft.com/office/drawing/2014/main" id="{507F2138-38CE-FB4F-963C-1AF7D9CA4471}"/>
+              </a:ext>
+            </a:extLst>
+          </p:cNvPr>
+          <p:cNvSpPr>
+            <a:spLocks noGrp="1"/>
+          </p:cNvSpPr>
+          <p:nvPr>
+            <p:ph type="body" sz="quarter" idx="10"/>
+          </p:nvPr>
+        </p:nvSpPr>
+        <p:spPr>
+          <a:xfrm>
+            <a:off x="628075" y="1638460"/>
+            <a:ext cx="5486975" cy="3682290"/>
+          </a:xfrm>
+        </p:spPr>
+        <p:txBody>
+          <a:bodyPr/>
+          <a:lstStyle/>
+          <a:p>
+            <a:r>
+              <a:rPr lang="en-US" dirty="0"/>
+              <a:t>Identify:</a:t>
+            </a:r>
+          </a:p>
+          <a:p>
+            <a:pPr lvl="1"/>
+            <a:r>
+              <a:rPr lang="en-US" dirty="0"/>
+              <a:t>Class variables (scope and type)</a:t>
+            </a:r>
+          </a:p>
+          <a:p>
+            <a:pPr lvl="1"/>
+            <a:r>
+              <a:rPr lang="en-US" dirty="0"/>
+              <a:t>Instance variables (scope and type)</a:t>
+            </a:r>
+          </a:p>
+          <a:p>
+            <a:r>
+              <a:rPr lang="en-US" dirty="0"/>
+              <a:t>What is the purpose of the class variable in this example?</a:t>
+            </a:r>
+          </a:p>
+          <a:p>
+            <a:r>
+              <a:rPr lang="en-US" dirty="0"/>
+              <a:t>How can we access the class variable from another class?</a:t>
+            </a:r>
+          </a:p>
+          <a:p>
+            <a:r>
+              <a:rPr lang="en-US" dirty="0"/>
+              <a:t>How can we access the instance variable from another class? </a:t>
+            </a:r>
+          </a:p>
+        </p:txBody>
+      </p:sp>
+      <p:sp>
+        <p:nvSpPr>
+          <p:cNvPr id="4" name="TextBox 3">
+            <a:extLst>
+              <a:ext uri="{FF2B5EF4-FFF2-40B4-BE49-F238E27FC236}">
+                <a16:creationId xmlns:a16="http://schemas.microsoft.com/office/drawing/2014/main" id="{BE278577-C507-B448-9A94-C13AB472D32E}"/>
+              </a:ext>
+            </a:extLst>
+          </p:cNvPr>
+          <p:cNvSpPr txBox="1"/>
+          <p:nvPr/>
+        </p:nvSpPr>
+        <p:spPr>
+          <a:xfrm>
+            <a:off x="6400800" y="1776683"/>
+            <a:ext cx="7180788" cy="4185761"/>
+          </a:xfrm>
+          <a:prstGeom prst="rect">
+            <a:avLst/>
+          </a:prstGeom>
+          <a:solidFill>
+            <a:schemeClr val="bg2"/>
+          </a:solidFill>
+        </p:spPr>
+        <p:txBody>
+          <a:bodyPr wrap="square" rtlCol="0">
+            <a:spAutoFit/>
+          </a:bodyPr>
+          <a:lstStyle/>
+          <a:p>
+            <a:r>
+              <a:rPr lang="en-US" sz="1400" dirty="0">
+                <a:latin typeface="Consolas" panose="020B0609020204030204" pitchFamily="49" charset="0"/>
+                <a:cs typeface="Consolas" panose="020B0609020204030204" pitchFamily="49" charset="0"/>
+              </a:rPr>
+              <a:t>public class Store {   </a:t>
+            </a:r>
+          </a:p>
+          <a:p>
+            <a:r>
+              <a:rPr lang="en-US" sz="1400" dirty="0">
+                <a:latin typeface="Consolas" panose="020B0609020204030204" pitchFamily="49" charset="0"/>
+                <a:cs typeface="Consolas" panose="020B0609020204030204" pitchFamily="49" charset="0"/>
+              </a:rPr>
+              <a:t>   // Declare and initialize public static field</a:t>
+            </a:r>
+          </a:p>
+          <a:p>
+            <a:r>
+              <a:rPr lang="en-US" sz="1400" dirty="0">
+                <a:latin typeface="Consolas" panose="020B0609020204030204" pitchFamily="49" charset="0"/>
+                <a:cs typeface="Consolas" panose="020B0609020204030204" pitchFamily="49" charset="0"/>
+              </a:rPr>
+              <a:t>   public static int </a:t>
+            </a:r>
+            <a:r>
+              <a:rPr lang="en-US" sz="1400" dirty="0" err="1">
+                <a:latin typeface="Consolas" panose="020B0609020204030204" pitchFamily="49" charset="0"/>
+                <a:cs typeface="Consolas" panose="020B0609020204030204" pitchFamily="49" charset="0"/>
+              </a:rPr>
+              <a:t>nextId</a:t>
+            </a:r>
+            <a:r>
+              <a:rPr lang="en-US" sz="1400" dirty="0">
+                <a:latin typeface="Consolas" panose="020B0609020204030204" pitchFamily="49" charset="0"/>
+                <a:cs typeface="Consolas" panose="020B0609020204030204" pitchFamily="49" charset="0"/>
+              </a:rPr>
+              <a:t> = 101;</a:t>
+            </a:r>
+          </a:p>
+          <a:p>
+            <a:endParaRPr lang="en-US" sz="1400" dirty="0">
+              <a:latin typeface="Consolas" panose="020B0609020204030204" pitchFamily="49" charset="0"/>
+              <a:cs typeface="Consolas" panose="020B0609020204030204" pitchFamily="49" charset="0"/>
+            </a:endParaRPr>
+          </a:p>
+          <a:p>
+            <a:r>
+              <a:rPr lang="en-US" sz="1400" dirty="0">
+                <a:latin typeface="Consolas" panose="020B0609020204030204" pitchFamily="49" charset="0"/>
+                <a:cs typeface="Consolas" panose="020B0609020204030204" pitchFamily="49" charset="0"/>
+              </a:rPr>
+              <a:t>   // Define private fields </a:t>
+            </a:r>
+          </a:p>
+          <a:p>
+            <a:r>
+              <a:rPr lang="en-US" sz="1400" dirty="0">
+                <a:latin typeface="Consolas" panose="020B0609020204030204" pitchFamily="49" charset="0"/>
+                <a:cs typeface="Consolas" panose="020B0609020204030204" pitchFamily="49" charset="0"/>
+              </a:rPr>
+              <a:t>   private String name;</a:t>
+            </a:r>
+          </a:p>
+          <a:p>
+            <a:r>
+              <a:rPr lang="en-US" sz="1400" dirty="0">
+                <a:latin typeface="Consolas" panose="020B0609020204030204" pitchFamily="49" charset="0"/>
+                <a:cs typeface="Consolas" panose="020B0609020204030204" pitchFamily="49" charset="0"/>
+              </a:rPr>
+              <a:t>   private String type;</a:t>
+            </a:r>
+          </a:p>
+          <a:p>
+            <a:r>
+              <a:rPr lang="en-US" sz="1400" dirty="0">
+                <a:latin typeface="Consolas" panose="020B0609020204030204" pitchFamily="49" charset="0"/>
+                <a:cs typeface="Consolas" panose="020B0609020204030204" pitchFamily="49" charset="0"/>
+              </a:rPr>
+              <a:t>   private int id;</a:t>
+            </a:r>
+          </a:p>
+          <a:p>
+            <a:endParaRPr lang="en-US" sz="1400" dirty="0">
+              <a:latin typeface="Consolas" panose="020B0609020204030204" pitchFamily="49" charset="0"/>
+              <a:cs typeface="Consolas" panose="020B0609020204030204" pitchFamily="49" charset="0"/>
+            </a:endParaRPr>
+          </a:p>
+          <a:p>
+            <a:r>
+              <a:rPr lang="en-US" sz="1400" dirty="0">
+                <a:latin typeface="Consolas" panose="020B0609020204030204" pitchFamily="49" charset="0"/>
+                <a:cs typeface="Consolas" panose="020B0609020204030204" pitchFamily="49" charset="0"/>
+              </a:rPr>
+              <a:t>   public Store(String </a:t>
+            </a:r>
+            <a:r>
+              <a:rPr lang="en-US" sz="1400" dirty="0" err="1">
+                <a:latin typeface="Consolas" panose="020B0609020204030204" pitchFamily="49" charset="0"/>
+                <a:cs typeface="Consolas" panose="020B0609020204030204" pitchFamily="49" charset="0"/>
+              </a:rPr>
+              <a:t>storeName</a:t>
+            </a:r>
+            <a:r>
+              <a:rPr lang="en-US" sz="1400" dirty="0">
+                <a:latin typeface="Consolas" panose="020B0609020204030204" pitchFamily="49" charset="0"/>
+                <a:cs typeface="Consolas" panose="020B0609020204030204" pitchFamily="49" charset="0"/>
+              </a:rPr>
+              <a:t>, String </a:t>
+            </a:r>
+            <a:r>
+              <a:rPr lang="en-US" sz="1400" dirty="0" err="1">
+                <a:latin typeface="Consolas" panose="020B0609020204030204" pitchFamily="49" charset="0"/>
+                <a:cs typeface="Consolas" panose="020B0609020204030204" pitchFamily="49" charset="0"/>
+              </a:rPr>
+              <a:t>storeType</a:t>
+            </a:r>
+            <a:r>
+              <a:rPr lang="en-US" sz="1400" dirty="0">
+                <a:latin typeface="Consolas" panose="020B0609020204030204" pitchFamily="49" charset="0"/>
+                <a:cs typeface="Consolas" panose="020B0609020204030204" pitchFamily="49" charset="0"/>
+              </a:rPr>
+              <a:t>) {</a:t>
+            </a:r>
+          </a:p>
+          <a:p>
+            <a:r>
+              <a:rPr lang="en-US" sz="1400" dirty="0">
+                <a:latin typeface="Consolas" panose="020B0609020204030204" pitchFamily="49" charset="0"/>
+                <a:cs typeface="Consolas" panose="020B0609020204030204" pitchFamily="49" charset="0"/>
+              </a:rPr>
+              <a:t>      name = </a:t>
+            </a:r>
+            <a:r>
+              <a:rPr lang="en-US" sz="1400" dirty="0" err="1">
+                <a:latin typeface="Consolas" panose="020B0609020204030204" pitchFamily="49" charset="0"/>
+                <a:cs typeface="Consolas" panose="020B0609020204030204" pitchFamily="49" charset="0"/>
+              </a:rPr>
+              <a:t>storeName</a:t>
+            </a:r>
+            <a:r>
+              <a:rPr lang="en-US" sz="1400" dirty="0">
+                <a:latin typeface="Consolas" panose="020B0609020204030204" pitchFamily="49" charset="0"/>
+                <a:cs typeface="Consolas" panose="020B0609020204030204" pitchFamily="49" charset="0"/>
+              </a:rPr>
+              <a:t>;</a:t>
+            </a:r>
+          </a:p>
+          <a:p>
+            <a:r>
+              <a:rPr lang="en-US" sz="1400" dirty="0">
+                <a:latin typeface="Consolas" panose="020B0609020204030204" pitchFamily="49" charset="0"/>
+                <a:cs typeface="Consolas" panose="020B0609020204030204" pitchFamily="49" charset="0"/>
+              </a:rPr>
+              <a:t>      type = </a:t>
+            </a:r>
+            <a:r>
+              <a:rPr lang="en-US" sz="1400" dirty="0" err="1">
+                <a:latin typeface="Consolas" panose="020B0609020204030204" pitchFamily="49" charset="0"/>
+                <a:cs typeface="Consolas" panose="020B0609020204030204" pitchFamily="49" charset="0"/>
+              </a:rPr>
+              <a:t>storeType</a:t>
+            </a:r>
+            <a:r>
+              <a:rPr lang="en-US" sz="1400" dirty="0">
+                <a:latin typeface="Consolas" panose="020B0609020204030204" pitchFamily="49" charset="0"/>
+                <a:cs typeface="Consolas" panose="020B0609020204030204" pitchFamily="49" charset="0"/>
+              </a:rPr>
+              <a:t>;</a:t>
+            </a:r>
+          </a:p>
+          <a:p>
+            <a:r>
+              <a:rPr lang="en-US" sz="1400" dirty="0">
+                <a:latin typeface="Consolas" panose="020B0609020204030204" pitchFamily="49" charset="0"/>
+                <a:cs typeface="Consolas" panose="020B0609020204030204" pitchFamily="49" charset="0"/>
+              </a:rPr>
+              <a:t>      id = </a:t>
+            </a:r>
+            <a:r>
+              <a:rPr lang="en-US" sz="1400" dirty="0" err="1">
+                <a:latin typeface="Consolas" panose="020B0609020204030204" pitchFamily="49" charset="0"/>
+                <a:cs typeface="Consolas" panose="020B0609020204030204" pitchFamily="49" charset="0"/>
+              </a:rPr>
+              <a:t>nextId</a:t>
+            </a:r>
+            <a:r>
+              <a:rPr lang="en-US" sz="1400" dirty="0">
+                <a:latin typeface="Consolas" panose="020B0609020204030204" pitchFamily="49" charset="0"/>
+                <a:cs typeface="Consolas" panose="020B0609020204030204" pitchFamily="49" charset="0"/>
+              </a:rPr>
+              <a:t>;</a:t>
+            </a:r>
+          </a:p>
+          <a:p>
+            <a:endParaRPr lang="en-US" sz="1400" dirty="0">
+              <a:latin typeface="Consolas" panose="020B0609020204030204" pitchFamily="49" charset="0"/>
+              <a:cs typeface="Consolas" panose="020B0609020204030204" pitchFamily="49" charset="0"/>
+            </a:endParaRPr>
+          </a:p>
+          <a:p>
+            <a:r>
+              <a:rPr lang="en-US" sz="1400" dirty="0">
+                <a:latin typeface="Consolas" panose="020B0609020204030204" pitchFamily="49" charset="0"/>
+                <a:cs typeface="Consolas" panose="020B0609020204030204" pitchFamily="49" charset="0"/>
+              </a:rPr>
+              <a:t>      ++</a:t>
+            </a:r>
+            <a:r>
+              <a:rPr lang="en-US" sz="1400" dirty="0" err="1">
+                <a:latin typeface="Consolas" panose="020B0609020204030204" pitchFamily="49" charset="0"/>
+                <a:cs typeface="Consolas" panose="020B0609020204030204" pitchFamily="49" charset="0"/>
+              </a:rPr>
+              <a:t>nextId</a:t>
+            </a:r>
+            <a:r>
+              <a:rPr lang="en-US" sz="1400" dirty="0">
+                <a:latin typeface="Consolas" panose="020B0609020204030204" pitchFamily="49" charset="0"/>
+                <a:cs typeface="Consolas" panose="020B0609020204030204" pitchFamily="49" charset="0"/>
+              </a:rPr>
+              <a:t>;   // Increment each time a Store object is created</a:t>
+            </a:r>
+          </a:p>
+          <a:p>
+            <a:r>
+              <a:rPr lang="en-US" sz="1400" dirty="0">
+                <a:latin typeface="Consolas" panose="020B0609020204030204" pitchFamily="49" charset="0"/>
+                <a:cs typeface="Consolas" panose="020B0609020204030204" pitchFamily="49" charset="0"/>
+              </a:rPr>
+              <a:t>   }</a:t>
+            </a:r>
+          </a:p>
+          <a:p>
+            <a:endParaRPr lang="en-US" sz="1400" dirty="0">
+              <a:latin typeface="Consolas" panose="020B0609020204030204" pitchFamily="49" charset="0"/>
+              <a:cs typeface="Consolas" panose="020B0609020204030204" pitchFamily="49" charset="0"/>
+            </a:endParaRPr>
+          </a:p>
+          <a:p>
+            <a:r>
+              <a:rPr lang="en-US" sz="1400" dirty="0">
+                <a:latin typeface="Consolas" panose="020B0609020204030204" pitchFamily="49" charset="0"/>
+                <a:cs typeface="Consolas" panose="020B0609020204030204" pitchFamily="49" charset="0"/>
+              </a:rPr>
+              <a:t>   ...</a:t>
+            </a:r>
+          </a:p>
+          <a:p>
+            <a:r>
+              <a:rPr lang="en-US" sz="1400" dirty="0">
+                <a:latin typeface="Consolas" panose="020B0609020204030204" pitchFamily="49" charset="0"/>
+                <a:cs typeface="Consolas" panose="020B0609020204030204" pitchFamily="49" charset="0"/>
+              </a:rPr>
+              <a:t>}</a:t>
+            </a:r>
+          </a:p>
+        </p:txBody>
+      </p:sp>
+      <p:sp>
+        <p:nvSpPr>
+          <p:cNvPr id="5" name="TextBox 4">
+            <a:extLst>
+              <a:ext uri="{FF2B5EF4-FFF2-40B4-BE49-F238E27FC236}">
+                <a16:creationId xmlns:a16="http://schemas.microsoft.com/office/drawing/2014/main" id="{0B6DB505-B293-476A-97B8-E110A9BCA353}"/>
+              </a:ext>
+            </a:extLst>
+          </p:cNvPr>
+          <p:cNvSpPr txBox="1"/>
+          <p:nvPr/>
+        </p:nvSpPr>
+        <p:spPr>
+          <a:xfrm>
+            <a:off x="2342166" y="6607174"/>
+            <a:ext cx="9762748" cy="707886"/>
+          </a:xfrm>
+          <a:prstGeom prst="rect">
+            <a:avLst/>
+          </a:prstGeom>
+          <a:solidFill>
+            <a:schemeClr val="accent1"/>
+          </a:solidFill>
+        </p:spPr>
+        <p:txBody>
+          <a:bodyPr wrap="square" rtlCol="0">
+            <a:spAutoFit/>
+          </a:bodyPr>
+          <a:lstStyle/>
+          <a:p>
+            <a:r>
+              <a:rPr lang="en-US" b="1" dirty="0"/>
+              <a:t>Thinking Deeper</a:t>
+            </a:r>
+          </a:p>
+          <a:p>
+            <a:r>
+              <a:rPr lang="en-US" dirty="0"/>
+              <a:t>Is “</a:t>
+            </a:r>
+            <a:r>
+              <a:rPr lang="en-US" sz="2000" dirty="0">
+                <a:latin typeface="Consolas" panose="020B0609020204030204" pitchFamily="49" charset="0"/>
+                <a:cs typeface="Consolas" panose="020B0609020204030204" pitchFamily="49" charset="0"/>
+              </a:rPr>
+              <a:t>public static int </a:t>
+            </a:r>
+            <a:r>
+              <a:rPr lang="en-US" sz="2000" dirty="0" err="1">
+                <a:latin typeface="Consolas" panose="020B0609020204030204" pitchFamily="49" charset="0"/>
+                <a:cs typeface="Consolas" panose="020B0609020204030204" pitchFamily="49" charset="0"/>
+              </a:rPr>
+              <a:t>nextId</a:t>
+            </a:r>
+            <a:r>
+              <a:rPr lang="en-US" sz="2000" dirty="0">
+                <a:latin typeface="Consolas" panose="020B0609020204030204" pitchFamily="49" charset="0"/>
+                <a:cs typeface="Consolas" panose="020B0609020204030204" pitchFamily="49" charset="0"/>
+              </a:rPr>
+              <a:t> = 101;” a good idea? – Why or why not?</a:t>
+            </a:r>
+            <a:endParaRPr lang="en-US" dirty="0"/>
+          </a:p>
+        </p:txBody>
+      </p:sp>
+    </p:spTree>
+    <p:extLst>
+      <p:ext uri="{BB962C8B-B14F-4D97-AF65-F5344CB8AC3E}">
+        <p14:creationId xmlns:p14="http://schemas.microsoft.com/office/powerpoint/2010/main" val="2110323143"/>
+      </p:ext>
+    </p:extLst>
+  </p:cSld>
+  <p:clrMapOvr>
+    <a:masterClrMapping/>
+  </p:clrMapOvr>
+  <mc:AlternateContent xmlns:mc="http://schemas.openxmlformats.org/markup-compatibility/2006" xmlns:p14="http://schemas.microsoft.com/office/powerpoint/2010/main">
+    <mc:Choice Requires="p14">
+      <p:transition p14:dur="300">
+        <p:fade/>
+      </p:transition>
+    </mc:Choice>
+    <mc:Fallback xmlns="">
+      <p:transition>
+        <p:fade/>
+      </p:transition>
+    </mc:Fallback>
+  </mc:AlternateContent>
+  <p:timing>
+    <p:tnLst>
+      <p:par>
+        <p:cTn id="1" dur="indefinite" restart="never" nodeType="tmRoot">
+          <p:childTnLst>
+            <p:seq concurrent="1" nextAc="seek">
+              <p:cTn id="2" dur="indefinite" nodeType="mainSeq">
+                <p:childTnLst>
+                  <p:par>
+                    <p:cTn id="3" fill="hold">
+                      <p:stCondLst>
+                        <p:cond delay="indefinite"/>
+                      </p:stCondLst>
+                      <p:childTnLst>
+                        <p:par>
+                          <p:cTn id="4" fill="hold">
+                            <p:stCondLst>
+                              <p:cond delay="0"/>
+                            </p:stCondLst>
+                            <p:childTnLst>
+                              <p:par>
+                                <p:cTn id="5" presetID="10" presetClass="entr" presetSubtype="0" fill="hold" grpId="0" nodeType="clickEffect">
+                                  <p:stCondLst>
+                                    <p:cond delay="0"/>
+                                  </p:stCondLst>
+                                  <p:childTnLst>
+                                    <p:set>
+                                      <p:cBhvr>
+                                        <p:cTn id="6" dur="1" fill="hold">
+                                          <p:stCondLst>
+                                            <p:cond delay="0"/>
+                                          </p:stCondLst>
+                                        </p:cTn>
+                                        <p:tgtEl>
+                                          <p:spTgt spid="5"/>
+                                        </p:tgtEl>
+                                        <p:attrNameLst>
+                                          <p:attrName>style.visibility</p:attrName>
+                                        </p:attrNameLst>
+                                      </p:cBhvr>
+                                      <p:to>
+                                        <p:strVal val="visible"/>
+                                      </p:to>
+                                    </p:set>
+                                    <p:animEffect transition="in" filter="fade">
+                                      <p:cBhvr>
+                                        <p:cTn id="7" dur="500"/>
+                                        <p:tgtEl>
+                                          <p:spTgt spid="5"/>
+                                        </p:tgtEl>
+                                      </p:cBhvr>
+                                    </p:animEffect>
+                                  </p:childTnLst>
+                                </p:cTn>
+                              </p:par>
+                            </p:childTnLst>
+                          </p:cTn>
+                        </p:par>
+                      </p:childTnLst>
+                    </p:cTn>
+                  </p:par>
+                </p:childTnLst>
+              </p:cTn>
+              <p:prevCondLst>
+                <p:cond evt="onPrev" delay="0">
+                  <p:tgtEl>
+                    <p:sldTgt/>
+                  </p:tgtEl>
+                </p:cond>
+              </p:prevCondLst>
+              <p:nextCondLst>
+                <p:cond evt="onNext" delay="0">
+                  <p:tgtEl>
+                    <p:sldTgt/>
+                  </p:tgtEl>
+                </p:cond>
+              </p:nextCondLst>
+            </p:seq>
+          </p:childTnLst>
+        </p:cTn>
+      </p:par>
+    </p:tnLst>
+    <p:bldLst>
+      <p:bldP spid="5" grpId="0" animBg="1"/>
+    </p:bldLst>
+  </p:timing>
+</p:sld>
+</file>
+
+<file path=ppt/slides/slide7.xml><?xml version="1.0" encoding="utf-8"?>
+<p:sld xmlns:a="http://schemas.openxmlformats.org/drawingml/2006/main" xmlns:r="http://schemas.openxmlformats.org/officeDocument/2006/relationships" xmlns:p="http://schemas.openxmlformats.org/presentationml/2006/main">
+  <p:cSld>
+    <p:spTree>
+      <p:nvGrpSpPr>
+        <p:cNvPr id="1" name=""/>
+        <p:cNvGrpSpPr/>
+        <p:nvPr/>
+      </p:nvGrpSpPr>
+      <p:grpSpPr>
+        <a:xfrm>
+          <a:off x="0" y="0"/>
+          <a:ext cx="0" cy="0"/>
+          <a:chOff x="0" y="0"/>
+          <a:chExt cx="0" cy="0"/>
+        </a:xfrm>
+      </p:grpSpPr>
+      <p:sp>
+        <p:nvSpPr>
+          <p:cNvPr id="2" name="Title 1">
+            <a:extLst>
+              <a:ext uri="{FF2B5EF4-FFF2-40B4-BE49-F238E27FC236}">
                 <a16:creationId xmlns:a16="http://schemas.microsoft.com/office/drawing/2014/main" id="{7F5F8C1B-DC3E-E841-B6A5-63177E30B362}"/>
               </a:ext>
             </a:extLst>
@@ -12412,6 +15542,427 @@
                 <a:cs typeface="Consolas" panose="020B0609020204030204" pitchFamily="49" charset="0"/>
               </a:rPr>
               <a:t>}</a:t>
+            </a:r>
+          </a:p>
+        </p:txBody>
+      </p:sp>
+      <p:sp>
+        <p:nvSpPr>
+          <p:cNvPr id="7" name="Text Placeholder 2">
+            <a:extLst>
+              <a:ext uri="{FF2B5EF4-FFF2-40B4-BE49-F238E27FC236}">
+                <a16:creationId xmlns:a16="http://schemas.microsoft.com/office/drawing/2014/main" id="{1D54C574-F1C4-224F-8D72-1D0CE315659A}"/>
+              </a:ext>
+            </a:extLst>
+          </p:cNvPr>
+          <p:cNvSpPr txBox="1">
+            <a:spLocks/>
+          </p:cNvSpPr>
+          <p:nvPr/>
+        </p:nvSpPr>
+        <p:spPr>
+          <a:xfrm>
+            <a:off x="628074" y="4004055"/>
+            <a:ext cx="6687125" cy="3387659"/>
+          </a:xfrm>
+          <a:prstGeom prst="rect">
+            <a:avLst/>
+          </a:prstGeom>
+        </p:spPr>
+        <p:txBody>
+          <a:bodyPr vert="horz" lIns="91440" tIns="91440" rIns="91440" bIns="91440" rtlCol="0">
+            <a:spAutoFit/>
+          </a:bodyPr>
+          <a:lstStyle>
+            <a:lvl1pPr marL="524712" indent="-524712" algn="l" defTabSz="699614" rtl="0" eaLnBrk="1" latinLnBrk="0" hangingPunct="1">
+              <a:lnSpc>
+                <a:spcPct val="120000"/>
+              </a:lnSpc>
+              <a:spcBef>
+                <a:spcPts val="600"/>
+              </a:spcBef>
+              <a:spcAft>
+                <a:spcPts val="600"/>
+              </a:spcAft>
+              <a:buFont typeface="Arial"/>
+              <a:buChar char="•"/>
+              <a:defRPr sz="1800" b="0" i="0" kern="1200">
+                <a:solidFill>
+                  <a:srgbClr val="092529"/>
+                </a:solidFill>
+                <a:latin typeface="Proxima Nova" charset="0"/>
+                <a:ea typeface="Proxima Nova" charset="0"/>
+                <a:cs typeface="Proxima Nova" charset="0"/>
+              </a:defRPr>
+            </a:lvl1pPr>
+            <a:lvl2pPr marL="1136875" indent="-437261" algn="l" defTabSz="699614" rtl="0" eaLnBrk="1" latinLnBrk="0" hangingPunct="1">
+              <a:lnSpc>
+                <a:spcPct val="120000"/>
+              </a:lnSpc>
+              <a:spcBef>
+                <a:spcPts val="0"/>
+              </a:spcBef>
+              <a:spcAft>
+                <a:spcPts val="600"/>
+              </a:spcAft>
+              <a:buFont typeface="Arial"/>
+              <a:buChar char="–"/>
+              <a:defRPr sz="1600" b="0" i="0" kern="1200">
+                <a:solidFill>
+                  <a:srgbClr val="092529"/>
+                </a:solidFill>
+                <a:latin typeface="Proxima Nova" charset="0"/>
+                <a:ea typeface="Proxima Nova" charset="0"/>
+                <a:cs typeface="Proxima Nova" charset="0"/>
+              </a:defRPr>
+            </a:lvl2pPr>
+            <a:lvl3pPr marL="1749040" indent="-349807" algn="l" defTabSz="699614" rtl="0" eaLnBrk="1" latinLnBrk="0" hangingPunct="1">
+              <a:lnSpc>
+                <a:spcPct val="120000"/>
+              </a:lnSpc>
+              <a:spcBef>
+                <a:spcPts val="0"/>
+              </a:spcBef>
+              <a:spcAft>
+                <a:spcPts val="600"/>
+              </a:spcAft>
+              <a:buFont typeface="Arial"/>
+              <a:buChar char="•"/>
+              <a:defRPr sz="1600" b="0" i="0" kern="1200">
+                <a:solidFill>
+                  <a:srgbClr val="092529"/>
+                </a:solidFill>
+                <a:latin typeface="Proxima Nova" charset="0"/>
+                <a:ea typeface="Proxima Nova" charset="0"/>
+                <a:cs typeface="Proxima Nova" charset="0"/>
+              </a:defRPr>
+            </a:lvl3pPr>
+            <a:lvl4pPr marL="2448655" indent="-349807" algn="l" defTabSz="699614" rtl="0" eaLnBrk="1" latinLnBrk="0" hangingPunct="1">
+              <a:lnSpc>
+                <a:spcPct val="120000"/>
+              </a:lnSpc>
+              <a:spcBef>
+                <a:spcPts val="0"/>
+              </a:spcBef>
+              <a:spcAft>
+                <a:spcPts val="600"/>
+              </a:spcAft>
+              <a:buFont typeface="Arial"/>
+              <a:buChar char="–"/>
+              <a:defRPr sz="1600" b="0" i="0" kern="1200">
+                <a:solidFill>
+                  <a:srgbClr val="092529"/>
+                </a:solidFill>
+                <a:latin typeface="Proxima Nova" charset="0"/>
+                <a:ea typeface="Proxima Nova" charset="0"/>
+                <a:cs typeface="Proxima Nova" charset="0"/>
+              </a:defRPr>
+            </a:lvl4pPr>
+            <a:lvl5pPr marL="3148272" indent="-349807" algn="l" defTabSz="699614" rtl="0" eaLnBrk="1" latinLnBrk="0" hangingPunct="1">
+              <a:spcBef>
+                <a:spcPct val="20000"/>
+              </a:spcBef>
+              <a:buFont typeface="Arial"/>
+              <a:buChar char="»"/>
+              <a:defRPr sz="1648" b="0" kern="1200">
+                <a:solidFill>
+                  <a:srgbClr val="092529"/>
+                </a:solidFill>
+                <a:latin typeface="Franklin Gothic Book" charset="0"/>
+                <a:ea typeface="Franklin Gothic Book" charset="0"/>
+                <a:cs typeface="Franklin Gothic Book" charset="0"/>
+              </a:defRPr>
+            </a:lvl5pPr>
+            <a:lvl6pPr marL="3847888" indent="-349807" algn="l" defTabSz="699614" rtl="0" eaLnBrk="1" latinLnBrk="0" hangingPunct="1">
+              <a:spcBef>
+                <a:spcPct val="20000"/>
+              </a:spcBef>
+              <a:buFont typeface="Arial"/>
+              <a:buChar char="•"/>
+              <a:defRPr sz="3022" kern="1200">
+                <a:solidFill>
+                  <a:schemeClr val="tx1"/>
+                </a:solidFill>
+                <a:latin typeface="+mn-lt"/>
+                <a:ea typeface="+mn-ea"/>
+                <a:cs typeface="+mn-cs"/>
+              </a:defRPr>
+            </a:lvl6pPr>
+            <a:lvl7pPr marL="4547505" indent="-349807" algn="l" defTabSz="699614" rtl="0" eaLnBrk="1" latinLnBrk="0" hangingPunct="1">
+              <a:spcBef>
+                <a:spcPct val="20000"/>
+              </a:spcBef>
+              <a:buFont typeface="Arial"/>
+              <a:buChar char="•"/>
+              <a:defRPr sz="3022" kern="1200">
+                <a:solidFill>
+                  <a:schemeClr val="tx1"/>
+                </a:solidFill>
+                <a:latin typeface="+mn-lt"/>
+                <a:ea typeface="+mn-ea"/>
+                <a:cs typeface="+mn-cs"/>
+              </a:defRPr>
+            </a:lvl7pPr>
+            <a:lvl8pPr marL="5247119" indent="-349807" algn="l" defTabSz="699614" rtl="0" eaLnBrk="1" latinLnBrk="0" hangingPunct="1">
+              <a:spcBef>
+                <a:spcPct val="20000"/>
+              </a:spcBef>
+              <a:buFont typeface="Arial"/>
+              <a:buChar char="•"/>
+              <a:defRPr sz="3022" kern="1200">
+                <a:solidFill>
+                  <a:schemeClr val="tx1"/>
+                </a:solidFill>
+                <a:latin typeface="+mn-lt"/>
+                <a:ea typeface="+mn-ea"/>
+                <a:cs typeface="+mn-cs"/>
+              </a:defRPr>
+            </a:lvl8pPr>
+            <a:lvl9pPr marL="5946736" indent="-349807" algn="l" defTabSz="699614" rtl="0" eaLnBrk="1" latinLnBrk="0" hangingPunct="1">
+              <a:spcBef>
+                <a:spcPct val="20000"/>
+              </a:spcBef>
+              <a:buFont typeface="Arial"/>
+              <a:buChar char="•"/>
+              <a:defRPr sz="3022" kern="1200">
+                <a:solidFill>
+                  <a:schemeClr val="tx1"/>
+                </a:solidFill>
+                <a:latin typeface="+mn-lt"/>
+                <a:ea typeface="+mn-ea"/>
+                <a:cs typeface="+mn-cs"/>
+              </a:defRPr>
+            </a:lvl9pPr>
+          </a:lstStyle>
+          <a:p>
+            <a:r>
+              <a:rPr lang="en-US" dirty="0"/>
+              <a:t>static method</a:t>
+            </a:r>
+          </a:p>
+          <a:p>
+            <a:pPr lvl="1"/>
+            <a:r>
+              <a:rPr lang="en-US" dirty="0"/>
+              <a:t>Methods that “self contained”</a:t>
+            </a:r>
+          </a:p>
+          <a:p>
+            <a:pPr lvl="1"/>
+            <a:r>
+              <a:rPr lang="en-US" dirty="0"/>
+              <a:t>Matches the </a:t>
+            </a:r>
+            <a:r>
+              <a:rPr lang="en-US" i="1" dirty="0"/>
+              <a:t>concept</a:t>
+            </a:r>
+            <a:r>
+              <a:rPr lang="en-US" dirty="0"/>
+              <a:t> of a class, but not unique to object</a:t>
+            </a:r>
+          </a:p>
+          <a:p>
+            <a:pPr lvl="1"/>
+            <a:r>
+              <a:rPr lang="en-US" b="1" dirty="0" err="1"/>
+              <a:t>Box.calcVolume</a:t>
+            </a:r>
+            <a:r>
+              <a:rPr lang="en-US" b="1" dirty="0"/>
+              <a:t>(10, 10, 10);</a:t>
+            </a:r>
+          </a:p>
+          <a:p>
+            <a:pPr lvl="2"/>
+            <a:r>
+              <a:rPr lang="en-US" dirty="0"/>
+              <a:t>one-time use</a:t>
+            </a:r>
+          </a:p>
+          <a:p>
+            <a:pPr lvl="2"/>
+            <a:r>
+              <a:rPr lang="en-US" dirty="0"/>
+              <a:t>Just does ‘one thing’ and done</a:t>
+            </a:r>
+          </a:p>
+          <a:p>
+            <a:pPr lvl="1"/>
+            <a:r>
+              <a:rPr lang="en-US" dirty="0"/>
+              <a:t>static may not call instance methods without building an object</a:t>
+            </a:r>
+          </a:p>
+          <a:p>
+            <a:pPr lvl="2"/>
+            <a:r>
+              <a:rPr lang="en-US" dirty="0"/>
+              <a:t>but instance can call static! </a:t>
+            </a:r>
+          </a:p>
+        </p:txBody>
+      </p:sp>
+      <p:sp>
+        <p:nvSpPr>
+          <p:cNvPr id="8" name="Right Arrow 7">
+            <a:extLst>
+              <a:ext uri="{FF2B5EF4-FFF2-40B4-BE49-F238E27FC236}">
+                <a16:creationId xmlns:a16="http://schemas.microsoft.com/office/drawing/2014/main" id="{EDB37B83-B729-414D-BB64-25ADD03C6C95}"/>
+              </a:ext>
+            </a:extLst>
+          </p:cNvPr>
+          <p:cNvSpPr/>
+          <p:nvPr/>
+        </p:nvSpPr>
+        <p:spPr>
+          <a:xfrm>
+            <a:off x="6908800" y="4611706"/>
+            <a:ext cx="1210962" cy="469557"/>
+          </a:xfrm>
+          <a:prstGeom prst="rightArrow">
+            <a:avLst/>
+          </a:prstGeom>
+          <a:solidFill>
+            <a:schemeClr val="tx2"/>
+          </a:solidFill>
+          <a:ln>
+            <a:noFill/>
+          </a:ln>
+          <a:effectLst/>
+        </p:spPr>
+        <p:style>
+          <a:lnRef idx="1">
+            <a:schemeClr val="accent1"/>
+          </a:lnRef>
+          <a:fillRef idx="3">
+            <a:schemeClr val="accent1"/>
+          </a:fillRef>
+          <a:effectRef idx="2">
+            <a:schemeClr val="accent1"/>
+          </a:effectRef>
+          <a:fontRef idx="minor">
+            <a:schemeClr val="lt1"/>
+          </a:fontRef>
+        </p:style>
+        <p:txBody>
+          <a:bodyPr lIns="274320" tIns="182880" rIns="274320" bIns="182880" rtlCol="0" anchor="ctr"/>
+          <a:lstStyle/>
+          <a:p>
+            <a:pPr algn="ctr"/>
+            <a:endParaRPr lang="en-US" dirty="0">
+              <a:latin typeface="Proxima Nova" charset="0"/>
+              <a:ea typeface="Proxima Nova" charset="0"/>
+              <a:cs typeface="Proxima Nova" charset="0"/>
+            </a:endParaRPr>
+          </a:p>
+        </p:txBody>
+      </p:sp>
+      <p:sp>
+        <p:nvSpPr>
+          <p:cNvPr id="9" name="TextBox 8">
+            <a:extLst>
+              <a:ext uri="{FF2B5EF4-FFF2-40B4-BE49-F238E27FC236}">
+                <a16:creationId xmlns:a16="http://schemas.microsoft.com/office/drawing/2014/main" id="{5A212008-80E3-5449-84B5-3C7398A29D87}"/>
+              </a:ext>
+            </a:extLst>
+          </p:cNvPr>
+          <p:cNvSpPr txBox="1"/>
+          <p:nvPr/>
+        </p:nvSpPr>
+        <p:spPr>
+          <a:xfrm>
+            <a:off x="7624690" y="2450221"/>
+            <a:ext cx="5879036" cy="954107"/>
+          </a:xfrm>
+          <a:prstGeom prst="rect">
+            <a:avLst/>
+          </a:prstGeom>
+          <a:solidFill>
+            <a:schemeClr val="bg2"/>
+          </a:solidFill>
+        </p:spPr>
+        <p:txBody>
+          <a:bodyPr wrap="square" rtlCol="0">
+            <a:spAutoFit/>
+          </a:bodyPr>
+          <a:lstStyle/>
+          <a:p>
+            <a:r>
+              <a:rPr lang="en-US" sz="1400" dirty="0">
+                <a:latin typeface="Consolas" panose="020B0609020204030204" pitchFamily="49" charset="0"/>
+                <a:cs typeface="Consolas" panose="020B0609020204030204" pitchFamily="49" charset="0"/>
+              </a:rPr>
+              <a:t>// a 	way to rewrite </a:t>
+            </a:r>
+            <a:r>
+              <a:rPr lang="en-US" sz="1400" dirty="0" err="1">
+                <a:latin typeface="Consolas" panose="020B0609020204030204" pitchFamily="49" charset="0"/>
+                <a:cs typeface="Consolas" panose="020B0609020204030204" pitchFamily="49" charset="0"/>
+              </a:rPr>
+              <a:t>getVolume</a:t>
+            </a:r>
+            <a:r>
+              <a:rPr lang="en-US" sz="1400" dirty="0">
+                <a:latin typeface="Consolas" panose="020B0609020204030204" pitchFamily="49" charset="0"/>
+                <a:cs typeface="Consolas" panose="020B0609020204030204" pitchFamily="49" charset="0"/>
+              </a:rPr>
+              <a:t>()</a:t>
+            </a:r>
+          </a:p>
+          <a:p>
+            <a:r>
+              <a:rPr lang="en-US" sz="1400" dirty="0">
+                <a:latin typeface="Consolas" panose="020B0609020204030204" pitchFamily="49" charset="0"/>
+                <a:cs typeface="Consolas" panose="020B0609020204030204" pitchFamily="49" charset="0"/>
+              </a:rPr>
+              <a:t>	public int </a:t>
+            </a:r>
+            <a:r>
+              <a:rPr lang="en-US" sz="1400" dirty="0" err="1">
+                <a:latin typeface="Consolas" panose="020B0609020204030204" pitchFamily="49" charset="0"/>
+                <a:cs typeface="Consolas" panose="020B0609020204030204" pitchFamily="49" charset="0"/>
+              </a:rPr>
+              <a:t>getVolume</a:t>
+            </a:r>
+            <a:r>
+              <a:rPr lang="en-US" sz="1400" dirty="0">
+                <a:latin typeface="Consolas" panose="020B0609020204030204" pitchFamily="49" charset="0"/>
+                <a:cs typeface="Consolas" panose="020B0609020204030204" pitchFamily="49" charset="0"/>
+              </a:rPr>
+              <a:t>() {</a:t>
+            </a:r>
+          </a:p>
+          <a:p>
+            <a:r>
+              <a:rPr lang="en-US" sz="1400" dirty="0">
+                <a:latin typeface="Consolas" panose="020B0609020204030204" pitchFamily="49" charset="0"/>
+                <a:cs typeface="Consolas" panose="020B0609020204030204" pitchFamily="49" charset="0"/>
+              </a:rPr>
+              <a:t>		return </a:t>
+            </a:r>
+            <a:r>
+              <a:rPr lang="en-US" sz="1400" dirty="0" err="1">
+                <a:latin typeface="Consolas" panose="020B0609020204030204" pitchFamily="49" charset="0"/>
+                <a:cs typeface="Consolas" panose="020B0609020204030204" pitchFamily="49" charset="0"/>
+              </a:rPr>
+              <a:t>calcVolume</a:t>
+            </a:r>
+            <a:r>
+              <a:rPr lang="en-US" sz="1400" dirty="0">
+                <a:latin typeface="Consolas" panose="020B0609020204030204" pitchFamily="49" charset="0"/>
+                <a:cs typeface="Consolas" panose="020B0609020204030204" pitchFamily="49" charset="0"/>
+              </a:rPr>
+              <a:t>(width, height, length)</a:t>
+            </a:r>
+          </a:p>
+          <a:p>
+            <a:r>
+              <a:rPr lang="en-US" sz="1400" dirty="0">
+                <a:latin typeface="Consolas" panose="020B0609020204030204" pitchFamily="49" charset="0"/>
+                <a:cs typeface="Consolas" panose="020B0609020204030204" pitchFamily="49" charset="0"/>
+              </a:rPr>
+              <a:t>	}</a:t>
             </a:r>
           </a:p>
         </p:txBody>
@@ -12468,427 +16019,6 @@
               <a:ea typeface="Proxima Nova" charset="0"/>
               <a:cs typeface="Proxima Nova" charset="0"/>
             </a:endParaRPr>
-          </a:p>
-        </p:txBody>
-      </p:sp>
-      <p:sp>
-        <p:nvSpPr>
-          <p:cNvPr id="7" name="Text Placeholder 2">
-            <a:extLst>
-              <a:ext uri="{FF2B5EF4-FFF2-40B4-BE49-F238E27FC236}">
-                <a16:creationId xmlns:a16="http://schemas.microsoft.com/office/drawing/2014/main" id="{1D54C574-F1C4-224F-8D72-1D0CE315659A}"/>
-              </a:ext>
-            </a:extLst>
-          </p:cNvPr>
-          <p:cNvSpPr txBox="1">
-            <a:spLocks/>
-          </p:cNvSpPr>
-          <p:nvPr/>
-        </p:nvSpPr>
-        <p:spPr>
-          <a:xfrm>
-            <a:off x="628074" y="4004055"/>
-            <a:ext cx="6687125" cy="3387659"/>
-          </a:xfrm>
-          <a:prstGeom prst="rect">
-            <a:avLst/>
-          </a:prstGeom>
-        </p:spPr>
-        <p:txBody>
-          <a:bodyPr vert="horz" lIns="91440" tIns="91440" rIns="91440" bIns="91440" rtlCol="0">
-            <a:spAutoFit/>
-          </a:bodyPr>
-          <a:lstStyle>
-            <a:lvl1pPr marL="524712" indent="-524712" algn="l" defTabSz="699614" rtl="0" eaLnBrk="1" latinLnBrk="0" hangingPunct="1">
-              <a:lnSpc>
-                <a:spcPct val="120000"/>
-              </a:lnSpc>
-              <a:spcBef>
-                <a:spcPts val="600"/>
-              </a:spcBef>
-              <a:spcAft>
-                <a:spcPts val="600"/>
-              </a:spcAft>
-              <a:buFont typeface="Arial"/>
-              <a:buChar char="•"/>
-              <a:defRPr sz="1800" b="0" i="0" kern="1200">
-                <a:solidFill>
-                  <a:srgbClr val="092529"/>
-                </a:solidFill>
-                <a:latin typeface="Proxima Nova" charset="0"/>
-                <a:ea typeface="Proxima Nova" charset="0"/>
-                <a:cs typeface="Proxima Nova" charset="0"/>
-              </a:defRPr>
-            </a:lvl1pPr>
-            <a:lvl2pPr marL="1136875" indent="-437261" algn="l" defTabSz="699614" rtl="0" eaLnBrk="1" latinLnBrk="0" hangingPunct="1">
-              <a:lnSpc>
-                <a:spcPct val="120000"/>
-              </a:lnSpc>
-              <a:spcBef>
-                <a:spcPts val="0"/>
-              </a:spcBef>
-              <a:spcAft>
-                <a:spcPts val="600"/>
-              </a:spcAft>
-              <a:buFont typeface="Arial"/>
-              <a:buChar char="–"/>
-              <a:defRPr sz="1600" b="0" i="0" kern="1200">
-                <a:solidFill>
-                  <a:srgbClr val="092529"/>
-                </a:solidFill>
-                <a:latin typeface="Proxima Nova" charset="0"/>
-                <a:ea typeface="Proxima Nova" charset="0"/>
-                <a:cs typeface="Proxima Nova" charset="0"/>
-              </a:defRPr>
-            </a:lvl2pPr>
-            <a:lvl3pPr marL="1749040" indent="-349807" algn="l" defTabSz="699614" rtl="0" eaLnBrk="1" latinLnBrk="0" hangingPunct="1">
-              <a:lnSpc>
-                <a:spcPct val="120000"/>
-              </a:lnSpc>
-              <a:spcBef>
-                <a:spcPts val="0"/>
-              </a:spcBef>
-              <a:spcAft>
-                <a:spcPts val="600"/>
-              </a:spcAft>
-              <a:buFont typeface="Arial"/>
-              <a:buChar char="•"/>
-              <a:defRPr sz="1600" b="0" i="0" kern="1200">
-                <a:solidFill>
-                  <a:srgbClr val="092529"/>
-                </a:solidFill>
-                <a:latin typeface="Proxima Nova" charset="0"/>
-                <a:ea typeface="Proxima Nova" charset="0"/>
-                <a:cs typeface="Proxima Nova" charset="0"/>
-              </a:defRPr>
-            </a:lvl3pPr>
-            <a:lvl4pPr marL="2448655" indent="-349807" algn="l" defTabSz="699614" rtl="0" eaLnBrk="1" latinLnBrk="0" hangingPunct="1">
-              <a:lnSpc>
-                <a:spcPct val="120000"/>
-              </a:lnSpc>
-              <a:spcBef>
-                <a:spcPts val="0"/>
-              </a:spcBef>
-              <a:spcAft>
-                <a:spcPts val="600"/>
-              </a:spcAft>
-              <a:buFont typeface="Arial"/>
-              <a:buChar char="–"/>
-              <a:defRPr sz="1600" b="0" i="0" kern="1200">
-                <a:solidFill>
-                  <a:srgbClr val="092529"/>
-                </a:solidFill>
-                <a:latin typeface="Proxima Nova" charset="0"/>
-                <a:ea typeface="Proxima Nova" charset="0"/>
-                <a:cs typeface="Proxima Nova" charset="0"/>
-              </a:defRPr>
-            </a:lvl4pPr>
-            <a:lvl5pPr marL="3148272" indent="-349807" algn="l" defTabSz="699614" rtl="0" eaLnBrk="1" latinLnBrk="0" hangingPunct="1">
-              <a:spcBef>
-                <a:spcPct val="20000"/>
-              </a:spcBef>
-              <a:buFont typeface="Arial"/>
-              <a:buChar char="»"/>
-              <a:defRPr sz="1648" b="0" kern="1200">
-                <a:solidFill>
-                  <a:srgbClr val="092529"/>
-                </a:solidFill>
-                <a:latin typeface="Franklin Gothic Book" charset="0"/>
-                <a:ea typeface="Franklin Gothic Book" charset="0"/>
-                <a:cs typeface="Franklin Gothic Book" charset="0"/>
-              </a:defRPr>
-            </a:lvl5pPr>
-            <a:lvl6pPr marL="3847888" indent="-349807" algn="l" defTabSz="699614" rtl="0" eaLnBrk="1" latinLnBrk="0" hangingPunct="1">
-              <a:spcBef>
-                <a:spcPct val="20000"/>
-              </a:spcBef>
-              <a:buFont typeface="Arial"/>
-              <a:buChar char="•"/>
-              <a:defRPr sz="3022" kern="1200">
-                <a:solidFill>
-                  <a:schemeClr val="tx1"/>
-                </a:solidFill>
-                <a:latin typeface="+mn-lt"/>
-                <a:ea typeface="+mn-ea"/>
-                <a:cs typeface="+mn-cs"/>
-              </a:defRPr>
-            </a:lvl6pPr>
-            <a:lvl7pPr marL="4547505" indent="-349807" algn="l" defTabSz="699614" rtl="0" eaLnBrk="1" latinLnBrk="0" hangingPunct="1">
-              <a:spcBef>
-                <a:spcPct val="20000"/>
-              </a:spcBef>
-              <a:buFont typeface="Arial"/>
-              <a:buChar char="•"/>
-              <a:defRPr sz="3022" kern="1200">
-                <a:solidFill>
-                  <a:schemeClr val="tx1"/>
-                </a:solidFill>
-                <a:latin typeface="+mn-lt"/>
-                <a:ea typeface="+mn-ea"/>
-                <a:cs typeface="+mn-cs"/>
-              </a:defRPr>
-            </a:lvl7pPr>
-            <a:lvl8pPr marL="5247119" indent="-349807" algn="l" defTabSz="699614" rtl="0" eaLnBrk="1" latinLnBrk="0" hangingPunct="1">
-              <a:spcBef>
-                <a:spcPct val="20000"/>
-              </a:spcBef>
-              <a:buFont typeface="Arial"/>
-              <a:buChar char="•"/>
-              <a:defRPr sz="3022" kern="1200">
-                <a:solidFill>
-                  <a:schemeClr val="tx1"/>
-                </a:solidFill>
-                <a:latin typeface="+mn-lt"/>
-                <a:ea typeface="+mn-ea"/>
-                <a:cs typeface="+mn-cs"/>
-              </a:defRPr>
-            </a:lvl8pPr>
-            <a:lvl9pPr marL="5946736" indent="-349807" algn="l" defTabSz="699614" rtl="0" eaLnBrk="1" latinLnBrk="0" hangingPunct="1">
-              <a:spcBef>
-                <a:spcPct val="20000"/>
-              </a:spcBef>
-              <a:buFont typeface="Arial"/>
-              <a:buChar char="•"/>
-              <a:defRPr sz="3022" kern="1200">
-                <a:solidFill>
-                  <a:schemeClr val="tx1"/>
-                </a:solidFill>
-                <a:latin typeface="+mn-lt"/>
-                <a:ea typeface="+mn-ea"/>
-                <a:cs typeface="+mn-cs"/>
-              </a:defRPr>
-            </a:lvl9pPr>
-          </a:lstStyle>
-          <a:p>
-            <a:r>
-              <a:rPr lang="en-US" dirty="0"/>
-              <a:t>static method</a:t>
-            </a:r>
-          </a:p>
-          <a:p>
-            <a:pPr lvl="1"/>
-            <a:r>
-              <a:rPr lang="en-US" dirty="0"/>
-              <a:t>Methods that “self contained”</a:t>
-            </a:r>
-          </a:p>
-          <a:p>
-            <a:pPr lvl="1"/>
-            <a:r>
-              <a:rPr lang="en-US" dirty="0"/>
-              <a:t>Matches the </a:t>
-            </a:r>
-            <a:r>
-              <a:rPr lang="en-US" i="1" dirty="0"/>
-              <a:t>concept</a:t>
-            </a:r>
-            <a:r>
-              <a:rPr lang="en-US" dirty="0"/>
-              <a:t> of a class, but not unique to object</a:t>
-            </a:r>
-          </a:p>
-          <a:p>
-            <a:pPr lvl="1"/>
-            <a:r>
-              <a:rPr lang="en-US" b="1" dirty="0" err="1"/>
-              <a:t>Box.calcVolume</a:t>
-            </a:r>
-            <a:r>
-              <a:rPr lang="en-US" b="1" dirty="0"/>
-              <a:t>(10, 10, 10);</a:t>
-            </a:r>
-          </a:p>
-          <a:p>
-            <a:pPr lvl="2"/>
-            <a:r>
-              <a:rPr lang="en-US" dirty="0"/>
-              <a:t>one-time use</a:t>
-            </a:r>
-          </a:p>
-          <a:p>
-            <a:pPr lvl="2"/>
-            <a:r>
-              <a:rPr lang="en-US" dirty="0"/>
-              <a:t>Just does ‘one thing’ and done</a:t>
-            </a:r>
-          </a:p>
-          <a:p>
-            <a:pPr lvl="1"/>
-            <a:r>
-              <a:rPr lang="en-US" dirty="0"/>
-              <a:t>static may not call instance methods without building an object</a:t>
-            </a:r>
-          </a:p>
-          <a:p>
-            <a:pPr lvl="2"/>
-            <a:r>
-              <a:rPr lang="en-US" dirty="0"/>
-              <a:t>but instance can call static! </a:t>
-            </a:r>
-          </a:p>
-        </p:txBody>
-      </p:sp>
-      <p:sp>
-        <p:nvSpPr>
-          <p:cNvPr id="8" name="Right Arrow 7">
-            <a:extLst>
-              <a:ext uri="{FF2B5EF4-FFF2-40B4-BE49-F238E27FC236}">
-                <a16:creationId xmlns:a16="http://schemas.microsoft.com/office/drawing/2014/main" id="{EDB37B83-B729-414D-BB64-25ADD03C6C95}"/>
-              </a:ext>
-            </a:extLst>
-          </p:cNvPr>
-          <p:cNvSpPr/>
-          <p:nvPr/>
-        </p:nvSpPr>
-        <p:spPr>
-          <a:xfrm>
-            <a:off x="6908800" y="4611706"/>
-            <a:ext cx="1210962" cy="469557"/>
-          </a:xfrm>
-          <a:prstGeom prst="rightArrow">
-            <a:avLst/>
-          </a:prstGeom>
-          <a:solidFill>
-            <a:schemeClr val="tx2"/>
-          </a:solidFill>
-          <a:ln>
-            <a:noFill/>
-          </a:ln>
-          <a:effectLst/>
-        </p:spPr>
-        <p:style>
-          <a:lnRef idx="1">
-            <a:schemeClr val="accent1"/>
-          </a:lnRef>
-          <a:fillRef idx="3">
-            <a:schemeClr val="accent1"/>
-          </a:fillRef>
-          <a:effectRef idx="2">
-            <a:schemeClr val="accent1"/>
-          </a:effectRef>
-          <a:fontRef idx="minor">
-            <a:schemeClr val="lt1"/>
-          </a:fontRef>
-        </p:style>
-        <p:txBody>
-          <a:bodyPr lIns="274320" tIns="182880" rIns="274320" bIns="182880" rtlCol="0" anchor="ctr"/>
-          <a:lstStyle/>
-          <a:p>
-            <a:pPr algn="ctr"/>
-            <a:endParaRPr lang="en-US" dirty="0">
-              <a:latin typeface="Proxima Nova" charset="0"/>
-              <a:ea typeface="Proxima Nova" charset="0"/>
-              <a:cs typeface="Proxima Nova" charset="0"/>
-            </a:endParaRPr>
-          </a:p>
-        </p:txBody>
-      </p:sp>
-      <p:sp>
-        <p:nvSpPr>
-          <p:cNvPr id="9" name="TextBox 8">
-            <a:extLst>
-              <a:ext uri="{FF2B5EF4-FFF2-40B4-BE49-F238E27FC236}">
-                <a16:creationId xmlns:a16="http://schemas.microsoft.com/office/drawing/2014/main" id="{5A212008-80E3-5449-84B5-3C7398A29D87}"/>
-              </a:ext>
-            </a:extLst>
-          </p:cNvPr>
-          <p:cNvSpPr txBox="1"/>
-          <p:nvPr/>
-        </p:nvSpPr>
-        <p:spPr>
-          <a:xfrm>
-            <a:off x="7624690" y="2450221"/>
-            <a:ext cx="5879036" cy="954107"/>
-          </a:xfrm>
-          <a:prstGeom prst="rect">
-            <a:avLst/>
-          </a:prstGeom>
-          <a:solidFill>
-            <a:schemeClr val="bg2"/>
-          </a:solidFill>
-        </p:spPr>
-        <p:txBody>
-          <a:bodyPr wrap="square" rtlCol="0">
-            <a:spAutoFit/>
-          </a:bodyPr>
-          <a:lstStyle/>
-          <a:p>
-            <a:r>
-              <a:rPr lang="en-US" sz="1400" dirty="0">
-                <a:latin typeface="Consolas" panose="020B0609020204030204" pitchFamily="49" charset="0"/>
-                <a:cs typeface="Consolas" panose="020B0609020204030204" pitchFamily="49" charset="0"/>
-              </a:rPr>
-              <a:t>// a 	way to rewrite </a:t>
-            </a:r>
-            <a:r>
-              <a:rPr lang="en-US" sz="1400" dirty="0" err="1">
-                <a:latin typeface="Consolas" panose="020B0609020204030204" pitchFamily="49" charset="0"/>
-                <a:cs typeface="Consolas" panose="020B0609020204030204" pitchFamily="49" charset="0"/>
-              </a:rPr>
-              <a:t>getVolume</a:t>
-            </a:r>
-            <a:r>
-              <a:rPr lang="en-US" sz="1400" dirty="0">
-                <a:latin typeface="Consolas" panose="020B0609020204030204" pitchFamily="49" charset="0"/>
-                <a:cs typeface="Consolas" panose="020B0609020204030204" pitchFamily="49" charset="0"/>
-              </a:rPr>
-              <a:t>()</a:t>
-            </a:r>
-          </a:p>
-          <a:p>
-            <a:r>
-              <a:rPr lang="en-US" sz="1400" dirty="0">
-                <a:latin typeface="Consolas" panose="020B0609020204030204" pitchFamily="49" charset="0"/>
-                <a:cs typeface="Consolas" panose="020B0609020204030204" pitchFamily="49" charset="0"/>
-              </a:rPr>
-              <a:t>	public int </a:t>
-            </a:r>
-            <a:r>
-              <a:rPr lang="en-US" sz="1400" dirty="0" err="1">
-                <a:latin typeface="Consolas" panose="020B0609020204030204" pitchFamily="49" charset="0"/>
-                <a:cs typeface="Consolas" panose="020B0609020204030204" pitchFamily="49" charset="0"/>
-              </a:rPr>
-              <a:t>getVolume</a:t>
-            </a:r>
-            <a:r>
-              <a:rPr lang="en-US" sz="1400" dirty="0">
-                <a:latin typeface="Consolas" panose="020B0609020204030204" pitchFamily="49" charset="0"/>
-                <a:cs typeface="Consolas" panose="020B0609020204030204" pitchFamily="49" charset="0"/>
-              </a:rPr>
-              <a:t>() {</a:t>
-            </a:r>
-          </a:p>
-          <a:p>
-            <a:r>
-              <a:rPr lang="en-US" sz="1400" dirty="0">
-                <a:latin typeface="Consolas" panose="020B0609020204030204" pitchFamily="49" charset="0"/>
-                <a:cs typeface="Consolas" panose="020B0609020204030204" pitchFamily="49" charset="0"/>
-              </a:rPr>
-              <a:t>		return </a:t>
-            </a:r>
-            <a:r>
-              <a:rPr lang="en-US" sz="1400" dirty="0" err="1">
-                <a:latin typeface="Consolas" panose="020B0609020204030204" pitchFamily="49" charset="0"/>
-                <a:cs typeface="Consolas" panose="020B0609020204030204" pitchFamily="49" charset="0"/>
-              </a:rPr>
-              <a:t>calcVolume</a:t>
-            </a:r>
-            <a:r>
-              <a:rPr lang="en-US" sz="1400" dirty="0">
-                <a:latin typeface="Consolas" panose="020B0609020204030204" pitchFamily="49" charset="0"/>
-                <a:cs typeface="Consolas" panose="020B0609020204030204" pitchFamily="49" charset="0"/>
-              </a:rPr>
-              <a:t>(width, height, length)</a:t>
-            </a:r>
-          </a:p>
-          <a:p>
-            <a:r>
-              <a:rPr lang="en-US" sz="1400" dirty="0">
-                <a:latin typeface="Consolas" panose="020B0609020204030204" pitchFamily="49" charset="0"/>
-                <a:cs typeface="Consolas" panose="020B0609020204030204" pitchFamily="49" charset="0"/>
-              </a:rPr>
-              <a:t>	}</a:t>
-            </a:r>
           </a:p>
         </p:txBody>
       </p:sp>
@@ -13191,17 +16321,17 @@
       </p:par>
     </p:tnLst>
     <p:bldLst>
-      <p:bldP spid="5" grpId="0" animBg="1"/>
-      <p:bldP spid="5" grpId="1" animBg="1"/>
       <p:bldP spid="7" grpId="0"/>
       <p:bldP spid="8" grpId="0" animBg="1"/>
       <p:bldP spid="9" grpId="0" animBg="1"/>
+      <p:bldP spid="5" grpId="0" animBg="1"/>
+      <p:bldP spid="5" grpId="1" animBg="1"/>
     </p:bldLst>
   </p:timing>
 </p:sld>
 </file>
 
-<file path=ppt/slides/slide7.xml><?xml version="1.0" encoding="utf-8"?>
+<file path=ppt/slides/slide8.xml><?xml version="1.0" encoding="utf-8"?>
 <p:sld xmlns:a="http://schemas.openxmlformats.org/drawingml/2006/main" xmlns:r="http://schemas.openxmlformats.org/officeDocument/2006/relationships" xmlns:p="http://schemas.openxmlformats.org/presentationml/2006/main">
   <p:cSld>
     <p:spTree>
@@ -13293,8 +16423,8 @@
         </p:nvSpPr>
         <p:spPr>
           <a:xfrm>
-            <a:off x="7702552" y="1776683"/>
-            <a:ext cx="5879036" cy="4401205"/>
+            <a:off x="6894463" y="1776683"/>
+            <a:ext cx="6687125" cy="4185761"/>
           </a:xfrm>
           <a:prstGeom prst="rect">
             <a:avLst/>
@@ -13543,7 +16673,7 @@
                 <a:latin typeface="Consolas" panose="020B0609020204030204" pitchFamily="49" charset="0"/>
                 <a:cs typeface="Consolas" panose="020B0609020204030204" pitchFamily="49" charset="0"/>
               </a:rPr>
-              <a:t>;   // Increment each time a Store object is created</a:t>
+              <a:t>;  // Increment each time a Store object is created</a:t>
             </a:r>
           </a:p>
           <a:p>
@@ -13585,500 +16715,6 @@
     <p:extLst>
       <p:ext uri="{BB962C8B-B14F-4D97-AF65-F5344CB8AC3E}">
         <p14:creationId xmlns:p14="http://schemas.microsoft.com/office/powerpoint/2010/main" val="1730857530"/>
-      </p:ext>
-    </p:extLst>
-  </p:cSld>
-  <p:clrMapOvr>
-    <a:masterClrMapping/>
-  </p:clrMapOvr>
-  <mc:AlternateContent xmlns:mc="http://schemas.openxmlformats.org/markup-compatibility/2006" xmlns:p14="http://schemas.microsoft.com/office/powerpoint/2010/main">
-    <mc:Choice Requires="p14">
-      <p:transition p14:dur="300">
-        <p:fade/>
-      </p:transition>
-    </mc:Choice>
-    <mc:Fallback xmlns="">
-      <p:transition>
-        <p:fade/>
-      </p:transition>
-    </mc:Fallback>
-  </mc:AlternateContent>
-</p:sld>
-</file>
-
-<file path=ppt/slides/slide8.xml><?xml version="1.0" encoding="utf-8"?>
-<p:sld xmlns:a="http://schemas.openxmlformats.org/drawingml/2006/main" xmlns:r="http://schemas.openxmlformats.org/officeDocument/2006/relationships" xmlns:p="http://schemas.openxmlformats.org/presentationml/2006/main">
-  <p:cSld>
-    <p:spTree>
-      <p:nvGrpSpPr>
-        <p:cNvPr id="1" name=""/>
-        <p:cNvGrpSpPr/>
-        <p:nvPr/>
-      </p:nvGrpSpPr>
-      <p:grpSpPr>
-        <a:xfrm>
-          <a:off x="0" y="0"/>
-          <a:ext cx="0" cy="0"/>
-          <a:chOff x="0" y="0"/>
-          <a:chExt cx="0" cy="0"/>
-        </a:xfrm>
-      </p:grpSpPr>
-      <p:sp>
-        <p:nvSpPr>
-          <p:cNvPr id="2" name="Title 1">
-            <a:extLst>
-              <a:ext uri="{FF2B5EF4-FFF2-40B4-BE49-F238E27FC236}">
-                <a16:creationId xmlns:a16="http://schemas.microsoft.com/office/drawing/2014/main" id="{2DBAED83-8A0A-0548-BA23-13CB5D45BC8F}"/>
-              </a:ext>
-            </a:extLst>
-          </p:cNvPr>
-          <p:cNvSpPr>
-            <a:spLocks noGrp="1"/>
-          </p:cNvSpPr>
-          <p:nvPr>
-            <p:ph type="title"/>
-          </p:nvPr>
-        </p:nvSpPr>
-        <p:spPr/>
-        <p:txBody>
-          <a:bodyPr/>
-          <a:lstStyle/>
-          <a:p>
-            <a:r>
-              <a:rPr lang="en-US" dirty="0"/>
-              <a:t>Overloaded Constructors</a:t>
-            </a:r>
-          </a:p>
-        </p:txBody>
-      </p:sp>
-      <p:sp>
-        <p:nvSpPr>
-          <p:cNvPr id="3" name="Text Placeholder 2">
-            <a:extLst>
-              <a:ext uri="{FF2B5EF4-FFF2-40B4-BE49-F238E27FC236}">
-                <a16:creationId xmlns:a16="http://schemas.microsoft.com/office/drawing/2014/main" id="{507F2138-38CE-FB4F-963C-1AF7D9CA4471}"/>
-              </a:ext>
-            </a:extLst>
-          </p:cNvPr>
-          <p:cNvSpPr>
-            <a:spLocks noGrp="1"/>
-          </p:cNvSpPr>
-          <p:nvPr>
-            <p:ph type="body" sz="quarter" idx="10"/>
-          </p:nvPr>
-        </p:nvSpPr>
-        <p:spPr>
-          <a:xfrm>
-            <a:off x="628075" y="1638460"/>
-            <a:ext cx="5486975" cy="5960671"/>
-          </a:xfrm>
-        </p:spPr>
-        <p:txBody>
-          <a:bodyPr/>
-          <a:lstStyle/>
-          <a:p>
-            <a:r>
-              <a:rPr lang="en-US" dirty="0"/>
-              <a:t>Just like methods</a:t>
-            </a:r>
-          </a:p>
-          <a:p>
-            <a:pPr lvl="1"/>
-            <a:r>
-              <a:rPr lang="en-US" dirty="0"/>
-              <a:t>Constructors can be overloaded. </a:t>
-            </a:r>
-          </a:p>
-          <a:p>
-            <a:r>
-              <a:rPr lang="en-US" dirty="0"/>
-              <a:t>Standard practice</a:t>
-            </a:r>
-          </a:p>
-          <a:p>
-            <a:pPr lvl="1"/>
-            <a:r>
-              <a:rPr lang="en-US" dirty="0"/>
-              <a:t>call the most specific constructor with default values</a:t>
-            </a:r>
-          </a:p>
-          <a:p>
-            <a:pPr lvl="1"/>
-            <a:r>
-              <a:rPr lang="en-US" dirty="0"/>
-              <a:t>this() (notice </a:t>
-            </a:r>
-            <a:r>
-              <a:rPr lang="en-US" dirty="0" err="1"/>
-              <a:t>parens</a:t>
-            </a:r>
-            <a:r>
-              <a:rPr lang="en-US" dirty="0"/>
-              <a:t>) is used to call the constructor.</a:t>
-            </a:r>
-          </a:p>
-          <a:p>
-            <a:pPr lvl="1"/>
-            <a:r>
-              <a:rPr lang="en-US" dirty="0"/>
-              <a:t>must be </a:t>
-            </a:r>
-            <a:r>
-              <a:rPr lang="en-US" b="1" dirty="0"/>
-              <a:t>first line</a:t>
-            </a:r>
-            <a:r>
-              <a:rPr lang="en-US" dirty="0"/>
-              <a:t> in the constructor. </a:t>
-            </a:r>
-          </a:p>
-          <a:p>
-            <a:pPr lvl="1"/>
-            <a:r>
-              <a:rPr lang="en-US" dirty="0"/>
-              <a:t>Keep it DRY!</a:t>
-            </a:r>
-          </a:p>
-          <a:p>
-            <a:r>
-              <a:rPr lang="en-US" dirty="0"/>
-              <a:t>When you write a constructor with parameters, the default one is not supported anymore!</a:t>
-            </a:r>
-          </a:p>
-          <a:p>
-            <a:pPr lvl="1"/>
-            <a:r>
-              <a:rPr lang="en-US" dirty="0"/>
-              <a:t>Box b1 = new Box(); --- Error!</a:t>
-            </a:r>
-          </a:p>
-          <a:p>
-            <a:r>
-              <a:rPr lang="en-US" dirty="0"/>
-              <a:t>Really ask yourself</a:t>
-            </a:r>
-          </a:p>
-          <a:p>
-            <a:pPr lvl="1"/>
-            <a:r>
-              <a:rPr lang="en-US" dirty="0"/>
-              <a:t>What do you need</a:t>
-            </a:r>
-          </a:p>
-          <a:p>
-            <a:pPr lvl="1"/>
-            <a:r>
-              <a:rPr lang="en-US" dirty="0"/>
-              <a:t>Where do you get it! </a:t>
-            </a:r>
-          </a:p>
-        </p:txBody>
-      </p:sp>
-      <p:sp>
-        <p:nvSpPr>
-          <p:cNvPr id="4" name="TextBox 3">
-            <a:extLst>
-              <a:ext uri="{FF2B5EF4-FFF2-40B4-BE49-F238E27FC236}">
-                <a16:creationId xmlns:a16="http://schemas.microsoft.com/office/drawing/2014/main" id="{BE278577-C507-B448-9A94-C13AB472D32E}"/>
-              </a:ext>
-            </a:extLst>
-          </p:cNvPr>
-          <p:cNvSpPr txBox="1"/>
-          <p:nvPr/>
-        </p:nvSpPr>
-        <p:spPr>
-          <a:xfrm>
-            <a:off x="7702552" y="1776683"/>
-            <a:ext cx="5879036" cy="3754874"/>
-          </a:xfrm>
-          <a:prstGeom prst="rect">
-            <a:avLst/>
-          </a:prstGeom>
-          <a:solidFill>
-            <a:schemeClr val="bg2"/>
-          </a:solidFill>
-        </p:spPr>
-        <p:txBody>
-          <a:bodyPr wrap="square" rtlCol="0">
-            <a:spAutoFit/>
-          </a:bodyPr>
-          <a:lstStyle/>
-          <a:p>
-            <a:r>
-              <a:rPr lang="en-US" sz="1400" dirty="0">
-                <a:latin typeface="Consolas" panose="020B0609020204030204" pitchFamily="49" charset="0"/>
-                <a:cs typeface="Consolas" panose="020B0609020204030204" pitchFamily="49" charset="0"/>
-              </a:rPr>
-              <a:t>public</a:t>
-            </a:r>
-            <a:r>
-              <a:rPr lang="en-US" sz="1400" b="1" dirty="0">
-                <a:latin typeface="Consolas" panose="020B0609020204030204" pitchFamily="49" charset="0"/>
-                <a:cs typeface="Consolas" panose="020B0609020204030204" pitchFamily="49" charset="0"/>
-              </a:rPr>
-              <a:t> class</a:t>
-            </a:r>
-            <a:r>
-              <a:rPr lang="en-US" sz="1400" dirty="0">
-                <a:latin typeface="Consolas" panose="020B0609020204030204" pitchFamily="49" charset="0"/>
-                <a:cs typeface="Consolas" panose="020B0609020204030204" pitchFamily="49" charset="0"/>
-              </a:rPr>
-              <a:t> Box {</a:t>
-            </a:r>
-          </a:p>
-          <a:p>
-            <a:r>
-              <a:rPr lang="en-US" sz="1400" dirty="0">
-                <a:latin typeface="Consolas" panose="020B0609020204030204" pitchFamily="49" charset="0"/>
-                <a:cs typeface="Consolas" panose="020B0609020204030204" pitchFamily="49" charset="0"/>
-              </a:rPr>
-              <a:t>/* … */ </a:t>
-            </a:r>
-          </a:p>
-          <a:p>
-            <a:r>
-              <a:rPr lang="en-US" sz="1400" dirty="0">
-                <a:latin typeface="Consolas" panose="020B0609020204030204" pitchFamily="49" charset="0"/>
-                <a:cs typeface="Consolas" panose="020B0609020204030204" pitchFamily="49" charset="0"/>
-              </a:rPr>
-              <a:t>	public Box(int </a:t>
-            </a:r>
-            <a:r>
-              <a:rPr lang="en-US" sz="1400" dirty="0" err="1">
-                <a:latin typeface="Consolas" panose="020B0609020204030204" pitchFamily="49" charset="0"/>
-                <a:cs typeface="Consolas" panose="020B0609020204030204" pitchFamily="49" charset="0"/>
-              </a:rPr>
-              <a:t>cubeSize</a:t>
-            </a:r>
-            <a:r>
-              <a:rPr lang="en-US" sz="1400" dirty="0">
-                <a:latin typeface="Consolas" panose="020B0609020204030204" pitchFamily="49" charset="0"/>
-                <a:cs typeface="Consolas" panose="020B0609020204030204" pitchFamily="49" charset="0"/>
-              </a:rPr>
-              <a:t>) {</a:t>
-            </a:r>
-          </a:p>
-          <a:p>
-            <a:r>
-              <a:rPr lang="en-US" sz="1400" dirty="0">
-                <a:latin typeface="Consolas" panose="020B0609020204030204" pitchFamily="49" charset="0"/>
-                <a:cs typeface="Consolas" panose="020B0609020204030204" pitchFamily="49" charset="0"/>
-              </a:rPr>
-              <a:t>	// A one parameter constructor that sends default 	// values to the largest</a:t>
-            </a:r>
-          </a:p>
-          <a:p>
-            <a:r>
-              <a:rPr lang="en-US" sz="1400" dirty="0">
-                <a:latin typeface="Consolas" panose="020B0609020204030204" pitchFamily="49" charset="0"/>
-                <a:cs typeface="Consolas" panose="020B0609020204030204" pitchFamily="49" charset="0"/>
-              </a:rPr>
-              <a:t>		this(</a:t>
-            </a:r>
-            <a:r>
-              <a:rPr lang="en-US" sz="1400" dirty="0" err="1">
-                <a:latin typeface="Consolas" panose="020B0609020204030204" pitchFamily="49" charset="0"/>
-                <a:cs typeface="Consolas" panose="020B0609020204030204" pitchFamily="49" charset="0"/>
-              </a:rPr>
-              <a:t>cubeSize</a:t>
-            </a:r>
-            <a:r>
-              <a:rPr lang="en-US" sz="1400" dirty="0">
-                <a:latin typeface="Consolas" panose="020B0609020204030204" pitchFamily="49" charset="0"/>
-                <a:cs typeface="Consolas" panose="020B0609020204030204" pitchFamily="49" charset="0"/>
-              </a:rPr>
-              <a:t>, </a:t>
-            </a:r>
-            <a:r>
-              <a:rPr lang="en-US" sz="1400" dirty="0" err="1">
-                <a:latin typeface="Consolas" panose="020B0609020204030204" pitchFamily="49" charset="0"/>
-                <a:cs typeface="Consolas" panose="020B0609020204030204" pitchFamily="49" charset="0"/>
-              </a:rPr>
-              <a:t>cubeSize</a:t>
-            </a:r>
-            <a:r>
-              <a:rPr lang="en-US" sz="1400" dirty="0">
-                <a:latin typeface="Consolas" panose="020B0609020204030204" pitchFamily="49" charset="0"/>
-                <a:cs typeface="Consolas" panose="020B0609020204030204" pitchFamily="49" charset="0"/>
-              </a:rPr>
-              <a:t>, </a:t>
-            </a:r>
-            <a:r>
-              <a:rPr lang="en-US" sz="1400" dirty="0" err="1">
-                <a:latin typeface="Consolas" panose="020B0609020204030204" pitchFamily="49" charset="0"/>
-                <a:cs typeface="Consolas" panose="020B0609020204030204" pitchFamily="49" charset="0"/>
-              </a:rPr>
-              <a:t>cubeSize</a:t>
-            </a:r>
-            <a:r>
-              <a:rPr lang="en-US" sz="1400" dirty="0">
-                <a:latin typeface="Consolas" panose="020B0609020204030204" pitchFamily="49" charset="0"/>
-                <a:cs typeface="Consolas" panose="020B0609020204030204" pitchFamily="49" charset="0"/>
-              </a:rPr>
-              <a:t>);</a:t>
-            </a:r>
-          </a:p>
-          <a:p>
-            <a:r>
-              <a:rPr lang="en-US" sz="1400" dirty="0">
-                <a:latin typeface="Consolas" panose="020B0609020204030204" pitchFamily="49" charset="0"/>
-                <a:cs typeface="Consolas" panose="020B0609020204030204" pitchFamily="49" charset="0"/>
-              </a:rPr>
-              <a:t>	}</a:t>
-            </a:r>
-          </a:p>
-          <a:p>
-            <a:r>
-              <a:rPr lang="en-US" sz="1400" dirty="0">
-                <a:latin typeface="Consolas" panose="020B0609020204030204" pitchFamily="49" charset="0"/>
-                <a:cs typeface="Consolas" panose="020B0609020204030204" pitchFamily="49" charset="0"/>
-              </a:rPr>
-              <a:t>	public Box(int width, int height, int length) {</a:t>
-            </a:r>
-          </a:p>
-          <a:p>
-            <a:r>
-              <a:rPr lang="en-US" sz="1400" dirty="0">
-                <a:latin typeface="Consolas" panose="020B0609020204030204" pitchFamily="49" charset="0"/>
-                <a:cs typeface="Consolas" panose="020B0609020204030204" pitchFamily="49" charset="0"/>
-              </a:rPr>
-              <a:t>		</a:t>
-            </a:r>
-            <a:r>
-              <a:rPr lang="en-US" sz="1400" dirty="0" err="1">
-                <a:latin typeface="Consolas" panose="020B0609020204030204" pitchFamily="49" charset="0"/>
-                <a:cs typeface="Consolas" panose="020B0609020204030204" pitchFamily="49" charset="0"/>
-              </a:rPr>
-              <a:t>this.width</a:t>
-            </a:r>
-            <a:r>
-              <a:rPr lang="en-US" sz="1400" dirty="0">
-                <a:latin typeface="Consolas" panose="020B0609020204030204" pitchFamily="49" charset="0"/>
-                <a:cs typeface="Consolas" panose="020B0609020204030204" pitchFamily="49" charset="0"/>
-              </a:rPr>
-              <a:t> = width;</a:t>
-            </a:r>
-          </a:p>
-          <a:p>
-            <a:r>
-              <a:rPr lang="en-US" sz="1400" dirty="0">
-                <a:latin typeface="Consolas" panose="020B0609020204030204" pitchFamily="49" charset="0"/>
-                <a:cs typeface="Consolas" panose="020B0609020204030204" pitchFamily="49" charset="0"/>
-              </a:rPr>
-              <a:t>		</a:t>
-            </a:r>
-            <a:r>
-              <a:rPr lang="en-US" sz="1400" dirty="0" err="1">
-                <a:latin typeface="Consolas" panose="020B0609020204030204" pitchFamily="49" charset="0"/>
-                <a:cs typeface="Consolas" panose="020B0609020204030204" pitchFamily="49" charset="0"/>
-              </a:rPr>
-              <a:t>this.height</a:t>
-            </a:r>
-            <a:r>
-              <a:rPr lang="en-US" sz="1400" dirty="0">
-                <a:latin typeface="Consolas" panose="020B0609020204030204" pitchFamily="49" charset="0"/>
-                <a:cs typeface="Consolas" panose="020B0609020204030204" pitchFamily="49" charset="0"/>
-              </a:rPr>
-              <a:t> = height;</a:t>
-            </a:r>
-          </a:p>
-          <a:p>
-            <a:r>
-              <a:rPr lang="en-US" sz="1400" dirty="0">
-                <a:latin typeface="Consolas" panose="020B0609020204030204" pitchFamily="49" charset="0"/>
-                <a:cs typeface="Consolas" panose="020B0609020204030204" pitchFamily="49" charset="0"/>
-              </a:rPr>
-              <a:t>		</a:t>
-            </a:r>
-            <a:r>
-              <a:rPr lang="en-US" sz="1400" dirty="0" err="1">
-                <a:latin typeface="Consolas" panose="020B0609020204030204" pitchFamily="49" charset="0"/>
-                <a:cs typeface="Consolas" panose="020B0609020204030204" pitchFamily="49" charset="0"/>
-              </a:rPr>
-              <a:t>this.length</a:t>
-            </a:r>
-            <a:r>
-              <a:rPr lang="en-US" sz="1400" dirty="0">
-                <a:latin typeface="Consolas" panose="020B0609020204030204" pitchFamily="49" charset="0"/>
-                <a:cs typeface="Consolas" panose="020B0609020204030204" pitchFamily="49" charset="0"/>
-              </a:rPr>
-              <a:t> = length;</a:t>
-            </a:r>
-          </a:p>
-          <a:p>
-            <a:r>
-              <a:rPr lang="en-US" sz="1400" dirty="0">
-                <a:latin typeface="Consolas" panose="020B0609020204030204" pitchFamily="49" charset="0"/>
-                <a:cs typeface="Consolas" panose="020B0609020204030204" pitchFamily="49" charset="0"/>
-              </a:rPr>
-              <a:t>	}</a:t>
-            </a:r>
-          </a:p>
-          <a:p>
-            <a:r>
-              <a:rPr lang="en-US" sz="1400" dirty="0">
-                <a:latin typeface="Consolas" panose="020B0609020204030204" pitchFamily="49" charset="0"/>
-                <a:cs typeface="Consolas" panose="020B0609020204030204" pitchFamily="49" charset="0"/>
-              </a:rPr>
-              <a:t>	public static void main(String[] </a:t>
-            </a:r>
-            <a:r>
-              <a:rPr lang="en-US" sz="1400" dirty="0" err="1">
-                <a:latin typeface="Consolas" panose="020B0609020204030204" pitchFamily="49" charset="0"/>
-                <a:cs typeface="Consolas" panose="020B0609020204030204" pitchFamily="49" charset="0"/>
-              </a:rPr>
-              <a:t>args</a:t>
-            </a:r>
-            <a:r>
-              <a:rPr lang="en-US" sz="1400" dirty="0">
-                <a:latin typeface="Consolas" panose="020B0609020204030204" pitchFamily="49" charset="0"/>
-                <a:cs typeface="Consolas" panose="020B0609020204030204" pitchFamily="49" charset="0"/>
-              </a:rPr>
-              <a:t>) {</a:t>
-            </a:r>
-          </a:p>
-          <a:p>
-            <a:r>
-              <a:rPr lang="en-US" sz="1400" dirty="0">
-                <a:latin typeface="Consolas" panose="020B0609020204030204" pitchFamily="49" charset="0"/>
-                <a:cs typeface="Consolas" panose="020B0609020204030204" pitchFamily="49" charset="0"/>
-              </a:rPr>
-              <a:t>		Box rec = new Box(10, 20, 10);</a:t>
-            </a:r>
-          </a:p>
-          <a:p>
-            <a:r>
-              <a:rPr lang="en-US" sz="1400" dirty="0">
-                <a:latin typeface="Consolas" panose="020B0609020204030204" pitchFamily="49" charset="0"/>
-                <a:cs typeface="Consolas" panose="020B0609020204030204" pitchFamily="49" charset="0"/>
-              </a:rPr>
-              <a:t>		Box cube = new Box(10);</a:t>
-            </a:r>
-          </a:p>
-          <a:p>
-            <a:r>
-              <a:rPr lang="en-US" sz="1400" dirty="0">
-                <a:latin typeface="Consolas" panose="020B0609020204030204" pitchFamily="49" charset="0"/>
-                <a:cs typeface="Consolas" panose="020B0609020204030204" pitchFamily="49" charset="0"/>
-              </a:rPr>
-              <a:t>	}</a:t>
-            </a:r>
-          </a:p>
-          <a:p>
-            <a:r>
-              <a:rPr lang="en-US" sz="1400" dirty="0">
-                <a:latin typeface="Consolas" panose="020B0609020204030204" pitchFamily="49" charset="0"/>
-                <a:cs typeface="Consolas" panose="020B0609020204030204" pitchFamily="49" charset="0"/>
-              </a:rPr>
-              <a:t>}</a:t>
-            </a:r>
-          </a:p>
-        </p:txBody>
-      </p:sp>
-    </p:spTree>
-    <p:extLst>
-      <p:ext uri="{BB962C8B-B14F-4D97-AF65-F5344CB8AC3E}">
-        <p14:creationId xmlns:p14="http://schemas.microsoft.com/office/powerpoint/2010/main" val="1014466982"/>
       </p:ext>
     </p:extLst>
   </p:cSld>
@@ -14140,7 +16776,7 @@
           <a:p>
             <a:r>
               <a:rPr lang="en-US" dirty="0"/>
-              <a:t>Checking your Understanding (Part 3)</a:t>
+              <a:t>Overloaded Constructors</a:t>
             </a:r>
           </a:p>
         </p:txBody>
@@ -14164,7 +16800,7 @@
         <p:spPr>
           <a:xfrm>
             <a:off x="628075" y="1638460"/>
-            <a:ext cx="5486975" cy="813813"/>
+            <a:ext cx="5486975" cy="5960671"/>
           </a:xfrm>
         </p:spPr>
         <p:txBody>
@@ -14173,7 +16809,97 @@
           <a:p>
             <a:r>
               <a:rPr lang="en-US" dirty="0"/>
-              <a:t>Rewrite the class Pet to have its constructors properly overloaded.</a:t>
+              <a:t>Just like methods</a:t>
+            </a:r>
+          </a:p>
+          <a:p>
+            <a:pPr lvl="1"/>
+            <a:r>
+              <a:rPr lang="en-US" dirty="0"/>
+              <a:t>Constructors can be overloaded. </a:t>
+            </a:r>
+          </a:p>
+          <a:p>
+            <a:r>
+              <a:rPr lang="en-US" dirty="0"/>
+              <a:t>Standard practice</a:t>
+            </a:r>
+          </a:p>
+          <a:p>
+            <a:pPr lvl="1"/>
+            <a:r>
+              <a:rPr lang="en-US" dirty="0"/>
+              <a:t>call the most specific constructor with default values</a:t>
+            </a:r>
+          </a:p>
+          <a:p>
+            <a:pPr lvl="1"/>
+            <a:r>
+              <a:rPr lang="en-US" dirty="0"/>
+              <a:t>this() (notice </a:t>
+            </a:r>
+            <a:r>
+              <a:rPr lang="en-US" dirty="0" err="1"/>
+              <a:t>parens</a:t>
+            </a:r>
+            <a:r>
+              <a:rPr lang="en-US" dirty="0"/>
+              <a:t>) is used to call the constructor.</a:t>
+            </a:r>
+          </a:p>
+          <a:p>
+            <a:pPr lvl="1"/>
+            <a:r>
+              <a:rPr lang="en-US" dirty="0"/>
+              <a:t>must be </a:t>
+            </a:r>
+            <a:r>
+              <a:rPr lang="en-US" b="1" dirty="0"/>
+              <a:t>first line</a:t>
+            </a:r>
+            <a:r>
+              <a:rPr lang="en-US" dirty="0"/>
+              <a:t> in the constructor. </a:t>
+            </a:r>
+          </a:p>
+          <a:p>
+            <a:pPr lvl="1"/>
+            <a:r>
+              <a:rPr lang="en-US" dirty="0"/>
+              <a:t>Keep it DRY!</a:t>
+            </a:r>
+          </a:p>
+          <a:p>
+            <a:r>
+              <a:rPr lang="en-US" dirty="0"/>
+              <a:t>When you write a constructor with parameters, the default one is not supported anymore!</a:t>
+            </a:r>
+          </a:p>
+          <a:p>
+            <a:pPr lvl="1"/>
+            <a:r>
+              <a:rPr lang="en-US" dirty="0"/>
+              <a:t>Box b1 = new Box(); --- Error!</a:t>
+            </a:r>
+          </a:p>
+          <a:p>
+            <a:r>
+              <a:rPr lang="en-US" dirty="0"/>
+              <a:t>Really ask yourself</a:t>
+            </a:r>
+          </a:p>
+          <a:p>
+            <a:pPr lvl="1"/>
+            <a:r>
+              <a:rPr lang="en-US" dirty="0"/>
+              <a:t>What do you need</a:t>
+            </a:r>
+          </a:p>
+          <a:p>
+            <a:pPr lvl="1"/>
+            <a:r>
+              <a:rPr lang="en-US" dirty="0"/>
+              <a:t>Where do you get it! </a:t>
             </a:r>
           </a:p>
         </p:txBody>
@@ -14193,7 +16919,7 @@
         <p:spPr>
           <a:xfrm>
             <a:off x="7702552" y="1776683"/>
-            <a:ext cx="5879036" cy="3970318"/>
+            <a:ext cx="5879036" cy="3754874"/>
           </a:xfrm>
           <a:prstGeom prst="rect">
             <a:avLst/>
@@ -14213,103 +16939,225 @@
                 <a:latin typeface="Consolas" panose="020B0609020204030204" pitchFamily="49" charset="0"/>
                 <a:cs typeface="Consolas" panose="020B0609020204030204" pitchFamily="49" charset="0"/>
               </a:rPr>
-              <a:t>public class Pet {</a:t>
-            </a:r>
-          </a:p>
-          <a:p>
-            <a:r>
-              <a:rPr lang="en-US" sz="1400" dirty="0">
-                <a:latin typeface="Consolas" panose="020B0609020204030204" pitchFamily="49" charset="0"/>
-                <a:cs typeface="Consolas" panose="020B0609020204030204" pitchFamily="49" charset="0"/>
-              </a:rPr>
-              <a:t>   private String name;</a:t>
-            </a:r>
-          </a:p>
-          <a:p>
-            <a:r>
-              <a:rPr lang="en-US" sz="1400" dirty="0">
-                <a:latin typeface="Consolas" panose="020B0609020204030204" pitchFamily="49" charset="0"/>
-                <a:cs typeface="Consolas" panose="020B0609020204030204" pitchFamily="49" charset="0"/>
-              </a:rPr>
-              <a:t>   private int age;</a:t>
-            </a:r>
-          </a:p>
-          <a:p>
-            <a:endParaRPr lang="en-US" sz="1400" dirty="0">
-              <a:latin typeface="Consolas" panose="020B0609020204030204" pitchFamily="49" charset="0"/>
-              <a:cs typeface="Consolas" panose="020B0609020204030204" pitchFamily="49" charset="0"/>
-            </a:endParaRPr>
-          </a:p>
-          <a:p>
-            <a:r>
-              <a:rPr lang="en-US" sz="1400" dirty="0">
-                <a:latin typeface="Consolas" panose="020B0609020204030204" pitchFamily="49" charset="0"/>
-                <a:cs typeface="Consolas" panose="020B0609020204030204" pitchFamily="49" charset="0"/>
-              </a:rPr>
-              <a:t>   public Pet() {</a:t>
-            </a:r>
-          </a:p>
-          <a:p>
-            <a:r>
-              <a:rPr lang="en-US" sz="1400" dirty="0">
-                <a:latin typeface="Consolas" panose="020B0609020204030204" pitchFamily="49" charset="0"/>
-                <a:cs typeface="Consolas" panose="020B0609020204030204" pitchFamily="49" charset="0"/>
-              </a:rPr>
-              <a:t>      name = "Unnamed";</a:t>
-            </a:r>
-          </a:p>
-          <a:p>
-            <a:r>
-              <a:rPr lang="en-US" sz="1400" dirty="0">
-                <a:latin typeface="Consolas" panose="020B0609020204030204" pitchFamily="49" charset="0"/>
-                <a:cs typeface="Consolas" panose="020B0609020204030204" pitchFamily="49" charset="0"/>
-              </a:rPr>
-              <a:t>      age = -1;</a:t>
-            </a:r>
-          </a:p>
-          <a:p>
-            <a:r>
-              <a:rPr lang="en-US" sz="1400" dirty="0">
-                <a:latin typeface="Consolas" panose="020B0609020204030204" pitchFamily="49" charset="0"/>
-                <a:cs typeface="Consolas" panose="020B0609020204030204" pitchFamily="49" charset="0"/>
-              </a:rPr>
-              <a:t>   }</a:t>
-            </a:r>
-          </a:p>
-          <a:p>
-            <a:endParaRPr lang="en-US" sz="1400" dirty="0">
-              <a:latin typeface="Consolas" panose="020B0609020204030204" pitchFamily="49" charset="0"/>
-              <a:cs typeface="Consolas" panose="020B0609020204030204" pitchFamily="49" charset="0"/>
-            </a:endParaRPr>
-          </a:p>
-          <a:p>
-            <a:r>
-              <a:rPr lang="en-US" sz="1400" dirty="0">
-                <a:latin typeface="Consolas" panose="020B0609020204030204" pitchFamily="49" charset="0"/>
-                <a:cs typeface="Consolas" panose="020B0609020204030204" pitchFamily="49" charset="0"/>
-              </a:rPr>
-              <a:t>   public Pet(String </a:t>
+              <a:t>public</a:t>
+            </a:r>
+            <a:r>
+              <a:rPr lang="en-US" sz="1400" b="1" dirty="0">
+                <a:latin typeface="Consolas" panose="020B0609020204030204" pitchFamily="49" charset="0"/>
+                <a:cs typeface="Consolas" panose="020B0609020204030204" pitchFamily="49" charset="0"/>
+              </a:rPr>
+              <a:t> class</a:t>
+            </a:r>
+            <a:r>
+              <a:rPr lang="en-US" sz="1400" dirty="0">
+                <a:latin typeface="Consolas" panose="020B0609020204030204" pitchFamily="49" charset="0"/>
+                <a:cs typeface="Consolas" panose="020B0609020204030204" pitchFamily="49" charset="0"/>
+              </a:rPr>
+              <a:t> Box {</a:t>
+            </a:r>
+          </a:p>
+          <a:p>
+            <a:r>
+              <a:rPr lang="en-US" sz="1400" dirty="0">
+                <a:latin typeface="Consolas" panose="020B0609020204030204" pitchFamily="49" charset="0"/>
+                <a:cs typeface="Consolas" panose="020B0609020204030204" pitchFamily="49" charset="0"/>
+              </a:rPr>
+              <a:t>/* … */ </a:t>
+            </a:r>
+          </a:p>
+          <a:p>
+            <a:r>
+              <a:rPr lang="en-US" sz="1400" dirty="0">
+                <a:latin typeface="Consolas" panose="020B0609020204030204" pitchFamily="49" charset="0"/>
+                <a:cs typeface="Consolas" panose="020B0609020204030204" pitchFamily="49" charset="0"/>
+              </a:rPr>
+              <a:t>	public Box(int </a:t>
             </a:r>
             <a:r>
               <a:rPr lang="en-US" sz="1400" dirty="0" err="1">
                 <a:latin typeface="Consolas" panose="020B0609020204030204" pitchFamily="49" charset="0"/>
                 <a:cs typeface="Consolas" panose="020B0609020204030204" pitchFamily="49" charset="0"/>
               </a:rPr>
-              <a:t>petName</a:t>
-            </a:r>
-            <a:r>
-              <a:rPr lang="en-US" sz="1400" dirty="0">
-                <a:latin typeface="Consolas" panose="020B0609020204030204" pitchFamily="49" charset="0"/>
-                <a:cs typeface="Consolas" panose="020B0609020204030204" pitchFamily="49" charset="0"/>
-              </a:rPr>
-              <a:t>, int </a:t>
+              <a:t>cubeSize</a:t>
+            </a:r>
+            <a:r>
+              <a:rPr lang="en-US" sz="1400" dirty="0">
+                <a:latin typeface="Consolas" panose="020B0609020204030204" pitchFamily="49" charset="0"/>
+                <a:cs typeface="Consolas" panose="020B0609020204030204" pitchFamily="49" charset="0"/>
+              </a:rPr>
+              <a:t>) {</a:t>
+            </a:r>
+          </a:p>
+          <a:p>
+            <a:r>
+              <a:rPr lang="en-US" sz="1400" dirty="0">
+                <a:latin typeface="Consolas" panose="020B0609020204030204" pitchFamily="49" charset="0"/>
+                <a:cs typeface="Consolas" panose="020B0609020204030204" pitchFamily="49" charset="0"/>
+              </a:rPr>
+              <a:t>	// A one parameter constructor that sends default 	// values to the largest</a:t>
+            </a:r>
+          </a:p>
+          <a:p>
+            <a:r>
+              <a:rPr lang="en-US" sz="1400" dirty="0">
+                <a:latin typeface="Consolas" panose="020B0609020204030204" pitchFamily="49" charset="0"/>
+                <a:cs typeface="Consolas" panose="020B0609020204030204" pitchFamily="49" charset="0"/>
+              </a:rPr>
+              <a:t>		this(</a:t>
             </a:r>
             <a:r>
               <a:rPr lang="en-US" sz="1400" dirty="0" err="1">
                 <a:latin typeface="Consolas" panose="020B0609020204030204" pitchFamily="49" charset="0"/>
                 <a:cs typeface="Consolas" panose="020B0609020204030204" pitchFamily="49" charset="0"/>
               </a:rPr>
-              <a:t>yearsOld</a:t>
+              <a:t>cubeSize</a:t>
+            </a:r>
+            <a:r>
+              <a:rPr lang="en-US" sz="1400" dirty="0">
+                <a:latin typeface="Consolas" panose="020B0609020204030204" pitchFamily="49" charset="0"/>
+                <a:cs typeface="Consolas" panose="020B0609020204030204" pitchFamily="49" charset="0"/>
+              </a:rPr>
+              <a:t>, </a:t>
+            </a:r>
+            <a:r>
+              <a:rPr lang="en-US" sz="1400" dirty="0" err="1">
+                <a:latin typeface="Consolas" panose="020B0609020204030204" pitchFamily="49" charset="0"/>
+                <a:cs typeface="Consolas" panose="020B0609020204030204" pitchFamily="49" charset="0"/>
+              </a:rPr>
+              <a:t>cubeSize</a:t>
+            </a:r>
+            <a:r>
+              <a:rPr lang="en-US" sz="1400" dirty="0">
+                <a:latin typeface="Consolas" panose="020B0609020204030204" pitchFamily="49" charset="0"/>
+                <a:cs typeface="Consolas" panose="020B0609020204030204" pitchFamily="49" charset="0"/>
+              </a:rPr>
+              <a:t>, </a:t>
+            </a:r>
+            <a:r>
+              <a:rPr lang="en-US" sz="1400" dirty="0" err="1">
+                <a:latin typeface="Consolas" panose="020B0609020204030204" pitchFamily="49" charset="0"/>
+                <a:cs typeface="Consolas" panose="020B0609020204030204" pitchFamily="49" charset="0"/>
+              </a:rPr>
+              <a:t>cubeSize</a:t>
+            </a:r>
+            <a:r>
+              <a:rPr lang="en-US" sz="1400" dirty="0">
+                <a:latin typeface="Consolas" panose="020B0609020204030204" pitchFamily="49" charset="0"/>
+                <a:cs typeface="Consolas" panose="020B0609020204030204" pitchFamily="49" charset="0"/>
+              </a:rPr>
+              <a:t>);</a:t>
+            </a:r>
+          </a:p>
+          <a:p>
+            <a:r>
+              <a:rPr lang="en-US" sz="1400" dirty="0">
+                <a:latin typeface="Consolas" panose="020B0609020204030204" pitchFamily="49" charset="0"/>
+                <a:cs typeface="Consolas" panose="020B0609020204030204" pitchFamily="49" charset="0"/>
+              </a:rPr>
+              <a:t>	}</a:t>
+            </a:r>
+          </a:p>
+          <a:p>
+            <a:r>
+              <a:rPr lang="en-US" sz="1400" dirty="0">
+                <a:latin typeface="Consolas" panose="020B0609020204030204" pitchFamily="49" charset="0"/>
+                <a:cs typeface="Consolas" panose="020B0609020204030204" pitchFamily="49" charset="0"/>
+              </a:rPr>
+              <a:t>	public Box(int width, int height, int length) {</a:t>
+            </a:r>
+          </a:p>
+          <a:p>
+            <a:r>
+              <a:rPr lang="en-US" sz="1400" dirty="0">
+                <a:latin typeface="Consolas" panose="020B0609020204030204" pitchFamily="49" charset="0"/>
+                <a:cs typeface="Consolas" panose="020B0609020204030204" pitchFamily="49" charset="0"/>
+              </a:rPr>
+              <a:t>		</a:t>
+            </a:r>
+            <a:r>
+              <a:rPr lang="en-US" sz="1400" dirty="0" err="1">
+                <a:latin typeface="Consolas" panose="020B0609020204030204" pitchFamily="49" charset="0"/>
+                <a:cs typeface="Consolas" panose="020B0609020204030204" pitchFamily="49" charset="0"/>
+              </a:rPr>
+              <a:t>this.width</a:t>
+            </a:r>
+            <a:r>
+              <a:rPr lang="en-US" sz="1400" dirty="0">
+                <a:latin typeface="Consolas" panose="020B0609020204030204" pitchFamily="49" charset="0"/>
+                <a:cs typeface="Consolas" panose="020B0609020204030204" pitchFamily="49" charset="0"/>
+              </a:rPr>
+              <a:t> = width;</a:t>
+            </a:r>
+          </a:p>
+          <a:p>
+            <a:r>
+              <a:rPr lang="en-US" sz="1400" dirty="0">
+                <a:latin typeface="Consolas" panose="020B0609020204030204" pitchFamily="49" charset="0"/>
+                <a:cs typeface="Consolas" panose="020B0609020204030204" pitchFamily="49" charset="0"/>
+              </a:rPr>
+              <a:t>		</a:t>
+            </a:r>
+            <a:r>
+              <a:rPr lang="en-US" sz="1400" dirty="0" err="1">
+                <a:latin typeface="Consolas" panose="020B0609020204030204" pitchFamily="49" charset="0"/>
+                <a:cs typeface="Consolas" panose="020B0609020204030204" pitchFamily="49" charset="0"/>
+              </a:rPr>
+              <a:t>this.height</a:t>
+            </a:r>
+            <a:r>
+              <a:rPr lang="en-US" sz="1400" dirty="0">
+                <a:latin typeface="Consolas" panose="020B0609020204030204" pitchFamily="49" charset="0"/>
+                <a:cs typeface="Consolas" panose="020B0609020204030204" pitchFamily="49" charset="0"/>
+              </a:rPr>
+              <a:t> = height;</a:t>
+            </a:r>
+          </a:p>
+          <a:p>
+            <a:r>
+              <a:rPr lang="en-US" sz="1400" dirty="0">
+                <a:latin typeface="Consolas" panose="020B0609020204030204" pitchFamily="49" charset="0"/>
+                <a:cs typeface="Consolas" panose="020B0609020204030204" pitchFamily="49" charset="0"/>
+              </a:rPr>
+              <a:t>		</a:t>
+            </a:r>
+            <a:r>
+              <a:rPr lang="en-US" sz="1400" dirty="0" err="1">
+                <a:latin typeface="Consolas" panose="020B0609020204030204" pitchFamily="49" charset="0"/>
+                <a:cs typeface="Consolas" panose="020B0609020204030204" pitchFamily="49" charset="0"/>
+              </a:rPr>
+              <a:t>this.length</a:t>
+            </a:r>
+            <a:r>
+              <a:rPr lang="en-US" sz="1400" dirty="0">
+                <a:latin typeface="Consolas" panose="020B0609020204030204" pitchFamily="49" charset="0"/>
+                <a:cs typeface="Consolas" panose="020B0609020204030204" pitchFamily="49" charset="0"/>
+              </a:rPr>
+              <a:t> = length;</a:t>
+            </a:r>
+          </a:p>
+          <a:p>
+            <a:r>
+              <a:rPr lang="en-US" sz="1400" dirty="0">
+                <a:latin typeface="Consolas" panose="020B0609020204030204" pitchFamily="49" charset="0"/>
+                <a:cs typeface="Consolas" panose="020B0609020204030204" pitchFamily="49" charset="0"/>
+              </a:rPr>
+              <a:t>	}</a:t>
+            </a:r>
+          </a:p>
+          <a:p>
+            <a:r>
+              <a:rPr lang="en-US" sz="1400" dirty="0">
+                <a:latin typeface="Consolas" panose="020B0609020204030204" pitchFamily="49" charset="0"/>
+                <a:cs typeface="Consolas" panose="020B0609020204030204" pitchFamily="49" charset="0"/>
+              </a:rPr>
+              <a:t>	public static void main(String[] </a:t>
+            </a:r>
+            <a:r>
+              <a:rPr lang="en-US" sz="1400" dirty="0" err="1">
+                <a:latin typeface="Consolas" panose="020B0609020204030204" pitchFamily="49" charset="0"/>
+                <a:cs typeface="Consolas" panose="020B0609020204030204" pitchFamily="49" charset="0"/>
+              </a:rPr>
+              <a:t>args</a:t>
             </a:r>
             <a:r>
               <a:rPr lang="en-US" sz="1400" dirty="0">
@@ -14325,100 +17173,25 @@
                 <a:latin typeface="Consolas" panose="020B0609020204030204" pitchFamily="49" charset="0"/>
                 <a:cs typeface="Consolas" panose="020B0609020204030204" pitchFamily="49" charset="0"/>
               </a:rPr>
-              <a:t>      name = </a:t>
-            </a:r>
-            <a:r>
-              <a:rPr lang="en-US" sz="1400" dirty="0" err="1">
-                <a:latin typeface="Consolas" panose="020B0609020204030204" pitchFamily="49" charset="0"/>
-                <a:cs typeface="Consolas" panose="020B0609020204030204" pitchFamily="49" charset="0"/>
-              </a:rPr>
-              <a:t>petName</a:t>
-            </a:r>
-            <a:r>
-              <a:rPr lang="en-US" sz="1400" dirty="0">
-                <a:latin typeface="Consolas" panose="020B0609020204030204" pitchFamily="49" charset="0"/>
-                <a:cs typeface="Consolas" panose="020B0609020204030204" pitchFamily="49" charset="0"/>
-              </a:rPr>
-              <a:t>;</a:t>
-            </a:r>
-          </a:p>
-          <a:p>
-            <a:r>
-              <a:rPr lang="en-US" sz="1400" dirty="0">
-                <a:latin typeface="Consolas" panose="020B0609020204030204" pitchFamily="49" charset="0"/>
-                <a:cs typeface="Consolas" panose="020B0609020204030204" pitchFamily="49" charset="0"/>
-              </a:rPr>
-              <a:t>      age = </a:t>
-            </a:r>
-            <a:r>
-              <a:rPr lang="en-US" sz="1400" dirty="0" err="1">
-                <a:latin typeface="Consolas" panose="020B0609020204030204" pitchFamily="49" charset="0"/>
-                <a:cs typeface="Consolas" panose="020B0609020204030204" pitchFamily="49" charset="0"/>
-              </a:rPr>
-              <a:t>yearsOld</a:t>
-            </a:r>
-            <a:r>
-              <a:rPr lang="en-US" sz="1400" dirty="0">
-                <a:latin typeface="Consolas" panose="020B0609020204030204" pitchFamily="49" charset="0"/>
-                <a:cs typeface="Consolas" panose="020B0609020204030204" pitchFamily="49" charset="0"/>
-              </a:rPr>
-              <a:t>;</a:t>
-            </a:r>
-          </a:p>
-          <a:p>
-            <a:r>
-              <a:rPr lang="en-US" sz="1400" dirty="0">
-                <a:latin typeface="Consolas" panose="020B0609020204030204" pitchFamily="49" charset="0"/>
-                <a:cs typeface="Consolas" panose="020B0609020204030204" pitchFamily="49" charset="0"/>
-              </a:rPr>
-              <a:t>   }</a:t>
-            </a:r>
-          </a:p>
-          <a:p>
-            <a:endParaRPr lang="en-US" sz="1400" dirty="0">
-              <a:latin typeface="Consolas" panose="020B0609020204030204" pitchFamily="49" charset="0"/>
-              <a:cs typeface="Consolas" panose="020B0609020204030204" pitchFamily="49" charset="0"/>
-            </a:endParaRPr>
-          </a:p>
-          <a:p>
-            <a:r>
-              <a:rPr lang="en-US" sz="1400" dirty="0">
-                <a:latin typeface="Consolas" panose="020B0609020204030204" pitchFamily="49" charset="0"/>
-                <a:cs typeface="Consolas" panose="020B0609020204030204" pitchFamily="49" charset="0"/>
-              </a:rPr>
-              <a:t>   public void print() {</a:t>
-            </a:r>
-          </a:p>
-          <a:p>
-            <a:r>
-              <a:rPr lang="en-US" sz="1400" dirty="0">
-                <a:latin typeface="Consolas" panose="020B0609020204030204" pitchFamily="49" charset="0"/>
-                <a:cs typeface="Consolas" panose="020B0609020204030204" pitchFamily="49" charset="0"/>
-              </a:rPr>
-              <a:t>      </a:t>
-            </a:r>
-            <a:r>
-              <a:rPr lang="en-US" sz="1400" dirty="0" err="1">
-                <a:latin typeface="Consolas" panose="020B0609020204030204" pitchFamily="49" charset="0"/>
-                <a:cs typeface="Consolas" panose="020B0609020204030204" pitchFamily="49" charset="0"/>
-              </a:rPr>
-              <a:t>System.out.println</a:t>
-            </a:r>
-            <a:r>
-              <a:rPr lang="en-US" sz="1400" dirty="0">
-                <a:latin typeface="Consolas" panose="020B0609020204030204" pitchFamily="49" charset="0"/>
-                <a:cs typeface="Consolas" panose="020B0609020204030204" pitchFamily="49" charset="0"/>
-              </a:rPr>
-              <a:t>(name + ", " + age);</a:t>
-            </a:r>
-          </a:p>
-          <a:p>
-            <a:r>
-              <a:rPr lang="en-US" sz="1400" dirty="0">
-                <a:latin typeface="Consolas" panose="020B0609020204030204" pitchFamily="49" charset="0"/>
-                <a:cs typeface="Consolas" panose="020B0609020204030204" pitchFamily="49" charset="0"/>
-              </a:rPr>
-              <a:t>   }</a:t>
+              <a:t>		Box rec = new Box(10, 20, 10);</a:t>
+            </a:r>
+          </a:p>
+          <a:p>
+            <a:r>
+              <a:rPr lang="en-US" sz="1400" dirty="0">
+                <a:latin typeface="Consolas" panose="020B0609020204030204" pitchFamily="49" charset="0"/>
+                <a:cs typeface="Consolas" panose="020B0609020204030204" pitchFamily="49" charset="0"/>
+              </a:rPr>
+              <a:t>		Box cube = new Box(10);</a:t>
+            </a:r>
+          </a:p>
+          <a:p>
+            <a:r>
+              <a:rPr lang="en-US" sz="1400" dirty="0">
+                <a:latin typeface="Consolas" panose="020B0609020204030204" pitchFamily="49" charset="0"/>
+                <a:cs typeface="Consolas" panose="020B0609020204030204" pitchFamily="49" charset="0"/>
+              </a:rPr>
+              <a:t>	}</a:t>
             </a:r>
           </a:p>
           <a:p>
@@ -14432,10 +17205,112 @@
           </a:p>
         </p:txBody>
       </p:sp>
+      <mc:AlternateContent xmlns:mc="http://schemas.openxmlformats.org/markup-compatibility/2006">
+        <mc:Choice xmlns:p14="http://schemas.microsoft.com/office/powerpoint/2010/main" Requires="p14">
+          <p:contentPart p14:bwMode="auto" r:id="rId2">
+            <p14:nvContentPartPr>
+              <p14:cNvPr id="5" name="Ink 4">
+                <a:extLst>
+                  <a:ext uri="{FF2B5EF4-FFF2-40B4-BE49-F238E27FC236}">
+                    <a16:creationId xmlns:a16="http://schemas.microsoft.com/office/drawing/2014/main" id="{47034581-2088-48CB-B05C-0CDD05B94136}"/>
+                  </a:ext>
+                </a:extLst>
+              </p14:cNvPr>
+              <p14:cNvContentPartPr/>
+              <p14:nvPr/>
+            </p14:nvContentPartPr>
+            <p14:xfrm>
+              <a:off x="8824280" y="3090537"/>
+              <a:ext cx="3323880" cy="15840"/>
+            </p14:xfrm>
+          </p:contentPart>
+        </mc:Choice>
+        <mc:Fallback>
+          <p:pic>
+            <p:nvPicPr>
+              <p:cNvPr id="5" name="Ink 4">
+                <a:extLst>
+                  <a:ext uri="{FF2B5EF4-FFF2-40B4-BE49-F238E27FC236}">
+                    <a16:creationId xmlns:a16="http://schemas.microsoft.com/office/drawing/2014/main" id="{47034581-2088-48CB-B05C-0CDD05B94136}"/>
+                  </a:ext>
+                </a:extLst>
+              </p:cNvPr>
+              <p:cNvPicPr/>
+              <p:nvPr/>
+            </p:nvPicPr>
+            <p:blipFill>
+              <a:blip r:embed="rId3"/>
+              <a:stretch>
+                <a:fillRect/>
+              </a:stretch>
+            </p:blipFill>
+            <p:spPr>
+              <a:xfrm>
+                <a:off x="8815640" y="3081897"/>
+                <a:ext cx="3341520" cy="33480"/>
+              </a:xfrm>
+              <a:prstGeom prst="rect">
+                <a:avLst/>
+              </a:prstGeom>
+            </p:spPr>
+          </p:pic>
+        </mc:Fallback>
+      </mc:AlternateContent>
+      <mc:AlternateContent xmlns:mc="http://schemas.openxmlformats.org/markup-compatibility/2006">
+        <mc:Choice xmlns:p14="http://schemas.microsoft.com/office/powerpoint/2010/main" Requires="p14">
+          <p:contentPart p14:bwMode="auto" r:id="rId4">
+            <p14:nvContentPartPr>
+              <p14:cNvPr id="6" name="Ink 5">
+                <a:extLst>
+                  <a:ext uri="{FF2B5EF4-FFF2-40B4-BE49-F238E27FC236}">
+                    <a16:creationId xmlns:a16="http://schemas.microsoft.com/office/drawing/2014/main" id="{63D7F7F9-8B58-453C-A6FD-416D34544E16}"/>
+                  </a:ext>
+                </a:extLst>
+              </p14:cNvPr>
+              <p14:cNvContentPartPr/>
+              <p14:nvPr/>
+            </p14:nvContentPartPr>
+            <p14:xfrm>
+              <a:off x="11807240" y="3075417"/>
+              <a:ext cx="1533600" cy="1193760"/>
+            </p14:xfrm>
+          </p:contentPart>
+        </mc:Choice>
+        <mc:Fallback>
+          <p:pic>
+            <p:nvPicPr>
+              <p:cNvPr id="6" name="Ink 5">
+                <a:extLst>
+                  <a:ext uri="{FF2B5EF4-FFF2-40B4-BE49-F238E27FC236}">
+                    <a16:creationId xmlns:a16="http://schemas.microsoft.com/office/drawing/2014/main" id="{63D7F7F9-8B58-453C-A6FD-416D34544E16}"/>
+                  </a:ext>
+                </a:extLst>
+              </p:cNvPr>
+              <p:cNvPicPr/>
+              <p:nvPr/>
+            </p:nvPicPr>
+            <p:blipFill>
+              <a:blip r:embed="rId5"/>
+              <a:stretch>
+                <a:fillRect/>
+              </a:stretch>
+            </p:blipFill>
+            <p:spPr>
+              <a:xfrm>
+                <a:off x="11798240" y="3066417"/>
+                <a:ext cx="1551240" cy="1211400"/>
+              </a:xfrm>
+              <a:prstGeom prst="rect">
+                <a:avLst/>
+              </a:prstGeom>
+            </p:spPr>
+          </p:pic>
+        </mc:Fallback>
+      </mc:AlternateContent>
     </p:spTree>
     <p:extLst>
       <p:ext uri="{BB962C8B-B14F-4D97-AF65-F5344CB8AC3E}">
-        <p14:creationId xmlns:p14="http://schemas.microsoft.com/office/powerpoint/2010/main" val="1439199420"/>
+        <p14:creationId xmlns:p14="http://schemas.microsoft.com/office/powerpoint/2010/main" val="1014466982"/>
       </p:ext>
     </p:extLst>
   </p:cSld>
@@ -14454,6 +17329,166 @@
       </p:transition>
     </mc:Fallback>
   </mc:AlternateContent>
+  <p:timing>
+    <p:tnLst>
+      <p:par>
+        <p:cTn id="1" dur="indefinite" restart="never" nodeType="tmRoot">
+          <p:childTnLst>
+            <p:seq concurrent="1" nextAc="seek">
+              <p:cTn id="2" dur="indefinite" nodeType="mainSeq">
+                <p:childTnLst>
+                  <p:par>
+                    <p:cTn id="3" fill="hold">
+                      <p:stCondLst>
+                        <p:cond delay="indefinite"/>
+                        <p:cond evt="onBegin" delay="0">
+                          <p:tn val="2"/>
+                        </p:cond>
+                      </p:stCondLst>
+                      <p:childTnLst>
+                        <p:par>
+                          <p:cTn id="4" fill="hold">
+                            <p:stCondLst>
+                              <p:cond delay="0"/>
+                            </p:stCondLst>
+                            <p:childTnLst>
+                              <p:par>
+                                <p:cTn id="5" presetID="63" presetClass="entr" presetSubtype="0" fill="hold" nodeType="afterEffect">
+                                  <p:stCondLst>
+                                    <p:cond delay="0"/>
+                                  </p:stCondLst>
+                                  <p:childTnLst>
+                                    <p:set>
+                                      <p:cBhvr>
+                                        <p:cTn id="6" dur="1" fill="hold">
+                                          <p:stCondLst>
+                                            <p:cond delay="0"/>
+                                          </p:stCondLst>
+                                        </p:cTn>
+                                        <p:tgtEl>
+                                          <p:spTgt spid="5"/>
+                                        </p:tgtEl>
+                                        <p:attrNameLst>
+                                          <p:attrName>style.visibility</p:attrName>
+                                        </p:attrNameLst>
+                                      </p:cBhvr>
+                                      <p:to>
+                                        <p:strVal val="visible"/>
+                                      </p:to>
+                                    </p:set>
+                                    <p:anim calcmode="lin" valueType="num">
+                                      <p:cBhvr>
+                                        <p:cTn id="7" dur="2000" fill="hold"/>
+                                        <p:tgtEl>
+                                          <p:spTgt spid="5"/>
+                                        </p:tgtEl>
+                                        <p:attrNameLst>
+                                          <p:attrName>drawProgress</p:attrName>
+                                        </p:attrNameLst>
+                                      </p:cBhvr>
+                                      <p:tavLst>
+                                        <p:tav tm="0">
+                                          <p:val>
+                                            <p:fltVal val="0"/>
+                                          </p:val>
+                                        </p:tav>
+                                        <p:tav tm="100000">
+                                          <p:val>
+                                            <p:fltVal val="1"/>
+                                          </p:val>
+                                        </p:tav>
+                                      </p:tavLst>
+                                    </p:anim>
+                                  </p:childTnLst>
+                                </p:cTn>
+                              </p:par>
+                            </p:childTnLst>
+                          </p:cTn>
+                        </p:par>
+                        <p:par>
+                          <p:cTn id="8" fill="hold">
+                            <p:stCondLst>
+                              <p:cond delay="2000"/>
+                            </p:stCondLst>
+                            <p:childTnLst>
+                              <p:par>
+                                <p:cTn id="9" presetID="63" presetClass="entr" presetSubtype="0" fill="hold" nodeType="afterEffect">
+                                  <p:stCondLst>
+                                    <p:cond delay="0"/>
+                                  </p:stCondLst>
+                                  <p:childTnLst>
+                                    <p:set>
+                                      <p:cBhvr>
+                                        <p:cTn id="10" dur="1" fill="hold">
+                                          <p:stCondLst>
+                                            <p:cond delay="0"/>
+                                          </p:stCondLst>
+                                        </p:cTn>
+                                        <p:tgtEl>
+                                          <p:spTgt spid="6"/>
+                                        </p:tgtEl>
+                                        <p:attrNameLst>
+                                          <p:attrName>style.visibility</p:attrName>
+                                        </p:attrNameLst>
+                                      </p:cBhvr>
+                                      <p:to>
+                                        <p:strVal val="visible"/>
+                                      </p:to>
+                                    </p:set>
+                                    <p:anim calcmode="lin" valueType="num">
+                                      <p:cBhvr>
+                                        <p:cTn id="11" dur="2000" fill="hold"/>
+                                        <p:tgtEl>
+                                          <p:spTgt spid="6"/>
+                                        </p:tgtEl>
+                                        <p:attrNameLst>
+                                          <p:attrName>drawProgress</p:attrName>
+                                        </p:attrNameLst>
+                                      </p:cBhvr>
+                                      <p:tavLst>
+                                        <p:tav tm="0">
+                                          <p:val>
+                                            <p:fltVal val="0"/>
+                                          </p:val>
+                                        </p:tav>
+                                        <p:tav tm="100000">
+                                          <p:val>
+                                            <p:fltVal val="1"/>
+                                          </p:val>
+                                        </p:tav>
+                                      </p:tavLst>
+                                    </p:anim>
+                                  </p:childTnLst>
+                                </p:cTn>
+                              </p:par>
+                            </p:childTnLst>
+                          </p:cTn>
+                        </p:par>
+                      </p:childTnLst>
+                    </p:cTn>
+                  </p:par>
+                </p:childTnLst>
+              </p:cTn>
+              <p:prevCondLst>
+                <p:cond evt="onPrev" delay="0">
+                  <p:tgtEl>
+                    <p:sldTgt/>
+                  </p:tgtEl>
+                </p:cond>
+              </p:prevCondLst>
+              <p:nextCondLst>
+                <p:cond evt="onNext" delay="0">
+                  <p:tgtEl>
+                    <p:sldTgt/>
+                  </p:tgtEl>
+                </p:cond>
+              </p:nextCondLst>
+            </p:seq>
+          </p:childTnLst>
+        </p:cTn>
+      </p:par>
+    </p:tnLst>
+  </p:timing>
 </p:sld>
 </file>
 

--- a/slides/On-Campus/09_03_MoreClasses.pptx
+++ b/slides/On-Campus/09_03_MoreClasses.pptx
@@ -146,510 +146,45 @@
 <pc:chgInfo xmlns:a="http://schemas.openxmlformats.org/drawingml/2006/main" xmlns:r="http://schemas.openxmlformats.org/officeDocument/2006/relationships" xmlns:ac="http://schemas.microsoft.com/office/drawing/2013/main/command" xmlns:pc="http://schemas.microsoft.com/office/powerpoint/2013/main/command">
   <pc:docChgLst>
     <pc:chgData name="Marcia Moraes" userId="c9c67e8a-58e2-4733-9a1c-5d44fec4775b" providerId="ADAL" clId="{D79FB4EA-AD9E-48DA-9A09-B5201FDCFA77}"/>
-    <pc:docChg chg="undo custSel addSld delSld modSld sldOrd modMainMaster">
-      <pc:chgData name="Marcia Moraes" userId="c9c67e8a-58e2-4733-9a1c-5d44fec4775b" providerId="ADAL" clId="{D79FB4EA-AD9E-48DA-9A09-B5201FDCFA77}" dt="2023-03-23T22:51:05.183" v="919" actId="20577"/>
+  </pc:docChgLst>
+  <pc:docChgLst>
+    <pc:chgData name="Marcia Moraes" userId="c9c67e8a-58e2-4733-9a1c-5d44fec4775b" providerId="ADAL" clId="{CA673059-942D-4FC2-B7DB-95A394EB4144}"/>
+    <pc:docChg chg="custSel modSld">
+      <pc:chgData name="Marcia Moraes" userId="c9c67e8a-58e2-4733-9a1c-5d44fec4775b" providerId="ADAL" clId="{CA673059-942D-4FC2-B7DB-95A394EB4144}" dt="2023-10-11T00:49:38.468" v="2" actId="1076"/>
       <pc:docMkLst>
         <pc:docMk/>
       </pc:docMkLst>
       <pc:sldChg chg="addSp delSp modSp">
-        <pc:chgData name="Marcia Moraes" userId="c9c67e8a-58e2-4733-9a1c-5d44fec4775b" providerId="ADAL" clId="{D79FB4EA-AD9E-48DA-9A09-B5201FDCFA77}" dt="2023-03-23T19:32:29.198" v="443" actId="6549"/>
-        <pc:sldMkLst>
-          <pc:docMk/>
-          <pc:sldMk cId="2012767177" sldId="257"/>
-        </pc:sldMkLst>
-        <pc:spChg chg="mod">
-          <ac:chgData name="Marcia Moraes" userId="c9c67e8a-58e2-4733-9a1c-5d44fec4775b" providerId="ADAL" clId="{D79FB4EA-AD9E-48DA-9A09-B5201FDCFA77}" dt="2023-03-23T18:05:18" v="359" actId="1076"/>
-          <ac:spMkLst>
-            <pc:docMk/>
-            <pc:sldMk cId="2012767177" sldId="257"/>
-            <ac:spMk id="4" creationId="{F6F7E663-32CE-E448-95F9-79C015848441}"/>
-          </ac:spMkLst>
-        </pc:spChg>
-        <pc:spChg chg="del mod">
-          <ac:chgData name="Marcia Moraes" userId="c9c67e8a-58e2-4733-9a1c-5d44fec4775b" providerId="ADAL" clId="{D79FB4EA-AD9E-48DA-9A09-B5201FDCFA77}" dt="2023-03-23T18:05:09.913" v="356" actId="478"/>
-          <ac:spMkLst>
-            <pc:docMk/>
-            <pc:sldMk cId="2012767177" sldId="257"/>
-            <ac:spMk id="5" creationId="{F3430565-9E8F-1349-833D-D81F25510834}"/>
-          </ac:spMkLst>
-        </pc:spChg>
-        <pc:spChg chg="mod">
-          <ac:chgData name="Marcia Moraes" userId="c9c67e8a-58e2-4733-9a1c-5d44fec4775b" providerId="ADAL" clId="{D79FB4EA-AD9E-48DA-9A09-B5201FDCFA77}" dt="2023-03-23T18:06:12.729" v="412" actId="20577"/>
-          <ac:spMkLst>
-            <pc:docMk/>
-            <pc:sldMk cId="2012767177" sldId="257"/>
-            <ac:spMk id="6" creationId="{070BA3BB-E4AC-1442-9C1B-434DA00352F6}"/>
-          </ac:spMkLst>
-        </pc:spChg>
-        <pc:spChg chg="add mod">
-          <ac:chgData name="Marcia Moraes" userId="c9c67e8a-58e2-4733-9a1c-5d44fec4775b" providerId="ADAL" clId="{D79FB4EA-AD9E-48DA-9A09-B5201FDCFA77}" dt="2023-03-23T19:32:29.198" v="443" actId="6549"/>
-          <ac:spMkLst>
-            <pc:docMk/>
-            <pc:sldMk cId="2012767177" sldId="257"/>
-            <ac:spMk id="7" creationId="{E625CE9C-C39F-4266-B08E-4FC866EEAFBC}"/>
-          </ac:spMkLst>
-        </pc:spChg>
-      </pc:sldChg>
-      <pc:sldChg chg="delSp modSp delAnim">
-        <pc:chgData name="Marcia Moraes" userId="c9c67e8a-58e2-4733-9a1c-5d44fec4775b" providerId="ADAL" clId="{D79FB4EA-AD9E-48DA-9A09-B5201FDCFA77}" dt="2023-03-23T19:54:43.331" v="554" actId="1076"/>
-        <pc:sldMkLst>
-          <pc:docMk/>
-          <pc:sldMk cId="2465426233" sldId="258"/>
-        </pc:sldMkLst>
-        <pc:spChg chg="mod">
-          <ac:chgData name="Marcia Moraes" userId="c9c67e8a-58e2-4733-9a1c-5d44fec4775b" providerId="ADAL" clId="{D79FB4EA-AD9E-48DA-9A09-B5201FDCFA77}" dt="2023-03-23T19:43:01.570" v="482" actId="1076"/>
-          <ac:spMkLst>
-            <pc:docMk/>
-            <pc:sldMk cId="2465426233" sldId="258"/>
-            <ac:spMk id="2" creationId="{7F5F8C1B-DC3E-E841-B6A5-63177E30B362}"/>
-          </ac:spMkLst>
-        </pc:spChg>
-        <pc:spChg chg="mod">
-          <ac:chgData name="Marcia Moraes" userId="c9c67e8a-58e2-4733-9a1c-5d44fec4775b" providerId="ADAL" clId="{D79FB4EA-AD9E-48DA-9A09-B5201FDCFA77}" dt="2023-03-23T19:54:25.252" v="550" actId="1076"/>
-          <ac:spMkLst>
-            <pc:docMk/>
-            <pc:sldMk cId="2465426233" sldId="258"/>
-            <ac:spMk id="3" creationId="{4EEDFB7D-D77B-AE41-A1C6-ED4C90C27C9E}"/>
-          </ac:spMkLst>
-        </pc:spChg>
-        <pc:spChg chg="mod">
-          <ac:chgData name="Marcia Moraes" userId="c9c67e8a-58e2-4733-9a1c-5d44fec4775b" providerId="ADAL" clId="{D79FB4EA-AD9E-48DA-9A09-B5201FDCFA77}" dt="2023-03-23T19:54:32.439" v="552" actId="14100"/>
-          <ac:spMkLst>
-            <pc:docMk/>
-            <pc:sldMk cId="2465426233" sldId="258"/>
-            <ac:spMk id="4" creationId="{776DC2C5-FABF-AF4B-A76F-146A1F441CF0}"/>
-          </ac:spMkLst>
-        </pc:spChg>
-        <pc:spChg chg="mod">
-          <ac:chgData name="Marcia Moraes" userId="c9c67e8a-58e2-4733-9a1c-5d44fec4775b" providerId="ADAL" clId="{D79FB4EA-AD9E-48DA-9A09-B5201FDCFA77}" dt="2023-03-23T19:54:43.331" v="554" actId="1076"/>
-          <ac:spMkLst>
-            <pc:docMk/>
-            <pc:sldMk cId="2465426233" sldId="258"/>
-            <ac:spMk id="5" creationId="{C3D6DE1E-C72D-FC4D-AD95-9E372E55E0AA}"/>
-          </ac:spMkLst>
-        </pc:spChg>
-        <pc:spChg chg="mod">
-          <ac:chgData name="Marcia Moraes" userId="c9c67e8a-58e2-4733-9a1c-5d44fec4775b" providerId="ADAL" clId="{D79FB4EA-AD9E-48DA-9A09-B5201FDCFA77}" dt="2023-03-23T19:54:28.955" v="551" actId="1076"/>
-          <ac:spMkLst>
-            <pc:docMk/>
-            <pc:sldMk cId="2465426233" sldId="258"/>
-            <ac:spMk id="7" creationId="{1D54C574-F1C4-224F-8D72-1D0CE315659A}"/>
-          </ac:spMkLst>
-        </pc:spChg>
-        <pc:spChg chg="mod">
-          <ac:chgData name="Marcia Moraes" userId="c9c67e8a-58e2-4733-9a1c-5d44fec4775b" providerId="ADAL" clId="{D79FB4EA-AD9E-48DA-9A09-B5201FDCFA77}" dt="2023-03-23T19:54:38.222" v="553" actId="1076"/>
-          <ac:spMkLst>
-            <pc:docMk/>
-            <pc:sldMk cId="2465426233" sldId="258"/>
-            <ac:spMk id="8" creationId="{EDB37B83-B729-414D-BB64-25ADD03C6C95}"/>
-          </ac:spMkLst>
-        </pc:spChg>
-        <pc:spChg chg="del mod">
-          <ac:chgData name="Marcia Moraes" userId="c9c67e8a-58e2-4733-9a1c-5d44fec4775b" providerId="ADAL" clId="{D79FB4EA-AD9E-48DA-9A09-B5201FDCFA77}" dt="2023-03-23T19:54:01.394" v="545" actId="478"/>
-          <ac:spMkLst>
-            <pc:docMk/>
-            <pc:sldMk cId="2465426233" sldId="258"/>
-            <ac:spMk id="9" creationId="{5A212008-80E3-5449-84B5-3C7398A29D87}"/>
-          </ac:spMkLst>
-        </pc:spChg>
-      </pc:sldChg>
-      <pc:sldChg chg="modSp">
-        <pc:chgData name="Marcia Moraes" userId="c9c67e8a-58e2-4733-9a1c-5d44fec4775b" providerId="ADAL" clId="{D79FB4EA-AD9E-48DA-9A09-B5201FDCFA77}" dt="2023-03-23T20:00:29.037" v="584" actId="1076"/>
-        <pc:sldMkLst>
-          <pc:docMk/>
-          <pc:sldMk cId="1014466982" sldId="259"/>
-        </pc:sldMkLst>
-        <pc:spChg chg="mod">
-          <ac:chgData name="Marcia Moraes" userId="c9c67e8a-58e2-4733-9a1c-5d44fec4775b" providerId="ADAL" clId="{D79FB4EA-AD9E-48DA-9A09-B5201FDCFA77}" dt="2023-03-23T19:59:30.433" v="578" actId="1076"/>
-          <ac:spMkLst>
-            <pc:docMk/>
-            <pc:sldMk cId="1014466982" sldId="259"/>
-            <ac:spMk id="2" creationId="{2DBAED83-8A0A-0548-BA23-13CB5D45BC8F}"/>
-          </ac:spMkLst>
-        </pc:spChg>
-        <pc:spChg chg="mod">
-          <ac:chgData name="Marcia Moraes" userId="c9c67e8a-58e2-4733-9a1c-5d44fec4775b" providerId="ADAL" clId="{D79FB4EA-AD9E-48DA-9A09-B5201FDCFA77}" dt="2023-03-23T19:59:41.391" v="580" actId="20577"/>
-          <ac:spMkLst>
-            <pc:docMk/>
-            <pc:sldMk cId="1014466982" sldId="259"/>
-            <ac:spMk id="3" creationId="{507F2138-38CE-FB4F-963C-1AF7D9CA4471}"/>
-          </ac:spMkLst>
-        </pc:spChg>
-        <pc:spChg chg="mod">
-          <ac:chgData name="Marcia Moraes" userId="c9c67e8a-58e2-4733-9a1c-5d44fec4775b" providerId="ADAL" clId="{D79FB4EA-AD9E-48DA-9A09-B5201FDCFA77}" dt="2023-03-23T20:00:20.392" v="582" actId="14100"/>
-          <ac:spMkLst>
-            <pc:docMk/>
-            <pc:sldMk cId="1014466982" sldId="259"/>
-            <ac:spMk id="4" creationId="{BE278577-C507-B448-9A94-C13AB472D32E}"/>
-          </ac:spMkLst>
-        </pc:spChg>
-        <pc:inkChg chg="mod">
-          <ac:chgData name="Marcia Moraes" userId="c9c67e8a-58e2-4733-9a1c-5d44fec4775b" providerId="ADAL" clId="{D79FB4EA-AD9E-48DA-9A09-B5201FDCFA77}" dt="2023-03-23T20:00:22.940" v="583" actId="1076"/>
-          <ac:inkMkLst>
-            <pc:docMk/>
-            <pc:sldMk cId="1014466982" sldId="259"/>
-            <ac:inkMk id="5" creationId="{47034581-2088-48CB-B05C-0CDD05B94136}"/>
-          </ac:inkMkLst>
-        </pc:inkChg>
-        <pc:inkChg chg="mod">
-          <ac:chgData name="Marcia Moraes" userId="c9c67e8a-58e2-4733-9a1c-5d44fec4775b" providerId="ADAL" clId="{D79FB4EA-AD9E-48DA-9A09-B5201FDCFA77}" dt="2023-03-23T20:00:29.037" v="584" actId="1076"/>
-          <ac:inkMkLst>
-            <pc:docMk/>
-            <pc:sldMk cId="1014466982" sldId="259"/>
-            <ac:inkMk id="6" creationId="{63D7F7F9-8B58-453C-A6FD-416D34544E16}"/>
-          </ac:inkMkLst>
-        </pc:inkChg>
-      </pc:sldChg>
-      <pc:sldChg chg="addSp delSp modSp">
-        <pc:chgData name="Marcia Moraes" userId="c9c67e8a-58e2-4733-9a1c-5d44fec4775b" providerId="ADAL" clId="{D79FB4EA-AD9E-48DA-9A09-B5201FDCFA77}" dt="2023-03-23T19:40:07.729" v="475" actId="1076"/>
-        <pc:sldMkLst>
-          <pc:docMk/>
-          <pc:sldMk cId="2451232438" sldId="260"/>
-        </pc:sldMkLst>
-        <pc:spChg chg="mod">
-          <ac:chgData name="Marcia Moraes" userId="c9c67e8a-58e2-4733-9a1c-5d44fec4775b" providerId="ADAL" clId="{D79FB4EA-AD9E-48DA-9A09-B5201FDCFA77}" dt="2023-03-23T19:40:07.729" v="475" actId="1076"/>
-          <ac:spMkLst>
-            <pc:docMk/>
-            <pc:sldMk cId="2451232438" sldId="260"/>
-            <ac:spMk id="4" creationId="{F6F7E663-32CE-E448-95F9-79C015848441}"/>
-          </ac:spMkLst>
-        </pc:spChg>
-        <pc:spChg chg="add del mod">
-          <ac:chgData name="Marcia Moraes" userId="c9c67e8a-58e2-4733-9a1c-5d44fec4775b" providerId="ADAL" clId="{D79FB4EA-AD9E-48DA-9A09-B5201FDCFA77}" dt="2023-03-23T19:32:24.240" v="442" actId="6549"/>
-          <ac:spMkLst>
-            <pc:docMk/>
-            <pc:sldMk cId="2451232438" sldId="260"/>
-            <ac:spMk id="5" creationId="{F3430565-9E8F-1349-833D-D81F25510834}"/>
-          </ac:spMkLst>
-        </pc:spChg>
-        <pc:spChg chg="mod">
-          <ac:chgData name="Marcia Moraes" userId="c9c67e8a-58e2-4733-9a1c-5d44fec4775b" providerId="ADAL" clId="{D79FB4EA-AD9E-48DA-9A09-B5201FDCFA77}" dt="2023-03-23T19:32:17.978" v="441" actId="20577"/>
-          <ac:spMkLst>
-            <pc:docMk/>
-            <pc:sldMk cId="2451232438" sldId="260"/>
-            <ac:spMk id="6" creationId="{070BA3BB-E4AC-1442-9C1B-434DA00352F6}"/>
-          </ac:spMkLst>
-        </pc:spChg>
-      </pc:sldChg>
-      <pc:sldChg chg="addSp delSp modSp">
-        <pc:chgData name="Marcia Moraes" userId="c9c67e8a-58e2-4733-9a1c-5d44fec4775b" providerId="ADAL" clId="{D79FB4EA-AD9E-48DA-9A09-B5201FDCFA77}" dt="2023-03-23T19:40:02.952" v="474" actId="1076"/>
-        <pc:sldMkLst>
-          <pc:docMk/>
-          <pc:sldMk cId="1227827217" sldId="261"/>
-        </pc:sldMkLst>
-        <pc:spChg chg="mod">
-          <ac:chgData name="Marcia Moraes" userId="c9c67e8a-58e2-4733-9a1c-5d44fec4775b" providerId="ADAL" clId="{D79FB4EA-AD9E-48DA-9A09-B5201FDCFA77}" dt="2023-03-23T19:40:02.952" v="474" actId="1076"/>
-          <ac:spMkLst>
-            <pc:docMk/>
-            <pc:sldMk cId="1227827217" sldId="261"/>
-            <ac:spMk id="4" creationId="{F6F7E663-32CE-E448-95F9-79C015848441}"/>
-          </ac:spMkLst>
-        </pc:spChg>
-        <pc:spChg chg="del">
-          <ac:chgData name="Marcia Moraes" userId="c9c67e8a-58e2-4733-9a1c-5d44fec4775b" providerId="ADAL" clId="{D79FB4EA-AD9E-48DA-9A09-B5201FDCFA77}" dt="2023-03-23T19:36:25.571" v="444" actId="478"/>
-          <ac:spMkLst>
-            <pc:docMk/>
-            <pc:sldMk cId="1227827217" sldId="261"/>
-            <ac:spMk id="5" creationId="{F3430565-9E8F-1349-833D-D81F25510834}"/>
-          </ac:spMkLst>
-        </pc:spChg>
-        <pc:spChg chg="mod">
-          <ac:chgData name="Marcia Moraes" userId="c9c67e8a-58e2-4733-9a1c-5d44fec4775b" providerId="ADAL" clId="{D79FB4EA-AD9E-48DA-9A09-B5201FDCFA77}" dt="2023-03-23T19:39:45.175" v="471" actId="14100"/>
-          <ac:spMkLst>
-            <pc:docMk/>
-            <pc:sldMk cId="1227827217" sldId="261"/>
-            <ac:spMk id="6" creationId="{070BA3BB-E4AC-1442-9C1B-434DA00352F6}"/>
-          </ac:spMkLst>
-        </pc:spChg>
-        <pc:spChg chg="add mod">
-          <ac:chgData name="Marcia Moraes" userId="c9c67e8a-58e2-4733-9a1c-5d44fec4775b" providerId="ADAL" clId="{D79FB4EA-AD9E-48DA-9A09-B5201FDCFA77}" dt="2023-03-23T19:39:58.418" v="473" actId="14100"/>
-          <ac:spMkLst>
-            <pc:docMk/>
-            <pc:sldMk cId="1227827217" sldId="261"/>
-            <ac:spMk id="7" creationId="{95A40B67-1CA5-4F37-9FD6-8058A256357E}"/>
-          </ac:spMkLst>
-        </pc:spChg>
-      </pc:sldChg>
-      <pc:sldChg chg="addSp delSp modSp ord delAnim">
-        <pc:chgData name="Marcia Moraes" userId="c9c67e8a-58e2-4733-9a1c-5d44fec4775b" providerId="ADAL" clId="{D79FB4EA-AD9E-48DA-9A09-B5201FDCFA77}" dt="2023-03-23T22:29:14.903" v="618"/>
-        <pc:sldMkLst>
-          <pc:docMk/>
-          <pc:sldMk cId="2110323143" sldId="262"/>
-        </pc:sldMkLst>
-        <pc:spChg chg="mod">
-          <ac:chgData name="Marcia Moraes" userId="c9c67e8a-58e2-4733-9a1c-5d44fec4775b" providerId="ADAL" clId="{D79FB4EA-AD9E-48DA-9A09-B5201FDCFA77}" dt="2023-03-23T19:40:51.370" v="478" actId="1076"/>
-          <ac:spMkLst>
-            <pc:docMk/>
-            <pc:sldMk cId="2110323143" sldId="262"/>
-            <ac:spMk id="2" creationId="{2DBAED83-8A0A-0548-BA23-13CB5D45BC8F}"/>
-          </ac:spMkLst>
-        </pc:spChg>
-        <pc:spChg chg="mod">
-          <ac:chgData name="Marcia Moraes" userId="c9c67e8a-58e2-4733-9a1c-5d44fec4775b" providerId="ADAL" clId="{D79FB4EA-AD9E-48DA-9A09-B5201FDCFA77}" dt="2023-03-23T19:50:30.750" v="531" actId="1076"/>
-          <ac:spMkLst>
-            <pc:docMk/>
-            <pc:sldMk cId="2110323143" sldId="262"/>
-            <ac:spMk id="3" creationId="{507F2138-38CE-FB4F-963C-1AF7D9CA4471}"/>
-          </ac:spMkLst>
-        </pc:spChg>
-        <pc:spChg chg="add del mod">
-          <ac:chgData name="Marcia Moraes" userId="c9c67e8a-58e2-4733-9a1c-5d44fec4775b" providerId="ADAL" clId="{D79FB4EA-AD9E-48DA-9A09-B5201FDCFA77}" dt="2023-03-23T19:55:28.428" v="574" actId="20577"/>
-          <ac:spMkLst>
-            <pc:docMk/>
-            <pc:sldMk cId="2110323143" sldId="262"/>
-            <ac:spMk id="4" creationId="{BE278577-C507-B448-9A94-C13AB472D32E}"/>
-          </ac:spMkLst>
-        </pc:spChg>
-        <pc:spChg chg="del">
-          <ac:chgData name="Marcia Moraes" userId="c9c67e8a-58e2-4733-9a1c-5d44fec4775b" providerId="ADAL" clId="{D79FB4EA-AD9E-48DA-9A09-B5201FDCFA77}" dt="2023-03-23T19:40:34.149" v="477" actId="478"/>
-          <ac:spMkLst>
-            <pc:docMk/>
-            <pc:sldMk cId="2110323143" sldId="262"/>
-            <ac:spMk id="5" creationId="{0B6DB505-B293-476A-97B8-E110A9BCA353}"/>
-          </ac:spMkLst>
-        </pc:spChg>
-        <pc:spChg chg="add del">
-          <ac:chgData name="Marcia Moraes" userId="c9c67e8a-58e2-4733-9a1c-5d44fec4775b" providerId="ADAL" clId="{D79FB4EA-AD9E-48DA-9A09-B5201FDCFA77}" dt="2023-03-23T19:49:28.119" v="488" actId="478"/>
-          <ac:spMkLst>
-            <pc:docMk/>
-            <pc:sldMk cId="2110323143" sldId="262"/>
-            <ac:spMk id="6" creationId="{EAA3CC2B-5963-4EA7-9980-E49BB3E96A50}"/>
-          </ac:spMkLst>
-        </pc:spChg>
-      </pc:sldChg>
-      <pc:sldChg chg="del">
-        <pc:chgData name="Marcia Moraes" userId="c9c67e8a-58e2-4733-9a1c-5d44fec4775b" providerId="ADAL" clId="{D79FB4EA-AD9E-48DA-9A09-B5201FDCFA77}" dt="2023-03-23T19:58:39.627" v="575" actId="2696"/>
-        <pc:sldMkLst>
-          <pc:docMk/>
-          <pc:sldMk cId="1730857530" sldId="263"/>
-        </pc:sldMkLst>
-      </pc:sldChg>
-      <pc:sldChg chg="modSp">
-        <pc:chgData name="Marcia Moraes" userId="c9c67e8a-58e2-4733-9a1c-5d44fec4775b" providerId="ADAL" clId="{D79FB4EA-AD9E-48DA-9A09-B5201FDCFA77}" dt="2023-03-23T20:01:28.938" v="612" actId="6549"/>
-        <pc:sldMkLst>
-          <pc:docMk/>
-          <pc:sldMk cId="1439199420" sldId="264"/>
-        </pc:sldMkLst>
-        <pc:spChg chg="mod">
-          <ac:chgData name="Marcia Moraes" userId="c9c67e8a-58e2-4733-9a1c-5d44fec4775b" providerId="ADAL" clId="{D79FB4EA-AD9E-48DA-9A09-B5201FDCFA77}" dt="2023-03-23T20:00:40.014" v="586" actId="20577"/>
-          <ac:spMkLst>
-            <pc:docMk/>
-            <pc:sldMk cId="1439199420" sldId="264"/>
-            <ac:spMk id="2" creationId="{2DBAED83-8A0A-0548-BA23-13CB5D45BC8F}"/>
-          </ac:spMkLst>
-        </pc:spChg>
-        <pc:spChg chg="mod">
-          <ac:chgData name="Marcia Moraes" userId="c9c67e8a-58e2-4733-9a1c-5d44fec4775b" providerId="ADAL" clId="{D79FB4EA-AD9E-48DA-9A09-B5201FDCFA77}" dt="2023-03-23T20:00:51.044" v="587" actId="255"/>
-          <ac:spMkLst>
-            <pc:docMk/>
-            <pc:sldMk cId="1439199420" sldId="264"/>
-            <ac:spMk id="3" creationId="{507F2138-38CE-FB4F-963C-1AF7D9CA4471}"/>
-          </ac:spMkLst>
-        </pc:spChg>
-        <pc:spChg chg="mod">
-          <ac:chgData name="Marcia Moraes" userId="c9c67e8a-58e2-4733-9a1c-5d44fec4775b" providerId="ADAL" clId="{D79FB4EA-AD9E-48DA-9A09-B5201FDCFA77}" dt="2023-03-23T20:01:28.938" v="612" actId="6549"/>
-          <ac:spMkLst>
-            <pc:docMk/>
-            <pc:sldMk cId="1439199420" sldId="264"/>
-            <ac:spMk id="4" creationId="{BE278577-C507-B448-9A94-C13AB472D32E}"/>
-          </ac:spMkLst>
-        </pc:spChg>
-      </pc:sldChg>
-      <pc:sldChg chg="addSp del">
-        <pc:chgData name="Marcia Moraes" userId="c9c67e8a-58e2-4733-9a1c-5d44fec4775b" providerId="ADAL" clId="{D79FB4EA-AD9E-48DA-9A09-B5201FDCFA77}" dt="2023-03-23T22:29:06.523" v="616" actId="2696"/>
-        <pc:sldMkLst>
-          <pc:docMk/>
-          <pc:sldMk cId="2955887086" sldId="265"/>
-        </pc:sldMkLst>
-        <pc:spChg chg="add">
-          <ac:chgData name="Marcia Moraes" userId="c9c67e8a-58e2-4733-9a1c-5d44fec4775b" providerId="ADAL" clId="{D79FB4EA-AD9E-48DA-9A09-B5201FDCFA77}" dt="2023-03-23T20:02:52.683" v="615"/>
-          <ac:spMkLst>
-            <pc:docMk/>
-            <pc:sldMk cId="2955887086" sldId="265"/>
-            <ac:spMk id="5" creationId="{289AEF32-1998-432B-BC53-B9CE3EA13433}"/>
-          </ac:spMkLst>
-        </pc:spChg>
-      </pc:sldChg>
-      <pc:sldChg chg="del">
-        <pc:chgData name="Marcia Moraes" userId="c9c67e8a-58e2-4733-9a1c-5d44fec4775b" providerId="ADAL" clId="{D79FB4EA-AD9E-48DA-9A09-B5201FDCFA77}" dt="2023-03-23T16:58:51.235" v="188" actId="2696"/>
-        <pc:sldMkLst>
-          <pc:docMk/>
-          <pc:sldMk cId="926474781" sldId="267"/>
-        </pc:sldMkLst>
-      </pc:sldChg>
-      <pc:sldChg chg="del">
-        <pc:chgData name="Marcia Moraes" userId="c9c67e8a-58e2-4733-9a1c-5d44fec4775b" providerId="ADAL" clId="{D79FB4EA-AD9E-48DA-9A09-B5201FDCFA77}" dt="2023-03-23T20:02:50.203" v="614" actId="2696"/>
-        <pc:sldMkLst>
-          <pc:docMk/>
-          <pc:sldMk cId="0" sldId="269"/>
-        </pc:sldMkLst>
-      </pc:sldChg>
-      <pc:sldChg chg="del">
-        <pc:chgData name="Marcia Moraes" userId="c9c67e8a-58e2-4733-9a1c-5d44fec4775b" providerId="ADAL" clId="{D79FB4EA-AD9E-48DA-9A09-B5201FDCFA77}" dt="2023-03-23T20:02:23.498" v="613" actId="2696"/>
-        <pc:sldMkLst>
-          <pc:docMk/>
-          <pc:sldMk cId="1453778164" sldId="270"/>
-        </pc:sldMkLst>
-      </pc:sldChg>
-      <pc:sldChg chg="addSp delSp modSp add">
-        <pc:chgData name="Marcia Moraes" userId="c9c67e8a-58e2-4733-9a1c-5d44fec4775b" providerId="ADAL" clId="{D79FB4EA-AD9E-48DA-9A09-B5201FDCFA77}" dt="2023-03-23T16:55:37.934" v="187" actId="1076"/>
+        <pc:chgData name="Marcia Moraes" userId="c9c67e8a-58e2-4733-9a1c-5d44fec4775b" providerId="ADAL" clId="{CA673059-942D-4FC2-B7DB-95A394EB4144}" dt="2023-10-11T00:49:38.468" v="2" actId="1076"/>
         <pc:sldMkLst>
           <pc:docMk/>
           <pc:sldMk cId="2571368551" sldId="272"/>
         </pc:sldMkLst>
-        <pc:spChg chg="mod">
-          <ac:chgData name="Marcia Moraes" userId="c9c67e8a-58e2-4733-9a1c-5d44fec4775b" providerId="ADAL" clId="{D79FB4EA-AD9E-48DA-9A09-B5201FDCFA77}" dt="2023-03-23T16:50:58.126" v="7" actId="1076"/>
-          <ac:spMkLst>
-            <pc:docMk/>
-            <pc:sldMk cId="2571368551" sldId="272"/>
-            <ac:spMk id="2" creationId="{84CD52E7-9878-46B0-B322-12FDC9581986}"/>
-          </ac:spMkLst>
-        </pc:spChg>
-        <pc:spChg chg="add mod">
-          <ac:chgData name="Marcia Moraes" userId="c9c67e8a-58e2-4733-9a1c-5d44fec4775b" providerId="ADAL" clId="{D79FB4EA-AD9E-48DA-9A09-B5201FDCFA77}" dt="2023-03-23T16:55:37.934" v="187" actId="1076"/>
+        <pc:spChg chg="del">
+          <ac:chgData name="Marcia Moraes" userId="c9c67e8a-58e2-4733-9a1c-5d44fec4775b" providerId="ADAL" clId="{CA673059-942D-4FC2-B7DB-95A394EB4144}" dt="2023-10-11T00:49:31.607" v="0" actId="478"/>
           <ac:spMkLst>
             <pc:docMk/>
             <pc:sldMk cId="2571368551" sldId="272"/>
             <ac:spMk id="5" creationId="{1E54CBCD-3447-4F03-970A-F1628F46BEF2}"/>
           </ac:spMkLst>
         </pc:spChg>
-        <pc:spChg chg="mod">
-          <ac:chgData name="Marcia Moraes" userId="c9c67e8a-58e2-4733-9a1c-5d44fec4775b" providerId="ADAL" clId="{D79FB4EA-AD9E-48DA-9A09-B5201FDCFA77}" dt="2023-03-23T16:51:15.955" v="11" actId="6549"/>
+        <pc:spChg chg="add mod">
+          <ac:chgData name="Marcia Moraes" userId="c9c67e8a-58e2-4733-9a1c-5d44fec4775b" providerId="ADAL" clId="{CA673059-942D-4FC2-B7DB-95A394EB4144}" dt="2023-10-11T00:49:38.468" v="2" actId="1076"/>
           <ac:spMkLst>
             <pc:docMk/>
             <pc:sldMk cId="2571368551" sldId="272"/>
-            <ac:spMk id="11" creationId="{BDA0DBC1-29A7-4498-B9AA-9B174D0FEC3E}"/>
+            <ac:spMk id="7" creationId="{3533720F-4B76-430B-AB26-69D7FE91CB57}"/>
           </ac:spMkLst>
         </pc:spChg>
-        <pc:picChg chg="add mod">
-          <ac:chgData name="Marcia Moraes" userId="c9c67e8a-58e2-4733-9a1c-5d44fec4775b" providerId="ADAL" clId="{D79FB4EA-AD9E-48DA-9A09-B5201FDCFA77}" dt="2023-03-23T16:50:31.851" v="5" actId="1076"/>
-          <ac:picMkLst>
+        <pc:graphicFrameChg chg="add mod">
+          <ac:chgData name="Marcia Moraes" userId="c9c67e8a-58e2-4733-9a1c-5d44fec4775b" providerId="ADAL" clId="{CA673059-942D-4FC2-B7DB-95A394EB4144}" dt="2023-10-11T00:49:38.468" v="2" actId="1076"/>
+          <ac:graphicFrameMkLst>
             <pc:docMk/>
             <pc:sldMk cId="2571368551" sldId="272"/>
-            <ac:picMk id="3" creationId="{56004AA4-ADC7-47C2-A641-282FB8A9D64E}"/>
-          </ac:picMkLst>
-        </pc:picChg>
-        <pc:picChg chg="del">
-          <ac:chgData name="Marcia Moraes" userId="c9c67e8a-58e2-4733-9a1c-5d44fec4775b" providerId="ADAL" clId="{D79FB4EA-AD9E-48DA-9A09-B5201FDCFA77}" dt="2023-03-23T16:50:20.484" v="1" actId="478"/>
-          <ac:picMkLst>
-            <pc:docMk/>
-            <pc:sldMk cId="2571368551" sldId="272"/>
-            <ac:picMk id="1026" creationId="{FAA94CC7-39DC-490E-87D2-27F1157EAB7B}"/>
-          </ac:picMkLst>
-        </pc:picChg>
+            <ac:graphicFrameMk id="8" creationId="{509E16E6-A1F0-4ED2-AF4E-30E3C3A24B46}"/>
+          </ac:graphicFrameMkLst>
+        </pc:graphicFrameChg>
       </pc:sldChg>
-      <pc:sldChg chg="addSp delSp modSp add">
-        <pc:chgData name="Marcia Moraes" userId="c9c67e8a-58e2-4733-9a1c-5d44fec4775b" providerId="ADAL" clId="{D79FB4EA-AD9E-48DA-9A09-B5201FDCFA77}" dt="2023-03-23T22:45:11.402" v="846" actId="20577"/>
-        <pc:sldMkLst>
-          <pc:docMk/>
-          <pc:sldMk cId="1583649201" sldId="273"/>
-        </pc:sldMkLst>
-        <pc:spChg chg="mod">
-          <ac:chgData name="Marcia Moraes" userId="c9c67e8a-58e2-4733-9a1c-5d44fec4775b" providerId="ADAL" clId="{D79FB4EA-AD9E-48DA-9A09-B5201FDCFA77}" dt="2023-03-23T22:39:07.945" v="627" actId="20577"/>
-          <ac:spMkLst>
-            <pc:docMk/>
-            <pc:sldMk cId="1583649201" sldId="273"/>
-            <ac:spMk id="2" creationId="{2DBAED83-8A0A-0548-BA23-13CB5D45BC8F}"/>
-          </ac:spMkLst>
-        </pc:spChg>
-        <pc:spChg chg="mod">
-          <ac:chgData name="Marcia Moraes" userId="c9c67e8a-58e2-4733-9a1c-5d44fec4775b" providerId="ADAL" clId="{D79FB4EA-AD9E-48DA-9A09-B5201FDCFA77}" dt="2023-03-23T22:45:11.402" v="846" actId="20577"/>
-          <ac:spMkLst>
-            <pc:docMk/>
-            <pc:sldMk cId="1583649201" sldId="273"/>
-            <ac:spMk id="3" creationId="{507F2138-38CE-FB4F-963C-1AF7D9CA4471}"/>
-          </ac:spMkLst>
-        </pc:spChg>
-        <pc:spChg chg="del">
-          <ac:chgData name="Marcia Moraes" userId="c9c67e8a-58e2-4733-9a1c-5d44fec4775b" providerId="ADAL" clId="{D79FB4EA-AD9E-48DA-9A09-B5201FDCFA77}" dt="2023-03-23T22:40:07.190" v="631" actId="478"/>
-          <ac:spMkLst>
-            <pc:docMk/>
-            <pc:sldMk cId="1583649201" sldId="273"/>
-            <ac:spMk id="4" creationId="{BE278577-C507-B448-9A94-C13AB472D32E}"/>
-          </ac:spMkLst>
-        </pc:spChg>
-        <pc:picChg chg="add mod">
-          <ac:chgData name="Marcia Moraes" userId="c9c67e8a-58e2-4733-9a1c-5d44fec4775b" providerId="ADAL" clId="{D79FB4EA-AD9E-48DA-9A09-B5201FDCFA77}" dt="2023-03-23T22:44:31.475" v="780" actId="1076"/>
-          <ac:picMkLst>
-            <pc:docMk/>
-            <pc:sldMk cId="1583649201" sldId="273"/>
-            <ac:picMk id="5" creationId="{6A60AAB6-55CF-4B44-9C08-E345A9012F4E}"/>
-          </ac:picMkLst>
-        </pc:picChg>
-      </pc:sldChg>
-      <pc:sldChg chg="delSp modSp add">
-        <pc:chgData name="Marcia Moraes" userId="c9c67e8a-58e2-4733-9a1c-5d44fec4775b" providerId="ADAL" clId="{D79FB4EA-AD9E-48DA-9A09-B5201FDCFA77}" dt="2023-03-23T22:51:05.183" v="919" actId="20577"/>
-        <pc:sldMkLst>
-          <pc:docMk/>
-          <pc:sldMk cId="807556313" sldId="274"/>
-        </pc:sldMkLst>
-        <pc:spChg chg="mod">
-          <ac:chgData name="Marcia Moraes" userId="c9c67e8a-58e2-4733-9a1c-5d44fec4775b" providerId="ADAL" clId="{D79FB4EA-AD9E-48DA-9A09-B5201FDCFA77}" dt="2023-03-23T22:46:17.709" v="859" actId="20577"/>
-          <ac:spMkLst>
-            <pc:docMk/>
-            <pc:sldMk cId="807556313" sldId="274"/>
-            <ac:spMk id="2" creationId="{2DBAED83-8A0A-0548-BA23-13CB5D45BC8F}"/>
-          </ac:spMkLst>
-        </pc:spChg>
-        <pc:spChg chg="mod">
-          <ac:chgData name="Marcia Moraes" userId="c9c67e8a-58e2-4733-9a1c-5d44fec4775b" providerId="ADAL" clId="{D79FB4EA-AD9E-48DA-9A09-B5201FDCFA77}" dt="2023-03-23T22:51:05.183" v="919" actId="20577"/>
-          <ac:spMkLst>
-            <pc:docMk/>
-            <pc:sldMk cId="807556313" sldId="274"/>
-            <ac:spMk id="3" creationId="{507F2138-38CE-FB4F-963C-1AF7D9CA4471}"/>
-          </ac:spMkLst>
-        </pc:spChg>
-        <pc:picChg chg="del">
-          <ac:chgData name="Marcia Moraes" userId="c9c67e8a-58e2-4733-9a1c-5d44fec4775b" providerId="ADAL" clId="{D79FB4EA-AD9E-48DA-9A09-B5201FDCFA77}" dt="2023-03-23T22:48:07.953" v="864" actId="478"/>
-          <ac:picMkLst>
-            <pc:docMk/>
-            <pc:sldMk cId="807556313" sldId="274"/>
-            <ac:picMk id="5" creationId="{6A60AAB6-55CF-4B44-9C08-E345A9012F4E}"/>
-          </ac:picMkLst>
-        </pc:picChg>
-      </pc:sldChg>
-      <pc:sldMasterChg chg="modSldLayout">
-        <pc:chgData name="Marcia Moraes" userId="c9c67e8a-58e2-4733-9a1c-5d44fec4775b" providerId="ADAL" clId="{D79FB4EA-AD9E-48DA-9A09-B5201FDCFA77}" dt="2023-03-23T18:04:37.852" v="351" actId="20577"/>
-        <pc:sldMasterMkLst>
-          <pc:docMk/>
-          <pc:sldMasterMk cId="3965733437" sldId="2147483648"/>
-        </pc:sldMasterMkLst>
-        <pc:sldLayoutChg chg="modSp">
-          <pc:chgData name="Marcia Moraes" userId="c9c67e8a-58e2-4733-9a1c-5d44fec4775b" providerId="ADAL" clId="{D79FB4EA-AD9E-48DA-9A09-B5201FDCFA77}" dt="2023-03-23T18:04:37.852" v="351" actId="20577"/>
-          <pc:sldLayoutMkLst>
-            <pc:docMk/>
-            <pc:sldMasterMk cId="3965733437" sldId="2147483648"/>
-            <pc:sldLayoutMk cId="0" sldId="2147483689"/>
-          </pc:sldLayoutMkLst>
-          <pc:spChg chg="mod">
-            <ac:chgData name="Marcia Moraes" userId="c9c67e8a-58e2-4733-9a1c-5d44fec4775b" providerId="ADAL" clId="{D79FB4EA-AD9E-48DA-9A09-B5201FDCFA77}" dt="2023-03-23T18:04:07.409" v="289" actId="1076"/>
-            <ac:spMkLst>
-              <pc:docMk/>
-              <pc:sldMasterMk cId="3965733437" sldId="2147483648"/>
-              <pc:sldLayoutMk cId="0" sldId="2147483689"/>
-              <ac:spMk id="9" creationId="{518974DB-51D0-2C49-9088-48CE2D84AB1C}"/>
-            </ac:spMkLst>
-          </pc:spChg>
-          <pc:spChg chg="mod">
-            <ac:chgData name="Marcia Moraes" userId="c9c67e8a-58e2-4733-9a1c-5d44fec4775b" providerId="ADAL" clId="{D79FB4EA-AD9E-48DA-9A09-B5201FDCFA77}" dt="2023-03-23T18:04:37.852" v="351" actId="20577"/>
-            <ac:spMkLst>
-              <pc:docMk/>
-              <pc:sldMasterMk cId="3965733437" sldId="2147483648"/>
-              <pc:sldLayoutMk cId="0" sldId="2147483689"/>
-              <ac:spMk id="11" creationId="{F621E987-BD36-AF48-B11C-CC4BAD65092F}"/>
-            </ac:spMkLst>
-          </pc:spChg>
-          <pc:picChg chg="mod">
-            <ac:chgData name="Marcia Moraes" userId="c9c67e8a-58e2-4733-9a1c-5d44fec4775b" providerId="ADAL" clId="{D79FB4EA-AD9E-48DA-9A09-B5201FDCFA77}" dt="2023-03-23T18:04:04.703" v="288" actId="1076"/>
-            <ac:picMkLst>
-              <pc:docMk/>
-              <pc:sldMasterMk cId="3965733437" sldId="2147483648"/>
-              <pc:sldLayoutMk cId="0" sldId="2147483689"/>
-              <ac:picMk id="7" creationId="{00000000-0000-0000-0000-000000000000}"/>
-            </ac:picMkLst>
-          </pc:picChg>
-        </pc:sldLayoutChg>
-      </pc:sldMasterChg>
     </pc:docChg>
   </pc:docChgLst>
 </pc:chgInfo>
@@ -737,7 +272,7 @@
           <a:p>
             <a:fld id="{4D7E51A5-B478-1E40-8CBB-0DAA8831E99D}" type="datetimeFigureOut">
               <a:rPr lang="en-US" smtClean="0"/>
-              <a:t>3/23/2023</a:t>
+              <a:t>10/11/2023</a:t>
             </a:fld>
             <a:endParaRPr lang="en-US"/>
           </a:p>
@@ -958,7 +493,7 @@
           <a:p>
             <a:fld id="{D0ED587F-861E-6740-9643-E3DDAE89B8D6}" type="datetimeFigureOut">
               <a:rPr lang="en-US" smtClean="0"/>
-              <a:t>3/23/2023</a:t>
+              <a:t>10/11/2023</a:t>
             </a:fld>
             <a:endParaRPr lang="en-US"/>
           </a:p>
@@ -9001,10 +8536,10 @@
       </p:pic>
       <p:sp>
         <p:nvSpPr>
-          <p:cNvPr id="5" name="TextBox 4">
+          <p:cNvPr id="7" name="TextBox 6">
             <a:extLst>
               <a:ext uri="{FF2B5EF4-FFF2-40B4-BE49-F238E27FC236}">
-                <a16:creationId xmlns:a16="http://schemas.microsoft.com/office/drawing/2014/main" id="{1E54CBCD-3447-4F03-970A-F1628F46BEF2}"/>
+                <a16:creationId xmlns:a16="http://schemas.microsoft.com/office/drawing/2014/main" id="{3533720F-4B76-430B-AB26-69D7FE91CB57}"/>
               </a:ext>
             </a:extLst>
           </p:cNvPr>
@@ -9012,19 +8547,14 @@
           <p:nvPr/>
         </p:nvSpPr>
         <p:spPr>
-          <a:xfrm>
-            <a:off x="10736342" y="3717191"/>
-            <a:ext cx="2903457" cy="3477875"/>
+          <a:xfrm flipH="1">
+            <a:off x="9987253" y="3663647"/>
+            <a:ext cx="2444933" cy="400110"/>
           </a:xfrm>
           <a:prstGeom prst="rect">
             <a:avLst/>
           </a:prstGeom>
-          <a:solidFill>
-            <a:schemeClr val="bg2">
-              <a:lumMod val="40000"/>
-              <a:lumOff val="60000"/>
-            </a:schemeClr>
-          </a:solidFill>
+          <a:noFill/>
         </p:spPr>
         <p:txBody>
           <a:bodyPr wrap="square" rtlCol="0">
@@ -9034,62 +8564,1409 @@
           <a:p>
             <a:r>
               <a:rPr lang="en-US" dirty="0"/>
-              <a:t>Friday Help Desk – </a:t>
-            </a:r>
-          </a:p>
-          <a:p>
-            <a:r>
-              <a:rPr lang="en-US" dirty="0"/>
-              <a:t>12-4pm CSB120</a:t>
-            </a:r>
-          </a:p>
-          <a:p>
-            <a:endParaRPr lang="en-US" dirty="0"/>
-          </a:p>
-          <a:p>
-            <a:r>
-              <a:rPr lang="en-US" dirty="0"/>
-              <a:t>Friday Help Session – </a:t>
-            </a:r>
-          </a:p>
-          <a:p>
-            <a:r>
-              <a:rPr lang="en-US" dirty="0"/>
-              <a:t>1-2pm Teams</a:t>
-            </a:r>
-          </a:p>
-          <a:p>
-            <a:endParaRPr lang="en-US" dirty="0"/>
-          </a:p>
-          <a:p>
-            <a:r>
-              <a:rPr lang="en-US" dirty="0"/>
-              <a:t>Saturday Help Desk – </a:t>
-            </a:r>
-          </a:p>
-          <a:p>
-            <a:r>
-              <a:rPr lang="en-US" dirty="0"/>
-              <a:t>12-4pm Teams</a:t>
-            </a:r>
-          </a:p>
-          <a:p>
-            <a:endParaRPr lang="en-US" dirty="0"/>
-          </a:p>
-          <a:p>
-            <a:r>
-              <a:rPr lang="en-US" dirty="0"/>
-              <a:t>Sunday Help Desk –</a:t>
-            </a:r>
-          </a:p>
-          <a:p>
-            <a:r>
-              <a:rPr lang="en-US" dirty="0"/>
-              <a:t>3-7pm Teams </a:t>
+              <a:t>Help Desk</a:t>
             </a:r>
           </a:p>
         </p:txBody>
       </p:sp>
+      <p:graphicFrame>
+        <p:nvGraphicFramePr>
+          <p:cNvPr id="8" name="Table 7">
+            <a:extLst>
+              <a:ext uri="{FF2B5EF4-FFF2-40B4-BE49-F238E27FC236}">
+                <a16:creationId xmlns:a16="http://schemas.microsoft.com/office/drawing/2014/main" id="{509E16E6-A1F0-4ED2-AF4E-30E3C3A24B46}"/>
+              </a:ext>
+            </a:extLst>
+          </p:cNvPr>
+          <p:cNvGraphicFramePr>
+            <a:graphicFrameLocks noGrp="1"/>
+          </p:cNvGraphicFramePr>
+          <p:nvPr>
+            <p:extLst>
+              <p:ext uri="{D42A27DB-BD31-4B8C-83A1-F6EECF244321}">
+                <p14:modId xmlns:p14="http://schemas.microsoft.com/office/powerpoint/2010/main" val="1038366294"/>
+              </p:ext>
+            </p:extLst>
+          </p:nvPr>
+        </p:nvGraphicFramePr>
+        <p:xfrm>
+          <a:off x="9998308" y="4163827"/>
+          <a:ext cx="3572199" cy="3253859"/>
+        </p:xfrm>
+        <a:graphic>
+          <a:graphicData uri="http://schemas.openxmlformats.org/drawingml/2006/table">
+            <a:tbl>
+              <a:tblPr firstRow="1">
+                <a:tableStyleId>{5C22544A-7EE6-4342-B048-85BDC9FD1C3A}</a:tableStyleId>
+              </a:tblPr>
+              <a:tblGrid>
+                <a:gridCol w="1105468">
+                  <a:extLst>
+                    <a:ext uri="{9D8B030D-6E8A-4147-A177-3AD203B41FA5}">
+                      <a16:colId xmlns:a16="http://schemas.microsoft.com/office/drawing/2014/main" val="1333462331"/>
+                    </a:ext>
+                  </a:extLst>
+                </a:gridCol>
+                <a:gridCol w="2466731">
+                  <a:extLst>
+                    <a:ext uri="{9D8B030D-6E8A-4147-A177-3AD203B41FA5}">
+                      <a16:colId xmlns:a16="http://schemas.microsoft.com/office/drawing/2014/main" val="668155110"/>
+                    </a:ext>
+                  </a:extLst>
+                </a:gridCol>
+              </a:tblGrid>
+              <a:tr h="165373">
+                <a:tc>
+                  <a:txBody>
+                    <a:bodyPr/>
+                    <a:lstStyle/>
+                    <a:p>
+                      <a:pPr marL="0" marR="0">
+                        <a:lnSpc>
+                          <a:spcPct val="107000"/>
+                        </a:lnSpc>
+                        <a:spcBef>
+                          <a:spcPts val="0"/>
+                        </a:spcBef>
+                        <a:spcAft>
+                          <a:spcPts val="800"/>
+                        </a:spcAft>
+                      </a:pPr>
+                      <a:r>
+                        <a:rPr lang="en-US" sz="1600" dirty="0">
+                          <a:solidFill>
+                            <a:schemeClr val="tx1"/>
+                          </a:solidFill>
+                          <a:effectLst/>
+                        </a:rPr>
+                        <a:t>Day</a:t>
+                      </a:r>
+                      <a:endParaRPr lang="en-US" sz="1600" dirty="0">
+                        <a:solidFill>
+                          <a:schemeClr val="tx1"/>
+                        </a:solidFill>
+                        <a:effectLst/>
+                        <a:latin typeface="Calibri" panose="020F0502020204030204" pitchFamily="34" charset="0"/>
+                        <a:ea typeface="Calibri" panose="020F0502020204030204" pitchFamily="34" charset="0"/>
+                        <a:cs typeface="Times New Roman" panose="02020603050405020304" pitchFamily="18" charset="0"/>
+                      </a:endParaRPr>
+                    </a:p>
+                  </a:txBody>
+                  <a:tcPr marL="15875" marR="15875" marT="15875" marB="15875" anchor="ctr">
+                    <a:lnL w="12700" cap="flat" cmpd="sng" algn="ctr">
+                      <a:solidFill>
+                        <a:schemeClr val="tx1"/>
+                      </a:solidFill>
+                      <a:prstDash val="solid"/>
+                      <a:round/>
+                      <a:headEnd type="none" w="med" len="med"/>
+                      <a:tailEnd type="none" w="med" len="med"/>
+                    </a:lnL>
+                    <a:lnR w="12700" cap="flat" cmpd="sng" algn="ctr">
+                      <a:solidFill>
+                        <a:schemeClr val="tx1"/>
+                      </a:solidFill>
+                      <a:prstDash val="solid"/>
+                      <a:round/>
+                      <a:headEnd type="none" w="med" len="med"/>
+                      <a:tailEnd type="none" w="med" len="med"/>
+                    </a:lnR>
+                    <a:lnT w="12700" cap="flat" cmpd="sng" algn="ctr">
+                      <a:solidFill>
+                        <a:schemeClr val="tx1"/>
+                      </a:solidFill>
+                      <a:prstDash val="solid"/>
+                      <a:round/>
+                      <a:headEnd type="none" w="med" len="med"/>
+                      <a:tailEnd type="none" w="med" len="med"/>
+                    </a:lnT>
+                    <a:lnB w="12700" cap="flat" cmpd="sng" algn="ctr">
+                      <a:solidFill>
+                        <a:schemeClr val="tx1"/>
+                      </a:solidFill>
+                      <a:prstDash val="solid"/>
+                      <a:round/>
+                      <a:headEnd type="none" w="med" len="med"/>
+                      <a:tailEnd type="none" w="med" len="med"/>
+                    </a:lnB>
+                    <a:lnTlToBr w="12700" cmpd="sng">
+                      <a:noFill/>
+                      <a:prstDash val="solid"/>
+                    </a:lnTlToBr>
+                    <a:lnBlToTr w="12700" cmpd="sng">
+                      <a:noFill/>
+                      <a:prstDash val="solid"/>
+                    </a:lnBlToTr>
+                    <a:solidFill>
+                      <a:schemeClr val="bg1"/>
+                    </a:solidFill>
+                  </a:tcPr>
+                </a:tc>
+                <a:tc>
+                  <a:txBody>
+                    <a:bodyPr/>
+                    <a:lstStyle/>
+                    <a:p>
+                      <a:pPr marL="0" marR="0">
+                        <a:lnSpc>
+                          <a:spcPct val="107000"/>
+                        </a:lnSpc>
+                        <a:spcBef>
+                          <a:spcPts val="0"/>
+                        </a:spcBef>
+                        <a:spcAft>
+                          <a:spcPts val="800"/>
+                        </a:spcAft>
+                      </a:pPr>
+                      <a:r>
+                        <a:rPr lang="en-US" sz="1600" dirty="0">
+                          <a:solidFill>
+                            <a:schemeClr val="tx1"/>
+                          </a:solidFill>
+                          <a:effectLst/>
+                        </a:rPr>
+                        <a:t>Time : Room</a:t>
+                      </a:r>
+                      <a:endParaRPr lang="en-US" sz="1600" dirty="0">
+                        <a:solidFill>
+                          <a:schemeClr val="tx1"/>
+                        </a:solidFill>
+                        <a:effectLst/>
+                        <a:latin typeface="Calibri" panose="020F0502020204030204" pitchFamily="34" charset="0"/>
+                        <a:ea typeface="Calibri" panose="020F0502020204030204" pitchFamily="34" charset="0"/>
+                        <a:cs typeface="Times New Roman" panose="02020603050405020304" pitchFamily="18" charset="0"/>
+                      </a:endParaRPr>
+                    </a:p>
+                  </a:txBody>
+                  <a:tcPr marL="15875" marR="15875" marT="15875" marB="15875" anchor="ctr">
+                    <a:lnL w="12700" cap="flat" cmpd="sng" algn="ctr">
+                      <a:solidFill>
+                        <a:schemeClr val="tx1"/>
+                      </a:solidFill>
+                      <a:prstDash val="solid"/>
+                      <a:round/>
+                      <a:headEnd type="none" w="med" len="med"/>
+                      <a:tailEnd type="none" w="med" len="med"/>
+                    </a:lnL>
+                    <a:lnR w="12700" cap="flat" cmpd="sng" algn="ctr">
+                      <a:solidFill>
+                        <a:schemeClr val="tx1"/>
+                      </a:solidFill>
+                      <a:prstDash val="solid"/>
+                      <a:round/>
+                      <a:headEnd type="none" w="med" len="med"/>
+                      <a:tailEnd type="none" w="med" len="med"/>
+                    </a:lnR>
+                    <a:lnT w="12700" cap="flat" cmpd="sng" algn="ctr">
+                      <a:solidFill>
+                        <a:schemeClr val="tx1"/>
+                      </a:solidFill>
+                      <a:prstDash val="solid"/>
+                      <a:round/>
+                      <a:headEnd type="none" w="med" len="med"/>
+                      <a:tailEnd type="none" w="med" len="med"/>
+                    </a:lnT>
+                    <a:lnB w="12700" cap="flat" cmpd="sng" algn="ctr">
+                      <a:solidFill>
+                        <a:schemeClr val="tx1"/>
+                      </a:solidFill>
+                      <a:prstDash val="solid"/>
+                      <a:round/>
+                      <a:headEnd type="none" w="med" len="med"/>
+                      <a:tailEnd type="none" w="med" len="med"/>
+                    </a:lnB>
+                    <a:lnTlToBr w="12700" cmpd="sng">
+                      <a:noFill/>
+                      <a:prstDash val="solid"/>
+                    </a:lnTlToBr>
+                    <a:lnBlToTr w="12700" cmpd="sng">
+                      <a:noFill/>
+                      <a:prstDash val="solid"/>
+                    </a:lnBlToTr>
+                    <a:solidFill>
+                      <a:schemeClr val="bg1"/>
+                    </a:solidFill>
+                  </a:tcPr>
+                </a:tc>
+                <a:extLst>
+                  <a:ext uri="{0D108BD9-81ED-4DB2-BD59-A6C34878D82A}">
+                    <a16:rowId xmlns:a16="http://schemas.microsoft.com/office/drawing/2014/main" val="3093163206"/>
+                  </a:ext>
+                </a:extLst>
+              </a:tr>
+              <a:tr h="581669">
+                <a:tc>
+                  <a:txBody>
+                    <a:bodyPr/>
+                    <a:lstStyle/>
+                    <a:p>
+                      <a:pPr marL="0" marR="0">
+                        <a:lnSpc>
+                          <a:spcPct val="107000"/>
+                        </a:lnSpc>
+                        <a:spcBef>
+                          <a:spcPts val="0"/>
+                        </a:spcBef>
+                        <a:spcAft>
+                          <a:spcPts val="800"/>
+                        </a:spcAft>
+                      </a:pPr>
+                      <a:r>
+                        <a:rPr lang="en-US" sz="1600" dirty="0">
+                          <a:effectLst/>
+                        </a:rPr>
+                        <a:t>Monday</a:t>
+                      </a:r>
+                      <a:endParaRPr lang="en-US" sz="1600" dirty="0">
+                        <a:effectLst/>
+                        <a:latin typeface="Calibri" panose="020F0502020204030204" pitchFamily="34" charset="0"/>
+                        <a:ea typeface="Calibri" panose="020F0502020204030204" pitchFamily="34" charset="0"/>
+                        <a:cs typeface="Times New Roman" panose="02020603050405020304" pitchFamily="18" charset="0"/>
+                      </a:endParaRPr>
+                    </a:p>
+                  </a:txBody>
+                  <a:tcPr marL="15875" marR="15875" marT="15875" marB="15875" anchor="ctr">
+                    <a:lnL w="12700" cap="flat" cmpd="sng" algn="ctr">
+                      <a:solidFill>
+                        <a:schemeClr val="tx1"/>
+                      </a:solidFill>
+                      <a:prstDash val="solid"/>
+                      <a:round/>
+                      <a:headEnd type="none" w="med" len="med"/>
+                      <a:tailEnd type="none" w="med" len="med"/>
+                    </a:lnL>
+                    <a:lnR w="12700" cap="flat" cmpd="sng" algn="ctr">
+                      <a:solidFill>
+                        <a:schemeClr val="tx1"/>
+                      </a:solidFill>
+                      <a:prstDash val="solid"/>
+                      <a:round/>
+                      <a:headEnd type="none" w="med" len="med"/>
+                      <a:tailEnd type="none" w="med" len="med"/>
+                    </a:lnR>
+                    <a:lnT w="12700" cap="flat" cmpd="sng" algn="ctr">
+                      <a:solidFill>
+                        <a:schemeClr val="tx1"/>
+                      </a:solidFill>
+                      <a:prstDash val="solid"/>
+                      <a:round/>
+                      <a:headEnd type="none" w="med" len="med"/>
+                      <a:tailEnd type="none" w="med" len="med"/>
+                    </a:lnT>
+                    <a:lnB w="12700" cap="flat" cmpd="sng" algn="ctr">
+                      <a:solidFill>
+                        <a:schemeClr val="tx1"/>
+                      </a:solidFill>
+                      <a:prstDash val="solid"/>
+                      <a:round/>
+                      <a:headEnd type="none" w="med" len="med"/>
+                      <a:tailEnd type="none" w="med" len="med"/>
+                    </a:lnB>
+                    <a:lnTlToBr w="12700" cmpd="sng">
+                      <a:noFill/>
+                      <a:prstDash val="solid"/>
+                    </a:lnTlToBr>
+                    <a:lnBlToTr w="12700" cmpd="sng">
+                      <a:noFill/>
+                      <a:prstDash val="solid"/>
+                    </a:lnBlToTr>
+                    <a:solidFill>
+                      <a:schemeClr val="bg1"/>
+                    </a:solidFill>
+                  </a:tcPr>
+                </a:tc>
+                <a:tc>
+                  <a:txBody>
+                    <a:bodyPr/>
+                    <a:lstStyle/>
+                    <a:p>
+                      <a:pPr marL="0" marR="0">
+                        <a:lnSpc>
+                          <a:spcPct val="107000"/>
+                        </a:lnSpc>
+                        <a:spcBef>
+                          <a:spcPts val="0"/>
+                        </a:spcBef>
+                        <a:spcAft>
+                          <a:spcPts val="800"/>
+                        </a:spcAft>
+                      </a:pPr>
+                      <a:r>
+                        <a:rPr lang="en-US" sz="1600" dirty="0">
+                          <a:effectLst/>
+                        </a:rPr>
+                        <a:t>12 PM - 2 PM : CSB 120</a:t>
+                      </a:r>
+                      <a:endParaRPr lang="en-US" sz="1600" dirty="0">
+                        <a:effectLst/>
+                        <a:latin typeface="Calibri" panose="020F0502020204030204" pitchFamily="34" charset="0"/>
+                        <a:ea typeface="Calibri" panose="020F0502020204030204" pitchFamily="34" charset="0"/>
+                        <a:cs typeface="Times New Roman" panose="02020603050405020304" pitchFamily="18" charset="0"/>
+                      </a:endParaRPr>
+                    </a:p>
+                  </a:txBody>
+                  <a:tcPr marL="15875" marR="15875" marT="15875" marB="15875" anchor="ctr">
+                    <a:lnL w="12700" cap="flat" cmpd="sng" algn="ctr">
+                      <a:solidFill>
+                        <a:schemeClr val="tx1"/>
+                      </a:solidFill>
+                      <a:prstDash val="solid"/>
+                      <a:round/>
+                      <a:headEnd type="none" w="med" len="med"/>
+                      <a:tailEnd type="none" w="med" len="med"/>
+                    </a:lnL>
+                    <a:lnR w="12700" cap="flat" cmpd="sng" algn="ctr">
+                      <a:solidFill>
+                        <a:schemeClr val="tx1"/>
+                      </a:solidFill>
+                      <a:prstDash val="solid"/>
+                      <a:round/>
+                      <a:headEnd type="none" w="med" len="med"/>
+                      <a:tailEnd type="none" w="med" len="med"/>
+                    </a:lnR>
+                    <a:lnT w="12700" cap="flat" cmpd="sng" algn="ctr">
+                      <a:solidFill>
+                        <a:schemeClr val="tx1"/>
+                      </a:solidFill>
+                      <a:prstDash val="solid"/>
+                      <a:round/>
+                      <a:headEnd type="none" w="med" len="med"/>
+                      <a:tailEnd type="none" w="med" len="med"/>
+                    </a:lnT>
+                    <a:lnB w="12700" cap="flat" cmpd="sng" algn="ctr">
+                      <a:solidFill>
+                        <a:schemeClr val="tx1"/>
+                      </a:solidFill>
+                      <a:prstDash val="solid"/>
+                      <a:round/>
+                      <a:headEnd type="none" w="med" len="med"/>
+                      <a:tailEnd type="none" w="med" len="med"/>
+                    </a:lnB>
+                    <a:lnTlToBr w="12700" cmpd="sng">
+                      <a:noFill/>
+                      <a:prstDash val="solid"/>
+                    </a:lnTlToBr>
+                    <a:lnBlToTr w="12700" cmpd="sng">
+                      <a:noFill/>
+                      <a:prstDash val="solid"/>
+                    </a:lnBlToTr>
+                    <a:solidFill>
+                      <a:schemeClr val="bg1"/>
+                    </a:solidFill>
+                  </a:tcPr>
+                </a:tc>
+                <a:extLst>
+                  <a:ext uri="{0D108BD9-81ED-4DB2-BD59-A6C34878D82A}">
+                    <a16:rowId xmlns:a16="http://schemas.microsoft.com/office/drawing/2014/main" val="1139786997"/>
+                  </a:ext>
+                </a:extLst>
+              </a:tr>
+              <a:tr h="307347">
+                <a:tc>
+                  <a:txBody>
+                    <a:bodyPr/>
+                    <a:lstStyle/>
+                    <a:p>
+                      <a:pPr marL="0" marR="0">
+                        <a:lnSpc>
+                          <a:spcPct val="107000"/>
+                        </a:lnSpc>
+                        <a:spcBef>
+                          <a:spcPts val="0"/>
+                        </a:spcBef>
+                        <a:spcAft>
+                          <a:spcPts val="800"/>
+                        </a:spcAft>
+                      </a:pPr>
+                      <a:r>
+                        <a:rPr lang="en-US" sz="1600">
+                          <a:effectLst/>
+                        </a:rPr>
+                        <a:t>Tuesday</a:t>
+                      </a:r>
+                      <a:endParaRPr lang="en-US" sz="1600">
+                        <a:effectLst/>
+                        <a:latin typeface="Calibri" panose="020F0502020204030204" pitchFamily="34" charset="0"/>
+                        <a:ea typeface="Calibri" panose="020F0502020204030204" pitchFamily="34" charset="0"/>
+                        <a:cs typeface="Times New Roman" panose="02020603050405020304" pitchFamily="18" charset="0"/>
+                      </a:endParaRPr>
+                    </a:p>
+                  </a:txBody>
+                  <a:tcPr marL="15875" marR="15875" marT="15875" marB="15875" anchor="ctr">
+                    <a:lnL w="12700" cap="flat" cmpd="sng" algn="ctr">
+                      <a:solidFill>
+                        <a:schemeClr val="tx1"/>
+                      </a:solidFill>
+                      <a:prstDash val="solid"/>
+                      <a:round/>
+                      <a:headEnd type="none" w="med" len="med"/>
+                      <a:tailEnd type="none" w="med" len="med"/>
+                    </a:lnL>
+                    <a:lnR w="12700" cap="flat" cmpd="sng" algn="ctr">
+                      <a:solidFill>
+                        <a:schemeClr val="tx1"/>
+                      </a:solidFill>
+                      <a:prstDash val="solid"/>
+                      <a:round/>
+                      <a:headEnd type="none" w="med" len="med"/>
+                      <a:tailEnd type="none" w="med" len="med"/>
+                    </a:lnR>
+                    <a:lnT w="12700" cap="flat" cmpd="sng" algn="ctr">
+                      <a:solidFill>
+                        <a:schemeClr val="tx1"/>
+                      </a:solidFill>
+                      <a:prstDash val="solid"/>
+                      <a:round/>
+                      <a:headEnd type="none" w="med" len="med"/>
+                      <a:tailEnd type="none" w="med" len="med"/>
+                    </a:lnT>
+                    <a:lnB w="12700" cap="flat" cmpd="sng" algn="ctr">
+                      <a:solidFill>
+                        <a:schemeClr val="tx1"/>
+                      </a:solidFill>
+                      <a:prstDash val="solid"/>
+                      <a:round/>
+                      <a:headEnd type="none" w="med" len="med"/>
+                      <a:tailEnd type="none" w="med" len="med"/>
+                    </a:lnB>
+                    <a:lnTlToBr w="12700" cmpd="sng">
+                      <a:noFill/>
+                      <a:prstDash val="solid"/>
+                    </a:lnTlToBr>
+                    <a:lnBlToTr w="12700" cmpd="sng">
+                      <a:noFill/>
+                      <a:prstDash val="solid"/>
+                    </a:lnBlToTr>
+                    <a:solidFill>
+                      <a:schemeClr val="bg1"/>
+                    </a:solidFill>
+                  </a:tcPr>
+                </a:tc>
+                <a:tc>
+                  <a:txBody>
+                    <a:bodyPr/>
+                    <a:lstStyle/>
+                    <a:p>
+                      <a:pPr marL="0" marR="0">
+                        <a:lnSpc>
+                          <a:spcPct val="107000"/>
+                        </a:lnSpc>
+                        <a:spcBef>
+                          <a:spcPts val="0"/>
+                        </a:spcBef>
+                        <a:spcAft>
+                          <a:spcPts val="800"/>
+                        </a:spcAft>
+                      </a:pPr>
+                      <a:r>
+                        <a:rPr lang="en-US" sz="1600">
+                          <a:effectLst/>
+                        </a:rPr>
+                        <a:t>6 PM - 8 PM : Teams</a:t>
+                      </a:r>
+                      <a:endParaRPr lang="en-US" sz="1600">
+                        <a:effectLst/>
+                        <a:latin typeface="Calibri" panose="020F0502020204030204" pitchFamily="34" charset="0"/>
+                        <a:ea typeface="Calibri" panose="020F0502020204030204" pitchFamily="34" charset="0"/>
+                        <a:cs typeface="Times New Roman" panose="02020603050405020304" pitchFamily="18" charset="0"/>
+                      </a:endParaRPr>
+                    </a:p>
+                  </a:txBody>
+                  <a:tcPr marL="15875" marR="15875" marT="15875" marB="15875" anchor="ctr">
+                    <a:lnL w="12700" cap="flat" cmpd="sng" algn="ctr">
+                      <a:solidFill>
+                        <a:schemeClr val="tx1"/>
+                      </a:solidFill>
+                      <a:prstDash val="solid"/>
+                      <a:round/>
+                      <a:headEnd type="none" w="med" len="med"/>
+                      <a:tailEnd type="none" w="med" len="med"/>
+                    </a:lnL>
+                    <a:lnR w="12700" cap="flat" cmpd="sng" algn="ctr">
+                      <a:solidFill>
+                        <a:schemeClr val="tx1"/>
+                      </a:solidFill>
+                      <a:prstDash val="solid"/>
+                      <a:round/>
+                      <a:headEnd type="none" w="med" len="med"/>
+                      <a:tailEnd type="none" w="med" len="med"/>
+                    </a:lnR>
+                    <a:lnT w="12700" cap="flat" cmpd="sng" algn="ctr">
+                      <a:solidFill>
+                        <a:schemeClr val="tx1"/>
+                      </a:solidFill>
+                      <a:prstDash val="solid"/>
+                      <a:round/>
+                      <a:headEnd type="none" w="med" len="med"/>
+                      <a:tailEnd type="none" w="med" len="med"/>
+                    </a:lnT>
+                    <a:lnB w="12700" cap="flat" cmpd="sng" algn="ctr">
+                      <a:solidFill>
+                        <a:schemeClr val="tx1"/>
+                      </a:solidFill>
+                      <a:prstDash val="solid"/>
+                      <a:round/>
+                      <a:headEnd type="none" w="med" len="med"/>
+                      <a:tailEnd type="none" w="med" len="med"/>
+                    </a:lnB>
+                    <a:lnTlToBr w="12700" cmpd="sng">
+                      <a:noFill/>
+                      <a:prstDash val="solid"/>
+                    </a:lnTlToBr>
+                    <a:lnBlToTr w="12700" cmpd="sng">
+                      <a:noFill/>
+                      <a:prstDash val="solid"/>
+                    </a:lnBlToTr>
+                    <a:solidFill>
+                      <a:schemeClr val="bg1"/>
+                    </a:solidFill>
+                  </a:tcPr>
+                </a:tc>
+                <a:extLst>
+                  <a:ext uri="{0D108BD9-81ED-4DB2-BD59-A6C34878D82A}">
+                    <a16:rowId xmlns:a16="http://schemas.microsoft.com/office/drawing/2014/main" val="1164388044"/>
+                  </a:ext>
+                </a:extLst>
+              </a:tr>
+              <a:tr h="581669">
+                <a:tc>
+                  <a:txBody>
+                    <a:bodyPr/>
+                    <a:lstStyle/>
+                    <a:p>
+                      <a:pPr marL="0" marR="0">
+                        <a:lnSpc>
+                          <a:spcPct val="107000"/>
+                        </a:lnSpc>
+                        <a:spcBef>
+                          <a:spcPts val="0"/>
+                        </a:spcBef>
+                        <a:spcAft>
+                          <a:spcPts val="800"/>
+                        </a:spcAft>
+                      </a:pPr>
+                      <a:r>
+                        <a:rPr lang="en-US" sz="1600">
+                          <a:effectLst/>
+                        </a:rPr>
+                        <a:t>Wednesday</a:t>
+                      </a:r>
+                      <a:endParaRPr lang="en-US" sz="1600">
+                        <a:effectLst/>
+                        <a:latin typeface="Calibri" panose="020F0502020204030204" pitchFamily="34" charset="0"/>
+                        <a:ea typeface="Calibri" panose="020F0502020204030204" pitchFamily="34" charset="0"/>
+                        <a:cs typeface="Times New Roman" panose="02020603050405020304" pitchFamily="18" charset="0"/>
+                      </a:endParaRPr>
+                    </a:p>
+                  </a:txBody>
+                  <a:tcPr marL="15875" marR="15875" marT="15875" marB="15875" anchor="ctr">
+                    <a:lnL w="12700" cap="flat" cmpd="sng" algn="ctr">
+                      <a:solidFill>
+                        <a:schemeClr val="tx1"/>
+                      </a:solidFill>
+                      <a:prstDash val="solid"/>
+                      <a:round/>
+                      <a:headEnd type="none" w="med" len="med"/>
+                      <a:tailEnd type="none" w="med" len="med"/>
+                    </a:lnL>
+                    <a:lnR w="12700" cap="flat" cmpd="sng" algn="ctr">
+                      <a:solidFill>
+                        <a:schemeClr val="tx1"/>
+                      </a:solidFill>
+                      <a:prstDash val="solid"/>
+                      <a:round/>
+                      <a:headEnd type="none" w="med" len="med"/>
+                      <a:tailEnd type="none" w="med" len="med"/>
+                    </a:lnR>
+                    <a:lnT w="12700" cap="flat" cmpd="sng" algn="ctr">
+                      <a:solidFill>
+                        <a:schemeClr val="tx1"/>
+                      </a:solidFill>
+                      <a:prstDash val="solid"/>
+                      <a:round/>
+                      <a:headEnd type="none" w="med" len="med"/>
+                      <a:tailEnd type="none" w="med" len="med"/>
+                    </a:lnT>
+                    <a:lnB w="12700" cap="flat" cmpd="sng" algn="ctr">
+                      <a:solidFill>
+                        <a:schemeClr val="tx1"/>
+                      </a:solidFill>
+                      <a:prstDash val="solid"/>
+                      <a:round/>
+                      <a:headEnd type="none" w="med" len="med"/>
+                      <a:tailEnd type="none" w="med" len="med"/>
+                    </a:lnB>
+                    <a:lnTlToBr w="12700" cmpd="sng">
+                      <a:noFill/>
+                      <a:prstDash val="solid"/>
+                    </a:lnTlToBr>
+                    <a:lnBlToTr w="12700" cmpd="sng">
+                      <a:noFill/>
+                      <a:prstDash val="solid"/>
+                    </a:lnBlToTr>
+                    <a:solidFill>
+                      <a:schemeClr val="bg1"/>
+                    </a:solidFill>
+                  </a:tcPr>
+                </a:tc>
+                <a:tc>
+                  <a:txBody>
+                    <a:bodyPr/>
+                    <a:lstStyle/>
+                    <a:p>
+                      <a:pPr marL="0" marR="0">
+                        <a:lnSpc>
+                          <a:spcPct val="107000"/>
+                        </a:lnSpc>
+                        <a:spcBef>
+                          <a:spcPts val="0"/>
+                        </a:spcBef>
+                        <a:spcAft>
+                          <a:spcPts val="800"/>
+                        </a:spcAft>
+                      </a:pPr>
+                      <a:r>
+                        <a:rPr lang="en-US" sz="1600">
+                          <a:effectLst/>
+                        </a:rPr>
+                        <a:t>3 PM - 5 PM : CSB 120</a:t>
+                      </a:r>
+                      <a:endParaRPr lang="en-US" sz="1600">
+                        <a:effectLst/>
+                        <a:latin typeface="Calibri" panose="020F0502020204030204" pitchFamily="34" charset="0"/>
+                        <a:ea typeface="Calibri" panose="020F0502020204030204" pitchFamily="34" charset="0"/>
+                        <a:cs typeface="Times New Roman" panose="02020603050405020304" pitchFamily="18" charset="0"/>
+                      </a:endParaRPr>
+                    </a:p>
+                  </a:txBody>
+                  <a:tcPr marL="15875" marR="15875" marT="15875" marB="15875" anchor="ctr">
+                    <a:lnL w="12700" cap="flat" cmpd="sng" algn="ctr">
+                      <a:solidFill>
+                        <a:schemeClr val="tx1"/>
+                      </a:solidFill>
+                      <a:prstDash val="solid"/>
+                      <a:round/>
+                      <a:headEnd type="none" w="med" len="med"/>
+                      <a:tailEnd type="none" w="med" len="med"/>
+                    </a:lnL>
+                    <a:lnR w="12700" cap="flat" cmpd="sng" algn="ctr">
+                      <a:solidFill>
+                        <a:schemeClr val="tx1"/>
+                      </a:solidFill>
+                      <a:prstDash val="solid"/>
+                      <a:round/>
+                      <a:headEnd type="none" w="med" len="med"/>
+                      <a:tailEnd type="none" w="med" len="med"/>
+                    </a:lnR>
+                    <a:lnT w="12700" cap="flat" cmpd="sng" algn="ctr">
+                      <a:solidFill>
+                        <a:schemeClr val="tx1"/>
+                      </a:solidFill>
+                      <a:prstDash val="solid"/>
+                      <a:round/>
+                      <a:headEnd type="none" w="med" len="med"/>
+                      <a:tailEnd type="none" w="med" len="med"/>
+                    </a:lnT>
+                    <a:lnB w="12700" cap="flat" cmpd="sng" algn="ctr">
+                      <a:solidFill>
+                        <a:schemeClr val="tx1"/>
+                      </a:solidFill>
+                      <a:prstDash val="solid"/>
+                      <a:round/>
+                      <a:headEnd type="none" w="med" len="med"/>
+                      <a:tailEnd type="none" w="med" len="med"/>
+                    </a:lnB>
+                    <a:lnTlToBr w="12700" cmpd="sng">
+                      <a:noFill/>
+                      <a:prstDash val="solid"/>
+                    </a:lnTlToBr>
+                    <a:lnBlToTr w="12700" cmpd="sng">
+                      <a:noFill/>
+                      <a:prstDash val="solid"/>
+                    </a:lnBlToTr>
+                    <a:solidFill>
+                      <a:schemeClr val="bg1"/>
+                    </a:solidFill>
+                  </a:tcPr>
+                </a:tc>
+                <a:extLst>
+                  <a:ext uri="{0D108BD9-81ED-4DB2-BD59-A6C34878D82A}">
+                    <a16:rowId xmlns:a16="http://schemas.microsoft.com/office/drawing/2014/main" val="1097778555"/>
+                  </a:ext>
+                </a:extLst>
+              </a:tr>
+              <a:tr h="307347">
+                <a:tc>
+                  <a:txBody>
+                    <a:bodyPr/>
+                    <a:lstStyle/>
+                    <a:p>
+                      <a:pPr marL="0" marR="0">
+                        <a:lnSpc>
+                          <a:spcPct val="107000"/>
+                        </a:lnSpc>
+                        <a:spcBef>
+                          <a:spcPts val="0"/>
+                        </a:spcBef>
+                        <a:spcAft>
+                          <a:spcPts val="800"/>
+                        </a:spcAft>
+                      </a:pPr>
+                      <a:r>
+                        <a:rPr lang="en-US" sz="1600">
+                          <a:effectLst/>
+                        </a:rPr>
+                        <a:t>Thursday</a:t>
+                      </a:r>
+                      <a:endParaRPr lang="en-US" sz="1600">
+                        <a:effectLst/>
+                        <a:latin typeface="Calibri" panose="020F0502020204030204" pitchFamily="34" charset="0"/>
+                        <a:ea typeface="Calibri" panose="020F0502020204030204" pitchFamily="34" charset="0"/>
+                        <a:cs typeface="Times New Roman" panose="02020603050405020304" pitchFamily="18" charset="0"/>
+                      </a:endParaRPr>
+                    </a:p>
+                  </a:txBody>
+                  <a:tcPr marL="15875" marR="15875" marT="15875" marB="15875" anchor="ctr">
+                    <a:lnL w="12700" cap="flat" cmpd="sng" algn="ctr">
+                      <a:solidFill>
+                        <a:schemeClr val="tx1"/>
+                      </a:solidFill>
+                      <a:prstDash val="solid"/>
+                      <a:round/>
+                      <a:headEnd type="none" w="med" len="med"/>
+                      <a:tailEnd type="none" w="med" len="med"/>
+                    </a:lnL>
+                    <a:lnR w="12700" cap="flat" cmpd="sng" algn="ctr">
+                      <a:solidFill>
+                        <a:schemeClr val="tx1"/>
+                      </a:solidFill>
+                      <a:prstDash val="solid"/>
+                      <a:round/>
+                      <a:headEnd type="none" w="med" len="med"/>
+                      <a:tailEnd type="none" w="med" len="med"/>
+                    </a:lnR>
+                    <a:lnT w="12700" cap="flat" cmpd="sng" algn="ctr">
+                      <a:solidFill>
+                        <a:schemeClr val="tx1"/>
+                      </a:solidFill>
+                      <a:prstDash val="solid"/>
+                      <a:round/>
+                      <a:headEnd type="none" w="med" len="med"/>
+                      <a:tailEnd type="none" w="med" len="med"/>
+                    </a:lnT>
+                    <a:lnB w="12700" cap="flat" cmpd="sng" algn="ctr">
+                      <a:solidFill>
+                        <a:schemeClr val="tx1"/>
+                      </a:solidFill>
+                      <a:prstDash val="solid"/>
+                      <a:round/>
+                      <a:headEnd type="none" w="med" len="med"/>
+                      <a:tailEnd type="none" w="med" len="med"/>
+                    </a:lnB>
+                    <a:lnTlToBr w="12700" cmpd="sng">
+                      <a:noFill/>
+                      <a:prstDash val="solid"/>
+                    </a:lnTlToBr>
+                    <a:lnBlToTr w="12700" cmpd="sng">
+                      <a:noFill/>
+                      <a:prstDash val="solid"/>
+                    </a:lnBlToTr>
+                    <a:solidFill>
+                      <a:schemeClr val="bg1"/>
+                    </a:solidFill>
+                  </a:tcPr>
+                </a:tc>
+                <a:tc>
+                  <a:txBody>
+                    <a:bodyPr/>
+                    <a:lstStyle/>
+                    <a:p>
+                      <a:pPr marL="0" marR="0">
+                        <a:lnSpc>
+                          <a:spcPct val="107000"/>
+                        </a:lnSpc>
+                        <a:spcBef>
+                          <a:spcPts val="0"/>
+                        </a:spcBef>
+                        <a:spcAft>
+                          <a:spcPts val="800"/>
+                        </a:spcAft>
+                      </a:pPr>
+                      <a:r>
+                        <a:rPr lang="en-US" sz="1600">
+                          <a:effectLst/>
+                        </a:rPr>
+                        <a:t>6 PM - 8 PM : Teams</a:t>
+                      </a:r>
+                      <a:endParaRPr lang="en-US" sz="1600">
+                        <a:effectLst/>
+                        <a:latin typeface="Calibri" panose="020F0502020204030204" pitchFamily="34" charset="0"/>
+                        <a:ea typeface="Calibri" panose="020F0502020204030204" pitchFamily="34" charset="0"/>
+                        <a:cs typeface="Times New Roman" panose="02020603050405020304" pitchFamily="18" charset="0"/>
+                      </a:endParaRPr>
+                    </a:p>
+                  </a:txBody>
+                  <a:tcPr marL="15875" marR="15875" marT="15875" marB="15875" anchor="ctr">
+                    <a:lnL w="12700" cap="flat" cmpd="sng" algn="ctr">
+                      <a:solidFill>
+                        <a:schemeClr val="tx1"/>
+                      </a:solidFill>
+                      <a:prstDash val="solid"/>
+                      <a:round/>
+                      <a:headEnd type="none" w="med" len="med"/>
+                      <a:tailEnd type="none" w="med" len="med"/>
+                    </a:lnL>
+                    <a:lnR w="12700" cap="flat" cmpd="sng" algn="ctr">
+                      <a:solidFill>
+                        <a:schemeClr val="tx1"/>
+                      </a:solidFill>
+                      <a:prstDash val="solid"/>
+                      <a:round/>
+                      <a:headEnd type="none" w="med" len="med"/>
+                      <a:tailEnd type="none" w="med" len="med"/>
+                    </a:lnR>
+                    <a:lnT w="12700" cap="flat" cmpd="sng" algn="ctr">
+                      <a:solidFill>
+                        <a:schemeClr val="tx1"/>
+                      </a:solidFill>
+                      <a:prstDash val="solid"/>
+                      <a:round/>
+                      <a:headEnd type="none" w="med" len="med"/>
+                      <a:tailEnd type="none" w="med" len="med"/>
+                    </a:lnT>
+                    <a:lnB w="12700" cap="flat" cmpd="sng" algn="ctr">
+                      <a:solidFill>
+                        <a:schemeClr val="tx1"/>
+                      </a:solidFill>
+                      <a:prstDash val="solid"/>
+                      <a:round/>
+                      <a:headEnd type="none" w="med" len="med"/>
+                      <a:tailEnd type="none" w="med" len="med"/>
+                    </a:lnB>
+                    <a:lnTlToBr w="12700" cmpd="sng">
+                      <a:noFill/>
+                      <a:prstDash val="solid"/>
+                    </a:lnTlToBr>
+                    <a:lnBlToTr w="12700" cmpd="sng">
+                      <a:noFill/>
+                      <a:prstDash val="solid"/>
+                    </a:lnBlToTr>
+                    <a:solidFill>
+                      <a:schemeClr val="bg1"/>
+                    </a:solidFill>
+                  </a:tcPr>
+                </a:tc>
+                <a:extLst>
+                  <a:ext uri="{0D108BD9-81ED-4DB2-BD59-A6C34878D82A}">
+                    <a16:rowId xmlns:a16="http://schemas.microsoft.com/office/drawing/2014/main" val="1747960062"/>
+                  </a:ext>
+                </a:extLst>
+              </a:tr>
+              <a:tr h="581669">
+                <a:tc>
+                  <a:txBody>
+                    <a:bodyPr/>
+                    <a:lstStyle/>
+                    <a:p>
+                      <a:pPr marL="0" marR="0">
+                        <a:lnSpc>
+                          <a:spcPct val="107000"/>
+                        </a:lnSpc>
+                        <a:spcBef>
+                          <a:spcPts val="0"/>
+                        </a:spcBef>
+                        <a:spcAft>
+                          <a:spcPts val="800"/>
+                        </a:spcAft>
+                      </a:pPr>
+                      <a:r>
+                        <a:rPr lang="en-US" sz="1600">
+                          <a:effectLst/>
+                        </a:rPr>
+                        <a:t>Friday</a:t>
+                      </a:r>
+                      <a:endParaRPr lang="en-US" sz="1600">
+                        <a:effectLst/>
+                        <a:latin typeface="Calibri" panose="020F0502020204030204" pitchFamily="34" charset="0"/>
+                        <a:ea typeface="Calibri" panose="020F0502020204030204" pitchFamily="34" charset="0"/>
+                        <a:cs typeface="Times New Roman" panose="02020603050405020304" pitchFamily="18" charset="0"/>
+                      </a:endParaRPr>
+                    </a:p>
+                  </a:txBody>
+                  <a:tcPr marL="15875" marR="15875" marT="15875" marB="15875" anchor="ctr">
+                    <a:lnL w="12700" cap="flat" cmpd="sng" algn="ctr">
+                      <a:solidFill>
+                        <a:schemeClr val="tx1"/>
+                      </a:solidFill>
+                      <a:prstDash val="solid"/>
+                      <a:round/>
+                      <a:headEnd type="none" w="med" len="med"/>
+                      <a:tailEnd type="none" w="med" len="med"/>
+                    </a:lnL>
+                    <a:lnR w="12700" cap="flat" cmpd="sng" algn="ctr">
+                      <a:solidFill>
+                        <a:schemeClr val="tx1"/>
+                      </a:solidFill>
+                      <a:prstDash val="solid"/>
+                      <a:round/>
+                      <a:headEnd type="none" w="med" len="med"/>
+                      <a:tailEnd type="none" w="med" len="med"/>
+                    </a:lnR>
+                    <a:lnT w="12700" cap="flat" cmpd="sng" algn="ctr">
+                      <a:solidFill>
+                        <a:schemeClr val="tx1"/>
+                      </a:solidFill>
+                      <a:prstDash val="solid"/>
+                      <a:round/>
+                      <a:headEnd type="none" w="med" len="med"/>
+                      <a:tailEnd type="none" w="med" len="med"/>
+                    </a:lnT>
+                    <a:lnB w="12700" cap="flat" cmpd="sng" algn="ctr">
+                      <a:solidFill>
+                        <a:schemeClr val="tx1"/>
+                      </a:solidFill>
+                      <a:prstDash val="solid"/>
+                      <a:round/>
+                      <a:headEnd type="none" w="med" len="med"/>
+                      <a:tailEnd type="none" w="med" len="med"/>
+                    </a:lnB>
+                    <a:lnTlToBr w="12700" cmpd="sng">
+                      <a:noFill/>
+                      <a:prstDash val="solid"/>
+                    </a:lnTlToBr>
+                    <a:lnBlToTr w="12700" cmpd="sng">
+                      <a:noFill/>
+                      <a:prstDash val="solid"/>
+                    </a:lnBlToTr>
+                    <a:solidFill>
+                      <a:schemeClr val="bg1"/>
+                    </a:solidFill>
+                  </a:tcPr>
+                </a:tc>
+                <a:tc>
+                  <a:txBody>
+                    <a:bodyPr/>
+                    <a:lstStyle/>
+                    <a:p>
+                      <a:pPr marL="0" marR="0">
+                        <a:lnSpc>
+                          <a:spcPct val="107000"/>
+                        </a:lnSpc>
+                        <a:spcBef>
+                          <a:spcPts val="0"/>
+                        </a:spcBef>
+                        <a:spcAft>
+                          <a:spcPts val="800"/>
+                        </a:spcAft>
+                      </a:pPr>
+                      <a:r>
+                        <a:rPr lang="en-US" sz="1600">
+                          <a:effectLst/>
+                        </a:rPr>
+                        <a:t>3 PM - 5 PM : CSB 120</a:t>
+                      </a:r>
+                      <a:endParaRPr lang="en-US" sz="1600">
+                        <a:effectLst/>
+                        <a:latin typeface="Calibri" panose="020F0502020204030204" pitchFamily="34" charset="0"/>
+                        <a:ea typeface="Calibri" panose="020F0502020204030204" pitchFamily="34" charset="0"/>
+                        <a:cs typeface="Times New Roman" panose="02020603050405020304" pitchFamily="18" charset="0"/>
+                      </a:endParaRPr>
+                    </a:p>
+                  </a:txBody>
+                  <a:tcPr marL="15875" marR="15875" marT="15875" marB="15875" anchor="ctr">
+                    <a:lnL w="12700" cap="flat" cmpd="sng" algn="ctr">
+                      <a:solidFill>
+                        <a:schemeClr val="tx1"/>
+                      </a:solidFill>
+                      <a:prstDash val="solid"/>
+                      <a:round/>
+                      <a:headEnd type="none" w="med" len="med"/>
+                      <a:tailEnd type="none" w="med" len="med"/>
+                    </a:lnL>
+                    <a:lnR w="12700" cap="flat" cmpd="sng" algn="ctr">
+                      <a:solidFill>
+                        <a:schemeClr val="tx1"/>
+                      </a:solidFill>
+                      <a:prstDash val="solid"/>
+                      <a:round/>
+                      <a:headEnd type="none" w="med" len="med"/>
+                      <a:tailEnd type="none" w="med" len="med"/>
+                    </a:lnR>
+                    <a:lnT w="12700" cap="flat" cmpd="sng" algn="ctr">
+                      <a:solidFill>
+                        <a:schemeClr val="tx1"/>
+                      </a:solidFill>
+                      <a:prstDash val="solid"/>
+                      <a:round/>
+                      <a:headEnd type="none" w="med" len="med"/>
+                      <a:tailEnd type="none" w="med" len="med"/>
+                    </a:lnT>
+                    <a:lnB w="12700" cap="flat" cmpd="sng" algn="ctr">
+                      <a:solidFill>
+                        <a:schemeClr val="tx1"/>
+                      </a:solidFill>
+                      <a:prstDash val="solid"/>
+                      <a:round/>
+                      <a:headEnd type="none" w="med" len="med"/>
+                      <a:tailEnd type="none" w="med" len="med"/>
+                    </a:lnB>
+                    <a:lnTlToBr w="12700" cmpd="sng">
+                      <a:noFill/>
+                      <a:prstDash val="solid"/>
+                    </a:lnTlToBr>
+                    <a:lnBlToTr w="12700" cmpd="sng">
+                      <a:noFill/>
+                      <a:prstDash val="solid"/>
+                    </a:lnBlToTr>
+                    <a:solidFill>
+                      <a:schemeClr val="bg1"/>
+                    </a:solidFill>
+                  </a:tcPr>
+                </a:tc>
+                <a:extLst>
+                  <a:ext uri="{0D108BD9-81ED-4DB2-BD59-A6C34878D82A}">
+                    <a16:rowId xmlns:a16="http://schemas.microsoft.com/office/drawing/2014/main" val="1553865624"/>
+                  </a:ext>
+                </a:extLst>
+              </a:tr>
+              <a:tr h="307347">
+                <a:tc>
+                  <a:txBody>
+                    <a:bodyPr/>
+                    <a:lstStyle/>
+                    <a:p>
+                      <a:pPr marL="0" marR="0">
+                        <a:lnSpc>
+                          <a:spcPct val="107000"/>
+                        </a:lnSpc>
+                        <a:spcBef>
+                          <a:spcPts val="0"/>
+                        </a:spcBef>
+                        <a:spcAft>
+                          <a:spcPts val="800"/>
+                        </a:spcAft>
+                      </a:pPr>
+                      <a:r>
+                        <a:rPr lang="en-US" sz="1600">
+                          <a:effectLst/>
+                        </a:rPr>
+                        <a:t>Saturday</a:t>
+                      </a:r>
+                      <a:endParaRPr lang="en-US" sz="1600">
+                        <a:effectLst/>
+                        <a:latin typeface="Calibri" panose="020F0502020204030204" pitchFamily="34" charset="0"/>
+                        <a:ea typeface="Calibri" panose="020F0502020204030204" pitchFamily="34" charset="0"/>
+                        <a:cs typeface="Times New Roman" panose="02020603050405020304" pitchFamily="18" charset="0"/>
+                      </a:endParaRPr>
+                    </a:p>
+                  </a:txBody>
+                  <a:tcPr marL="15875" marR="15875" marT="15875" marB="15875" anchor="ctr">
+                    <a:lnL w="12700" cap="flat" cmpd="sng" algn="ctr">
+                      <a:solidFill>
+                        <a:schemeClr val="tx1"/>
+                      </a:solidFill>
+                      <a:prstDash val="solid"/>
+                      <a:round/>
+                      <a:headEnd type="none" w="med" len="med"/>
+                      <a:tailEnd type="none" w="med" len="med"/>
+                    </a:lnL>
+                    <a:lnR w="12700" cap="flat" cmpd="sng" algn="ctr">
+                      <a:solidFill>
+                        <a:schemeClr val="tx1"/>
+                      </a:solidFill>
+                      <a:prstDash val="solid"/>
+                      <a:round/>
+                      <a:headEnd type="none" w="med" len="med"/>
+                      <a:tailEnd type="none" w="med" len="med"/>
+                    </a:lnR>
+                    <a:lnT w="12700" cap="flat" cmpd="sng" algn="ctr">
+                      <a:solidFill>
+                        <a:schemeClr val="tx1"/>
+                      </a:solidFill>
+                      <a:prstDash val="solid"/>
+                      <a:round/>
+                      <a:headEnd type="none" w="med" len="med"/>
+                      <a:tailEnd type="none" w="med" len="med"/>
+                    </a:lnT>
+                    <a:lnB w="12700" cap="flat" cmpd="sng" algn="ctr">
+                      <a:solidFill>
+                        <a:schemeClr val="tx1"/>
+                      </a:solidFill>
+                      <a:prstDash val="solid"/>
+                      <a:round/>
+                      <a:headEnd type="none" w="med" len="med"/>
+                      <a:tailEnd type="none" w="med" len="med"/>
+                    </a:lnB>
+                    <a:lnTlToBr w="12700" cmpd="sng">
+                      <a:noFill/>
+                      <a:prstDash val="solid"/>
+                    </a:lnTlToBr>
+                    <a:lnBlToTr w="12700" cmpd="sng">
+                      <a:noFill/>
+                      <a:prstDash val="solid"/>
+                    </a:lnBlToTr>
+                    <a:solidFill>
+                      <a:schemeClr val="bg1"/>
+                    </a:solidFill>
+                  </a:tcPr>
+                </a:tc>
+                <a:tc>
+                  <a:txBody>
+                    <a:bodyPr/>
+                    <a:lstStyle/>
+                    <a:p>
+                      <a:pPr marL="0" marR="0">
+                        <a:lnSpc>
+                          <a:spcPct val="107000"/>
+                        </a:lnSpc>
+                        <a:spcBef>
+                          <a:spcPts val="0"/>
+                        </a:spcBef>
+                        <a:spcAft>
+                          <a:spcPts val="800"/>
+                        </a:spcAft>
+                      </a:pPr>
+                      <a:r>
+                        <a:rPr lang="en-US" sz="1600" dirty="0">
+                          <a:effectLst/>
+                        </a:rPr>
+                        <a:t>12 PM - 4 PM : Teams</a:t>
+                      </a:r>
+                      <a:endParaRPr lang="en-US" sz="1600" dirty="0">
+                        <a:effectLst/>
+                        <a:latin typeface="Calibri" panose="020F0502020204030204" pitchFamily="34" charset="0"/>
+                        <a:ea typeface="Calibri" panose="020F0502020204030204" pitchFamily="34" charset="0"/>
+                        <a:cs typeface="Times New Roman" panose="02020603050405020304" pitchFamily="18" charset="0"/>
+                      </a:endParaRPr>
+                    </a:p>
+                  </a:txBody>
+                  <a:tcPr marL="15875" marR="15875" marT="15875" marB="15875" anchor="ctr">
+                    <a:lnL w="12700" cap="flat" cmpd="sng" algn="ctr">
+                      <a:solidFill>
+                        <a:schemeClr val="tx1"/>
+                      </a:solidFill>
+                      <a:prstDash val="solid"/>
+                      <a:round/>
+                      <a:headEnd type="none" w="med" len="med"/>
+                      <a:tailEnd type="none" w="med" len="med"/>
+                    </a:lnL>
+                    <a:lnR w="12700" cap="flat" cmpd="sng" algn="ctr">
+                      <a:solidFill>
+                        <a:schemeClr val="tx1"/>
+                      </a:solidFill>
+                      <a:prstDash val="solid"/>
+                      <a:round/>
+                      <a:headEnd type="none" w="med" len="med"/>
+                      <a:tailEnd type="none" w="med" len="med"/>
+                    </a:lnR>
+                    <a:lnT w="12700" cap="flat" cmpd="sng" algn="ctr">
+                      <a:solidFill>
+                        <a:schemeClr val="tx1"/>
+                      </a:solidFill>
+                      <a:prstDash val="solid"/>
+                      <a:round/>
+                      <a:headEnd type="none" w="med" len="med"/>
+                      <a:tailEnd type="none" w="med" len="med"/>
+                    </a:lnT>
+                    <a:lnB w="12700" cap="flat" cmpd="sng" algn="ctr">
+                      <a:solidFill>
+                        <a:schemeClr val="tx1"/>
+                      </a:solidFill>
+                      <a:prstDash val="solid"/>
+                      <a:round/>
+                      <a:headEnd type="none" w="med" len="med"/>
+                      <a:tailEnd type="none" w="med" len="med"/>
+                    </a:lnB>
+                    <a:lnTlToBr w="12700" cmpd="sng">
+                      <a:noFill/>
+                      <a:prstDash val="solid"/>
+                    </a:lnTlToBr>
+                    <a:lnBlToTr w="12700" cmpd="sng">
+                      <a:noFill/>
+                      <a:prstDash val="solid"/>
+                    </a:lnBlToTr>
+                    <a:solidFill>
+                      <a:schemeClr val="bg1"/>
+                    </a:solidFill>
+                  </a:tcPr>
+                </a:tc>
+                <a:extLst>
+                  <a:ext uri="{0D108BD9-81ED-4DB2-BD59-A6C34878D82A}">
+                    <a16:rowId xmlns:a16="http://schemas.microsoft.com/office/drawing/2014/main" val="3921746368"/>
+                  </a:ext>
+                </a:extLst>
+              </a:tr>
+              <a:tr h="307347">
+                <a:tc>
+                  <a:txBody>
+                    <a:bodyPr/>
+                    <a:lstStyle/>
+                    <a:p>
+                      <a:pPr marL="0" marR="0">
+                        <a:lnSpc>
+                          <a:spcPct val="107000"/>
+                        </a:lnSpc>
+                        <a:spcBef>
+                          <a:spcPts val="0"/>
+                        </a:spcBef>
+                        <a:spcAft>
+                          <a:spcPts val="800"/>
+                        </a:spcAft>
+                      </a:pPr>
+                      <a:r>
+                        <a:rPr lang="en-US" sz="1600" dirty="0">
+                          <a:effectLst/>
+                        </a:rPr>
+                        <a:t>Sunday</a:t>
+                      </a:r>
+                      <a:endParaRPr lang="en-US" sz="1600" dirty="0">
+                        <a:effectLst/>
+                        <a:latin typeface="Calibri" panose="020F0502020204030204" pitchFamily="34" charset="0"/>
+                        <a:ea typeface="Calibri" panose="020F0502020204030204" pitchFamily="34" charset="0"/>
+                        <a:cs typeface="Times New Roman" panose="02020603050405020304" pitchFamily="18" charset="0"/>
+                      </a:endParaRPr>
+                    </a:p>
+                  </a:txBody>
+                  <a:tcPr marL="15875" marR="15875" marT="15875" marB="15875" anchor="ctr">
+                    <a:lnL w="12700" cap="flat" cmpd="sng" algn="ctr">
+                      <a:solidFill>
+                        <a:schemeClr val="tx1"/>
+                      </a:solidFill>
+                      <a:prstDash val="solid"/>
+                      <a:round/>
+                      <a:headEnd type="none" w="med" len="med"/>
+                      <a:tailEnd type="none" w="med" len="med"/>
+                    </a:lnL>
+                    <a:lnR w="12700" cap="flat" cmpd="sng" algn="ctr">
+                      <a:solidFill>
+                        <a:schemeClr val="tx1"/>
+                      </a:solidFill>
+                      <a:prstDash val="solid"/>
+                      <a:round/>
+                      <a:headEnd type="none" w="med" len="med"/>
+                      <a:tailEnd type="none" w="med" len="med"/>
+                    </a:lnR>
+                    <a:lnT w="12700" cap="flat" cmpd="sng" algn="ctr">
+                      <a:solidFill>
+                        <a:schemeClr val="tx1"/>
+                      </a:solidFill>
+                      <a:prstDash val="solid"/>
+                      <a:round/>
+                      <a:headEnd type="none" w="med" len="med"/>
+                      <a:tailEnd type="none" w="med" len="med"/>
+                    </a:lnT>
+                    <a:lnB w="12700" cap="flat" cmpd="sng" algn="ctr">
+                      <a:solidFill>
+                        <a:schemeClr val="tx1"/>
+                      </a:solidFill>
+                      <a:prstDash val="solid"/>
+                      <a:round/>
+                      <a:headEnd type="none" w="med" len="med"/>
+                      <a:tailEnd type="none" w="med" len="med"/>
+                    </a:lnB>
+                    <a:lnTlToBr w="12700" cmpd="sng">
+                      <a:noFill/>
+                      <a:prstDash val="solid"/>
+                    </a:lnTlToBr>
+                    <a:lnBlToTr w="12700" cmpd="sng">
+                      <a:noFill/>
+                      <a:prstDash val="solid"/>
+                    </a:lnBlToTr>
+                    <a:solidFill>
+                      <a:schemeClr val="bg1"/>
+                    </a:solidFill>
+                  </a:tcPr>
+                </a:tc>
+                <a:tc>
+                  <a:txBody>
+                    <a:bodyPr/>
+                    <a:lstStyle/>
+                    <a:p>
+                      <a:pPr marL="0" marR="0">
+                        <a:lnSpc>
+                          <a:spcPct val="107000"/>
+                        </a:lnSpc>
+                        <a:spcBef>
+                          <a:spcPts val="0"/>
+                        </a:spcBef>
+                        <a:spcAft>
+                          <a:spcPts val="800"/>
+                        </a:spcAft>
+                      </a:pPr>
+                      <a:r>
+                        <a:rPr lang="en-US" sz="1600" dirty="0">
+                          <a:effectLst/>
+                        </a:rPr>
+                        <a:t>12 PM - 4 PM : Teams</a:t>
+                      </a:r>
+                      <a:endParaRPr lang="en-US" sz="1600" dirty="0">
+                        <a:effectLst/>
+                        <a:latin typeface="Calibri" panose="020F0502020204030204" pitchFamily="34" charset="0"/>
+                        <a:ea typeface="Calibri" panose="020F0502020204030204" pitchFamily="34" charset="0"/>
+                        <a:cs typeface="Times New Roman" panose="02020603050405020304" pitchFamily="18" charset="0"/>
+                      </a:endParaRPr>
+                    </a:p>
+                  </a:txBody>
+                  <a:tcPr marL="15875" marR="15875" marT="15875" marB="15875" anchor="ctr">
+                    <a:lnL w="12700" cap="flat" cmpd="sng" algn="ctr">
+                      <a:solidFill>
+                        <a:schemeClr val="tx1"/>
+                      </a:solidFill>
+                      <a:prstDash val="solid"/>
+                      <a:round/>
+                      <a:headEnd type="none" w="med" len="med"/>
+                      <a:tailEnd type="none" w="med" len="med"/>
+                    </a:lnL>
+                    <a:lnR w="12700" cap="flat" cmpd="sng" algn="ctr">
+                      <a:solidFill>
+                        <a:schemeClr val="tx1"/>
+                      </a:solidFill>
+                      <a:prstDash val="solid"/>
+                      <a:round/>
+                      <a:headEnd type="none" w="med" len="med"/>
+                      <a:tailEnd type="none" w="med" len="med"/>
+                    </a:lnR>
+                    <a:lnT w="12700" cap="flat" cmpd="sng" algn="ctr">
+                      <a:solidFill>
+                        <a:schemeClr val="tx1"/>
+                      </a:solidFill>
+                      <a:prstDash val="solid"/>
+                      <a:round/>
+                      <a:headEnd type="none" w="med" len="med"/>
+                      <a:tailEnd type="none" w="med" len="med"/>
+                    </a:lnT>
+                    <a:lnB w="12700" cap="flat" cmpd="sng" algn="ctr">
+                      <a:solidFill>
+                        <a:schemeClr val="tx1"/>
+                      </a:solidFill>
+                      <a:prstDash val="solid"/>
+                      <a:round/>
+                      <a:headEnd type="none" w="med" len="med"/>
+                      <a:tailEnd type="none" w="med" len="med"/>
+                    </a:lnB>
+                    <a:lnTlToBr w="12700" cmpd="sng">
+                      <a:noFill/>
+                      <a:prstDash val="solid"/>
+                    </a:lnTlToBr>
+                    <a:lnBlToTr w="12700" cmpd="sng">
+                      <a:noFill/>
+                      <a:prstDash val="solid"/>
+                    </a:lnBlToTr>
+                    <a:solidFill>
+                      <a:schemeClr val="bg1"/>
+                    </a:solidFill>
+                  </a:tcPr>
+                </a:tc>
+                <a:extLst>
+                  <a:ext uri="{0D108BD9-81ED-4DB2-BD59-A6C34878D82A}">
+                    <a16:rowId xmlns:a16="http://schemas.microsoft.com/office/drawing/2014/main" val="1928039740"/>
+                  </a:ext>
+                </a:extLst>
+              </a:tr>
+            </a:tbl>
+          </a:graphicData>
+        </a:graphic>
+      </p:graphicFrame>
     </p:spTree>
     <p:extLst>
       <p:ext uri="{BB962C8B-B14F-4D97-AF65-F5344CB8AC3E}">
@@ -12736,8 +13613,8 @@
           </a:p>
         </p:txBody>
       </p:sp>
-      <mc:AlternateContent xmlns:mc="http://schemas.openxmlformats.org/markup-compatibility/2006">
-        <mc:Choice xmlns:p14="http://schemas.microsoft.com/office/powerpoint/2010/main" Requires="p14">
+      <mc:AlternateContent xmlns:mc="http://schemas.openxmlformats.org/markup-compatibility/2006" xmlns:p14="http://schemas.microsoft.com/office/powerpoint/2010/main">
+        <mc:Choice Requires="p14">
           <p:contentPart p14:bwMode="auto" r:id="rId2">
             <p14:nvContentPartPr>
               <p14:cNvPr id="5" name="Ink 4">
@@ -12756,7 +13633,7 @@
             </p14:xfrm>
           </p:contentPart>
         </mc:Choice>
-        <mc:Fallback>
+        <mc:Fallback xmlns="">
           <p:pic>
             <p:nvPicPr>
               <p:cNvPr id="5" name="Ink 4">
@@ -12787,8 +13664,8 @@
           </p:pic>
         </mc:Fallback>
       </mc:AlternateContent>
-      <mc:AlternateContent xmlns:mc="http://schemas.openxmlformats.org/markup-compatibility/2006">
-        <mc:Choice xmlns:p14="http://schemas.microsoft.com/office/powerpoint/2010/main" Requires="p14">
+      <mc:AlternateContent xmlns:mc="http://schemas.openxmlformats.org/markup-compatibility/2006" xmlns:p14="http://schemas.microsoft.com/office/powerpoint/2010/main">
+        <mc:Choice Requires="p14">
           <p:contentPart p14:bwMode="auto" r:id="rId4">
             <p14:nvContentPartPr>
               <p14:cNvPr id="6" name="Ink 5">
@@ -12807,7 +13684,7 @@
             </p14:xfrm>
           </p:contentPart>
         </mc:Choice>
-        <mc:Fallback>
+        <mc:Fallback xmlns="">
           <p:pic>
             <p:nvPicPr>
               <p:cNvPr id="6" name="Ink 5">
@@ -14538,20 +15415,20 @@
 </file>
 
 <file path=customXml/item2.xml><?xml version="1.0" encoding="utf-8"?>
+<p:properties xmlns:p="http://schemas.microsoft.com/office/2006/metadata/properties" xmlns:xsi="http://www.w3.org/2001/XMLSchema-instance" xmlns:pc="http://schemas.microsoft.com/office/infopath/2007/PartnerControls">
+  <documentManagement>
+    <_activity xmlns="92c41bee-f0ee-4aa6-9399-a35fbb883510" xsi:nil="true"/>
+  </documentManagement>
+</p:properties>
+</file>
+
+<file path=customXml/item3.xml><?xml version="1.0" encoding="utf-8"?>
 <?mso-contentType ?>
 <FormTemplates xmlns="http://schemas.microsoft.com/sharepoint/v3/contenttype/forms">
   <Display>DocumentLibraryForm</Display>
   <Edit>DocumentLibraryForm</Edit>
   <New>DocumentLibraryForm</New>
 </FormTemplates>
-</file>
-
-<file path=customXml/item3.xml><?xml version="1.0" encoding="utf-8"?>
-<p:properties xmlns:p="http://schemas.microsoft.com/office/2006/metadata/properties" xmlns:xsi="http://www.w3.org/2001/XMLSchema-instance" xmlns:pc="http://schemas.microsoft.com/office/infopath/2007/PartnerControls">
-  <documentManagement>
-    <_activity xmlns="92c41bee-f0ee-4aa6-9399-a35fbb883510" xsi:nil="true"/>
-  </documentManagement>
-</p:properties>
 </file>
 
 <file path=customXml/itemProps1.xml><?xml version="1.0" encoding="utf-8"?>
@@ -14574,26 +15451,26 @@
 </file>
 
 <file path=customXml/itemProps2.xml><?xml version="1.0" encoding="utf-8"?>
+<ds:datastoreItem xmlns:ds="http://schemas.openxmlformats.org/officeDocument/2006/customXml" ds:itemID="{B0ABAC91-C1EB-481F-B60B-A09C54856BBA}">
+  <ds:schemaRefs>
+    <ds:schemaRef ds:uri="http://purl.org/dc/terms/"/>
+    <ds:schemaRef ds:uri="e06ed288-fd75-4b50-bbed-f5a5df88c31c"/>
+    <ds:schemaRef ds:uri="http://www.w3.org/XML/1998/namespace"/>
+    <ds:schemaRef ds:uri="http://schemas.microsoft.com/office/infopath/2007/PartnerControls"/>
+    <ds:schemaRef ds:uri="http://schemas.microsoft.com/office/2006/metadata/properties"/>
+    <ds:schemaRef ds:uri="http://purl.org/dc/elements/1.1/"/>
+    <ds:schemaRef ds:uri="http://schemas.microsoft.com/office/2006/documentManagement/types"/>
+    <ds:schemaRef ds:uri="92c41bee-f0ee-4aa6-9399-a35fbb883510"/>
+    <ds:schemaRef ds:uri="http://schemas.openxmlformats.org/package/2006/metadata/core-properties"/>
+    <ds:schemaRef ds:uri="http://purl.org/dc/dcmitype/"/>
+  </ds:schemaRefs>
+</ds:datastoreItem>
+</file>
+
+<file path=customXml/itemProps3.xml><?xml version="1.0" encoding="utf-8"?>
 <ds:datastoreItem xmlns:ds="http://schemas.openxmlformats.org/officeDocument/2006/customXml" ds:itemID="{89A51EB2-5938-4503-962D-41917281861E}">
   <ds:schemaRefs>
     <ds:schemaRef ds:uri="http://schemas.microsoft.com/sharepoint/v3/contenttype/forms"/>
   </ds:schemaRefs>
 </ds:datastoreItem>
-</file>
-
-<file path=customXml/itemProps3.xml><?xml version="1.0" encoding="utf-8"?>
-<ds:datastoreItem xmlns:ds="http://schemas.openxmlformats.org/officeDocument/2006/customXml" ds:itemID="{B0ABAC91-C1EB-481F-B60B-A09C54856BBA}">
-  <ds:schemaRefs>
-    <ds:schemaRef ds:uri="e06ed288-fd75-4b50-bbed-f5a5df88c31c"/>
-    <ds:schemaRef ds:uri="http://schemas.openxmlformats.org/package/2006/metadata/core-properties"/>
-    <ds:schemaRef ds:uri="http://schemas.microsoft.com/office/infopath/2007/PartnerControls"/>
-    <ds:schemaRef ds:uri="http://purl.org/dc/elements/1.1/"/>
-    <ds:schemaRef ds:uri="92c41bee-f0ee-4aa6-9399-a35fbb883510"/>
-    <ds:schemaRef ds:uri="http://purl.org/dc/terms/"/>
-    <ds:schemaRef ds:uri="http://schemas.microsoft.com/office/2006/metadata/properties"/>
-    <ds:schemaRef ds:uri="http://www.w3.org/XML/1998/namespace"/>
-    <ds:schemaRef ds:uri="http://schemas.microsoft.com/office/2006/documentManagement/types"/>
-    <ds:schemaRef ds:uri="http://purl.org/dc/dcmitype/"/>
-  </ds:schemaRefs>
-</ds:datastoreItem>
 </file>
--- a/slides/On-Campus/09_03_MoreClasses.pptx
+++ b/slides/On-Campus/09_03_MoreClasses.pptx
@@ -145,39 +145,20 @@
 <file path=ppt/changesInfos/changesInfo1.xml><?xml version="1.0" encoding="utf-8"?>
 <pc:chgInfo xmlns:a="http://schemas.openxmlformats.org/drawingml/2006/main" xmlns:r="http://schemas.openxmlformats.org/officeDocument/2006/relationships" xmlns:ac="http://schemas.microsoft.com/office/drawing/2013/main/command" xmlns:pc="http://schemas.microsoft.com/office/powerpoint/2013/main/command">
   <pc:docChgLst>
-    <pc:chgData name="Marcia Moraes" userId="c9c67e8a-58e2-4733-9a1c-5d44fec4775b" providerId="ADAL" clId="{D79FB4EA-AD9E-48DA-9A09-B5201FDCFA77}"/>
-  </pc:docChgLst>
-  <pc:docChgLst>
-    <pc:chgData name="Marcia Moraes" userId="c9c67e8a-58e2-4733-9a1c-5d44fec4775b" providerId="ADAL" clId="{CA673059-942D-4FC2-B7DB-95A394EB4144}"/>
-    <pc:docChg chg="custSel modSld">
-      <pc:chgData name="Marcia Moraes" userId="c9c67e8a-58e2-4733-9a1c-5d44fec4775b" providerId="ADAL" clId="{CA673059-942D-4FC2-B7DB-95A394EB4144}" dt="2023-10-11T00:49:38.468" v="2" actId="1076"/>
+    <pc:chgData name="Marcia Moraes" userId="c9c67e8a-58e2-4733-9a1c-5d44fec4775b" providerId="ADAL" clId="{C0E3466E-3C8B-4202-9A57-B9E419E9AC88}"/>
+    <pc:docChg chg="modSld">
+      <pc:chgData name="Marcia Moraes" userId="c9c67e8a-58e2-4733-9a1c-5d44fec4775b" providerId="ADAL" clId="{C0E3466E-3C8B-4202-9A57-B9E419E9AC88}" dt="2024-03-06T15:35:52.214" v="8" actId="20577"/>
       <pc:docMkLst>
         <pc:docMk/>
       </pc:docMkLst>
-      <pc:sldChg chg="addSp delSp modSp">
-        <pc:chgData name="Marcia Moraes" userId="c9c67e8a-58e2-4733-9a1c-5d44fec4775b" providerId="ADAL" clId="{CA673059-942D-4FC2-B7DB-95A394EB4144}" dt="2023-10-11T00:49:38.468" v="2" actId="1076"/>
+      <pc:sldChg chg="modSp">
+        <pc:chgData name="Marcia Moraes" userId="c9c67e8a-58e2-4733-9a1c-5d44fec4775b" providerId="ADAL" clId="{C0E3466E-3C8B-4202-9A57-B9E419E9AC88}" dt="2024-03-06T15:35:52.214" v="8" actId="20577"/>
         <pc:sldMkLst>
           <pc:docMk/>
           <pc:sldMk cId="2571368551" sldId="272"/>
         </pc:sldMkLst>
-        <pc:spChg chg="del">
-          <ac:chgData name="Marcia Moraes" userId="c9c67e8a-58e2-4733-9a1c-5d44fec4775b" providerId="ADAL" clId="{CA673059-942D-4FC2-B7DB-95A394EB4144}" dt="2023-10-11T00:49:31.607" v="0" actId="478"/>
-          <ac:spMkLst>
-            <pc:docMk/>
-            <pc:sldMk cId="2571368551" sldId="272"/>
-            <ac:spMk id="5" creationId="{1E54CBCD-3447-4F03-970A-F1628F46BEF2}"/>
-          </ac:spMkLst>
-        </pc:spChg>
-        <pc:spChg chg="add mod">
-          <ac:chgData name="Marcia Moraes" userId="c9c67e8a-58e2-4733-9a1c-5d44fec4775b" providerId="ADAL" clId="{CA673059-942D-4FC2-B7DB-95A394EB4144}" dt="2023-10-11T00:49:38.468" v="2" actId="1076"/>
-          <ac:spMkLst>
-            <pc:docMk/>
-            <pc:sldMk cId="2571368551" sldId="272"/>
-            <ac:spMk id="7" creationId="{3533720F-4B76-430B-AB26-69D7FE91CB57}"/>
-          </ac:spMkLst>
-        </pc:spChg>
-        <pc:graphicFrameChg chg="add mod">
-          <ac:chgData name="Marcia Moraes" userId="c9c67e8a-58e2-4733-9a1c-5d44fec4775b" providerId="ADAL" clId="{CA673059-942D-4FC2-B7DB-95A394EB4144}" dt="2023-10-11T00:49:38.468" v="2" actId="1076"/>
+        <pc:graphicFrameChg chg="modGraphic">
+          <ac:chgData name="Marcia Moraes" userId="c9c67e8a-58e2-4733-9a1c-5d44fec4775b" providerId="ADAL" clId="{C0E3466E-3C8B-4202-9A57-B9E419E9AC88}" dt="2024-03-06T15:35:52.214" v="8" actId="20577"/>
           <ac:graphicFrameMkLst>
             <pc:docMk/>
             <pc:sldMk cId="2571368551" sldId="272"/>
@@ -186,6 +167,12 @@
         </pc:graphicFrameChg>
       </pc:sldChg>
     </pc:docChg>
+  </pc:docChgLst>
+  <pc:docChgLst>
+    <pc:chgData name="Marcia Moraes" userId="c9c67e8a-58e2-4733-9a1c-5d44fec4775b" providerId="ADAL" clId="{D79FB4EA-AD9E-48DA-9A09-B5201FDCFA77}"/>
+  </pc:docChgLst>
+  <pc:docChgLst>
+    <pc:chgData name="Marcia Moraes" userId="c9c67e8a-58e2-4733-9a1c-5d44fec4775b" providerId="ADAL" clId="{CA673059-942D-4FC2-B7DB-95A394EB4144}"/>
   </pc:docChgLst>
 </pc:chgInfo>
 </file>
@@ -272,7 +259,7 @@
           <a:p>
             <a:fld id="{4D7E51A5-B478-1E40-8CBB-0DAA8831E99D}" type="datetimeFigureOut">
               <a:rPr lang="en-US" smtClean="0"/>
-              <a:t>10/11/2023</a:t>
+              <a:t>3/6/2024</a:t>
             </a:fld>
             <a:endParaRPr lang="en-US"/>
           </a:p>
@@ -493,7 +480,7 @@
           <a:p>
             <a:fld id="{D0ED587F-861E-6740-9643-E3DDAE89B8D6}" type="datetimeFigureOut">
               <a:rPr lang="en-US" smtClean="0"/>
-              <a:t>10/11/2023</a:t>
+              <a:t>3/6/2024</a:t>
             </a:fld>
             <a:endParaRPr lang="en-US"/>
           </a:p>
@@ -8584,7 +8571,7 @@
           <p:nvPr>
             <p:extLst>
               <p:ext uri="{D42A27DB-BD31-4B8C-83A1-F6EECF244321}">
-                <p14:modId xmlns:p14="http://schemas.microsoft.com/office/powerpoint/2010/main" val="1038366294"/>
+                <p14:modId xmlns:p14="http://schemas.microsoft.com/office/powerpoint/2010/main" val="1944119755"/>
               </p:ext>
             </p:extLst>
           </p:nvPr>
@@ -8895,7 +8882,7 @@
                         <a:rPr lang="en-US" sz="1600" dirty="0">
                           <a:effectLst/>
                         </a:rPr>
-                        <a:t>12 PM - 2 PM : CSB 120</a:t>
+                        <a:t>3 PM - 5 PM : CSB 120</a:t>
                       </a:r>
                       <a:endParaRPr lang="en-US" sz="1600" dirty="0">
                         <a:effectLst/>
@@ -15180,6 +15167,23 @@
 </file>
 
 <file path=customXml/item1.xml><?xml version="1.0" encoding="utf-8"?>
+<?mso-contentType ?>
+<FormTemplates xmlns="http://schemas.microsoft.com/sharepoint/v3/contenttype/forms">
+  <Display>DocumentLibraryForm</Display>
+  <Edit>DocumentLibraryForm</Edit>
+  <New>DocumentLibraryForm</New>
+</FormTemplates>
+</file>
+
+<file path=customXml/item2.xml><?xml version="1.0" encoding="utf-8"?>
+<p:properties xmlns:p="http://schemas.microsoft.com/office/2006/metadata/properties" xmlns:xsi="http://www.w3.org/2001/XMLSchema-instance" xmlns:pc="http://schemas.microsoft.com/office/infopath/2007/PartnerControls">
+  <documentManagement>
+    <_activity xmlns="92c41bee-f0ee-4aa6-9399-a35fbb883510" xsi:nil="true"/>
+  </documentManagement>
+</p:properties>
+</file>
+
+<file path=customXml/item3.xml><?xml version="1.0" encoding="utf-8"?>
 <ct:contentTypeSchema xmlns:ct="http://schemas.microsoft.com/office/2006/metadata/contentType" xmlns:ma="http://schemas.microsoft.com/office/2006/metadata/properties/metaAttributes" ct:_="" ma:_="" ma:contentTypeName="Document" ma:contentTypeID="0x010100074387D78AC76C4289401EF66FB51FCC" ma:contentTypeVersion="15" ma:contentTypeDescription="Create a new document." ma:contentTypeScope="" ma:versionID="d3659bec8b8330148a03d82a9d99f412">
   <xsd:schema xmlns:xsd="http://www.w3.org/2001/XMLSchema" xmlns:xs="http://www.w3.org/2001/XMLSchema" xmlns:p="http://schemas.microsoft.com/office/2006/metadata/properties" xmlns:ns3="92c41bee-f0ee-4aa6-9399-a35fbb883510" xmlns:ns4="e06ed288-fd75-4b50-bbed-f5a5df88c31c" targetNamespace="http://schemas.microsoft.com/office/2006/metadata/properties" ma:root="true" ma:fieldsID="1a21d371127b63848c9a2290f5945250" ns3:_="" ns4:_="">
     <xsd:import namespace="92c41bee-f0ee-4aa6-9399-a35fbb883510"/>
@@ -15414,24 +15418,32 @@
 </ct:contentTypeSchema>
 </file>
 
-<file path=customXml/item2.xml><?xml version="1.0" encoding="utf-8"?>
-<p:properties xmlns:p="http://schemas.microsoft.com/office/2006/metadata/properties" xmlns:xsi="http://www.w3.org/2001/XMLSchema-instance" xmlns:pc="http://schemas.microsoft.com/office/infopath/2007/PartnerControls">
-  <documentManagement>
-    <_activity xmlns="92c41bee-f0ee-4aa6-9399-a35fbb883510" xsi:nil="true"/>
-  </documentManagement>
-</p:properties>
+<file path=customXml/itemProps1.xml><?xml version="1.0" encoding="utf-8"?>
+<ds:datastoreItem xmlns:ds="http://schemas.openxmlformats.org/officeDocument/2006/customXml" ds:itemID="{89A51EB2-5938-4503-962D-41917281861E}">
+  <ds:schemaRefs>
+    <ds:schemaRef ds:uri="http://schemas.microsoft.com/sharepoint/v3/contenttype/forms"/>
+  </ds:schemaRefs>
+</ds:datastoreItem>
 </file>
 
-<file path=customXml/item3.xml><?xml version="1.0" encoding="utf-8"?>
-<?mso-contentType ?>
-<FormTemplates xmlns="http://schemas.microsoft.com/sharepoint/v3/contenttype/forms">
-  <Display>DocumentLibraryForm</Display>
-  <Edit>DocumentLibraryForm</Edit>
-  <New>DocumentLibraryForm</New>
-</FormTemplates>
+<file path=customXml/itemProps2.xml><?xml version="1.0" encoding="utf-8"?>
+<ds:datastoreItem xmlns:ds="http://schemas.openxmlformats.org/officeDocument/2006/customXml" ds:itemID="{B0ABAC91-C1EB-481F-B60B-A09C54856BBA}">
+  <ds:schemaRefs>
+    <ds:schemaRef ds:uri="http://purl.org/dc/dcmitype/"/>
+    <ds:schemaRef ds:uri="http://schemas.microsoft.com/office/2006/documentManagement/types"/>
+    <ds:schemaRef ds:uri="http://purl.org/dc/elements/1.1/"/>
+    <ds:schemaRef ds:uri="http://www.w3.org/XML/1998/namespace"/>
+    <ds:schemaRef ds:uri="92c41bee-f0ee-4aa6-9399-a35fbb883510"/>
+    <ds:schemaRef ds:uri="http://purl.org/dc/terms/"/>
+    <ds:schemaRef ds:uri="http://schemas.microsoft.com/office/infopath/2007/PartnerControls"/>
+    <ds:schemaRef ds:uri="http://schemas.openxmlformats.org/package/2006/metadata/core-properties"/>
+    <ds:schemaRef ds:uri="e06ed288-fd75-4b50-bbed-f5a5df88c31c"/>
+    <ds:schemaRef ds:uri="http://schemas.microsoft.com/office/2006/metadata/properties"/>
+  </ds:schemaRefs>
+</ds:datastoreItem>
 </file>
 
-<file path=customXml/itemProps1.xml><?xml version="1.0" encoding="utf-8"?>
+<file path=customXml/itemProps3.xml><?xml version="1.0" encoding="utf-8"?>
 <ds:datastoreItem xmlns:ds="http://schemas.openxmlformats.org/officeDocument/2006/customXml" ds:itemID="{35D18CAB-B00B-469B-942C-798A83C49EBE}">
   <ds:schemaRefs>
     <ds:schemaRef ds:uri="http://schemas.microsoft.com/office/2006/metadata/contentType"/>
@@ -15448,29 +15460,4 @@
     <ds:schemaRef ds:uri="http://schemas.microsoft.com/internal/obd"/>
   </ds:schemaRefs>
 </ds:datastoreItem>
-</file>
-
-<file path=customXml/itemProps2.xml><?xml version="1.0" encoding="utf-8"?>
-<ds:datastoreItem xmlns:ds="http://schemas.openxmlformats.org/officeDocument/2006/customXml" ds:itemID="{B0ABAC91-C1EB-481F-B60B-A09C54856BBA}">
-  <ds:schemaRefs>
-    <ds:schemaRef ds:uri="http://purl.org/dc/terms/"/>
-    <ds:schemaRef ds:uri="e06ed288-fd75-4b50-bbed-f5a5df88c31c"/>
-    <ds:schemaRef ds:uri="http://www.w3.org/XML/1998/namespace"/>
-    <ds:schemaRef ds:uri="http://schemas.microsoft.com/office/infopath/2007/PartnerControls"/>
-    <ds:schemaRef ds:uri="http://schemas.microsoft.com/office/2006/metadata/properties"/>
-    <ds:schemaRef ds:uri="http://purl.org/dc/elements/1.1/"/>
-    <ds:schemaRef ds:uri="http://schemas.microsoft.com/office/2006/documentManagement/types"/>
-    <ds:schemaRef ds:uri="92c41bee-f0ee-4aa6-9399-a35fbb883510"/>
-    <ds:schemaRef ds:uri="http://schemas.openxmlformats.org/package/2006/metadata/core-properties"/>
-    <ds:schemaRef ds:uri="http://purl.org/dc/dcmitype/"/>
-  </ds:schemaRefs>
-</ds:datastoreItem>
-</file>
-
-<file path=customXml/itemProps3.xml><?xml version="1.0" encoding="utf-8"?>
-<ds:datastoreItem xmlns:ds="http://schemas.openxmlformats.org/officeDocument/2006/customXml" ds:itemID="{89A51EB2-5938-4503-962D-41917281861E}">
-  <ds:schemaRefs>
-    <ds:schemaRef ds:uri="http://schemas.microsoft.com/sharepoint/v3/contenttype/forms"/>
-  </ds:schemaRefs>
-</ds:datastoreItem>
 </file>